--- a/Presentation.pptx
+++ b/Presentation.pptx
@@ -6,10 +6,11 @@
   </p:sldMasterIdLst>
   <p:sldIdLst>
     <p:sldId id="256" r:id="rId2"/>
-    <p:sldId id="257" r:id="rId3"/>
-    <p:sldId id="258" r:id="rId4"/>
-    <p:sldId id="259" r:id="rId5"/>
-    <p:sldId id="260" r:id="rId6"/>
+    <p:sldId id="261" r:id="rId3"/>
+    <p:sldId id="257" r:id="rId4"/>
+    <p:sldId id="258" r:id="rId5"/>
+    <p:sldId id="259" r:id="rId6"/>
+    <p:sldId id="260" r:id="rId7"/>
   </p:sldIdLst>
   <p:sldSz cx="12192000" cy="6858000"/>
   <p:notesSz cx="6858000" cy="9144000"/>
@@ -3456,12 +3457,12 @@
           <a:lstStyle/>
           <a:p>
             <a:r>
-              <a:rPr lang="en-US">
+              <a:rPr lang="en-US" dirty="0">
                 <a:solidFill>
                   <a:srgbClr val="FFFFFF"/>
                 </a:solidFill>
               </a:rPr>
-              <a:t>Chicago Restaurant</a:t>
+              <a:t>Restaurant Classification</a:t>
             </a:r>
           </a:p>
         </p:txBody>
@@ -3494,7 +3495,7 @@
           </a:bodyPr>
           <a:lstStyle/>
           <a:p>
-            <a:endParaRPr lang="en-US">
+            <a:endParaRPr lang="en-US" dirty="0">
               <a:solidFill>
                 <a:srgbClr val="FFFFFF"/>
               </a:solidFill>
@@ -3537,7 +3538,7 @@
           <p:cNvPr id="2" name="Title 1">
             <a:extLst>
               <a:ext uri="{FF2B5EF4-FFF2-40B4-BE49-F238E27FC236}">
-                <a16:creationId xmlns:a16="http://schemas.microsoft.com/office/drawing/2014/main" id="{B93231E6-0738-554E-8C12-14B283899572}"/>
+                <a16:creationId xmlns:a16="http://schemas.microsoft.com/office/drawing/2014/main" id="{6085E475-C0F4-4245-BDE8-D4AD65E1967A}"/>
               </a:ext>
             </a:extLst>
           </p:cNvPr>
@@ -3565,7 +3566,7 @@
           <p:cNvPr id="3" name="Content Placeholder 2">
             <a:extLst>
               <a:ext uri="{FF2B5EF4-FFF2-40B4-BE49-F238E27FC236}">
-                <a16:creationId xmlns:a16="http://schemas.microsoft.com/office/drawing/2014/main" id="{2A7FAEBC-C3F1-5A40-B6F5-541625A93548}"/>
+                <a16:creationId xmlns:a16="http://schemas.microsoft.com/office/drawing/2014/main" id="{C8BD5E33-80E6-E545-B6B4-DB58A9D90650}"/>
               </a:ext>
             </a:extLst>
           </p:cNvPr>
@@ -3578,50 +3579,81 @@
         </p:nvSpPr>
         <p:spPr/>
         <p:txBody>
-          <a:bodyPr/>
-          <a:lstStyle/>
-          <a:p>
-            <a:r>
-              <a:rPr lang="en-US" dirty="0"/>
-              <a:t>Introduction</a:t>
-            </a:r>
-          </a:p>
-          <a:p>
-            <a:r>
-              <a:rPr lang="en-US" dirty="0"/>
-              <a:t>Data</a:t>
-            </a:r>
-          </a:p>
-          <a:p>
-            <a:r>
-              <a:rPr lang="en-US" dirty="0"/>
-              <a:t>Natural Language Processing</a:t>
-            </a:r>
-          </a:p>
-          <a:p>
-            <a:r>
-              <a:rPr lang="en-US" dirty="0"/>
-              <a:t>Classification</a:t>
-            </a:r>
-          </a:p>
-          <a:p>
-            <a:r>
-              <a:rPr lang="en-US" dirty="0"/>
-              <a:t>Model Results</a:t>
-            </a:r>
-          </a:p>
-          <a:p>
-            <a:r>
-              <a:rPr lang="en-US" dirty="0"/>
-              <a:t>Summary</a:t>
-            </a:r>
+          <a:bodyPr>
+            <a:normAutofit/>
+          </a:bodyPr>
+          <a:lstStyle/>
+          <a:p>
+            <a:pPr marL="0" indent="0">
+              <a:buNone/>
+            </a:pPr>
+            <a:r>
+              <a:rPr lang="en-US" sz="2400" dirty="0"/>
+              <a:t>The goal is to apply Natural Language Processing and Machine Learning to build a </a:t>
+            </a:r>
+            <a:r>
+              <a:rPr lang="en-US" sz="2400" b="1" dirty="0"/>
+              <a:t>multinomial classification model</a:t>
+            </a:r>
+            <a:r>
+              <a:rPr lang="en-US" sz="2400" dirty="0"/>
+              <a:t>. This model will predict the results of a food inspection based on the inspector’s comments. </a:t>
+            </a:r>
+          </a:p>
+          <a:p>
+            <a:pPr marL="0" indent="0">
+              <a:buNone/>
+            </a:pPr>
+            <a:endParaRPr lang="en-US" sz="2400" dirty="0"/>
+          </a:p>
+          <a:p>
+            <a:pPr marL="0" indent="0">
+              <a:buNone/>
+            </a:pPr>
+            <a:r>
+              <a:rPr lang="en-US" sz="2400" dirty="0"/>
+              <a:t>As a result, the model will only consider the inspector’s comments. Other features, such as location, business type, and risk factor, will not be included.</a:t>
+            </a:r>
+          </a:p>
+          <a:p>
+            <a:pPr marL="0" indent="0">
+              <a:buNone/>
+            </a:pPr>
+            <a:endParaRPr lang="en-US" sz="2400" dirty="0"/>
+          </a:p>
+          <a:p>
+            <a:pPr marL="0" indent="0">
+              <a:buNone/>
+            </a:pPr>
+            <a:r>
+              <a:rPr lang="en-US" sz="2400" dirty="0"/>
+              <a:t>The data source is provided by the City of Chicago Health and Human Services and is for the timeframe (____)</a:t>
+            </a:r>
+          </a:p>
+          <a:p>
+            <a:pPr marL="0" indent="0">
+              <a:buNone/>
+            </a:pPr>
+            <a:endParaRPr lang="en-US" sz="2400" dirty="0"/>
+          </a:p>
+          <a:p>
+            <a:pPr marL="0" indent="0">
+              <a:buNone/>
+            </a:pPr>
+            <a:endParaRPr lang="en-US" sz="2400" dirty="0"/>
+          </a:p>
+          <a:p>
+            <a:pPr marL="0" indent="0">
+              <a:buNone/>
+            </a:pPr>
+            <a:endParaRPr lang="en-US" sz="2400" dirty="0"/>
           </a:p>
         </p:txBody>
       </p:sp>
     </p:spTree>
     <p:extLst>
       <p:ext uri="{BB962C8B-B14F-4D97-AF65-F5344CB8AC3E}">
-        <p14:creationId xmlns:p14="http://schemas.microsoft.com/office/powerpoint/2010/main" val="3233333404"/>
+        <p14:creationId xmlns:p14="http://schemas.microsoft.com/office/powerpoint/2010/main" val="29741159"/>
       </p:ext>
     </p:extLst>
   </p:cSld>
@@ -3653,7 +3685,7 @@
           <p:cNvPr id="2" name="Title 1">
             <a:extLst>
               <a:ext uri="{FF2B5EF4-FFF2-40B4-BE49-F238E27FC236}">
-                <a16:creationId xmlns:a16="http://schemas.microsoft.com/office/drawing/2014/main" id="{F12B0F1A-B09E-4D4D-A2B3-344630841D9D}"/>
+                <a16:creationId xmlns:a16="http://schemas.microsoft.com/office/drawing/2014/main" id="{B93231E6-0738-554E-8C12-14B283899572}"/>
               </a:ext>
             </a:extLst>
           </p:cNvPr>
@@ -3669,7 +3701,10 @@
           <a:bodyPr/>
           <a:lstStyle/>
           <a:p>
-            <a:endParaRPr lang="en-US" dirty="0"/>
+            <a:r>
+              <a:rPr lang="en-US" dirty="0"/>
+              <a:t>Overview</a:t>
+            </a:r>
           </a:p>
         </p:txBody>
       </p:sp>
@@ -3678,7 +3713,7 @@
           <p:cNvPr id="3" name="Content Placeholder 2">
             <a:extLst>
               <a:ext uri="{FF2B5EF4-FFF2-40B4-BE49-F238E27FC236}">
-                <a16:creationId xmlns:a16="http://schemas.microsoft.com/office/drawing/2014/main" id="{15C79D84-5CFC-6F45-BA69-E1CFCE67DA6D}"/>
+                <a16:creationId xmlns:a16="http://schemas.microsoft.com/office/drawing/2014/main" id="{2A7FAEBC-C3F1-5A40-B6F5-541625A93548}"/>
               </a:ext>
             </a:extLst>
           </p:cNvPr>
@@ -3694,14 +3729,47 @@
           <a:bodyPr/>
           <a:lstStyle/>
           <a:p>
-            <a:endParaRPr lang="en-US"/>
+            <a:r>
+              <a:rPr lang="en-US" dirty="0"/>
+              <a:t>Introduction</a:t>
+            </a:r>
+          </a:p>
+          <a:p>
+            <a:r>
+              <a:rPr lang="en-US" dirty="0"/>
+              <a:t>Data</a:t>
+            </a:r>
+          </a:p>
+          <a:p>
+            <a:r>
+              <a:rPr lang="en-US" dirty="0"/>
+              <a:t>Natural Language Processing</a:t>
+            </a:r>
+          </a:p>
+          <a:p>
+            <a:r>
+              <a:rPr lang="en-US" dirty="0"/>
+              <a:t>Classification</a:t>
+            </a:r>
+          </a:p>
+          <a:p>
+            <a:r>
+              <a:rPr lang="en-US" dirty="0"/>
+              <a:t>Model Results</a:t>
+            </a:r>
+          </a:p>
+          <a:p>
+            <a:r>
+              <a:rPr lang="en-US" dirty="0"/>
+              <a:t>Summary</a:t>
+            </a:r>
           </a:p>
         </p:txBody>
       </p:sp>
     </p:spTree>
     <p:extLst>
       <p:ext uri="{BB962C8B-B14F-4D97-AF65-F5344CB8AC3E}">
-        <p14:creationId xmlns:p14="http://schemas.microsoft.com/office/powerpoint/2010/main" val="272077139"/>
+        <p14:creationId xmlns:p14="http://schemas.microsoft.com/office/powerpoint/2010/main" val="3233333404"/>
       </p:ext>
     </p:extLst>
   </p:cSld>
@@ -3733,6 +3801,134 @@
           <p:cNvPr id="2" name="Title 1">
             <a:extLst>
               <a:ext uri="{FF2B5EF4-FFF2-40B4-BE49-F238E27FC236}">
+                <a16:creationId xmlns:a16="http://schemas.microsoft.com/office/drawing/2014/main" id="{F12B0F1A-B09E-4D4D-A2B3-344630841D9D}"/>
+              </a:ext>
+            </a:extLst>
+          </p:cNvPr>
+          <p:cNvSpPr>
+            <a:spLocks noGrp="1"/>
+          </p:cNvSpPr>
+          <p:nvPr>
+            <p:ph type="title"/>
+          </p:nvPr>
+        </p:nvSpPr>
+        <p:spPr/>
+        <p:txBody>
+          <a:bodyPr/>
+          <a:lstStyle/>
+          <a:p>
+            <a:r>
+              <a:rPr lang="en-US" dirty="0"/>
+              <a:t>Data</a:t>
+            </a:r>
+          </a:p>
+        </p:txBody>
+      </p:sp>
+      <p:sp>
+        <p:nvSpPr>
+          <p:cNvPr id="3" name="Content Placeholder 2">
+            <a:extLst>
+              <a:ext uri="{FF2B5EF4-FFF2-40B4-BE49-F238E27FC236}">
+                <a16:creationId xmlns:a16="http://schemas.microsoft.com/office/drawing/2014/main" id="{15C79D84-5CFC-6F45-BA69-E1CFCE67DA6D}"/>
+              </a:ext>
+            </a:extLst>
+          </p:cNvPr>
+          <p:cNvSpPr>
+            <a:spLocks noGrp="1"/>
+          </p:cNvSpPr>
+          <p:nvPr>
+            <p:ph idx="1"/>
+          </p:nvPr>
+        </p:nvSpPr>
+        <p:spPr/>
+        <p:txBody>
+          <a:bodyPr>
+            <a:normAutofit/>
+          </a:bodyPr>
+          <a:lstStyle/>
+          <a:p>
+            <a:pPr marL="0" indent="0">
+              <a:buNone/>
+            </a:pPr>
+            <a:r>
+              <a:rPr lang="en-US" sz="1500" dirty="0"/>
+              <a:t>Source: </a:t>
+            </a:r>
+            <a:r>
+              <a:rPr lang="en-US" sz="1500" dirty="0">
+                <a:hlinkClick r:id="rId2"/>
+              </a:rPr>
+              <a:t>https://data.cityofchicago.org/Health-Human-Services/Food-Inspections/4ijn-s7e5</a:t>
+            </a:r>
+            <a:endParaRPr lang="en-US" sz="1500" dirty="0"/>
+          </a:p>
+        </p:txBody>
+      </p:sp>
+      <p:pic>
+        <p:nvPicPr>
+          <p:cNvPr id="5" name="Picture 4" descr="Text&#10;&#10;Description automatically generated">
+            <a:extLst>
+              <a:ext uri="{FF2B5EF4-FFF2-40B4-BE49-F238E27FC236}">
+                <a16:creationId xmlns:a16="http://schemas.microsoft.com/office/drawing/2014/main" id="{85A4BD39-48D6-884A-B339-D6B9649FFC33}"/>
+              </a:ext>
+            </a:extLst>
+          </p:cNvPr>
+          <p:cNvPicPr>
+            <a:picLocks noChangeAspect="1"/>
+          </p:cNvPicPr>
+          <p:nvPr/>
+        </p:nvPicPr>
+        <p:blipFill>
+          <a:blip r:embed="rId3"/>
+          <a:stretch>
+            <a:fillRect/>
+          </a:stretch>
+        </p:blipFill>
+        <p:spPr>
+          <a:xfrm>
+            <a:off x="838200" y="3202343"/>
+            <a:ext cx="3168192" cy="2845869"/>
+          </a:xfrm>
+          <a:prstGeom prst="rect">
+            <a:avLst/>
+          </a:prstGeom>
+        </p:spPr>
+      </p:pic>
+    </p:spTree>
+    <p:extLst>
+      <p:ext uri="{BB962C8B-B14F-4D97-AF65-F5344CB8AC3E}">
+        <p14:creationId xmlns:p14="http://schemas.microsoft.com/office/powerpoint/2010/main" val="272077139"/>
+      </p:ext>
+    </p:extLst>
+  </p:cSld>
+  <p:clrMapOvr>
+    <a:masterClrMapping/>
+  </p:clrMapOvr>
+</p:sld>
+</file>
+
+<file path=ppt/slides/slide5.xml><?xml version="1.0" encoding="utf-8"?>
+<p:sld xmlns:a="http://schemas.openxmlformats.org/drawingml/2006/main" xmlns:r="http://schemas.openxmlformats.org/officeDocument/2006/relationships" xmlns:p="http://schemas.openxmlformats.org/presentationml/2006/main">
+  <p:cSld>
+    <p:spTree>
+      <p:nvGrpSpPr>
+        <p:cNvPr id="1" name=""/>
+        <p:cNvGrpSpPr/>
+        <p:nvPr/>
+      </p:nvGrpSpPr>
+      <p:grpSpPr>
+        <a:xfrm>
+          <a:off x="0" y="0"/>
+          <a:ext cx="0" cy="0"/>
+          <a:chOff x="0" y="0"/>
+          <a:chExt cx="0" cy="0"/>
+        </a:xfrm>
+      </p:grpSpPr>
+      <p:sp>
+        <p:nvSpPr>
+          <p:cNvPr id="2" name="Title 1">
+            <a:extLst>
+              <a:ext uri="{FF2B5EF4-FFF2-40B4-BE49-F238E27FC236}">
                 <a16:creationId xmlns:a16="http://schemas.microsoft.com/office/drawing/2014/main" id="{B3B1DFEA-7CDA-9C43-8F18-DA6A29B0D8D3}"/>
               </a:ext>
             </a:extLst>
@@ -3744,40 +3940,52 @@
             <p:ph type="title"/>
           </p:nvPr>
         </p:nvSpPr>
-        <p:spPr/>
-        <p:txBody>
-          <a:bodyPr/>
-          <a:lstStyle/>
-          <a:p>
-            <a:endParaRPr lang="en-US"/>
-          </a:p>
-        </p:txBody>
-      </p:sp>
-      <p:sp>
-        <p:nvSpPr>
-          <p:cNvPr id="3" name="Content Placeholder 2">
-            <a:extLst>
-              <a:ext uri="{FF2B5EF4-FFF2-40B4-BE49-F238E27FC236}">
-                <a16:creationId xmlns:a16="http://schemas.microsoft.com/office/drawing/2014/main" id="{79379B1C-69F7-784B-A123-7F4B0BF8DC90}"/>
-              </a:ext>
-            </a:extLst>
-          </p:cNvPr>
-          <p:cNvSpPr>
-            <a:spLocks noGrp="1"/>
-          </p:cNvSpPr>
+        <p:spPr>
+          <a:xfrm>
+            <a:off x="838200" y="365125"/>
+            <a:ext cx="10515600" cy="1325563"/>
+          </a:xfrm>
+        </p:spPr>
+        <p:txBody>
+          <a:bodyPr/>
+          <a:lstStyle/>
+          <a:p>
+            <a:r>
+              <a:rPr lang="en-US" dirty="0"/>
+              <a:t>Model Overview	</a:t>
+            </a:r>
+          </a:p>
+        </p:txBody>
+      </p:sp>
+      <p:pic>
+        <p:nvPicPr>
+          <p:cNvPr id="5" name="Content Placeholder 4" descr="Graphical user interface, application&#10;&#10;Description automatically generated">
+            <a:extLst>
+              <a:ext uri="{FF2B5EF4-FFF2-40B4-BE49-F238E27FC236}">
+                <a16:creationId xmlns:a16="http://schemas.microsoft.com/office/drawing/2014/main" id="{4641293C-ACDE-B544-9972-29D8A769C5DD}"/>
+              </a:ext>
+            </a:extLst>
+          </p:cNvPr>
+          <p:cNvPicPr>
+            <a:picLocks noGrp="1" noChangeAspect="1"/>
+          </p:cNvPicPr>
           <p:nvPr>
             <p:ph idx="1"/>
           </p:nvPr>
-        </p:nvSpPr>
-        <p:spPr/>
-        <p:txBody>
-          <a:bodyPr/>
-          <a:lstStyle/>
-          <a:p>
-            <a:endParaRPr lang="en-US"/>
-          </a:p>
-        </p:txBody>
-      </p:sp>
+        </p:nvPicPr>
+        <p:blipFill>
+          <a:blip r:embed="rId2"/>
+          <a:stretch>
+            <a:fillRect/>
+          </a:stretch>
+        </p:blipFill>
+        <p:spPr>
+          <a:xfrm>
+            <a:off x="838200" y="2065905"/>
+            <a:ext cx="2451755" cy="1720797"/>
+          </a:xfrm>
+        </p:spPr>
+      </p:pic>
     </p:spTree>
     <p:extLst>
       <p:ext uri="{BB962C8B-B14F-4D97-AF65-F5344CB8AC3E}">
@@ -3791,7 +3999,7 @@
 </p:sld>
 </file>
 
-<file path=ppt/slides/slide5.xml><?xml version="1.0" encoding="utf-8"?>
+<file path=ppt/slides/slide6.xml><?xml version="1.0" encoding="utf-8"?>
 <p:sld xmlns:a="http://schemas.openxmlformats.org/drawingml/2006/main" xmlns:r="http://schemas.openxmlformats.org/officeDocument/2006/relationships" xmlns:p="http://schemas.openxmlformats.org/presentationml/2006/main">
   <p:cSld>
     <p:spTree>

--- a/Presentation.pptx
+++ b/Presentation.pptx
@@ -2,15 +2,16 @@
 <file path=ppt/presentation.xml><?xml version="1.0" encoding="utf-8"?>
 <p:presentation xmlns:a="http://schemas.openxmlformats.org/drawingml/2006/main" xmlns:r="http://schemas.openxmlformats.org/officeDocument/2006/relationships" xmlns:p="http://schemas.openxmlformats.org/presentationml/2006/main" saveSubsetFonts="1" autoCompressPictures="0">
   <p:sldMasterIdLst>
-    <p:sldMasterId id="2147483648" r:id="rId1"/>
+    <p:sldMasterId id="2147483830" r:id="rId1"/>
   </p:sldMasterIdLst>
   <p:sldIdLst>
     <p:sldId id="256" r:id="rId2"/>
-    <p:sldId id="261" r:id="rId3"/>
-    <p:sldId id="257" r:id="rId4"/>
+    <p:sldId id="257" r:id="rId3"/>
+    <p:sldId id="261" r:id="rId4"/>
     <p:sldId id="258" r:id="rId5"/>
-    <p:sldId id="259" r:id="rId6"/>
-    <p:sldId id="260" r:id="rId7"/>
+    <p:sldId id="262" r:id="rId6"/>
+    <p:sldId id="259" r:id="rId7"/>
+    <p:sldId id="260" r:id="rId8"/>
   </p:sldIdLst>
   <p:sldSz cx="12192000" cy="6858000"/>
   <p:notesSz cx="6858000" cy="9144000"/>
@@ -134,7 +135,7 @@
           <p:cNvPr id="2" name="Title 1">
             <a:extLst>
               <a:ext uri="{FF2B5EF4-FFF2-40B4-BE49-F238E27FC236}">
-                <a16:creationId xmlns:a16="http://schemas.microsoft.com/office/drawing/2014/main" id="{0A4B13C6-29C3-D144-A98E-FF3287538ABE}"/>
+                <a16:creationId xmlns:a16="http://schemas.microsoft.com/office/drawing/2014/main" id="{EBA7A17B-B6BC-9846-885B-FC173B6E104A}"/>
               </a:ext>
             </a:extLst>
           </p:cNvPr>
@@ -171,7 +172,7 @@
           <p:cNvPr id="3" name="Subtitle 2">
             <a:extLst>
               <a:ext uri="{FF2B5EF4-FFF2-40B4-BE49-F238E27FC236}">
-                <a16:creationId xmlns:a16="http://schemas.microsoft.com/office/drawing/2014/main" id="{4B9F7A0A-CC41-4947-9DA9-FD070B2EA226}"/>
+                <a16:creationId xmlns:a16="http://schemas.microsoft.com/office/drawing/2014/main" id="{6E01FE2E-8EC9-1F4F-914A-1999CF2B0FF4}"/>
               </a:ext>
             </a:extLst>
           </p:cNvPr>
@@ -241,7 +242,7 @@
           <p:cNvPr id="4" name="Date Placeholder 3">
             <a:extLst>
               <a:ext uri="{FF2B5EF4-FFF2-40B4-BE49-F238E27FC236}">
-                <a16:creationId xmlns:a16="http://schemas.microsoft.com/office/drawing/2014/main" id="{82D2BC48-C30B-E94D-878A-67E2C008FE25}"/>
+                <a16:creationId xmlns:a16="http://schemas.microsoft.com/office/drawing/2014/main" id="{B9397334-12D3-364F-B9BA-AB6EA0A0B5A7}"/>
               </a:ext>
             </a:extLst>
           </p:cNvPr>
@@ -270,7 +271,7 @@
           <p:cNvPr id="5" name="Footer Placeholder 4">
             <a:extLst>
               <a:ext uri="{FF2B5EF4-FFF2-40B4-BE49-F238E27FC236}">
-                <a16:creationId xmlns:a16="http://schemas.microsoft.com/office/drawing/2014/main" id="{303B3B66-7AC4-054C-9749-4D31536F786E}"/>
+                <a16:creationId xmlns:a16="http://schemas.microsoft.com/office/drawing/2014/main" id="{8952FAA4-7BB9-F247-B332-A733740ECCD8}"/>
               </a:ext>
             </a:extLst>
           </p:cNvPr>
@@ -295,7 +296,7 @@
           <p:cNvPr id="6" name="Slide Number Placeholder 5">
             <a:extLst>
               <a:ext uri="{FF2B5EF4-FFF2-40B4-BE49-F238E27FC236}">
-                <a16:creationId xmlns:a16="http://schemas.microsoft.com/office/drawing/2014/main" id="{57C68F02-EC26-1D48-BC6F-C57808769473}"/>
+                <a16:creationId xmlns:a16="http://schemas.microsoft.com/office/drawing/2014/main" id="{22080FB6-BF30-4742-935A-9929DED27CE1}"/>
               </a:ext>
             </a:extLst>
           </p:cNvPr>
@@ -322,7 +323,7 @@
     </p:spTree>
     <p:extLst>
       <p:ext uri="{BB962C8B-B14F-4D97-AF65-F5344CB8AC3E}">
-        <p14:creationId xmlns:p14="http://schemas.microsoft.com/office/powerpoint/2010/main" val="4114527235"/>
+        <p14:creationId xmlns:p14="http://schemas.microsoft.com/office/powerpoint/2010/main" val="4287574043"/>
       </p:ext>
     </p:extLst>
   </p:cSld>
@@ -354,7 +355,7 @@
           <p:cNvPr id="2" name="Title 1">
             <a:extLst>
               <a:ext uri="{FF2B5EF4-FFF2-40B4-BE49-F238E27FC236}">
-                <a16:creationId xmlns:a16="http://schemas.microsoft.com/office/drawing/2014/main" id="{A676061B-6660-3C44-9239-EC3EF556227E}"/>
+                <a16:creationId xmlns:a16="http://schemas.microsoft.com/office/drawing/2014/main" id="{73AB0C0E-00C6-574F-906D-B19DB9DCD527}"/>
               </a:ext>
             </a:extLst>
           </p:cNvPr>
@@ -382,7 +383,7 @@
           <p:cNvPr id="3" name="Vertical Text Placeholder 2">
             <a:extLst>
               <a:ext uri="{FF2B5EF4-FFF2-40B4-BE49-F238E27FC236}">
-                <a16:creationId xmlns:a16="http://schemas.microsoft.com/office/drawing/2014/main" id="{42FD0191-2CEC-4F46-AFCE-FF2142EE8F1B}"/>
+                <a16:creationId xmlns:a16="http://schemas.microsoft.com/office/drawing/2014/main" id="{56A5BF86-9667-A34E-BD4D-DF2E558F8B48}"/>
               </a:ext>
             </a:extLst>
           </p:cNvPr>
@@ -439,7 +440,7 @@
           <p:cNvPr id="4" name="Date Placeholder 3">
             <a:extLst>
               <a:ext uri="{FF2B5EF4-FFF2-40B4-BE49-F238E27FC236}">
-                <a16:creationId xmlns:a16="http://schemas.microsoft.com/office/drawing/2014/main" id="{17165D43-FA8B-7742-AA73-FE8C0BDEADFA}"/>
+                <a16:creationId xmlns:a16="http://schemas.microsoft.com/office/drawing/2014/main" id="{246FEBF7-1666-9642-9BEB-330C3CC73F6D}"/>
               </a:ext>
             </a:extLst>
           </p:cNvPr>
@@ -468,7 +469,7 @@
           <p:cNvPr id="5" name="Footer Placeholder 4">
             <a:extLst>
               <a:ext uri="{FF2B5EF4-FFF2-40B4-BE49-F238E27FC236}">
-                <a16:creationId xmlns:a16="http://schemas.microsoft.com/office/drawing/2014/main" id="{379B3FF5-22F9-7346-9058-6072AB2246D1}"/>
+                <a16:creationId xmlns:a16="http://schemas.microsoft.com/office/drawing/2014/main" id="{1F38AAF0-D999-B043-B7BF-0606D4B28CF7}"/>
               </a:ext>
             </a:extLst>
           </p:cNvPr>
@@ -493,7 +494,7 @@
           <p:cNvPr id="6" name="Slide Number Placeholder 5">
             <a:extLst>
               <a:ext uri="{FF2B5EF4-FFF2-40B4-BE49-F238E27FC236}">
-                <a16:creationId xmlns:a16="http://schemas.microsoft.com/office/drawing/2014/main" id="{102269C6-7DB8-194D-8349-F01C7B8AC6F2}"/>
+                <a16:creationId xmlns:a16="http://schemas.microsoft.com/office/drawing/2014/main" id="{89D2B84F-F0BF-D847-855B-2F78BF457D1E}"/>
               </a:ext>
             </a:extLst>
           </p:cNvPr>
@@ -520,7 +521,7 @@
     </p:spTree>
     <p:extLst>
       <p:ext uri="{BB962C8B-B14F-4D97-AF65-F5344CB8AC3E}">
-        <p14:creationId xmlns:p14="http://schemas.microsoft.com/office/powerpoint/2010/main" val="512941156"/>
+        <p14:creationId xmlns:p14="http://schemas.microsoft.com/office/powerpoint/2010/main" val="3378288572"/>
       </p:ext>
     </p:extLst>
   </p:cSld>
@@ -552,7 +553,7 @@
           <p:cNvPr id="2" name="Vertical Title 1">
             <a:extLst>
               <a:ext uri="{FF2B5EF4-FFF2-40B4-BE49-F238E27FC236}">
-                <a16:creationId xmlns:a16="http://schemas.microsoft.com/office/drawing/2014/main" id="{283A5A20-F5CB-2E4D-8096-6F99DE16BD41}"/>
+                <a16:creationId xmlns:a16="http://schemas.microsoft.com/office/drawing/2014/main" id="{C6D3F254-5A7C-FD4A-B957-0DD085579ED6}"/>
               </a:ext>
             </a:extLst>
           </p:cNvPr>
@@ -585,7 +586,7 @@
           <p:cNvPr id="3" name="Vertical Text Placeholder 2">
             <a:extLst>
               <a:ext uri="{FF2B5EF4-FFF2-40B4-BE49-F238E27FC236}">
-                <a16:creationId xmlns:a16="http://schemas.microsoft.com/office/drawing/2014/main" id="{F8040A03-B2E1-D94F-954D-50F417DEF9D2}"/>
+                <a16:creationId xmlns:a16="http://schemas.microsoft.com/office/drawing/2014/main" id="{4AF3751A-D9AF-4D4A-93A5-C622E7A1548F}"/>
               </a:ext>
             </a:extLst>
           </p:cNvPr>
@@ -647,7 +648,7 @@
           <p:cNvPr id="4" name="Date Placeholder 3">
             <a:extLst>
               <a:ext uri="{FF2B5EF4-FFF2-40B4-BE49-F238E27FC236}">
-                <a16:creationId xmlns:a16="http://schemas.microsoft.com/office/drawing/2014/main" id="{B6C1FB2D-95C4-464B-9102-30C2C75F820D}"/>
+                <a16:creationId xmlns:a16="http://schemas.microsoft.com/office/drawing/2014/main" id="{FFEDB161-3C35-E647-BE7C-EA4E733D6CAD}"/>
               </a:ext>
             </a:extLst>
           </p:cNvPr>
@@ -676,7 +677,7 @@
           <p:cNvPr id="5" name="Footer Placeholder 4">
             <a:extLst>
               <a:ext uri="{FF2B5EF4-FFF2-40B4-BE49-F238E27FC236}">
-                <a16:creationId xmlns:a16="http://schemas.microsoft.com/office/drawing/2014/main" id="{B9497F19-961B-9D4A-85D9-F9CE8D0F6BDF}"/>
+                <a16:creationId xmlns:a16="http://schemas.microsoft.com/office/drawing/2014/main" id="{2BF996FD-4249-784C-9118-17BAA34E7C0C}"/>
               </a:ext>
             </a:extLst>
           </p:cNvPr>
@@ -701,7 +702,7 @@
           <p:cNvPr id="6" name="Slide Number Placeholder 5">
             <a:extLst>
               <a:ext uri="{FF2B5EF4-FFF2-40B4-BE49-F238E27FC236}">
-                <a16:creationId xmlns:a16="http://schemas.microsoft.com/office/drawing/2014/main" id="{B30C69BB-C80E-4D4F-880E-234B107077BD}"/>
+                <a16:creationId xmlns:a16="http://schemas.microsoft.com/office/drawing/2014/main" id="{A2A5BCA2-C3BC-A340-A661-F25A0590ECF7}"/>
               </a:ext>
             </a:extLst>
           </p:cNvPr>
@@ -728,7 +729,7 @@
     </p:spTree>
     <p:extLst>
       <p:ext uri="{BB962C8B-B14F-4D97-AF65-F5344CB8AC3E}">
-        <p14:creationId xmlns:p14="http://schemas.microsoft.com/office/powerpoint/2010/main" val="3011718030"/>
+        <p14:creationId xmlns:p14="http://schemas.microsoft.com/office/powerpoint/2010/main" val="2408977457"/>
       </p:ext>
     </p:extLst>
   </p:cSld>
@@ -760,7 +761,7 @@
           <p:cNvPr id="2" name="Title 1">
             <a:extLst>
               <a:ext uri="{FF2B5EF4-FFF2-40B4-BE49-F238E27FC236}">
-                <a16:creationId xmlns:a16="http://schemas.microsoft.com/office/drawing/2014/main" id="{5724E3AB-1F42-9040-8736-C22C29D4FF34}"/>
+                <a16:creationId xmlns:a16="http://schemas.microsoft.com/office/drawing/2014/main" id="{9014A5D4-6A61-454C-9A11-ECEBC70B3220}"/>
               </a:ext>
             </a:extLst>
           </p:cNvPr>
@@ -788,7 +789,7 @@
           <p:cNvPr id="3" name="Content Placeholder 2">
             <a:extLst>
               <a:ext uri="{FF2B5EF4-FFF2-40B4-BE49-F238E27FC236}">
-                <a16:creationId xmlns:a16="http://schemas.microsoft.com/office/drawing/2014/main" id="{5ED6F170-61D0-B14B-965D-51E88FED9AAF}"/>
+                <a16:creationId xmlns:a16="http://schemas.microsoft.com/office/drawing/2014/main" id="{BA061B47-2D2A-2B46-B587-F35814A3F853}"/>
               </a:ext>
             </a:extLst>
           </p:cNvPr>
@@ -845,7 +846,7 @@
           <p:cNvPr id="4" name="Date Placeholder 3">
             <a:extLst>
               <a:ext uri="{FF2B5EF4-FFF2-40B4-BE49-F238E27FC236}">
-                <a16:creationId xmlns:a16="http://schemas.microsoft.com/office/drawing/2014/main" id="{C0CF6AC3-B3B3-CD4A-9D2A-946ABC64EE0F}"/>
+                <a16:creationId xmlns:a16="http://schemas.microsoft.com/office/drawing/2014/main" id="{CCEC0D75-D1BA-1F45-A04F-D5E50CF07379}"/>
               </a:ext>
             </a:extLst>
           </p:cNvPr>
@@ -874,7 +875,7 @@
           <p:cNvPr id="5" name="Footer Placeholder 4">
             <a:extLst>
               <a:ext uri="{FF2B5EF4-FFF2-40B4-BE49-F238E27FC236}">
-                <a16:creationId xmlns:a16="http://schemas.microsoft.com/office/drawing/2014/main" id="{510403C9-CD60-3846-B7D2-4CEF4F05D0EE}"/>
+                <a16:creationId xmlns:a16="http://schemas.microsoft.com/office/drawing/2014/main" id="{88CC6BE6-EFA9-B14A-A82E-87C254F69217}"/>
               </a:ext>
             </a:extLst>
           </p:cNvPr>
@@ -899,7 +900,7 @@
           <p:cNvPr id="6" name="Slide Number Placeholder 5">
             <a:extLst>
               <a:ext uri="{FF2B5EF4-FFF2-40B4-BE49-F238E27FC236}">
-                <a16:creationId xmlns:a16="http://schemas.microsoft.com/office/drawing/2014/main" id="{C31F006D-8B3E-6F4B-978B-957BDCDE8668}"/>
+                <a16:creationId xmlns:a16="http://schemas.microsoft.com/office/drawing/2014/main" id="{1396944B-E13E-6441-8C56-8C85709DD5E7}"/>
               </a:ext>
             </a:extLst>
           </p:cNvPr>
@@ -926,7 +927,7 @@
     </p:spTree>
     <p:extLst>
       <p:ext uri="{BB962C8B-B14F-4D97-AF65-F5344CB8AC3E}">
-        <p14:creationId xmlns:p14="http://schemas.microsoft.com/office/powerpoint/2010/main" val="1817249921"/>
+        <p14:creationId xmlns:p14="http://schemas.microsoft.com/office/powerpoint/2010/main" val="3956543764"/>
       </p:ext>
     </p:extLst>
   </p:cSld>
@@ -958,7 +959,7 @@
           <p:cNvPr id="2" name="Title 1">
             <a:extLst>
               <a:ext uri="{FF2B5EF4-FFF2-40B4-BE49-F238E27FC236}">
-                <a16:creationId xmlns:a16="http://schemas.microsoft.com/office/drawing/2014/main" id="{3B33CE52-099D-7E43-A51B-C874A2BEDF5C}"/>
+                <a16:creationId xmlns:a16="http://schemas.microsoft.com/office/drawing/2014/main" id="{2FE156D2-6446-7D4C-9555-0D9216EBAC81}"/>
               </a:ext>
             </a:extLst>
           </p:cNvPr>
@@ -995,7 +996,7 @@
           <p:cNvPr id="3" name="Text Placeholder 2">
             <a:extLst>
               <a:ext uri="{FF2B5EF4-FFF2-40B4-BE49-F238E27FC236}">
-                <a16:creationId xmlns:a16="http://schemas.microsoft.com/office/drawing/2014/main" id="{AEB7E659-88E8-2A41-9992-3D2C2DF873D5}"/>
+                <a16:creationId xmlns:a16="http://schemas.microsoft.com/office/drawing/2014/main" id="{B2A3E2D8-25CA-B44A-9B54-BD9E2AB5B4D6}"/>
               </a:ext>
             </a:extLst>
           </p:cNvPr>
@@ -1120,7 +1121,7 @@
           <p:cNvPr id="4" name="Date Placeholder 3">
             <a:extLst>
               <a:ext uri="{FF2B5EF4-FFF2-40B4-BE49-F238E27FC236}">
-                <a16:creationId xmlns:a16="http://schemas.microsoft.com/office/drawing/2014/main" id="{DFABAD31-F698-2643-8A89-A778D364E614}"/>
+                <a16:creationId xmlns:a16="http://schemas.microsoft.com/office/drawing/2014/main" id="{5AB8ECE1-76DB-AB49-85EF-70915A2F60C2}"/>
               </a:ext>
             </a:extLst>
           </p:cNvPr>
@@ -1149,7 +1150,7 @@
           <p:cNvPr id="5" name="Footer Placeholder 4">
             <a:extLst>
               <a:ext uri="{FF2B5EF4-FFF2-40B4-BE49-F238E27FC236}">
-                <a16:creationId xmlns:a16="http://schemas.microsoft.com/office/drawing/2014/main" id="{5FAFB83F-E1AD-064F-A1A5-38849677CB1D}"/>
+                <a16:creationId xmlns:a16="http://schemas.microsoft.com/office/drawing/2014/main" id="{6FBECAD4-94EF-AA4C-B338-C0F53BFFACB2}"/>
               </a:ext>
             </a:extLst>
           </p:cNvPr>
@@ -1174,7 +1175,7 @@
           <p:cNvPr id="6" name="Slide Number Placeholder 5">
             <a:extLst>
               <a:ext uri="{FF2B5EF4-FFF2-40B4-BE49-F238E27FC236}">
-                <a16:creationId xmlns:a16="http://schemas.microsoft.com/office/drawing/2014/main" id="{5BD91376-A7E8-374C-AD08-F5E9D6B30A86}"/>
+                <a16:creationId xmlns:a16="http://schemas.microsoft.com/office/drawing/2014/main" id="{AAD7990B-34AE-1D4A-AD3D-31CBFA522EF5}"/>
               </a:ext>
             </a:extLst>
           </p:cNvPr>
@@ -1201,7 +1202,7 @@
     </p:spTree>
     <p:extLst>
       <p:ext uri="{BB962C8B-B14F-4D97-AF65-F5344CB8AC3E}">
-        <p14:creationId xmlns:p14="http://schemas.microsoft.com/office/powerpoint/2010/main" val="4102984278"/>
+        <p14:creationId xmlns:p14="http://schemas.microsoft.com/office/powerpoint/2010/main" val="2675836492"/>
       </p:ext>
     </p:extLst>
   </p:cSld>
@@ -1233,7 +1234,7 @@
           <p:cNvPr id="2" name="Title 1">
             <a:extLst>
               <a:ext uri="{FF2B5EF4-FFF2-40B4-BE49-F238E27FC236}">
-                <a16:creationId xmlns:a16="http://schemas.microsoft.com/office/drawing/2014/main" id="{A574D5C3-AA44-7743-B4A0-72304B4EE312}"/>
+                <a16:creationId xmlns:a16="http://schemas.microsoft.com/office/drawing/2014/main" id="{80443BAF-6281-7745-B5A2-89CF2BF05EFC}"/>
               </a:ext>
             </a:extLst>
           </p:cNvPr>
@@ -1261,7 +1262,7 @@
           <p:cNvPr id="3" name="Content Placeholder 2">
             <a:extLst>
               <a:ext uri="{FF2B5EF4-FFF2-40B4-BE49-F238E27FC236}">
-                <a16:creationId xmlns:a16="http://schemas.microsoft.com/office/drawing/2014/main" id="{0C9E81A7-C646-624C-A478-5B288A9F9974}"/>
+                <a16:creationId xmlns:a16="http://schemas.microsoft.com/office/drawing/2014/main" id="{358B9A35-EA70-534D-A224-80086A42CED7}"/>
               </a:ext>
             </a:extLst>
           </p:cNvPr>
@@ -1323,7 +1324,7 @@
           <p:cNvPr id="4" name="Content Placeholder 3">
             <a:extLst>
               <a:ext uri="{FF2B5EF4-FFF2-40B4-BE49-F238E27FC236}">
-                <a16:creationId xmlns:a16="http://schemas.microsoft.com/office/drawing/2014/main" id="{6D9E2C62-8819-2F4F-A6EC-3EE1EDEDDAF2}"/>
+                <a16:creationId xmlns:a16="http://schemas.microsoft.com/office/drawing/2014/main" id="{12672D2A-05BE-FA41-9A38-C6C5F15B3BCD}"/>
               </a:ext>
             </a:extLst>
           </p:cNvPr>
@@ -1385,7 +1386,7 @@
           <p:cNvPr id="5" name="Date Placeholder 4">
             <a:extLst>
               <a:ext uri="{FF2B5EF4-FFF2-40B4-BE49-F238E27FC236}">
-                <a16:creationId xmlns:a16="http://schemas.microsoft.com/office/drawing/2014/main" id="{B1F21D19-40B9-0149-953C-0CDE626C5A6F}"/>
+                <a16:creationId xmlns:a16="http://schemas.microsoft.com/office/drawing/2014/main" id="{C6E3C9A1-CD78-994E-B6C7-CCC905E33BE5}"/>
               </a:ext>
             </a:extLst>
           </p:cNvPr>
@@ -1414,7 +1415,7 @@
           <p:cNvPr id="6" name="Footer Placeholder 5">
             <a:extLst>
               <a:ext uri="{FF2B5EF4-FFF2-40B4-BE49-F238E27FC236}">
-                <a16:creationId xmlns:a16="http://schemas.microsoft.com/office/drawing/2014/main" id="{1397B18A-E584-1348-93D9-62FFC3F805B1}"/>
+                <a16:creationId xmlns:a16="http://schemas.microsoft.com/office/drawing/2014/main" id="{A7FDF743-D6B6-3B4D-9C59-43B790645518}"/>
               </a:ext>
             </a:extLst>
           </p:cNvPr>
@@ -1439,7 +1440,7 @@
           <p:cNvPr id="7" name="Slide Number Placeholder 6">
             <a:extLst>
               <a:ext uri="{FF2B5EF4-FFF2-40B4-BE49-F238E27FC236}">
-                <a16:creationId xmlns:a16="http://schemas.microsoft.com/office/drawing/2014/main" id="{8C6735C4-BD8A-9F4C-97D1-8A2168356A4F}"/>
+                <a16:creationId xmlns:a16="http://schemas.microsoft.com/office/drawing/2014/main" id="{CCA94F98-C4FF-1C45-8C5F-93F397AA94FD}"/>
               </a:ext>
             </a:extLst>
           </p:cNvPr>
@@ -1466,7 +1467,7 @@
     </p:spTree>
     <p:extLst>
       <p:ext uri="{BB962C8B-B14F-4D97-AF65-F5344CB8AC3E}">
-        <p14:creationId xmlns:p14="http://schemas.microsoft.com/office/powerpoint/2010/main" val="1906130097"/>
+        <p14:creationId xmlns:p14="http://schemas.microsoft.com/office/powerpoint/2010/main" val="2219634754"/>
       </p:ext>
     </p:extLst>
   </p:cSld>
@@ -1498,7 +1499,7 @@
           <p:cNvPr id="2" name="Title 1">
             <a:extLst>
               <a:ext uri="{FF2B5EF4-FFF2-40B4-BE49-F238E27FC236}">
-                <a16:creationId xmlns:a16="http://schemas.microsoft.com/office/drawing/2014/main" id="{4E85E752-1A51-B74C-8064-B27501D36887}"/>
+                <a16:creationId xmlns:a16="http://schemas.microsoft.com/office/drawing/2014/main" id="{14591D3F-C385-504F-963D-51C5BA47FE8C}"/>
               </a:ext>
             </a:extLst>
           </p:cNvPr>
@@ -1531,7 +1532,7 @@
           <p:cNvPr id="3" name="Text Placeholder 2">
             <a:extLst>
               <a:ext uri="{FF2B5EF4-FFF2-40B4-BE49-F238E27FC236}">
-                <a16:creationId xmlns:a16="http://schemas.microsoft.com/office/drawing/2014/main" id="{7A27A7BC-1298-884F-877D-CE0AC2CD556A}"/>
+                <a16:creationId xmlns:a16="http://schemas.microsoft.com/office/drawing/2014/main" id="{CC8B3379-D66D-9E40-B217-F5ECF5517D21}"/>
               </a:ext>
             </a:extLst>
           </p:cNvPr>
@@ -1602,7 +1603,7 @@
           <p:cNvPr id="4" name="Content Placeholder 3">
             <a:extLst>
               <a:ext uri="{FF2B5EF4-FFF2-40B4-BE49-F238E27FC236}">
-                <a16:creationId xmlns:a16="http://schemas.microsoft.com/office/drawing/2014/main" id="{B3230E4B-834C-D64D-8BBF-19740E0C9BB6}"/>
+                <a16:creationId xmlns:a16="http://schemas.microsoft.com/office/drawing/2014/main" id="{31CB8777-FB2C-8F40-8779-9B6F140C9A22}"/>
               </a:ext>
             </a:extLst>
           </p:cNvPr>
@@ -1664,7 +1665,7 @@
           <p:cNvPr id="5" name="Text Placeholder 4">
             <a:extLst>
               <a:ext uri="{FF2B5EF4-FFF2-40B4-BE49-F238E27FC236}">
-                <a16:creationId xmlns:a16="http://schemas.microsoft.com/office/drawing/2014/main" id="{D74D0AF2-E565-6843-888B-836EF6E57B4B}"/>
+                <a16:creationId xmlns:a16="http://schemas.microsoft.com/office/drawing/2014/main" id="{6EC72809-1F3D-A440-80CF-DABE22AB7111}"/>
               </a:ext>
             </a:extLst>
           </p:cNvPr>
@@ -1735,7 +1736,7 @@
           <p:cNvPr id="6" name="Content Placeholder 5">
             <a:extLst>
               <a:ext uri="{FF2B5EF4-FFF2-40B4-BE49-F238E27FC236}">
-                <a16:creationId xmlns:a16="http://schemas.microsoft.com/office/drawing/2014/main" id="{2D614F02-FDDD-F342-9A91-D5E4CF5E7FD1}"/>
+                <a16:creationId xmlns:a16="http://schemas.microsoft.com/office/drawing/2014/main" id="{9EDE54F4-5880-0342-A792-8A4449C6009E}"/>
               </a:ext>
             </a:extLst>
           </p:cNvPr>
@@ -1797,7 +1798,7 @@
           <p:cNvPr id="7" name="Date Placeholder 6">
             <a:extLst>
               <a:ext uri="{FF2B5EF4-FFF2-40B4-BE49-F238E27FC236}">
-                <a16:creationId xmlns:a16="http://schemas.microsoft.com/office/drawing/2014/main" id="{B87D2469-3CE8-FF42-B980-E6E030E33BE3}"/>
+                <a16:creationId xmlns:a16="http://schemas.microsoft.com/office/drawing/2014/main" id="{13BAE0AC-8D87-F242-B68A-B04EA935C298}"/>
               </a:ext>
             </a:extLst>
           </p:cNvPr>
@@ -1826,7 +1827,7 @@
           <p:cNvPr id="8" name="Footer Placeholder 7">
             <a:extLst>
               <a:ext uri="{FF2B5EF4-FFF2-40B4-BE49-F238E27FC236}">
-                <a16:creationId xmlns:a16="http://schemas.microsoft.com/office/drawing/2014/main" id="{51E58462-72AC-C74F-BBFC-C7332BFDB767}"/>
+                <a16:creationId xmlns:a16="http://schemas.microsoft.com/office/drawing/2014/main" id="{01168C17-11D7-3F4F-AD4E-494E167B10A5}"/>
               </a:ext>
             </a:extLst>
           </p:cNvPr>
@@ -1851,7 +1852,7 @@
           <p:cNvPr id="9" name="Slide Number Placeholder 8">
             <a:extLst>
               <a:ext uri="{FF2B5EF4-FFF2-40B4-BE49-F238E27FC236}">
-                <a16:creationId xmlns:a16="http://schemas.microsoft.com/office/drawing/2014/main" id="{AC28AC90-5DBB-6A42-B4B5-92D83299EE4E}"/>
+                <a16:creationId xmlns:a16="http://schemas.microsoft.com/office/drawing/2014/main" id="{777D2BB9-3FAF-4141-B253-473E69AE1EBF}"/>
               </a:ext>
             </a:extLst>
           </p:cNvPr>
@@ -1878,7 +1879,7 @@
     </p:spTree>
     <p:extLst>
       <p:ext uri="{BB962C8B-B14F-4D97-AF65-F5344CB8AC3E}">
-        <p14:creationId xmlns:p14="http://schemas.microsoft.com/office/powerpoint/2010/main" val="1633233027"/>
+        <p14:creationId xmlns:p14="http://schemas.microsoft.com/office/powerpoint/2010/main" val="2786962873"/>
       </p:ext>
     </p:extLst>
   </p:cSld>
@@ -1910,7 +1911,7 @@
           <p:cNvPr id="2" name="Title 1">
             <a:extLst>
               <a:ext uri="{FF2B5EF4-FFF2-40B4-BE49-F238E27FC236}">
-                <a16:creationId xmlns:a16="http://schemas.microsoft.com/office/drawing/2014/main" id="{AB411784-FC4C-524F-9F18-299079E9DC94}"/>
+                <a16:creationId xmlns:a16="http://schemas.microsoft.com/office/drawing/2014/main" id="{4047B8BA-9C6D-BB42-8EA8-7FED6DD037C6}"/>
               </a:ext>
             </a:extLst>
           </p:cNvPr>
@@ -1938,7 +1939,7 @@
           <p:cNvPr id="3" name="Date Placeholder 2">
             <a:extLst>
               <a:ext uri="{FF2B5EF4-FFF2-40B4-BE49-F238E27FC236}">
-                <a16:creationId xmlns:a16="http://schemas.microsoft.com/office/drawing/2014/main" id="{89CCC255-96B7-F847-B246-C14C4E52896F}"/>
+                <a16:creationId xmlns:a16="http://schemas.microsoft.com/office/drawing/2014/main" id="{1DFCBD77-5B83-3B40-8528-462E436719E3}"/>
               </a:ext>
             </a:extLst>
           </p:cNvPr>
@@ -1967,7 +1968,7 @@
           <p:cNvPr id="4" name="Footer Placeholder 3">
             <a:extLst>
               <a:ext uri="{FF2B5EF4-FFF2-40B4-BE49-F238E27FC236}">
-                <a16:creationId xmlns:a16="http://schemas.microsoft.com/office/drawing/2014/main" id="{99F0D10A-DAD1-E44C-84A8-8E9B51D01437}"/>
+                <a16:creationId xmlns:a16="http://schemas.microsoft.com/office/drawing/2014/main" id="{689468A5-9547-D44F-B883-4C3296A74417}"/>
               </a:ext>
             </a:extLst>
           </p:cNvPr>
@@ -1992,7 +1993,7 @@
           <p:cNvPr id="5" name="Slide Number Placeholder 4">
             <a:extLst>
               <a:ext uri="{FF2B5EF4-FFF2-40B4-BE49-F238E27FC236}">
-                <a16:creationId xmlns:a16="http://schemas.microsoft.com/office/drawing/2014/main" id="{4CDCD86F-F71E-5648-AE95-84929F2EBF61}"/>
+                <a16:creationId xmlns:a16="http://schemas.microsoft.com/office/drawing/2014/main" id="{3E572EFE-88F2-9A46-AE30-42FA5036E33A}"/>
               </a:ext>
             </a:extLst>
           </p:cNvPr>
@@ -2019,7 +2020,7 @@
     </p:spTree>
     <p:extLst>
       <p:ext uri="{BB962C8B-B14F-4D97-AF65-F5344CB8AC3E}">
-        <p14:creationId xmlns:p14="http://schemas.microsoft.com/office/powerpoint/2010/main" val="586832170"/>
+        <p14:creationId xmlns:p14="http://schemas.microsoft.com/office/powerpoint/2010/main" val="3054789129"/>
       </p:ext>
     </p:extLst>
   </p:cSld>
@@ -2051,7 +2052,7 @@
           <p:cNvPr id="2" name="Date Placeholder 1">
             <a:extLst>
               <a:ext uri="{FF2B5EF4-FFF2-40B4-BE49-F238E27FC236}">
-                <a16:creationId xmlns:a16="http://schemas.microsoft.com/office/drawing/2014/main" id="{051C4542-86AE-A544-B5E2-CC89F9E6DF37}"/>
+                <a16:creationId xmlns:a16="http://schemas.microsoft.com/office/drawing/2014/main" id="{B5F14E7F-9C3D-B645-91AD-50EB19587A6D}"/>
               </a:ext>
             </a:extLst>
           </p:cNvPr>
@@ -2080,7 +2081,7 @@
           <p:cNvPr id="3" name="Footer Placeholder 2">
             <a:extLst>
               <a:ext uri="{FF2B5EF4-FFF2-40B4-BE49-F238E27FC236}">
-                <a16:creationId xmlns:a16="http://schemas.microsoft.com/office/drawing/2014/main" id="{8E8479AC-8423-1E4E-8489-0E737417D054}"/>
+                <a16:creationId xmlns:a16="http://schemas.microsoft.com/office/drawing/2014/main" id="{7A86D434-8B1B-7941-89DA-5C445304D8CA}"/>
               </a:ext>
             </a:extLst>
           </p:cNvPr>
@@ -2105,7 +2106,7 @@
           <p:cNvPr id="4" name="Slide Number Placeholder 3">
             <a:extLst>
               <a:ext uri="{FF2B5EF4-FFF2-40B4-BE49-F238E27FC236}">
-                <a16:creationId xmlns:a16="http://schemas.microsoft.com/office/drawing/2014/main" id="{1A85E451-1125-C246-ADF1-68CE34B78FC4}"/>
+                <a16:creationId xmlns:a16="http://schemas.microsoft.com/office/drawing/2014/main" id="{50EDD517-DFFB-7D45-A82A-ED4C3B00E1E8}"/>
               </a:ext>
             </a:extLst>
           </p:cNvPr>
@@ -2132,7 +2133,7 @@
     </p:spTree>
     <p:extLst>
       <p:ext uri="{BB962C8B-B14F-4D97-AF65-F5344CB8AC3E}">
-        <p14:creationId xmlns:p14="http://schemas.microsoft.com/office/powerpoint/2010/main" val="1103302210"/>
+        <p14:creationId xmlns:p14="http://schemas.microsoft.com/office/powerpoint/2010/main" val="1213953428"/>
       </p:ext>
     </p:extLst>
   </p:cSld>
@@ -2164,7 +2165,7 @@
           <p:cNvPr id="2" name="Title 1">
             <a:extLst>
               <a:ext uri="{FF2B5EF4-FFF2-40B4-BE49-F238E27FC236}">
-                <a16:creationId xmlns:a16="http://schemas.microsoft.com/office/drawing/2014/main" id="{8EA3E062-3B42-7C4D-8B7C-8DCCDF44CE82}"/>
+                <a16:creationId xmlns:a16="http://schemas.microsoft.com/office/drawing/2014/main" id="{D106D0AD-93D8-C14C-B660-BEA462443587}"/>
               </a:ext>
             </a:extLst>
           </p:cNvPr>
@@ -2201,7 +2202,7 @@
           <p:cNvPr id="3" name="Content Placeholder 2">
             <a:extLst>
               <a:ext uri="{FF2B5EF4-FFF2-40B4-BE49-F238E27FC236}">
-                <a16:creationId xmlns:a16="http://schemas.microsoft.com/office/drawing/2014/main" id="{CBB84782-C756-0B4F-9B8E-6C0A3569313D}"/>
+                <a16:creationId xmlns:a16="http://schemas.microsoft.com/office/drawing/2014/main" id="{774C95A5-8D24-AF43-B2A0-60EEDC320456}"/>
               </a:ext>
             </a:extLst>
           </p:cNvPr>
@@ -2291,7 +2292,7 @@
           <p:cNvPr id="4" name="Text Placeholder 3">
             <a:extLst>
               <a:ext uri="{FF2B5EF4-FFF2-40B4-BE49-F238E27FC236}">
-                <a16:creationId xmlns:a16="http://schemas.microsoft.com/office/drawing/2014/main" id="{AB7A12DC-BF28-A049-BB4A-3330C636B546}"/>
+                <a16:creationId xmlns:a16="http://schemas.microsoft.com/office/drawing/2014/main" id="{CF49727B-4430-FB4A-BFEA-B3193F06495B}"/>
               </a:ext>
             </a:extLst>
           </p:cNvPr>
@@ -2362,7 +2363,7 @@
           <p:cNvPr id="5" name="Date Placeholder 4">
             <a:extLst>
               <a:ext uri="{FF2B5EF4-FFF2-40B4-BE49-F238E27FC236}">
-                <a16:creationId xmlns:a16="http://schemas.microsoft.com/office/drawing/2014/main" id="{D0FA7E03-D86F-7B44-A599-96BE293F365B}"/>
+                <a16:creationId xmlns:a16="http://schemas.microsoft.com/office/drawing/2014/main" id="{9F4EA83A-17FD-604C-99A9-4BDEE43EDA63}"/>
               </a:ext>
             </a:extLst>
           </p:cNvPr>
@@ -2391,7 +2392,7 @@
           <p:cNvPr id="6" name="Footer Placeholder 5">
             <a:extLst>
               <a:ext uri="{FF2B5EF4-FFF2-40B4-BE49-F238E27FC236}">
-                <a16:creationId xmlns:a16="http://schemas.microsoft.com/office/drawing/2014/main" id="{4E2B2CF3-E292-4944-9558-134AF87D7364}"/>
+                <a16:creationId xmlns:a16="http://schemas.microsoft.com/office/drawing/2014/main" id="{136C05CD-C678-5C49-819C-2B3CABD474A9}"/>
               </a:ext>
             </a:extLst>
           </p:cNvPr>
@@ -2416,7 +2417,7 @@
           <p:cNvPr id="7" name="Slide Number Placeholder 6">
             <a:extLst>
               <a:ext uri="{FF2B5EF4-FFF2-40B4-BE49-F238E27FC236}">
-                <a16:creationId xmlns:a16="http://schemas.microsoft.com/office/drawing/2014/main" id="{3F3DDC09-4738-2D4F-B690-D30E76B73DD8}"/>
+                <a16:creationId xmlns:a16="http://schemas.microsoft.com/office/drawing/2014/main" id="{F2937701-774B-3A4E-9822-BE5EDB3ECDC1}"/>
               </a:ext>
             </a:extLst>
           </p:cNvPr>
@@ -2443,7 +2444,7 @@
     </p:spTree>
     <p:extLst>
       <p:ext uri="{BB962C8B-B14F-4D97-AF65-F5344CB8AC3E}">
-        <p14:creationId xmlns:p14="http://schemas.microsoft.com/office/powerpoint/2010/main" val="3176690081"/>
+        <p14:creationId xmlns:p14="http://schemas.microsoft.com/office/powerpoint/2010/main" val="4223260869"/>
       </p:ext>
     </p:extLst>
   </p:cSld>
@@ -2475,7 +2476,7 @@
           <p:cNvPr id="2" name="Title 1">
             <a:extLst>
               <a:ext uri="{FF2B5EF4-FFF2-40B4-BE49-F238E27FC236}">
-                <a16:creationId xmlns:a16="http://schemas.microsoft.com/office/drawing/2014/main" id="{CDE168F0-4289-1641-81FD-FCC169BF8A09}"/>
+                <a16:creationId xmlns:a16="http://schemas.microsoft.com/office/drawing/2014/main" id="{7B93AE4A-DEED-984C-990B-EF25134403C8}"/>
               </a:ext>
             </a:extLst>
           </p:cNvPr>
@@ -2512,7 +2513,7 @@
           <p:cNvPr id="3" name="Picture Placeholder 2">
             <a:extLst>
               <a:ext uri="{FF2B5EF4-FFF2-40B4-BE49-F238E27FC236}">
-                <a16:creationId xmlns:a16="http://schemas.microsoft.com/office/drawing/2014/main" id="{0D0C8E35-8E44-FD41-B242-2720799C5300}"/>
+                <a16:creationId xmlns:a16="http://schemas.microsoft.com/office/drawing/2014/main" id="{41BE1FA2-7C87-A34F-9801-4930839FB109}"/>
               </a:ext>
             </a:extLst>
           </p:cNvPr>
@@ -2579,7 +2580,7 @@
           <p:cNvPr id="4" name="Text Placeholder 3">
             <a:extLst>
               <a:ext uri="{FF2B5EF4-FFF2-40B4-BE49-F238E27FC236}">
-                <a16:creationId xmlns:a16="http://schemas.microsoft.com/office/drawing/2014/main" id="{F7209309-9B6D-7D4E-8E46-6603615045A2}"/>
+                <a16:creationId xmlns:a16="http://schemas.microsoft.com/office/drawing/2014/main" id="{350CD17E-EC49-3A4E-B433-19BDC92146F9}"/>
               </a:ext>
             </a:extLst>
           </p:cNvPr>
@@ -2650,7 +2651,7 @@
           <p:cNvPr id="5" name="Date Placeholder 4">
             <a:extLst>
               <a:ext uri="{FF2B5EF4-FFF2-40B4-BE49-F238E27FC236}">
-                <a16:creationId xmlns:a16="http://schemas.microsoft.com/office/drawing/2014/main" id="{C9691F50-F77F-7446-BA56-6AC7C913463D}"/>
+                <a16:creationId xmlns:a16="http://schemas.microsoft.com/office/drawing/2014/main" id="{3C327639-469A-1146-94D0-E85061AABB8D}"/>
               </a:ext>
             </a:extLst>
           </p:cNvPr>
@@ -2679,7 +2680,7 @@
           <p:cNvPr id="6" name="Footer Placeholder 5">
             <a:extLst>
               <a:ext uri="{FF2B5EF4-FFF2-40B4-BE49-F238E27FC236}">
-                <a16:creationId xmlns:a16="http://schemas.microsoft.com/office/drawing/2014/main" id="{FF3D7F20-618E-984D-8AFB-7F3B6F6AF5BE}"/>
+                <a16:creationId xmlns:a16="http://schemas.microsoft.com/office/drawing/2014/main" id="{3AC49FE0-FD8A-0E48-B184-102C05BC4D4B}"/>
               </a:ext>
             </a:extLst>
           </p:cNvPr>
@@ -2704,7 +2705,7 @@
           <p:cNvPr id="7" name="Slide Number Placeholder 6">
             <a:extLst>
               <a:ext uri="{FF2B5EF4-FFF2-40B4-BE49-F238E27FC236}">
-                <a16:creationId xmlns:a16="http://schemas.microsoft.com/office/drawing/2014/main" id="{27774B61-A69F-D547-91E6-D6A6ED06790A}"/>
+                <a16:creationId xmlns:a16="http://schemas.microsoft.com/office/drawing/2014/main" id="{81EB3F5D-F60E-E74A-B43A-93ACC993C783}"/>
               </a:ext>
             </a:extLst>
           </p:cNvPr>
@@ -2731,7 +2732,7 @@
     </p:spTree>
     <p:extLst>
       <p:ext uri="{BB962C8B-B14F-4D97-AF65-F5344CB8AC3E}">
-        <p14:creationId xmlns:p14="http://schemas.microsoft.com/office/powerpoint/2010/main" val="2123535515"/>
+        <p14:creationId xmlns:p14="http://schemas.microsoft.com/office/powerpoint/2010/main" val="2401103410"/>
       </p:ext>
     </p:extLst>
   </p:cSld>
@@ -2768,7 +2769,7 @@
           <p:cNvPr id="2" name="Title Placeholder 1">
             <a:extLst>
               <a:ext uri="{FF2B5EF4-FFF2-40B4-BE49-F238E27FC236}">
-                <a16:creationId xmlns:a16="http://schemas.microsoft.com/office/drawing/2014/main" id="{849DCD3F-22F3-6242-9B4E-4461C5979FFA}"/>
+                <a16:creationId xmlns:a16="http://schemas.microsoft.com/office/drawing/2014/main" id="{D2A9E268-A5BB-F345-BFAE-3ECBD8DD01CD}"/>
               </a:ext>
             </a:extLst>
           </p:cNvPr>
@@ -2806,7 +2807,7 @@
           <p:cNvPr id="3" name="Text Placeholder 2">
             <a:extLst>
               <a:ext uri="{FF2B5EF4-FFF2-40B4-BE49-F238E27FC236}">
-                <a16:creationId xmlns:a16="http://schemas.microsoft.com/office/drawing/2014/main" id="{03651C6D-7B78-3A47-BE71-5E4E883F7DBD}"/>
+                <a16:creationId xmlns:a16="http://schemas.microsoft.com/office/drawing/2014/main" id="{B8503FD9-4C54-5B4B-9F47-4BD0622918FF}"/>
               </a:ext>
             </a:extLst>
           </p:cNvPr>
@@ -2873,7 +2874,7 @@
           <p:cNvPr id="4" name="Date Placeholder 3">
             <a:extLst>
               <a:ext uri="{FF2B5EF4-FFF2-40B4-BE49-F238E27FC236}">
-                <a16:creationId xmlns:a16="http://schemas.microsoft.com/office/drawing/2014/main" id="{53CD4330-89EB-144C-B9DB-48A384E5DC3F}"/>
+                <a16:creationId xmlns:a16="http://schemas.microsoft.com/office/drawing/2014/main" id="{232691C4-E9B3-B946-A1DB-E60D4D2CAB68}"/>
               </a:ext>
             </a:extLst>
           </p:cNvPr>
@@ -2920,7 +2921,7 @@
           <p:cNvPr id="5" name="Footer Placeholder 4">
             <a:extLst>
               <a:ext uri="{FF2B5EF4-FFF2-40B4-BE49-F238E27FC236}">
-                <a16:creationId xmlns:a16="http://schemas.microsoft.com/office/drawing/2014/main" id="{152420E2-954F-744C-B622-F7A39C7F4B91}"/>
+                <a16:creationId xmlns:a16="http://schemas.microsoft.com/office/drawing/2014/main" id="{7ED942E6-9859-6C44-85B7-6FB7304E6F80}"/>
               </a:ext>
             </a:extLst>
           </p:cNvPr>
@@ -2963,7 +2964,7 @@
           <p:cNvPr id="6" name="Slide Number Placeholder 5">
             <a:extLst>
               <a:ext uri="{FF2B5EF4-FFF2-40B4-BE49-F238E27FC236}">
-                <a16:creationId xmlns:a16="http://schemas.microsoft.com/office/drawing/2014/main" id="{516D3900-0A9E-5A4A-8DA0-F913214CB86A}"/>
+                <a16:creationId xmlns:a16="http://schemas.microsoft.com/office/drawing/2014/main" id="{D031C0F0-260C-5E4A-B678-6AA0708C6BB0}"/>
               </a:ext>
             </a:extLst>
           </p:cNvPr>
@@ -3008,23 +3009,23 @@
     </p:spTree>
     <p:extLst>
       <p:ext uri="{BB962C8B-B14F-4D97-AF65-F5344CB8AC3E}">
-        <p14:creationId xmlns:p14="http://schemas.microsoft.com/office/powerpoint/2010/main" val="1388310363"/>
+        <p14:creationId xmlns:p14="http://schemas.microsoft.com/office/powerpoint/2010/main" val="3501189347"/>
       </p:ext>
     </p:extLst>
   </p:cSld>
   <p:clrMap bg1="lt1" tx1="dk1" bg2="lt2" tx2="dk2" accent1="accent1" accent2="accent2" accent3="accent3" accent4="accent4" accent5="accent5" accent6="accent6" hlink="hlink" folHlink="folHlink"/>
   <p:sldLayoutIdLst>
-    <p:sldLayoutId id="2147483649" r:id="rId1"/>
-    <p:sldLayoutId id="2147483650" r:id="rId2"/>
-    <p:sldLayoutId id="2147483651" r:id="rId3"/>
-    <p:sldLayoutId id="2147483652" r:id="rId4"/>
-    <p:sldLayoutId id="2147483653" r:id="rId5"/>
-    <p:sldLayoutId id="2147483654" r:id="rId6"/>
-    <p:sldLayoutId id="2147483655" r:id="rId7"/>
-    <p:sldLayoutId id="2147483656" r:id="rId8"/>
-    <p:sldLayoutId id="2147483657" r:id="rId9"/>
-    <p:sldLayoutId id="2147483658" r:id="rId10"/>
-    <p:sldLayoutId id="2147483659" r:id="rId11"/>
+    <p:sldLayoutId id="2147483831" r:id="rId1"/>
+    <p:sldLayoutId id="2147483832" r:id="rId2"/>
+    <p:sldLayoutId id="2147483833" r:id="rId3"/>
+    <p:sldLayoutId id="2147483834" r:id="rId4"/>
+    <p:sldLayoutId id="2147483835" r:id="rId5"/>
+    <p:sldLayoutId id="2147483836" r:id="rId6"/>
+    <p:sldLayoutId id="2147483837" r:id="rId7"/>
+    <p:sldLayoutId id="2147483838" r:id="rId8"/>
+    <p:sldLayoutId id="2147483839" r:id="rId9"/>
+    <p:sldLayoutId id="2147483840" r:id="rId10"/>
+    <p:sldLayoutId id="2147483841" r:id="rId11"/>
   </p:sldLayoutIdLst>
   <p:txStyles>
     <p:titleStyle>
@@ -3334,69 +3335,6 @@
           <a:chExt cx="0" cy="0"/>
         </a:xfrm>
       </p:grpSpPr>
-      <p:sp>
-        <p:nvSpPr>
-          <p:cNvPr id="10" name="Rectangle 9">
-            <a:extLst>
-              <a:ext uri="{FF2B5EF4-FFF2-40B4-BE49-F238E27FC236}">
-                <a16:creationId xmlns:a16="http://schemas.microsoft.com/office/drawing/2014/main" id="{71B2258F-86CA-4D4D-8270-BC05FCDEBFB3}"/>
-              </a:ext>
-              <a:ext uri="{C183D7F6-B498-43B3-948B-1728B52AA6E4}">
-                <adec:decorative xmlns:adec="http://schemas.microsoft.com/office/drawing/2017/decorative" val="1"/>
-              </a:ext>
-            </a:extLst>
-          </p:cNvPr>
-          <p:cNvSpPr>
-            <a:spLocks noGrp="1" noRot="1" noChangeAspect="1" noMove="1" noResize="1" noEditPoints="1" noAdjustHandles="1" noChangeArrowheads="1" noChangeShapeType="1" noTextEdit="1"/>
-          </p:cNvSpPr>
-          <p:nvPr>
-            <p:extLst>
-              <p:ext uri="{386F3935-93C4-4BCD-93E2-E3B085C9AB24}">
-                <p16:designElem xmlns:p16="http://schemas.microsoft.com/office/powerpoint/2015/main" val="1"/>
-              </p:ext>
-            </p:extLst>
-          </p:nvPr>
-        </p:nvSpPr>
-        <p:spPr>
-          <a:xfrm>
-            <a:off x="0" y="0"/>
-            <a:ext cx="12192000" cy="6857999"/>
-          </a:xfrm>
-          <a:prstGeom prst="rect">
-            <a:avLst/>
-          </a:prstGeom>
-          <a:solidFill>
-            <a:srgbClr val="000000"/>
-          </a:solidFill>
-          <a:ln>
-            <a:noFill/>
-          </a:ln>
-        </p:spPr>
-        <p:style>
-          <a:lnRef idx="2">
-            <a:schemeClr val="accent1">
-              <a:shade val="50000"/>
-            </a:schemeClr>
-          </a:lnRef>
-          <a:fillRef idx="1">
-            <a:schemeClr val="accent1"/>
-          </a:fillRef>
-          <a:effectRef idx="0">
-            <a:schemeClr val="accent1"/>
-          </a:effectRef>
-          <a:fontRef idx="minor">
-            <a:schemeClr val="lt1"/>
-          </a:fontRef>
-        </p:style>
-        <p:txBody>
-          <a:bodyPr rtlCol="0" anchor="ctr"/>
-          <a:lstStyle/>
-          <a:p>
-            <a:pPr algn="ctr"/>
-            <a:endParaRPr lang="en-US"/>
-          </a:p>
-        </p:txBody>
-      </p:sp>
       <p:pic>
         <p:nvPicPr>
           <p:cNvPr id="5" name="Picture 4" descr="A picture containing building, indoor, train, track&#10;&#10;Description automatically generated">
@@ -3495,11 +3433,14 @@
           </a:bodyPr>
           <a:lstStyle/>
           <a:p>
-            <a:endParaRPr lang="en-US" dirty="0">
-              <a:solidFill>
-                <a:srgbClr val="FFFFFF"/>
-              </a:solidFill>
-            </a:endParaRPr>
+            <a:r>
+              <a:rPr lang="en-US" dirty="0">
+                <a:solidFill>
+                  <a:srgbClr val="FFFFFF"/>
+                </a:solidFill>
+              </a:rPr>
+              <a:t>10/27/2020 CURRENT WORK IN PROCESS!</a:t>
+            </a:r>
           </a:p>
         </p:txBody>
       </p:sp>
@@ -3538,7 +3479,7 @@
           <p:cNvPr id="2" name="Title 1">
             <a:extLst>
               <a:ext uri="{FF2B5EF4-FFF2-40B4-BE49-F238E27FC236}">
-                <a16:creationId xmlns:a16="http://schemas.microsoft.com/office/drawing/2014/main" id="{6085E475-C0F4-4245-BDE8-D4AD65E1967A}"/>
+                <a16:creationId xmlns:a16="http://schemas.microsoft.com/office/drawing/2014/main" id="{B93231E6-0738-554E-8C12-14B283899572}"/>
               </a:ext>
             </a:extLst>
           </p:cNvPr>
@@ -3566,7 +3507,7 @@
           <p:cNvPr id="3" name="Content Placeholder 2">
             <a:extLst>
               <a:ext uri="{FF2B5EF4-FFF2-40B4-BE49-F238E27FC236}">
-                <a16:creationId xmlns:a16="http://schemas.microsoft.com/office/drawing/2014/main" id="{C8BD5E33-80E6-E545-B6B4-DB58A9D90650}"/>
+                <a16:creationId xmlns:a16="http://schemas.microsoft.com/office/drawing/2014/main" id="{2A7FAEBC-C3F1-5A40-B6F5-541625A93548}"/>
               </a:ext>
             </a:extLst>
           </p:cNvPr>
@@ -3588,72 +3529,115 @@
               <a:buNone/>
             </a:pPr>
             <a:r>
-              <a:rPr lang="en-US" sz="2400" dirty="0"/>
-              <a:t>The goal is to apply Natural Language Processing and Machine Learning to build a </a:t>
-            </a:r>
-            <a:r>
-              <a:rPr lang="en-US" sz="2400" b="1" dirty="0"/>
-              <a:t>multinomial classification model</a:t>
-            </a:r>
-            <a:r>
-              <a:rPr lang="en-US" sz="2400" dirty="0"/>
-              <a:t>. This model will predict the results of a food inspection based on the inspector’s comments. </a:t>
+              <a:rPr lang="en-US" b="1" dirty="0"/>
+              <a:t>01</a:t>
+            </a:r>
+            <a:r>
+              <a:rPr lang="en-US" dirty="0"/>
+              <a:t> Background</a:t>
             </a:r>
           </a:p>
           <a:p>
             <a:pPr marL="0" indent="0">
               <a:buNone/>
             </a:pPr>
-            <a:endParaRPr lang="en-US" sz="2400" dirty="0"/>
+            <a:endParaRPr lang="en-US" sz="600" dirty="0"/>
           </a:p>
           <a:p>
             <a:pPr marL="0" indent="0">
               <a:buNone/>
             </a:pPr>
             <a:r>
-              <a:rPr lang="en-US" sz="2400" dirty="0"/>
-              <a:t>As a result, the model will only consider the inspector’s comments. Other features, such as location, business type, and risk factor, will not be included.</a:t>
+              <a:rPr lang="en-US" b="1" dirty="0"/>
+              <a:t>02 </a:t>
+            </a:r>
+            <a:r>
+              <a:rPr lang="en-US" dirty="0"/>
+              <a:t>Data</a:t>
             </a:r>
           </a:p>
           <a:p>
             <a:pPr marL="0" indent="0">
               <a:buNone/>
             </a:pPr>
-            <a:endParaRPr lang="en-US" sz="2400" dirty="0"/>
+            <a:endParaRPr lang="en-US" sz="600" b="1" dirty="0"/>
           </a:p>
           <a:p>
             <a:pPr marL="0" indent="0">
               <a:buNone/>
             </a:pPr>
             <a:r>
-              <a:rPr lang="en-US" sz="2400" dirty="0"/>
-              <a:t>The data source is provided by the City of Chicago Health and Human Services and is for the timeframe (____)</a:t>
+              <a:rPr lang="en-US" b="1" dirty="0"/>
+              <a:t>03 </a:t>
+            </a:r>
+            <a:r>
+              <a:rPr lang="en-US" dirty="0"/>
+              <a:t>Natural Language Processing Overview</a:t>
             </a:r>
           </a:p>
           <a:p>
             <a:pPr marL="0" indent="0">
               <a:buNone/>
             </a:pPr>
-            <a:endParaRPr lang="en-US" sz="2400" dirty="0"/>
+            <a:endParaRPr lang="en-US" sz="500" b="1" dirty="0"/>
           </a:p>
           <a:p>
             <a:pPr marL="0" indent="0">
               <a:buNone/>
             </a:pPr>
-            <a:endParaRPr lang="en-US" sz="2400" dirty="0"/>
+            <a:r>
+              <a:rPr lang="en-US" b="1" dirty="0"/>
+              <a:t>04 </a:t>
+            </a:r>
+            <a:r>
+              <a:rPr lang="en-US" dirty="0"/>
+              <a:t>Model Overview</a:t>
+            </a:r>
           </a:p>
           <a:p>
             <a:pPr marL="0" indent="0">
               <a:buNone/>
             </a:pPr>
-            <a:endParaRPr lang="en-US" sz="2400" dirty="0"/>
+            <a:endParaRPr lang="en-US" sz="500" b="1" dirty="0"/>
+          </a:p>
+          <a:p>
+            <a:pPr marL="0" indent="0">
+              <a:buNone/>
+            </a:pPr>
+            <a:r>
+              <a:rPr lang="en-US" b="1" dirty="0"/>
+              <a:t>05 </a:t>
+            </a:r>
+            <a:r>
+              <a:rPr lang="en-US" dirty="0"/>
+              <a:t>Model Results</a:t>
+            </a:r>
+          </a:p>
+          <a:p>
+            <a:pPr marL="0" indent="0">
+              <a:buNone/>
+            </a:pPr>
+            <a:endParaRPr lang="en-US" sz="500" b="1" dirty="0"/>
+          </a:p>
+          <a:p>
+            <a:pPr marL="0" indent="0">
+              <a:buNone/>
+            </a:pPr>
+            <a:r>
+              <a:rPr lang="en-US" b="1" dirty="0"/>
+              <a:t>06 </a:t>
+            </a:r>
+            <a:r>
+              <a:rPr lang="en-US" dirty="0"/>
+              <a:t>Summary &amp; Next Steps</a:t>
+            </a:r>
           </a:p>
         </p:txBody>
       </p:sp>
     </p:spTree>
     <p:extLst>
       <p:ext uri="{BB962C8B-B14F-4D97-AF65-F5344CB8AC3E}">
-        <p14:creationId xmlns:p14="http://schemas.microsoft.com/office/powerpoint/2010/main" val="29741159"/>
+        <p14:creationId xmlns:p14="http://schemas.microsoft.com/office/powerpoint/2010/main" val="3233333404"/>
       </p:ext>
     </p:extLst>
   </p:cSld>
@@ -3685,7 +3669,7 @@
           <p:cNvPr id="2" name="Title 1">
             <a:extLst>
               <a:ext uri="{FF2B5EF4-FFF2-40B4-BE49-F238E27FC236}">
-                <a16:creationId xmlns:a16="http://schemas.microsoft.com/office/drawing/2014/main" id="{B93231E6-0738-554E-8C12-14B283899572}"/>
+                <a16:creationId xmlns:a16="http://schemas.microsoft.com/office/drawing/2014/main" id="{6085E475-C0F4-4245-BDE8-D4AD65E1967A}"/>
               </a:ext>
             </a:extLst>
           </p:cNvPr>
@@ -3702,8 +3686,12 @@
           <a:lstStyle/>
           <a:p>
             <a:r>
+              <a:rPr lang="en-US" b="1" dirty="0"/>
+              <a:t>01 </a:t>
+            </a:r>
+            <a:r>
               <a:rPr lang="en-US" dirty="0"/>
-              <a:t>Overview</a:t>
+              <a:t>Background</a:t>
             </a:r>
           </a:p>
         </p:txBody>
@@ -3713,7 +3701,7 @@
           <p:cNvPr id="3" name="Content Placeholder 2">
             <a:extLst>
               <a:ext uri="{FF2B5EF4-FFF2-40B4-BE49-F238E27FC236}">
-                <a16:creationId xmlns:a16="http://schemas.microsoft.com/office/drawing/2014/main" id="{2A7FAEBC-C3F1-5A40-B6F5-541625A93548}"/>
+                <a16:creationId xmlns:a16="http://schemas.microsoft.com/office/drawing/2014/main" id="{C8BD5E33-80E6-E545-B6B4-DB58A9D90650}"/>
               </a:ext>
             </a:extLst>
           </p:cNvPr>
@@ -3726,50 +3714,97 @@
         </p:nvSpPr>
         <p:spPr/>
         <p:txBody>
-          <a:bodyPr/>
-          <a:lstStyle/>
-          <a:p>
-            <a:r>
-              <a:rPr lang="en-US" dirty="0"/>
-              <a:t>Introduction</a:t>
-            </a:r>
-          </a:p>
-          <a:p>
-            <a:r>
-              <a:rPr lang="en-US" dirty="0"/>
-              <a:t>Data</a:t>
-            </a:r>
-          </a:p>
-          <a:p>
-            <a:r>
-              <a:rPr lang="en-US" dirty="0"/>
-              <a:t>Natural Language Processing</a:t>
-            </a:r>
-          </a:p>
-          <a:p>
-            <a:r>
-              <a:rPr lang="en-US" dirty="0"/>
-              <a:t>Classification</a:t>
-            </a:r>
-          </a:p>
-          <a:p>
-            <a:r>
-              <a:rPr lang="en-US" dirty="0"/>
-              <a:t>Model Results</a:t>
-            </a:r>
-          </a:p>
-          <a:p>
-            <a:r>
-              <a:rPr lang="en-US" dirty="0"/>
-              <a:t>Summary</a:t>
-            </a:r>
+          <a:bodyPr>
+            <a:normAutofit/>
+          </a:bodyPr>
+          <a:lstStyle/>
+          <a:p>
+            <a:pPr marL="0" indent="0">
+              <a:buNone/>
+            </a:pPr>
+            <a:r>
+              <a:rPr lang="en-US" sz="2400" dirty="0"/>
+              <a:t>The goal is to apply Natural Language Processing and Machine Learning to build a </a:t>
+            </a:r>
+            <a:r>
+              <a:rPr lang="en-US" sz="2400" b="1" dirty="0"/>
+              <a:t>multinomial classification model</a:t>
+            </a:r>
+            <a:r>
+              <a:rPr lang="en-US" sz="2400" dirty="0"/>
+              <a:t>. This model will predict the results of a food inspection based on the inspector’s comments. </a:t>
+            </a:r>
+          </a:p>
+          <a:p>
+            <a:pPr marL="0" indent="0">
+              <a:buNone/>
+            </a:pPr>
+            <a:endParaRPr lang="en-US" sz="2400" dirty="0"/>
+          </a:p>
+          <a:p>
+            <a:pPr marL="0" indent="0">
+              <a:buNone/>
+            </a:pPr>
+            <a:r>
+              <a:rPr lang="en-US" sz="2400" dirty="0"/>
+              <a:t>As a result, other features, such as location, business type, and risk factor, are not included in the </a:t>
+            </a:r>
+            <a:r>
+              <a:rPr lang="en-US" sz="2400" b="1" dirty="0"/>
+              <a:t>predictive modeling</a:t>
+            </a:r>
+            <a:r>
+              <a:rPr lang="en-US" sz="2400" dirty="0"/>
+              <a:t> and are only be included for </a:t>
+            </a:r>
+            <a:r>
+              <a:rPr lang="en-US" sz="2400" b="1" dirty="0"/>
+              <a:t>descriptive analysis </a:t>
+            </a:r>
+            <a:r>
+              <a:rPr lang="en-US" sz="2400" dirty="0"/>
+              <a:t>purposes</a:t>
+            </a:r>
+          </a:p>
+          <a:p>
+            <a:pPr marL="0" indent="0">
+              <a:buNone/>
+            </a:pPr>
+            <a:endParaRPr lang="en-US" sz="2400" dirty="0"/>
+          </a:p>
+          <a:p>
+            <a:pPr marL="0" indent="0">
+              <a:buNone/>
+            </a:pPr>
+            <a:r>
+              <a:rPr lang="en-US" sz="2400" dirty="0"/>
+              <a:t>Data is provided by the City of Chicago Health and Human Services and is updated via an API every time the model is run. Most recent run date is October 2020.</a:t>
+            </a:r>
+          </a:p>
+          <a:p>
+            <a:pPr marL="0" indent="0">
+              <a:buNone/>
+            </a:pPr>
+            <a:endParaRPr lang="en-US" sz="2400" dirty="0"/>
+          </a:p>
+          <a:p>
+            <a:pPr marL="0" indent="0">
+              <a:buNone/>
+            </a:pPr>
+            <a:endParaRPr lang="en-US" sz="2400" dirty="0"/>
+          </a:p>
+          <a:p>
+            <a:pPr marL="0" indent="0">
+              <a:buNone/>
+            </a:pPr>
+            <a:endParaRPr lang="en-US" sz="2400" dirty="0"/>
           </a:p>
         </p:txBody>
       </p:sp>
     </p:spTree>
     <p:extLst>
       <p:ext uri="{BB962C8B-B14F-4D97-AF65-F5344CB8AC3E}">
-        <p14:creationId xmlns:p14="http://schemas.microsoft.com/office/powerpoint/2010/main" val="3233333404"/>
+        <p14:creationId xmlns:p14="http://schemas.microsoft.com/office/powerpoint/2010/main" val="29741159"/>
       </p:ext>
     </p:extLst>
   </p:cSld>
@@ -3818,8 +3853,12 @@
           <a:lstStyle/>
           <a:p>
             <a:r>
+              <a:rPr lang="en-US" b="1" dirty="0"/>
+              <a:t>02 </a:t>
+            </a:r>
+            <a:r>
               <a:rPr lang="en-US" dirty="0"/>
-              <a:t>Data</a:t>
+              <a:t>Data Overview</a:t>
             </a:r>
           </a:p>
         </p:txBody>
@@ -3850,16 +3889,6 @@
             <a:pPr marL="0" indent="0">
               <a:buNone/>
             </a:pPr>
-            <a:r>
-              <a:rPr lang="en-US" sz="1500" dirty="0"/>
-              <a:t>Source: </a:t>
-            </a:r>
-            <a:r>
-              <a:rPr lang="en-US" sz="1500" dirty="0">
-                <a:hlinkClick r:id="rId2"/>
-              </a:rPr>
-              <a:t>https://data.cityofchicago.org/Health-Human-Services/Food-Inspections/4ijn-s7e5</a:t>
-            </a:r>
             <a:endParaRPr lang="en-US" sz="1500" dirty="0"/>
           </a:p>
         </p:txBody>
@@ -3879,7 +3908,7 @@
           <p:nvPr/>
         </p:nvPicPr>
         <p:blipFill>
-          <a:blip r:embed="rId3"/>
+          <a:blip r:embed="rId2"/>
           <a:stretch>
             <a:fillRect/>
           </a:stretch>
@@ -3929,7 +3958,7 @@
           <p:cNvPr id="2" name="Title 1">
             <a:extLst>
               <a:ext uri="{FF2B5EF4-FFF2-40B4-BE49-F238E27FC236}">
-                <a16:creationId xmlns:a16="http://schemas.microsoft.com/office/drawing/2014/main" id="{B3B1DFEA-7CDA-9C43-8F18-DA6A29B0D8D3}"/>
+                <a16:creationId xmlns:a16="http://schemas.microsoft.com/office/drawing/2014/main" id="{E2C4F516-5BF1-E348-8DBC-EE143C099E3E}"/>
               </a:ext>
             </a:extLst>
           </p:cNvPr>
@@ -3940,56 +3969,53 @@
             <p:ph type="title"/>
           </p:nvPr>
         </p:nvSpPr>
-        <p:spPr>
-          <a:xfrm>
-            <a:off x="838200" y="365125"/>
-            <a:ext cx="10515600" cy="1325563"/>
-          </a:xfrm>
-        </p:spPr>
+        <p:spPr/>
         <p:txBody>
           <a:bodyPr/>
           <a:lstStyle/>
           <a:p>
             <a:r>
               <a:rPr lang="en-US" dirty="0"/>
-              <a:t>Model Overview	</a:t>
-            </a:r>
-          </a:p>
-        </p:txBody>
-      </p:sp>
-      <p:pic>
-        <p:nvPicPr>
-          <p:cNvPr id="5" name="Content Placeholder 4" descr="Graphical user interface, application&#10;&#10;Description automatically generated">
-            <a:extLst>
-              <a:ext uri="{FF2B5EF4-FFF2-40B4-BE49-F238E27FC236}">
-                <a16:creationId xmlns:a16="http://schemas.microsoft.com/office/drawing/2014/main" id="{4641293C-ACDE-B544-9972-29D8A769C5DD}"/>
-              </a:ext>
-            </a:extLst>
-          </p:cNvPr>
-          <p:cNvPicPr>
-            <a:picLocks noGrp="1" noChangeAspect="1"/>
-          </p:cNvPicPr>
+              <a:t>Natural Language Processing</a:t>
+            </a:r>
+          </a:p>
+        </p:txBody>
+      </p:sp>
+      <p:sp>
+        <p:nvSpPr>
+          <p:cNvPr id="3" name="Content Placeholder 2">
+            <a:extLst>
+              <a:ext uri="{FF2B5EF4-FFF2-40B4-BE49-F238E27FC236}">
+                <a16:creationId xmlns:a16="http://schemas.microsoft.com/office/drawing/2014/main" id="{729AFA1D-9DCF-BC45-94B8-79AC3F7D7B2C}"/>
+              </a:ext>
+            </a:extLst>
+          </p:cNvPr>
+          <p:cNvSpPr>
+            <a:spLocks noGrp="1"/>
+          </p:cNvSpPr>
           <p:nvPr>
             <p:ph idx="1"/>
           </p:nvPr>
-        </p:nvPicPr>
-        <p:blipFill>
-          <a:blip r:embed="rId2"/>
-          <a:stretch>
-            <a:fillRect/>
-          </a:stretch>
-        </p:blipFill>
-        <p:spPr>
-          <a:xfrm>
-            <a:off x="838200" y="2065905"/>
-            <a:ext cx="2451755" cy="1720797"/>
-          </a:xfrm>
-        </p:spPr>
-      </p:pic>
+        </p:nvSpPr>
+        <p:spPr/>
+        <p:txBody>
+          <a:bodyPr/>
+          <a:lstStyle/>
+          <a:p>
+            <a:r>
+              <a:rPr lang="en-US" dirty="0"/>
+              <a:t>Talk about some of the ways the text is processed</a:t>
+            </a:r>
+          </a:p>
+          <a:p>
+            <a:endParaRPr lang="en-US" dirty="0"/>
+          </a:p>
+        </p:txBody>
+      </p:sp>
     </p:spTree>
     <p:extLst>
       <p:ext uri="{BB962C8B-B14F-4D97-AF65-F5344CB8AC3E}">
-        <p14:creationId xmlns:p14="http://schemas.microsoft.com/office/powerpoint/2010/main" val="2606899608"/>
+        <p14:creationId xmlns:p14="http://schemas.microsoft.com/office/powerpoint/2010/main" val="1828657926"/>
       </p:ext>
     </p:extLst>
   </p:cSld>
@@ -4021,6 +4047,104 @@
           <p:cNvPr id="2" name="Title 1">
             <a:extLst>
               <a:ext uri="{FF2B5EF4-FFF2-40B4-BE49-F238E27FC236}">
+                <a16:creationId xmlns:a16="http://schemas.microsoft.com/office/drawing/2014/main" id="{B3B1DFEA-7CDA-9C43-8F18-DA6A29B0D8D3}"/>
+              </a:ext>
+            </a:extLst>
+          </p:cNvPr>
+          <p:cNvSpPr>
+            <a:spLocks noGrp="1"/>
+          </p:cNvSpPr>
+          <p:nvPr>
+            <p:ph type="title"/>
+          </p:nvPr>
+        </p:nvSpPr>
+        <p:spPr/>
+        <p:txBody>
+          <a:bodyPr/>
+          <a:lstStyle/>
+          <a:p>
+            <a:r>
+              <a:rPr lang="en-US" dirty="0"/>
+              <a:t>Model Overview	</a:t>
+            </a:r>
+          </a:p>
+        </p:txBody>
+      </p:sp>
+      <p:sp>
+        <p:nvSpPr>
+          <p:cNvPr id="9" name="Content Placeholder 8">
+            <a:extLst>
+              <a:ext uri="{FF2B5EF4-FFF2-40B4-BE49-F238E27FC236}">
+                <a16:creationId xmlns:a16="http://schemas.microsoft.com/office/drawing/2014/main" id="{3019DD5B-2701-3247-8E19-CF12DCDD7AA9}"/>
+              </a:ext>
+            </a:extLst>
+          </p:cNvPr>
+          <p:cNvSpPr>
+            <a:spLocks noGrp="1"/>
+          </p:cNvSpPr>
+          <p:nvPr>
+            <p:ph idx="1"/>
+          </p:nvPr>
+        </p:nvSpPr>
+        <p:spPr/>
+        <p:txBody>
+          <a:bodyPr/>
+          <a:lstStyle/>
+          <a:p>
+            <a:r>
+              <a:rPr lang="en-US" dirty="0"/>
+              <a:t>Which models were run?</a:t>
+            </a:r>
+          </a:p>
+          <a:p>
+            <a:r>
+              <a:rPr lang="en-US" dirty="0"/>
+              <a:t>Strengths and weaknesses of each?</a:t>
+            </a:r>
+          </a:p>
+          <a:p>
+            <a:r>
+              <a:rPr lang="en-US" dirty="0"/>
+              <a:t>Parameter overview</a:t>
+            </a:r>
+          </a:p>
+        </p:txBody>
+      </p:sp>
+    </p:spTree>
+    <p:extLst>
+      <p:ext uri="{BB962C8B-B14F-4D97-AF65-F5344CB8AC3E}">
+        <p14:creationId xmlns:p14="http://schemas.microsoft.com/office/powerpoint/2010/main" val="2606899608"/>
+      </p:ext>
+    </p:extLst>
+  </p:cSld>
+  <p:clrMapOvr>
+    <a:masterClrMapping/>
+  </p:clrMapOvr>
+</p:sld>
+</file>
+
+<file path=ppt/slides/slide7.xml><?xml version="1.0" encoding="utf-8"?>
+<p:sld xmlns:a="http://schemas.openxmlformats.org/drawingml/2006/main" xmlns:r="http://schemas.openxmlformats.org/officeDocument/2006/relationships" xmlns:p="http://schemas.openxmlformats.org/presentationml/2006/main">
+  <p:cSld>
+    <p:spTree>
+      <p:nvGrpSpPr>
+        <p:cNvPr id="1" name=""/>
+        <p:cNvGrpSpPr/>
+        <p:nvPr/>
+      </p:nvGrpSpPr>
+      <p:grpSpPr>
+        <a:xfrm>
+          <a:off x="0" y="0"/>
+          <a:ext cx="0" cy="0"/>
+          <a:chOff x="0" y="0"/>
+          <a:chExt cx="0" cy="0"/>
+        </a:xfrm>
+      </p:grpSpPr>
+      <p:sp>
+        <p:nvSpPr>
+          <p:cNvPr id="2" name="Title 1">
+            <a:extLst>
+              <a:ext uri="{FF2B5EF4-FFF2-40B4-BE49-F238E27FC236}">
                 <a16:creationId xmlns:a16="http://schemas.microsoft.com/office/drawing/2014/main" id="{D7FC21B0-D9F2-CA48-BE37-B0C7B5AE9F8B}"/>
               </a:ext>
             </a:extLst>
@@ -4062,10 +4186,100 @@
           <a:bodyPr/>
           <a:lstStyle/>
           <a:p>
-            <a:endParaRPr lang="en-US"/>
-          </a:p>
-        </p:txBody>
-      </p:sp>
+            <a:endParaRPr lang="en-US" dirty="0"/>
+          </a:p>
+        </p:txBody>
+      </p:sp>
+      <p:pic>
+        <p:nvPicPr>
+          <p:cNvPr id="4" name="Picture 3">
+            <a:extLst>
+              <a:ext uri="{FF2B5EF4-FFF2-40B4-BE49-F238E27FC236}">
+                <a16:creationId xmlns:a16="http://schemas.microsoft.com/office/drawing/2014/main" id="{8E2C2CC3-87DB-C943-994B-940A23AE07AB}"/>
+              </a:ext>
+            </a:extLst>
+          </p:cNvPr>
+          <p:cNvPicPr>
+            <a:picLocks noChangeAspect="1"/>
+          </p:cNvPicPr>
+          <p:nvPr/>
+        </p:nvPicPr>
+        <p:blipFill>
+          <a:blip r:embed="rId2"/>
+          <a:stretch>
+            <a:fillRect/>
+          </a:stretch>
+        </p:blipFill>
+        <p:spPr>
+          <a:xfrm>
+            <a:off x="943139" y="2535809"/>
+            <a:ext cx="2899775" cy="1986315"/>
+          </a:xfrm>
+          <a:prstGeom prst="rect">
+            <a:avLst/>
+          </a:prstGeom>
+        </p:spPr>
+      </p:pic>
+      <p:pic>
+        <p:nvPicPr>
+          <p:cNvPr id="6" name="Picture 5">
+            <a:extLst>
+              <a:ext uri="{FF2B5EF4-FFF2-40B4-BE49-F238E27FC236}">
+                <a16:creationId xmlns:a16="http://schemas.microsoft.com/office/drawing/2014/main" id="{CB36270F-5593-1047-9A3F-4160E4BF50DE}"/>
+              </a:ext>
+            </a:extLst>
+          </p:cNvPr>
+          <p:cNvPicPr>
+            <a:picLocks noChangeAspect="1"/>
+          </p:cNvPicPr>
+          <p:nvPr/>
+        </p:nvPicPr>
+        <p:blipFill>
+          <a:blip r:embed="rId3"/>
+          <a:stretch>
+            <a:fillRect/>
+          </a:stretch>
+        </p:blipFill>
+        <p:spPr>
+          <a:xfrm>
+            <a:off x="6793976" y="1901858"/>
+            <a:ext cx="2705100" cy="1962150"/>
+          </a:xfrm>
+          <a:prstGeom prst="rect">
+            <a:avLst/>
+          </a:prstGeom>
+        </p:spPr>
+      </p:pic>
+      <p:pic>
+        <p:nvPicPr>
+          <p:cNvPr id="7" name="Picture 6">
+            <a:extLst>
+              <a:ext uri="{FF2B5EF4-FFF2-40B4-BE49-F238E27FC236}">
+                <a16:creationId xmlns:a16="http://schemas.microsoft.com/office/drawing/2014/main" id="{7FCF21DD-DDE5-2C45-B4A9-FB617C391C2C}"/>
+              </a:ext>
+            </a:extLst>
+          </p:cNvPr>
+          <p:cNvPicPr>
+            <a:picLocks noChangeAspect="1"/>
+          </p:cNvPicPr>
+          <p:nvPr/>
+        </p:nvPicPr>
+        <p:blipFill>
+          <a:blip r:embed="rId4"/>
+          <a:stretch>
+            <a:fillRect/>
+          </a:stretch>
+        </p:blipFill>
+        <p:spPr>
+          <a:xfrm>
+            <a:off x="7017469" y="4240395"/>
+            <a:ext cx="2481607" cy="1825754"/>
+          </a:xfrm>
+          <a:prstGeom prst="rect">
+            <a:avLst/>
+          </a:prstGeom>
+        </p:spPr>
+      </p:pic>
     </p:spTree>
     <p:extLst>
       <p:ext uri="{BB962C8B-B14F-4D97-AF65-F5344CB8AC3E}">

--- a/Presentation.pptx
+++ b/Presentation.pptx
@@ -11,7 +11,8 @@
     <p:sldId id="258" r:id="rId5"/>
     <p:sldId id="262" r:id="rId6"/>
     <p:sldId id="259" r:id="rId7"/>
-    <p:sldId id="260" r:id="rId8"/>
+    <p:sldId id="263" r:id="rId8"/>
+    <p:sldId id="260" r:id="rId9"/>
   </p:sldIdLst>
   <p:sldSz cx="12192000" cy="6858000"/>
   <p:notesSz cx="6858000" cy="9144000"/>
@@ -4008,6 +4009,27 @@
             </a:r>
           </a:p>
           <a:p>
+            <a:r>
+              <a:rPr lang="en-US" dirty="0"/>
+              <a:t>Regex</a:t>
+            </a:r>
+          </a:p>
+          <a:p>
+            <a:r>
+              <a:rPr lang="en-US" dirty="0"/>
+              <a:t>Lemmatization</a:t>
+            </a:r>
+          </a:p>
+          <a:p>
+            <a:r>
+              <a:rPr lang="en-US" dirty="0"/>
+              <a:t>Tokenization</a:t>
+            </a:r>
+          </a:p>
+          <a:p>
+            <a:endParaRPr lang="en-US" dirty="0"/>
+          </a:p>
+          <a:p>
             <a:endParaRPr lang="en-US" dirty="0"/>
           </a:p>
         </p:txBody>
@@ -4093,7 +4115,7 @@
           <a:p>
             <a:r>
               <a:rPr lang="en-US" dirty="0"/>
-              <a:t>Which models were run?</a:t>
+              <a:t>Naïve Bayes, Logistic Regression, Support Vector Machine</a:t>
             </a:r>
           </a:p>
           <a:p>
@@ -4106,6 +4128,12 @@
             <a:r>
               <a:rPr lang="en-US" dirty="0"/>
               <a:t>Parameter overview</a:t>
+            </a:r>
+          </a:p>
+          <a:p>
+            <a:r>
+              <a:rPr lang="en-US" dirty="0"/>
+              <a:t>Best Performing Model Logistic Regression</a:t>
             </a:r>
           </a:p>
         </p:txBody>
@@ -4124,6 +4152,153 @@
 </file>
 
 <file path=ppt/slides/slide7.xml><?xml version="1.0" encoding="utf-8"?>
+<p:sld xmlns:a="http://schemas.openxmlformats.org/drawingml/2006/main" xmlns:r="http://schemas.openxmlformats.org/officeDocument/2006/relationships" xmlns:p="http://schemas.openxmlformats.org/presentationml/2006/main">
+  <p:cSld>
+    <p:spTree>
+      <p:nvGrpSpPr>
+        <p:cNvPr id="1" name=""/>
+        <p:cNvGrpSpPr/>
+        <p:nvPr/>
+      </p:nvGrpSpPr>
+      <p:grpSpPr>
+        <a:xfrm>
+          <a:off x="0" y="0"/>
+          <a:ext cx="0" cy="0"/>
+          <a:chOff x="0" y="0"/>
+          <a:chExt cx="0" cy="0"/>
+        </a:xfrm>
+      </p:grpSpPr>
+      <p:sp>
+        <p:nvSpPr>
+          <p:cNvPr id="2" name="Title 1">
+            <a:extLst>
+              <a:ext uri="{FF2B5EF4-FFF2-40B4-BE49-F238E27FC236}">
+                <a16:creationId xmlns:a16="http://schemas.microsoft.com/office/drawing/2014/main" id="{DCFC2AC7-17D6-E04C-85A8-5E0AE978AB68}"/>
+              </a:ext>
+            </a:extLst>
+          </p:cNvPr>
+          <p:cNvSpPr>
+            <a:spLocks noGrp="1"/>
+          </p:cNvSpPr>
+          <p:nvPr>
+            <p:ph type="title"/>
+          </p:nvPr>
+        </p:nvSpPr>
+        <p:spPr/>
+        <p:txBody>
+          <a:bodyPr/>
+          <a:lstStyle/>
+          <a:p>
+            <a:r>
+              <a:rPr lang="en-US" dirty="0"/>
+              <a:t>Model Comparison</a:t>
+            </a:r>
+          </a:p>
+        </p:txBody>
+      </p:sp>
+      <p:pic>
+        <p:nvPicPr>
+          <p:cNvPr id="5" name="Content Placeholder 4" descr="Calendar&#10;&#10;Description automatically generated">
+            <a:extLst>
+              <a:ext uri="{FF2B5EF4-FFF2-40B4-BE49-F238E27FC236}">
+                <a16:creationId xmlns:a16="http://schemas.microsoft.com/office/drawing/2014/main" id="{21CB9F4D-65BF-574F-B03F-E49E546E2AD6}"/>
+              </a:ext>
+            </a:extLst>
+          </p:cNvPr>
+          <p:cNvPicPr>
+            <a:picLocks noGrp="1" noChangeAspect="1"/>
+          </p:cNvPicPr>
+          <p:nvPr>
+            <p:ph idx="1"/>
+          </p:nvPr>
+        </p:nvPicPr>
+        <p:blipFill>
+          <a:blip r:embed="rId2"/>
+          <a:stretch>
+            <a:fillRect/>
+          </a:stretch>
+        </p:blipFill>
+        <p:spPr>
+          <a:xfrm>
+            <a:off x="313544" y="1896798"/>
+            <a:ext cx="3600194" cy="1828800"/>
+          </a:xfrm>
+        </p:spPr>
+      </p:pic>
+      <p:pic>
+        <p:nvPicPr>
+          <p:cNvPr id="7" name="Picture 6" descr="Calendar&#10;&#10;Description automatically generated">
+            <a:extLst>
+              <a:ext uri="{FF2B5EF4-FFF2-40B4-BE49-F238E27FC236}">
+                <a16:creationId xmlns:a16="http://schemas.microsoft.com/office/drawing/2014/main" id="{5C0FA8B7-9256-0248-B06A-CFA2472D2ED9}"/>
+              </a:ext>
+            </a:extLst>
+          </p:cNvPr>
+          <p:cNvPicPr>
+            <a:picLocks noChangeAspect="1"/>
+          </p:cNvPicPr>
+          <p:nvPr/>
+        </p:nvPicPr>
+        <p:blipFill>
+          <a:blip r:embed="rId3"/>
+          <a:stretch>
+            <a:fillRect/>
+          </a:stretch>
+        </p:blipFill>
+        <p:spPr>
+          <a:xfrm>
+            <a:off x="4360156" y="1896798"/>
+            <a:ext cx="3600195" cy="1828800"/>
+          </a:xfrm>
+          <a:prstGeom prst="rect">
+            <a:avLst/>
+          </a:prstGeom>
+        </p:spPr>
+      </p:pic>
+      <p:pic>
+        <p:nvPicPr>
+          <p:cNvPr id="9" name="Picture 8" descr="Calendar&#10;&#10;Description automatically generated">
+            <a:extLst>
+              <a:ext uri="{FF2B5EF4-FFF2-40B4-BE49-F238E27FC236}">
+                <a16:creationId xmlns:a16="http://schemas.microsoft.com/office/drawing/2014/main" id="{7CAA3AC1-0847-B740-8621-2EDDCE8272F1}"/>
+              </a:ext>
+            </a:extLst>
+          </p:cNvPr>
+          <p:cNvPicPr>
+            <a:picLocks noChangeAspect="1"/>
+          </p:cNvPicPr>
+          <p:nvPr/>
+        </p:nvPicPr>
+        <p:blipFill>
+          <a:blip r:embed="rId4"/>
+          <a:stretch>
+            <a:fillRect/>
+          </a:stretch>
+        </p:blipFill>
+        <p:spPr>
+          <a:xfrm>
+            <a:off x="8406769" y="1896798"/>
+            <a:ext cx="3600195" cy="1828800"/>
+          </a:xfrm>
+          <a:prstGeom prst="rect">
+            <a:avLst/>
+          </a:prstGeom>
+        </p:spPr>
+      </p:pic>
+    </p:spTree>
+    <p:extLst>
+      <p:ext uri="{BB962C8B-B14F-4D97-AF65-F5344CB8AC3E}">
+        <p14:creationId xmlns:p14="http://schemas.microsoft.com/office/powerpoint/2010/main" val="1698453878"/>
+      </p:ext>
+    </p:extLst>
+  </p:cSld>
+  <p:clrMapOvr>
+    <a:masterClrMapping/>
+  </p:clrMapOvr>
+</p:sld>
+</file>
+
+<file path=ppt/slides/slide8.xml><?xml version="1.0" encoding="utf-8"?>
 <p:sld xmlns:a="http://schemas.openxmlformats.org/drawingml/2006/main" xmlns:r="http://schemas.openxmlformats.org/officeDocument/2006/relationships" xmlns:p="http://schemas.openxmlformats.org/presentationml/2006/main">
   <p:cSld>
     <p:spTree>

--- a/Presentation.pptx
+++ b/Presentation.pptx
@@ -4,6 +4,9 @@
   <p:sldMasterIdLst>
     <p:sldMasterId id="2147483830" r:id="rId1"/>
   </p:sldMasterIdLst>
+  <p:notesMasterIdLst>
+    <p:notesMasterId r:id="rId12"/>
+  </p:notesMasterIdLst>
   <p:sldIdLst>
     <p:sldId id="256" r:id="rId2"/>
     <p:sldId id="257" r:id="rId3"/>
@@ -13,6 +16,8 @@
     <p:sldId id="259" r:id="rId7"/>
     <p:sldId id="263" r:id="rId8"/>
     <p:sldId id="260" r:id="rId9"/>
+    <p:sldId id="264" r:id="rId10"/>
+    <p:sldId id="265" r:id="rId11"/>
   </p:sldIdLst>
   <p:sldSz cx="12192000" cy="6858000"/>
   <p:notesSz cx="6858000" cy="9144000"/>
@@ -111,7 +116,445 @@
       </a:defRPr>
     </a:lvl9pPr>
   </p:defaultTextStyle>
+  <p:extLst>
+    <p:ext uri="{EFAFB233-063F-42B5-8137-9DF3F51BA10A}">
+      <p15:sldGuideLst xmlns:p15="http://schemas.microsoft.com/office/powerpoint/2012/main"/>
+    </p:ext>
+  </p:extLst>
 </p:presentation>
+</file>
+
+<file path=ppt/notesMasters/notesMaster1.xml><?xml version="1.0" encoding="utf-8"?>
+<p:notesMaster xmlns:a="http://schemas.openxmlformats.org/drawingml/2006/main" xmlns:r="http://schemas.openxmlformats.org/officeDocument/2006/relationships" xmlns:p="http://schemas.openxmlformats.org/presentationml/2006/main">
+  <p:cSld>
+    <p:bg>
+      <p:bgRef idx="1001">
+        <a:schemeClr val="bg1"/>
+      </p:bgRef>
+    </p:bg>
+    <p:spTree>
+      <p:nvGrpSpPr>
+        <p:cNvPr id="1" name=""/>
+        <p:cNvGrpSpPr/>
+        <p:nvPr/>
+      </p:nvGrpSpPr>
+      <p:grpSpPr>
+        <a:xfrm>
+          <a:off x="0" y="0"/>
+          <a:ext cx="0" cy="0"/>
+          <a:chOff x="0" y="0"/>
+          <a:chExt cx="0" cy="0"/>
+        </a:xfrm>
+      </p:grpSpPr>
+      <p:sp>
+        <p:nvSpPr>
+          <p:cNvPr id="2" name="Header Placeholder 1"/>
+          <p:cNvSpPr>
+            <a:spLocks noGrp="1"/>
+          </p:cNvSpPr>
+          <p:nvPr>
+            <p:ph type="hdr" sz="quarter"/>
+          </p:nvPr>
+        </p:nvSpPr>
+        <p:spPr>
+          <a:xfrm>
+            <a:off x="0" y="0"/>
+            <a:ext cx="2971800" cy="458788"/>
+          </a:xfrm>
+          <a:prstGeom prst="rect">
+            <a:avLst/>
+          </a:prstGeom>
+        </p:spPr>
+        <p:txBody>
+          <a:bodyPr vert="horz" lIns="91440" tIns="45720" rIns="91440" bIns="45720" rtlCol="0"/>
+          <a:lstStyle>
+            <a:lvl1pPr algn="l">
+              <a:defRPr sz="1200"/>
+            </a:lvl1pPr>
+          </a:lstStyle>
+          <a:p>
+            <a:endParaRPr lang="en-US"/>
+          </a:p>
+        </p:txBody>
+      </p:sp>
+      <p:sp>
+        <p:nvSpPr>
+          <p:cNvPr id="3" name="Date Placeholder 2"/>
+          <p:cNvSpPr>
+            <a:spLocks noGrp="1"/>
+          </p:cNvSpPr>
+          <p:nvPr>
+            <p:ph type="dt" idx="1"/>
+          </p:nvPr>
+        </p:nvSpPr>
+        <p:spPr>
+          <a:xfrm>
+            <a:off x="3884613" y="0"/>
+            <a:ext cx="2971800" cy="458788"/>
+          </a:xfrm>
+          <a:prstGeom prst="rect">
+            <a:avLst/>
+          </a:prstGeom>
+        </p:spPr>
+        <p:txBody>
+          <a:bodyPr vert="horz" lIns="91440" tIns="45720" rIns="91440" bIns="45720" rtlCol="0"/>
+          <a:lstStyle>
+            <a:lvl1pPr algn="r">
+              <a:defRPr sz="1200"/>
+            </a:lvl1pPr>
+          </a:lstStyle>
+          <a:p>
+            <a:fld id="{CFFDCDEF-D36E-D547-B508-75F57F9CB5C6}" type="datetimeFigureOut">
+              <a:rPr lang="en-US" smtClean="0"/>
+              <a:t>10/28/20</a:t>
+            </a:fld>
+            <a:endParaRPr lang="en-US"/>
+          </a:p>
+        </p:txBody>
+      </p:sp>
+      <p:sp>
+        <p:nvSpPr>
+          <p:cNvPr id="4" name="Slide Image Placeholder 3"/>
+          <p:cNvSpPr>
+            <a:spLocks noGrp="1" noRot="1" noChangeAspect="1"/>
+          </p:cNvSpPr>
+          <p:nvPr>
+            <p:ph type="sldImg" idx="2"/>
+          </p:nvPr>
+        </p:nvSpPr>
+        <p:spPr>
+          <a:xfrm>
+            <a:off x="685800" y="1143000"/>
+            <a:ext cx="5486400" cy="3086100"/>
+          </a:xfrm>
+          <a:prstGeom prst="rect">
+            <a:avLst/>
+          </a:prstGeom>
+          <a:noFill/>
+          <a:ln w="12700">
+            <a:solidFill>
+              <a:prstClr val="black"/>
+            </a:solidFill>
+          </a:ln>
+        </p:spPr>
+        <p:txBody>
+          <a:bodyPr vert="horz" lIns="91440" tIns="45720" rIns="91440" bIns="45720" rtlCol="0" anchor="ctr"/>
+          <a:lstStyle/>
+          <a:p>
+            <a:endParaRPr lang="en-US"/>
+          </a:p>
+        </p:txBody>
+      </p:sp>
+      <p:sp>
+        <p:nvSpPr>
+          <p:cNvPr id="5" name="Notes Placeholder 4"/>
+          <p:cNvSpPr>
+            <a:spLocks noGrp="1"/>
+          </p:cNvSpPr>
+          <p:nvPr>
+            <p:ph type="body" sz="quarter" idx="3"/>
+          </p:nvPr>
+        </p:nvSpPr>
+        <p:spPr>
+          <a:xfrm>
+            <a:off x="685800" y="4400550"/>
+            <a:ext cx="5486400" cy="3600450"/>
+          </a:xfrm>
+          <a:prstGeom prst="rect">
+            <a:avLst/>
+          </a:prstGeom>
+        </p:spPr>
+        <p:txBody>
+          <a:bodyPr vert="horz" lIns="91440" tIns="45720" rIns="91440" bIns="45720" rtlCol="0"/>
+          <a:lstStyle/>
+          <a:p>
+            <a:pPr lvl="0"/>
+            <a:r>
+              <a:rPr lang="en-US"/>
+              <a:t>Click to edit Master text styles</a:t>
+            </a:r>
+          </a:p>
+          <a:p>
+            <a:pPr lvl="1"/>
+            <a:r>
+              <a:rPr lang="en-US"/>
+              <a:t>Second level</a:t>
+            </a:r>
+          </a:p>
+          <a:p>
+            <a:pPr lvl="2"/>
+            <a:r>
+              <a:rPr lang="en-US"/>
+              <a:t>Third level</a:t>
+            </a:r>
+          </a:p>
+          <a:p>
+            <a:pPr lvl="3"/>
+            <a:r>
+              <a:rPr lang="en-US"/>
+              <a:t>Fourth level</a:t>
+            </a:r>
+          </a:p>
+          <a:p>
+            <a:pPr lvl="4"/>
+            <a:r>
+              <a:rPr lang="en-US"/>
+              <a:t>Fifth level</a:t>
+            </a:r>
+          </a:p>
+        </p:txBody>
+      </p:sp>
+      <p:sp>
+        <p:nvSpPr>
+          <p:cNvPr id="6" name="Footer Placeholder 5"/>
+          <p:cNvSpPr>
+            <a:spLocks noGrp="1"/>
+          </p:cNvSpPr>
+          <p:nvPr>
+            <p:ph type="ftr" sz="quarter" idx="4"/>
+          </p:nvPr>
+        </p:nvSpPr>
+        <p:spPr>
+          <a:xfrm>
+            <a:off x="0" y="8685213"/>
+            <a:ext cx="2971800" cy="458787"/>
+          </a:xfrm>
+          <a:prstGeom prst="rect">
+            <a:avLst/>
+          </a:prstGeom>
+        </p:spPr>
+        <p:txBody>
+          <a:bodyPr vert="horz" lIns="91440" tIns="45720" rIns="91440" bIns="45720" rtlCol="0" anchor="b"/>
+          <a:lstStyle>
+            <a:lvl1pPr algn="l">
+              <a:defRPr sz="1200"/>
+            </a:lvl1pPr>
+          </a:lstStyle>
+          <a:p>
+            <a:endParaRPr lang="en-US"/>
+          </a:p>
+        </p:txBody>
+      </p:sp>
+      <p:sp>
+        <p:nvSpPr>
+          <p:cNvPr id="7" name="Slide Number Placeholder 6"/>
+          <p:cNvSpPr>
+            <a:spLocks noGrp="1"/>
+          </p:cNvSpPr>
+          <p:nvPr>
+            <p:ph type="sldNum" sz="quarter" idx="5"/>
+          </p:nvPr>
+        </p:nvSpPr>
+        <p:spPr>
+          <a:xfrm>
+            <a:off x="3884613" y="8685213"/>
+            <a:ext cx="2971800" cy="458787"/>
+          </a:xfrm>
+          <a:prstGeom prst="rect">
+            <a:avLst/>
+          </a:prstGeom>
+        </p:spPr>
+        <p:txBody>
+          <a:bodyPr vert="horz" lIns="91440" tIns="45720" rIns="91440" bIns="45720" rtlCol="0" anchor="b"/>
+          <a:lstStyle>
+            <a:lvl1pPr algn="r">
+              <a:defRPr sz="1200"/>
+            </a:lvl1pPr>
+          </a:lstStyle>
+          <a:p>
+            <a:fld id="{50B3DFB6-DBA1-4248-8AED-AC7105C00173}" type="slidenum">
+              <a:rPr lang="en-US" smtClean="0"/>
+              <a:t>‹#›</a:t>
+            </a:fld>
+            <a:endParaRPr lang="en-US"/>
+          </a:p>
+        </p:txBody>
+      </p:sp>
+    </p:spTree>
+    <p:extLst>
+      <p:ext uri="{BB962C8B-B14F-4D97-AF65-F5344CB8AC3E}">
+        <p14:creationId xmlns:p14="http://schemas.microsoft.com/office/powerpoint/2010/main" val="1152363857"/>
+      </p:ext>
+    </p:extLst>
+  </p:cSld>
+  <p:clrMap bg1="lt1" tx1="dk1" bg2="lt2" tx2="dk2" accent1="accent1" accent2="accent2" accent3="accent3" accent4="accent4" accent5="accent5" accent6="accent6" hlink="hlink" folHlink="folHlink"/>
+  <p:notesStyle>
+    <a:lvl1pPr marL="0" algn="l" defTabSz="914400" rtl="0" eaLnBrk="1" latinLnBrk="0" hangingPunct="1">
+      <a:defRPr sz="1200" kern="1200">
+        <a:solidFill>
+          <a:schemeClr val="tx1"/>
+        </a:solidFill>
+        <a:latin typeface="+mn-lt"/>
+        <a:ea typeface="+mn-ea"/>
+        <a:cs typeface="+mn-cs"/>
+      </a:defRPr>
+    </a:lvl1pPr>
+    <a:lvl2pPr marL="457200" algn="l" defTabSz="914400" rtl="0" eaLnBrk="1" latinLnBrk="0" hangingPunct="1">
+      <a:defRPr sz="1200" kern="1200">
+        <a:solidFill>
+          <a:schemeClr val="tx1"/>
+        </a:solidFill>
+        <a:latin typeface="+mn-lt"/>
+        <a:ea typeface="+mn-ea"/>
+        <a:cs typeface="+mn-cs"/>
+      </a:defRPr>
+    </a:lvl2pPr>
+    <a:lvl3pPr marL="914400" algn="l" defTabSz="914400" rtl="0" eaLnBrk="1" latinLnBrk="0" hangingPunct="1">
+      <a:defRPr sz="1200" kern="1200">
+        <a:solidFill>
+          <a:schemeClr val="tx1"/>
+        </a:solidFill>
+        <a:latin typeface="+mn-lt"/>
+        <a:ea typeface="+mn-ea"/>
+        <a:cs typeface="+mn-cs"/>
+      </a:defRPr>
+    </a:lvl3pPr>
+    <a:lvl4pPr marL="1371600" algn="l" defTabSz="914400" rtl="0" eaLnBrk="1" latinLnBrk="0" hangingPunct="1">
+      <a:defRPr sz="1200" kern="1200">
+        <a:solidFill>
+          <a:schemeClr val="tx1"/>
+        </a:solidFill>
+        <a:latin typeface="+mn-lt"/>
+        <a:ea typeface="+mn-ea"/>
+        <a:cs typeface="+mn-cs"/>
+      </a:defRPr>
+    </a:lvl4pPr>
+    <a:lvl5pPr marL="1828800" algn="l" defTabSz="914400" rtl="0" eaLnBrk="1" latinLnBrk="0" hangingPunct="1">
+      <a:defRPr sz="1200" kern="1200">
+        <a:solidFill>
+          <a:schemeClr val="tx1"/>
+        </a:solidFill>
+        <a:latin typeface="+mn-lt"/>
+        <a:ea typeface="+mn-ea"/>
+        <a:cs typeface="+mn-cs"/>
+      </a:defRPr>
+    </a:lvl5pPr>
+    <a:lvl6pPr marL="2286000" algn="l" defTabSz="914400" rtl="0" eaLnBrk="1" latinLnBrk="0" hangingPunct="1">
+      <a:defRPr sz="1200" kern="1200">
+        <a:solidFill>
+          <a:schemeClr val="tx1"/>
+        </a:solidFill>
+        <a:latin typeface="+mn-lt"/>
+        <a:ea typeface="+mn-ea"/>
+        <a:cs typeface="+mn-cs"/>
+      </a:defRPr>
+    </a:lvl6pPr>
+    <a:lvl7pPr marL="2743200" algn="l" defTabSz="914400" rtl="0" eaLnBrk="1" latinLnBrk="0" hangingPunct="1">
+      <a:defRPr sz="1200" kern="1200">
+        <a:solidFill>
+          <a:schemeClr val="tx1"/>
+        </a:solidFill>
+        <a:latin typeface="+mn-lt"/>
+        <a:ea typeface="+mn-ea"/>
+        <a:cs typeface="+mn-cs"/>
+      </a:defRPr>
+    </a:lvl7pPr>
+    <a:lvl8pPr marL="3200400" algn="l" defTabSz="914400" rtl="0" eaLnBrk="1" latinLnBrk="0" hangingPunct="1">
+      <a:defRPr sz="1200" kern="1200">
+        <a:solidFill>
+          <a:schemeClr val="tx1"/>
+        </a:solidFill>
+        <a:latin typeface="+mn-lt"/>
+        <a:ea typeface="+mn-ea"/>
+        <a:cs typeface="+mn-cs"/>
+      </a:defRPr>
+    </a:lvl8pPr>
+    <a:lvl9pPr marL="3657600" algn="l" defTabSz="914400" rtl="0" eaLnBrk="1" latinLnBrk="0" hangingPunct="1">
+      <a:defRPr sz="1200" kern="1200">
+        <a:solidFill>
+          <a:schemeClr val="tx1"/>
+        </a:solidFill>
+        <a:latin typeface="+mn-lt"/>
+        <a:ea typeface="+mn-ea"/>
+        <a:cs typeface="+mn-cs"/>
+      </a:defRPr>
+    </a:lvl9pPr>
+  </p:notesStyle>
+</p:notesMaster>
+</file>
+
+<file path=ppt/notesSlides/notesSlide1.xml><?xml version="1.0" encoding="utf-8"?>
+<p:notes xmlns:a="http://schemas.openxmlformats.org/drawingml/2006/main" xmlns:r="http://schemas.openxmlformats.org/officeDocument/2006/relationships" xmlns:p="http://schemas.openxmlformats.org/presentationml/2006/main">
+  <p:cSld>
+    <p:spTree>
+      <p:nvGrpSpPr>
+        <p:cNvPr id="1" name=""/>
+        <p:cNvGrpSpPr/>
+        <p:nvPr/>
+      </p:nvGrpSpPr>
+      <p:grpSpPr>
+        <a:xfrm>
+          <a:off x="0" y="0"/>
+          <a:ext cx="0" cy="0"/>
+          <a:chOff x="0" y="0"/>
+          <a:chExt cx="0" cy="0"/>
+        </a:xfrm>
+      </p:grpSpPr>
+      <p:sp>
+        <p:nvSpPr>
+          <p:cNvPr id="2" name="Slide Image Placeholder 1"/>
+          <p:cNvSpPr>
+            <a:spLocks noGrp="1" noRot="1" noChangeAspect="1"/>
+          </p:cNvSpPr>
+          <p:nvPr>
+            <p:ph type="sldImg"/>
+          </p:nvPr>
+        </p:nvSpPr>
+        <p:spPr/>
+      </p:sp>
+      <p:sp>
+        <p:nvSpPr>
+          <p:cNvPr id="3" name="Notes Placeholder 2"/>
+          <p:cNvSpPr>
+            <a:spLocks noGrp="1"/>
+          </p:cNvSpPr>
+          <p:nvPr>
+            <p:ph type="body" idx="1"/>
+          </p:nvPr>
+        </p:nvSpPr>
+        <p:spPr/>
+        <p:txBody>
+          <a:bodyPr/>
+          <a:lstStyle/>
+          <a:p>
+            <a:endParaRPr lang="en-US" dirty="0"/>
+          </a:p>
+        </p:txBody>
+      </p:sp>
+      <p:sp>
+        <p:nvSpPr>
+          <p:cNvPr id="4" name="Slide Number Placeholder 3"/>
+          <p:cNvSpPr>
+            <a:spLocks noGrp="1"/>
+          </p:cNvSpPr>
+          <p:nvPr>
+            <p:ph type="sldNum" sz="quarter" idx="5"/>
+          </p:nvPr>
+        </p:nvSpPr>
+        <p:spPr/>
+        <p:txBody>
+          <a:bodyPr/>
+          <a:lstStyle/>
+          <a:p>
+            <a:fld id="{50B3DFB6-DBA1-4248-8AED-AC7105C00173}" type="slidenum">
+              <a:rPr lang="en-US" smtClean="0"/>
+              <a:t>5</a:t>
+            </a:fld>
+            <a:endParaRPr lang="en-US"/>
+          </a:p>
+        </p:txBody>
+      </p:sp>
+    </p:spTree>
+    <p:extLst>
+      <p:ext uri="{BB962C8B-B14F-4D97-AF65-F5344CB8AC3E}">
+        <p14:creationId xmlns:p14="http://schemas.microsoft.com/office/powerpoint/2010/main" val="1750580590"/>
+      </p:ext>
+    </p:extLst>
+  </p:cSld>
+  <p:clrMapOvr>
+    <a:masterClrMapping/>
+  </p:clrMapOvr>
+</p:notes>
 </file>
 
 <file path=ppt/slideLayouts/slideLayout1.xml><?xml version="1.0" encoding="utf-8"?>
@@ -261,7 +704,7 @@
           <a:p>
             <a:fld id="{30927A33-7720-8E4A-8F02-67AC114E323C}" type="datetimeFigureOut">
               <a:rPr lang="en-US" smtClean="0"/>
-              <a:t>10/26/20</a:t>
+              <a:t>10/28/20</a:t>
             </a:fld>
             <a:endParaRPr lang="en-US"/>
           </a:p>
@@ -459,7 +902,7 @@
           <a:p>
             <a:fld id="{30927A33-7720-8E4A-8F02-67AC114E323C}" type="datetimeFigureOut">
               <a:rPr lang="en-US" smtClean="0"/>
-              <a:t>10/26/20</a:t>
+              <a:t>10/28/20</a:t>
             </a:fld>
             <a:endParaRPr lang="en-US"/>
           </a:p>
@@ -667,7 +1110,7 @@
           <a:p>
             <a:fld id="{30927A33-7720-8E4A-8F02-67AC114E323C}" type="datetimeFigureOut">
               <a:rPr lang="en-US" smtClean="0"/>
-              <a:t>10/26/20</a:t>
+              <a:t>10/28/20</a:t>
             </a:fld>
             <a:endParaRPr lang="en-US"/>
           </a:p>
@@ -865,7 +1308,7 @@
           <a:p>
             <a:fld id="{30927A33-7720-8E4A-8F02-67AC114E323C}" type="datetimeFigureOut">
               <a:rPr lang="en-US" smtClean="0"/>
-              <a:t>10/26/20</a:t>
+              <a:t>10/28/20</a:t>
             </a:fld>
             <a:endParaRPr lang="en-US"/>
           </a:p>
@@ -1140,7 +1583,7 @@
           <a:p>
             <a:fld id="{30927A33-7720-8E4A-8F02-67AC114E323C}" type="datetimeFigureOut">
               <a:rPr lang="en-US" smtClean="0"/>
-              <a:t>10/26/20</a:t>
+              <a:t>10/28/20</a:t>
             </a:fld>
             <a:endParaRPr lang="en-US"/>
           </a:p>
@@ -1405,7 +1848,7 @@
           <a:p>
             <a:fld id="{30927A33-7720-8E4A-8F02-67AC114E323C}" type="datetimeFigureOut">
               <a:rPr lang="en-US" smtClean="0"/>
-              <a:t>10/26/20</a:t>
+              <a:t>10/28/20</a:t>
             </a:fld>
             <a:endParaRPr lang="en-US"/>
           </a:p>
@@ -1817,7 +2260,7 @@
           <a:p>
             <a:fld id="{30927A33-7720-8E4A-8F02-67AC114E323C}" type="datetimeFigureOut">
               <a:rPr lang="en-US" smtClean="0"/>
-              <a:t>10/26/20</a:t>
+              <a:t>10/28/20</a:t>
             </a:fld>
             <a:endParaRPr lang="en-US"/>
           </a:p>
@@ -1958,7 +2401,7 @@
           <a:p>
             <a:fld id="{30927A33-7720-8E4A-8F02-67AC114E323C}" type="datetimeFigureOut">
               <a:rPr lang="en-US" smtClean="0"/>
-              <a:t>10/26/20</a:t>
+              <a:t>10/28/20</a:t>
             </a:fld>
             <a:endParaRPr lang="en-US"/>
           </a:p>
@@ -2071,7 +2514,7 @@
           <a:p>
             <a:fld id="{30927A33-7720-8E4A-8F02-67AC114E323C}" type="datetimeFigureOut">
               <a:rPr lang="en-US" smtClean="0"/>
-              <a:t>10/26/20</a:t>
+              <a:t>10/28/20</a:t>
             </a:fld>
             <a:endParaRPr lang="en-US"/>
           </a:p>
@@ -2382,7 +2825,7 @@
           <a:p>
             <a:fld id="{30927A33-7720-8E4A-8F02-67AC114E323C}" type="datetimeFigureOut">
               <a:rPr lang="en-US" smtClean="0"/>
-              <a:t>10/26/20</a:t>
+              <a:t>10/28/20</a:t>
             </a:fld>
             <a:endParaRPr lang="en-US"/>
           </a:p>
@@ -2670,7 +3113,7 @@
           <a:p>
             <a:fld id="{30927A33-7720-8E4A-8F02-67AC114E323C}" type="datetimeFigureOut">
               <a:rPr lang="en-US" smtClean="0"/>
-              <a:t>10/26/20</a:t>
+              <a:t>10/28/20</a:t>
             </a:fld>
             <a:endParaRPr lang="en-US"/>
           </a:p>
@@ -2911,7 +3354,7 @@
           <a:p>
             <a:fld id="{30927A33-7720-8E4A-8F02-67AC114E323C}" type="datetimeFigureOut">
               <a:rPr lang="en-US" smtClean="0"/>
-              <a:t>10/26/20</a:t>
+              <a:t>10/28/20</a:t>
             </a:fld>
             <a:endParaRPr lang="en-US"/>
           </a:p>
@@ -3458,6 +3901,179 @@
 </p:sld>
 </file>
 
+<file path=ppt/slides/slide10.xml><?xml version="1.0" encoding="utf-8"?>
+<p:sld xmlns:a="http://schemas.openxmlformats.org/drawingml/2006/main" xmlns:r="http://schemas.openxmlformats.org/officeDocument/2006/relationships" xmlns:p="http://schemas.openxmlformats.org/presentationml/2006/main">
+  <p:cSld>
+    <p:spTree>
+      <p:nvGrpSpPr>
+        <p:cNvPr id="1" name=""/>
+        <p:cNvGrpSpPr/>
+        <p:nvPr/>
+      </p:nvGrpSpPr>
+      <p:grpSpPr>
+        <a:xfrm>
+          <a:off x="0" y="0"/>
+          <a:ext cx="0" cy="0"/>
+          <a:chOff x="0" y="0"/>
+          <a:chExt cx="0" cy="0"/>
+        </a:xfrm>
+      </p:grpSpPr>
+      <p:sp>
+        <p:nvSpPr>
+          <p:cNvPr id="2" name="Title 1">
+            <a:extLst>
+              <a:ext uri="{FF2B5EF4-FFF2-40B4-BE49-F238E27FC236}">
+                <a16:creationId xmlns:a16="http://schemas.microsoft.com/office/drawing/2014/main" id="{D7FC21B0-D9F2-CA48-BE37-B0C7B5AE9F8B}"/>
+              </a:ext>
+            </a:extLst>
+          </p:cNvPr>
+          <p:cNvSpPr>
+            <a:spLocks noGrp="1"/>
+          </p:cNvSpPr>
+          <p:nvPr>
+            <p:ph type="title"/>
+          </p:nvPr>
+        </p:nvSpPr>
+        <p:spPr/>
+        <p:txBody>
+          <a:bodyPr/>
+          <a:lstStyle/>
+          <a:p>
+            <a:r>
+              <a:rPr lang="en-US" dirty="0"/>
+              <a:t>DATA OBSERVATIONS</a:t>
+            </a:r>
+          </a:p>
+        </p:txBody>
+      </p:sp>
+      <p:sp>
+        <p:nvSpPr>
+          <p:cNvPr id="3" name="Content Placeholder 2">
+            <a:extLst>
+              <a:ext uri="{FF2B5EF4-FFF2-40B4-BE49-F238E27FC236}">
+                <a16:creationId xmlns:a16="http://schemas.microsoft.com/office/drawing/2014/main" id="{A80CE486-67B7-0A4F-B2AC-1AF3D0023685}"/>
+              </a:ext>
+            </a:extLst>
+          </p:cNvPr>
+          <p:cNvSpPr>
+            <a:spLocks noGrp="1"/>
+          </p:cNvSpPr>
+          <p:nvPr>
+            <p:ph idx="1"/>
+          </p:nvPr>
+        </p:nvSpPr>
+        <p:spPr/>
+        <p:txBody>
+          <a:bodyPr/>
+          <a:lstStyle/>
+          <a:p>
+            <a:endParaRPr lang="en-US" dirty="0"/>
+          </a:p>
+        </p:txBody>
+      </p:sp>
+      <p:pic>
+        <p:nvPicPr>
+          <p:cNvPr id="4" name="Picture 3">
+            <a:extLst>
+              <a:ext uri="{FF2B5EF4-FFF2-40B4-BE49-F238E27FC236}">
+                <a16:creationId xmlns:a16="http://schemas.microsoft.com/office/drawing/2014/main" id="{8E2C2CC3-87DB-C943-994B-940A23AE07AB}"/>
+              </a:ext>
+            </a:extLst>
+          </p:cNvPr>
+          <p:cNvPicPr>
+            <a:picLocks noChangeAspect="1"/>
+          </p:cNvPicPr>
+          <p:nvPr/>
+        </p:nvPicPr>
+        <p:blipFill>
+          <a:blip r:embed="rId2"/>
+          <a:stretch>
+            <a:fillRect/>
+          </a:stretch>
+        </p:blipFill>
+        <p:spPr>
+          <a:xfrm>
+            <a:off x="943139" y="2535809"/>
+            <a:ext cx="2899775" cy="1986315"/>
+          </a:xfrm>
+          <a:prstGeom prst="rect">
+            <a:avLst/>
+          </a:prstGeom>
+        </p:spPr>
+      </p:pic>
+      <p:pic>
+        <p:nvPicPr>
+          <p:cNvPr id="6" name="Picture 5">
+            <a:extLst>
+              <a:ext uri="{FF2B5EF4-FFF2-40B4-BE49-F238E27FC236}">
+                <a16:creationId xmlns:a16="http://schemas.microsoft.com/office/drawing/2014/main" id="{CB36270F-5593-1047-9A3F-4160E4BF50DE}"/>
+              </a:ext>
+            </a:extLst>
+          </p:cNvPr>
+          <p:cNvPicPr>
+            <a:picLocks noChangeAspect="1"/>
+          </p:cNvPicPr>
+          <p:nvPr/>
+        </p:nvPicPr>
+        <p:blipFill>
+          <a:blip r:embed="rId3"/>
+          <a:stretch>
+            <a:fillRect/>
+          </a:stretch>
+        </p:blipFill>
+        <p:spPr>
+          <a:xfrm>
+            <a:off x="6793976" y="1901858"/>
+            <a:ext cx="2705100" cy="1962150"/>
+          </a:xfrm>
+          <a:prstGeom prst="rect">
+            <a:avLst/>
+          </a:prstGeom>
+        </p:spPr>
+      </p:pic>
+      <p:pic>
+        <p:nvPicPr>
+          <p:cNvPr id="7" name="Picture 6">
+            <a:extLst>
+              <a:ext uri="{FF2B5EF4-FFF2-40B4-BE49-F238E27FC236}">
+                <a16:creationId xmlns:a16="http://schemas.microsoft.com/office/drawing/2014/main" id="{7FCF21DD-DDE5-2C45-B4A9-FB617C391C2C}"/>
+              </a:ext>
+            </a:extLst>
+          </p:cNvPr>
+          <p:cNvPicPr>
+            <a:picLocks noChangeAspect="1"/>
+          </p:cNvPicPr>
+          <p:nvPr/>
+        </p:nvPicPr>
+        <p:blipFill>
+          <a:blip r:embed="rId4"/>
+          <a:stretch>
+            <a:fillRect/>
+          </a:stretch>
+        </p:blipFill>
+        <p:spPr>
+          <a:xfrm>
+            <a:off x="7017469" y="4240395"/>
+            <a:ext cx="2481607" cy="1825754"/>
+          </a:xfrm>
+          <a:prstGeom prst="rect">
+            <a:avLst/>
+          </a:prstGeom>
+        </p:spPr>
+      </p:pic>
+    </p:spTree>
+    <p:extLst>
+      <p:ext uri="{BB962C8B-B14F-4D97-AF65-F5344CB8AC3E}">
+        <p14:creationId xmlns:p14="http://schemas.microsoft.com/office/powerpoint/2010/main" val="1438239426"/>
+      </p:ext>
+    </p:extLst>
+  </p:cSld>
+  <p:clrMapOvr>
+    <a:masterClrMapping/>
+  </p:clrMapOvr>
+</p:sld>
+</file>
+
 <file path=ppt/slides/slide2.xml><?xml version="1.0" encoding="utf-8"?>
 <p:sld xmlns:a="http://schemas.openxmlformats.org/drawingml/2006/main" xmlns:r="http://schemas.openxmlformats.org/officeDocument/2006/relationships" xmlns:p="http://schemas.openxmlformats.org/presentationml/2006/main">
   <p:cSld>
@@ -3535,7 +4151,7 @@
             </a:r>
             <a:r>
               <a:rPr lang="en-US" dirty="0"/>
-              <a:t> Background</a:t>
+              <a:t> BACKGROUND</a:t>
             </a:r>
           </a:p>
           <a:p>
@@ -3554,7 +4170,7 @@
             </a:r>
             <a:r>
               <a:rPr lang="en-US" dirty="0"/>
-              <a:t>Data</a:t>
+              <a:t>DATA</a:t>
             </a:r>
           </a:p>
           <a:p>
@@ -3573,7 +4189,7 @@
             </a:r>
             <a:r>
               <a:rPr lang="en-US" dirty="0"/>
-              <a:t>Natural Language Processing Overview</a:t>
+              <a:t>NATURAL LANGUAGE PROCESSING</a:t>
             </a:r>
           </a:p>
           <a:p>
@@ -3592,7 +4208,7 @@
             </a:r>
             <a:r>
               <a:rPr lang="en-US" dirty="0"/>
-              <a:t>Model Overview</a:t>
+              <a:t>MODEL OVERVIEW</a:t>
             </a:r>
           </a:p>
           <a:p>
@@ -3611,7 +4227,7 @@
             </a:r>
             <a:r>
               <a:rPr lang="en-US" dirty="0"/>
-              <a:t>Model Results</a:t>
+              <a:t>MODEL RESULTS</a:t>
             </a:r>
           </a:p>
           <a:p>
@@ -3630,7 +4246,7 @@
             </a:r>
             <a:r>
               <a:rPr lang="en-US" dirty="0"/>
-              <a:t>Summary &amp; Next Steps</a:t>
+              <a:t>SUMMARY &amp; NEXT STEPS</a:t>
             </a:r>
           </a:p>
         </p:txBody>
@@ -3692,7 +4308,7 @@
             </a:r>
             <a:r>
               <a:rPr lang="en-US" dirty="0"/>
-              <a:t>Background</a:t>
+              <a:t>BACKGROUND</a:t>
             </a:r>
           </a:p>
         </p:txBody>
@@ -3859,7 +4475,7 @@
             </a:r>
             <a:r>
               <a:rPr lang="en-US" dirty="0"/>
-              <a:t>Data Overview</a:t>
+              <a:t>DATA OVERVIEW</a:t>
             </a:r>
           </a:p>
         </p:txBody>
@@ -3894,36 +4510,6 @@
           </a:p>
         </p:txBody>
       </p:sp>
-      <p:pic>
-        <p:nvPicPr>
-          <p:cNvPr id="5" name="Picture 4" descr="Text&#10;&#10;Description automatically generated">
-            <a:extLst>
-              <a:ext uri="{FF2B5EF4-FFF2-40B4-BE49-F238E27FC236}">
-                <a16:creationId xmlns:a16="http://schemas.microsoft.com/office/drawing/2014/main" id="{85A4BD39-48D6-884A-B339-D6B9649FFC33}"/>
-              </a:ext>
-            </a:extLst>
-          </p:cNvPr>
-          <p:cNvPicPr>
-            <a:picLocks noChangeAspect="1"/>
-          </p:cNvPicPr>
-          <p:nvPr/>
-        </p:nvPicPr>
-        <p:blipFill>
-          <a:blip r:embed="rId2"/>
-          <a:stretch>
-            <a:fillRect/>
-          </a:stretch>
-        </p:blipFill>
-        <p:spPr>
-          <a:xfrm>
-            <a:off x="838200" y="3202343"/>
-            <a:ext cx="3168192" cy="2845869"/>
-          </a:xfrm>
-          <a:prstGeom prst="rect">
-            <a:avLst/>
-          </a:prstGeom>
-        </p:spPr>
-      </p:pic>
     </p:spTree>
     <p:extLst>
       <p:ext uri="{BB962C8B-B14F-4D97-AF65-F5344CB8AC3E}">
@@ -3977,7 +4563,7 @@
           <a:p>
             <a:r>
               <a:rPr lang="en-US" dirty="0"/>
-              <a:t>Natural Language Processing</a:t>
+              <a:t>03 NATURAL LANGUAGE PROCESSING</a:t>
             </a:r>
           </a:p>
         </p:txBody>
@@ -4086,8 +4672,12 @@
           <a:lstStyle/>
           <a:p>
             <a:r>
+              <a:rPr lang="en-US" b="1" dirty="0"/>
+              <a:t>04</a:t>
+            </a:r>
+            <a:r>
               <a:rPr lang="en-US" dirty="0"/>
-              <a:t>Model Overview	</a:t>
+              <a:t> MODEL OVERVIEW</a:t>
             </a:r>
           </a:p>
         </p:txBody>
@@ -4190,27 +4780,236 @@
           <a:lstStyle/>
           <a:p>
             <a:r>
+              <a:rPr lang="en-US" b="1" dirty="0"/>
+              <a:t>05 </a:t>
+            </a:r>
+            <a:r>
               <a:rPr lang="en-US" dirty="0"/>
-              <a:t>Model Comparison</a:t>
-            </a:r>
+              <a:t>MODEL COMPARISON [baseline]</a:t>
+            </a:r>
+          </a:p>
+        </p:txBody>
+      </p:sp>
+      <p:sp>
+        <p:nvSpPr>
+          <p:cNvPr id="10" name="TextBox 9">
+            <a:extLst>
+              <a:ext uri="{FF2B5EF4-FFF2-40B4-BE49-F238E27FC236}">
+                <a16:creationId xmlns:a16="http://schemas.microsoft.com/office/drawing/2014/main" id="{581812EE-A15B-0D40-BD24-C1BD3AD9A7CD}"/>
+              </a:ext>
+            </a:extLst>
+          </p:cNvPr>
+          <p:cNvSpPr txBox="1"/>
+          <p:nvPr/>
+        </p:nvSpPr>
+        <p:spPr>
+          <a:xfrm>
+            <a:off x="513441" y="1423161"/>
+            <a:ext cx="3200400" cy="400110"/>
+          </a:xfrm>
+          <a:prstGeom prst="rect">
+            <a:avLst/>
+          </a:prstGeom>
+          <a:solidFill>
+            <a:schemeClr val="bg2">
+              <a:lumMod val="90000"/>
+            </a:schemeClr>
+          </a:solidFill>
+        </p:spPr>
+        <p:txBody>
+          <a:bodyPr wrap="square" rtlCol="0">
+            <a:spAutoFit/>
+          </a:bodyPr>
+          <a:lstStyle/>
+          <a:p>
+            <a:pPr algn="ctr"/>
+            <a:r>
+              <a:rPr lang="en-US" sz="2000" b="1" dirty="0"/>
+              <a:t>Naïve Bayes</a:t>
+            </a:r>
+          </a:p>
+        </p:txBody>
+      </p:sp>
+      <p:sp>
+        <p:nvSpPr>
+          <p:cNvPr id="11" name="TextBox 10">
+            <a:extLst>
+              <a:ext uri="{FF2B5EF4-FFF2-40B4-BE49-F238E27FC236}">
+                <a16:creationId xmlns:a16="http://schemas.microsoft.com/office/drawing/2014/main" id="{D91ACB00-FA4F-7247-8AF6-45CA3A33F527}"/>
+              </a:ext>
+            </a:extLst>
+          </p:cNvPr>
+          <p:cNvSpPr txBox="1"/>
+          <p:nvPr/>
+        </p:nvSpPr>
+        <p:spPr>
+          <a:xfrm>
+            <a:off x="8563509" y="1423161"/>
+            <a:ext cx="3200400" cy="400110"/>
+          </a:xfrm>
+          <a:prstGeom prst="rect">
+            <a:avLst/>
+          </a:prstGeom>
+          <a:solidFill>
+            <a:schemeClr val="bg2">
+              <a:lumMod val="90000"/>
+            </a:schemeClr>
+          </a:solidFill>
+        </p:spPr>
+        <p:txBody>
+          <a:bodyPr wrap="square" rtlCol="0">
+            <a:spAutoFit/>
+          </a:bodyPr>
+          <a:lstStyle/>
+          <a:p>
+            <a:pPr algn="ctr"/>
+            <a:r>
+              <a:rPr lang="en-US" sz="2000" b="1" dirty="0"/>
+              <a:t>Logistic Regression</a:t>
+            </a:r>
+          </a:p>
+        </p:txBody>
+      </p:sp>
+      <p:sp>
+        <p:nvSpPr>
+          <p:cNvPr id="12" name="TextBox 11">
+            <a:extLst>
+              <a:ext uri="{FF2B5EF4-FFF2-40B4-BE49-F238E27FC236}">
+                <a16:creationId xmlns:a16="http://schemas.microsoft.com/office/drawing/2014/main" id="{8CD01200-D758-7F42-8698-85BD5D847EA8}"/>
+              </a:ext>
+            </a:extLst>
+          </p:cNvPr>
+          <p:cNvSpPr txBox="1"/>
+          <p:nvPr/>
+        </p:nvSpPr>
+        <p:spPr>
+          <a:xfrm>
+            <a:off x="4495800" y="1423161"/>
+            <a:ext cx="3200400" cy="402336"/>
+          </a:xfrm>
+          <a:prstGeom prst="rect">
+            <a:avLst/>
+          </a:prstGeom>
+          <a:solidFill>
+            <a:schemeClr val="bg2">
+              <a:lumMod val="90000"/>
+            </a:schemeClr>
+          </a:solidFill>
+        </p:spPr>
+        <p:txBody>
+          <a:bodyPr wrap="square" rtlCol="0">
+            <a:spAutoFit/>
+          </a:bodyPr>
+          <a:lstStyle/>
+          <a:p>
+            <a:pPr algn="ctr"/>
+            <a:r>
+              <a:rPr lang="en-US" sz="2000" b="1" dirty="0"/>
+              <a:t>Support Vector Machines</a:t>
+            </a:r>
+          </a:p>
+        </p:txBody>
+      </p:sp>
+      <p:sp>
+        <p:nvSpPr>
+          <p:cNvPr id="13" name="TextBox 12">
+            <a:extLst>
+              <a:ext uri="{FF2B5EF4-FFF2-40B4-BE49-F238E27FC236}">
+                <a16:creationId xmlns:a16="http://schemas.microsoft.com/office/drawing/2014/main" id="{6A6D7E2E-3819-F742-A043-F81AABC7C3C4}"/>
+              </a:ext>
+            </a:extLst>
+          </p:cNvPr>
+          <p:cNvSpPr txBox="1"/>
+          <p:nvPr/>
+        </p:nvSpPr>
+        <p:spPr>
+          <a:xfrm>
+            <a:off x="449187" y="3771413"/>
+            <a:ext cx="11293625" cy="2308324"/>
+          </a:xfrm>
+          <a:prstGeom prst="rect">
+            <a:avLst/>
+          </a:prstGeom>
+          <a:noFill/>
+        </p:spPr>
+        <p:txBody>
+          <a:bodyPr wrap="square" rtlCol="0">
+            <a:spAutoFit/>
+          </a:bodyPr>
+          <a:lstStyle/>
+          <a:p>
+            <a:endParaRPr lang="en-US" sz="1600" dirty="0"/>
+          </a:p>
+          <a:p>
+            <a:r>
+              <a:rPr lang="en-US" sz="1600" dirty="0"/>
+              <a:t>Best performing model: </a:t>
+            </a:r>
+            <a:r>
+              <a:rPr lang="en-US" sz="1600" b="1" dirty="0"/>
+              <a:t>Logistic Regression</a:t>
+            </a:r>
+          </a:p>
+          <a:p>
+            <a:endParaRPr lang="en-US" sz="1600" b="1" dirty="0"/>
+          </a:p>
+          <a:p>
+            <a:r>
+              <a:rPr lang="en-US" sz="1600" b="1" dirty="0"/>
+              <a:t>Precision</a:t>
+            </a:r>
+            <a:r>
+              <a:rPr lang="en-US" sz="1600" dirty="0"/>
+              <a:t> = 0.92; [i.e. what proportion of predictions for a class are true?]</a:t>
+            </a:r>
+          </a:p>
+          <a:p>
+            <a:r>
+              <a:rPr lang="en-US" sz="1600" b="1" dirty="0"/>
+              <a:t>Recall</a:t>
+            </a:r>
+            <a:r>
+              <a:rPr lang="en-US" sz="1600" dirty="0"/>
+              <a:t> = 0.92; [i.e. what proportion of an actual class are correctly classified?]</a:t>
+            </a:r>
+          </a:p>
+          <a:p>
+            <a:r>
+              <a:rPr lang="en-US" sz="1600" b="1" dirty="0"/>
+              <a:t>Accuracy</a:t>
+            </a:r>
+            <a:r>
+              <a:rPr lang="en-US" sz="1600" dirty="0"/>
+              <a:t> = 0.92; [i.e. what proportion of all classes are correctly classified?]</a:t>
+            </a:r>
+          </a:p>
+          <a:p>
+            <a:endParaRPr lang="en-US" sz="1600" dirty="0"/>
+          </a:p>
+          <a:p>
+            <a:r>
+              <a:rPr lang="en-US" sz="1600" dirty="0"/>
+              <a:t>Some signs of potential overfitting. Training set accuracy of 97%</a:t>
+            </a:r>
+          </a:p>
+          <a:p>
+            <a:endParaRPr lang="en-US" sz="1600" dirty="0"/>
           </a:p>
         </p:txBody>
       </p:sp>
       <p:pic>
         <p:nvPicPr>
-          <p:cNvPr id="5" name="Content Placeholder 4" descr="Calendar&#10;&#10;Description automatically generated">
-            <a:extLst>
-              <a:ext uri="{FF2B5EF4-FFF2-40B4-BE49-F238E27FC236}">
-                <a16:creationId xmlns:a16="http://schemas.microsoft.com/office/drawing/2014/main" id="{21CB9F4D-65BF-574F-B03F-E49E546E2AD6}"/>
+          <p:cNvPr id="6" name="Picture 5" descr="Screen of a cell phone&#10;&#10;Description automatically generated">
+            <a:extLst>
+              <a:ext uri="{FF2B5EF4-FFF2-40B4-BE49-F238E27FC236}">
+                <a16:creationId xmlns:a16="http://schemas.microsoft.com/office/drawing/2014/main" id="{1132CFDC-5F3B-9945-806E-CD32CBD64441}"/>
               </a:ext>
             </a:extLst>
           </p:cNvPr>
           <p:cNvPicPr>
-            <a:picLocks noGrp="1" noChangeAspect="1"/>
+            <a:picLocks noChangeAspect="1"/>
           </p:cNvPicPr>
-          <p:nvPr>
-            <p:ph idx="1"/>
-          </p:nvPr>
+          <p:nvPr/>
         </p:nvPicPr>
         <p:blipFill>
           <a:blip r:embed="rId2"/>
@@ -4220,24 +5019,37 @@
         </p:blipFill>
         <p:spPr>
           <a:xfrm>
-            <a:off x="313544" y="1896798"/>
-            <a:ext cx="3600194" cy="1828800"/>
+            <a:off x="151366" y="1912725"/>
+            <a:ext cx="3753850" cy="1828800"/>
           </a:xfrm>
+          <a:prstGeom prst="rect">
+            <a:avLst/>
+          </a:prstGeom>
+          <a:effectLst>
+            <a:glow rad="101600">
+              <a:schemeClr val="accent3">
+                <a:satMod val="175000"/>
+                <a:alpha val="40000"/>
+              </a:schemeClr>
+            </a:glow>
+          </a:effectLst>
         </p:spPr>
       </p:pic>
       <p:pic>
         <p:nvPicPr>
-          <p:cNvPr id="7" name="Picture 6" descr="Calendar&#10;&#10;Description automatically generated">
-            <a:extLst>
-              <a:ext uri="{FF2B5EF4-FFF2-40B4-BE49-F238E27FC236}">
-                <a16:creationId xmlns:a16="http://schemas.microsoft.com/office/drawing/2014/main" id="{5C0FA8B7-9256-0248-B06A-CFA2472D2ED9}"/>
+          <p:cNvPr id="16" name="Content Placeholder 15" descr="Screen of a cell phone&#10;&#10;Description automatically generated">
+            <a:extLst>
+              <a:ext uri="{FF2B5EF4-FFF2-40B4-BE49-F238E27FC236}">
+                <a16:creationId xmlns:a16="http://schemas.microsoft.com/office/drawing/2014/main" id="{FDD038B5-7E20-0843-BEA8-0FEEE5817594}"/>
               </a:ext>
             </a:extLst>
           </p:cNvPr>
           <p:cNvPicPr>
-            <a:picLocks noChangeAspect="1"/>
+            <a:picLocks noGrp="1" noChangeAspect="1"/>
           </p:cNvPicPr>
-          <p:nvPr/>
+          <p:nvPr>
+            <p:ph idx="1"/>
+          </p:nvPr>
         </p:nvPicPr>
         <p:blipFill>
           <a:blip r:embed="rId3"/>
@@ -4247,20 +5059,25 @@
         </p:blipFill>
         <p:spPr>
           <a:xfrm>
-            <a:off x="4360156" y="1896798"/>
-            <a:ext cx="3600195" cy="1828800"/>
+            <a:off x="4219075" y="1912725"/>
+            <a:ext cx="3753850" cy="1828800"/>
           </a:xfrm>
-          <a:prstGeom prst="rect">
-            <a:avLst/>
-          </a:prstGeom>
+          <a:effectLst>
+            <a:glow rad="101600">
+              <a:schemeClr val="accent3">
+                <a:satMod val="175000"/>
+                <a:alpha val="40000"/>
+              </a:schemeClr>
+            </a:glow>
+          </a:effectLst>
         </p:spPr>
       </p:pic>
       <p:pic>
         <p:nvPicPr>
-          <p:cNvPr id="9" name="Picture 8" descr="Calendar&#10;&#10;Description automatically generated">
-            <a:extLst>
-              <a:ext uri="{FF2B5EF4-FFF2-40B4-BE49-F238E27FC236}">
-                <a16:creationId xmlns:a16="http://schemas.microsoft.com/office/drawing/2014/main" id="{7CAA3AC1-0847-B740-8621-2EDDCE8272F1}"/>
+          <p:cNvPr id="18" name="Picture 17" descr="Calendar&#10;&#10;Description automatically generated">
+            <a:extLst>
+              <a:ext uri="{FF2B5EF4-FFF2-40B4-BE49-F238E27FC236}">
+                <a16:creationId xmlns:a16="http://schemas.microsoft.com/office/drawing/2014/main" id="{E1EE538F-5D82-214C-90BD-54A388CFE201}"/>
               </a:ext>
             </a:extLst>
           </p:cNvPr>
@@ -4277,14 +5094,100 @@
         </p:blipFill>
         <p:spPr>
           <a:xfrm>
-            <a:off x="8406769" y="1896798"/>
-            <a:ext cx="3600195" cy="1828800"/>
+            <a:off x="8286784" y="1912725"/>
+            <a:ext cx="3753850" cy="1828800"/>
+          </a:xfrm>
+          <a:prstGeom prst="rect">
+            <a:avLst/>
+          </a:prstGeom>
+          <a:effectLst>
+            <a:glow rad="63500">
+              <a:schemeClr val="accent3">
+                <a:satMod val="175000"/>
+                <a:alpha val="40000"/>
+              </a:schemeClr>
+            </a:glow>
+          </a:effectLst>
+        </p:spPr>
+      </p:pic>
+      <p:pic>
+        <p:nvPicPr>
+          <p:cNvPr id="20" name="Picture 19" descr="Screen of a cell phone&#10;&#10;Description automatically generated">
+            <a:extLst>
+              <a:ext uri="{FF2B5EF4-FFF2-40B4-BE49-F238E27FC236}">
+                <a16:creationId xmlns:a16="http://schemas.microsoft.com/office/drawing/2014/main" id="{68412E2B-5F19-FA4B-96DD-B2EA5878667A}"/>
+              </a:ext>
+            </a:extLst>
+          </p:cNvPr>
+          <p:cNvPicPr>
+            <a:picLocks noChangeAspect="1"/>
+          </p:cNvPicPr>
+          <p:nvPr/>
+        </p:nvPicPr>
+        <p:blipFill>
+          <a:blip r:embed="rId5"/>
+          <a:stretch>
+            <a:fillRect/>
+          </a:stretch>
+        </p:blipFill>
+        <p:spPr>
+          <a:xfrm>
+            <a:off x="8286784" y="3993450"/>
+            <a:ext cx="3767328" cy="1828800"/>
           </a:xfrm>
           <a:prstGeom prst="rect">
             <a:avLst/>
           </a:prstGeom>
         </p:spPr>
       </p:pic>
+      <p:sp>
+        <p:nvSpPr>
+          <p:cNvPr id="21" name="Rectangle 20">
+            <a:extLst>
+              <a:ext uri="{FF2B5EF4-FFF2-40B4-BE49-F238E27FC236}">
+                <a16:creationId xmlns:a16="http://schemas.microsoft.com/office/drawing/2014/main" id="{3158C142-D59E-D243-A82A-6C20ED7D397E}"/>
+              </a:ext>
+            </a:extLst>
+          </p:cNvPr>
+          <p:cNvSpPr/>
+          <p:nvPr/>
+        </p:nvSpPr>
+        <p:spPr>
+          <a:xfrm>
+            <a:off x="8136836" y="1298713"/>
+            <a:ext cx="3998924" cy="4638261"/>
+          </a:xfrm>
+          <a:prstGeom prst="rect">
+            <a:avLst/>
+          </a:prstGeom>
+          <a:noFill/>
+          <a:ln w="34925"/>
+        </p:spPr>
+        <p:style>
+          <a:lnRef idx="2">
+            <a:schemeClr val="accent1">
+              <a:shade val="50000"/>
+            </a:schemeClr>
+          </a:lnRef>
+          <a:fillRef idx="1">
+            <a:schemeClr val="accent1"/>
+          </a:fillRef>
+          <a:effectRef idx="0">
+            <a:schemeClr val="accent1"/>
+          </a:effectRef>
+          <a:fontRef idx="minor">
+            <a:schemeClr val="lt1"/>
+          </a:fontRef>
+        </p:style>
+        <p:txBody>
+          <a:bodyPr rtlCol="0" anchor="ctr"/>
+          <a:lstStyle/>
+          <a:p>
+            <a:pPr algn="ctr"/>
+            <a:endParaRPr lang="en-US"/>
+          </a:p>
+        </p:txBody>
+      </p:sp>
     </p:spTree>
     <p:extLst>
       <p:ext uri="{BB962C8B-B14F-4D97-AF65-F5344CB8AC3E}">
@@ -4336,7 +5239,10 @@
           <a:bodyPr/>
           <a:lstStyle/>
           <a:p>
-            <a:endParaRPr lang="en-US"/>
+            <a:r>
+              <a:rPr lang="en-US" dirty="0"/>
+              <a:t>DATA OBSERVATIONS</a:t>
+            </a:r>
           </a:p>
         </p:txBody>
       </p:sp>
@@ -4459,6 +5365,156 @@
     <p:extLst>
       <p:ext uri="{BB962C8B-B14F-4D97-AF65-F5344CB8AC3E}">
         <p14:creationId xmlns:p14="http://schemas.microsoft.com/office/powerpoint/2010/main" val="3457639052"/>
+      </p:ext>
+    </p:extLst>
+  </p:cSld>
+  <p:clrMapOvr>
+    <a:masterClrMapping/>
+  </p:clrMapOvr>
+</p:sld>
+</file>
+
+<file path=ppt/slides/slide9.xml><?xml version="1.0" encoding="utf-8"?>
+<p:sld xmlns:a="http://schemas.openxmlformats.org/drawingml/2006/main" xmlns:r="http://schemas.openxmlformats.org/officeDocument/2006/relationships" xmlns:p="http://schemas.openxmlformats.org/presentationml/2006/main">
+  <p:cSld>
+    <p:spTree>
+      <p:nvGrpSpPr>
+        <p:cNvPr id="1" name=""/>
+        <p:cNvGrpSpPr/>
+        <p:nvPr/>
+      </p:nvGrpSpPr>
+      <p:grpSpPr>
+        <a:xfrm>
+          <a:off x="0" y="0"/>
+          <a:ext cx="0" cy="0"/>
+          <a:chOff x="0" y="0"/>
+          <a:chExt cx="0" cy="0"/>
+        </a:xfrm>
+      </p:grpSpPr>
+      <p:sp>
+        <p:nvSpPr>
+          <p:cNvPr id="2" name="Title 1">
+            <a:extLst>
+              <a:ext uri="{FF2B5EF4-FFF2-40B4-BE49-F238E27FC236}">
+                <a16:creationId xmlns:a16="http://schemas.microsoft.com/office/drawing/2014/main" id="{D7FC21B0-D9F2-CA48-BE37-B0C7B5AE9F8B}"/>
+              </a:ext>
+            </a:extLst>
+          </p:cNvPr>
+          <p:cNvSpPr>
+            <a:spLocks noGrp="1"/>
+          </p:cNvSpPr>
+          <p:nvPr>
+            <p:ph type="title"/>
+          </p:nvPr>
+        </p:nvSpPr>
+        <p:spPr/>
+        <p:txBody>
+          <a:bodyPr/>
+          <a:lstStyle/>
+          <a:p>
+            <a:r>
+              <a:rPr lang="en-US" dirty="0"/>
+              <a:t>INSPECTIONS DATA [observations]</a:t>
+            </a:r>
+          </a:p>
+        </p:txBody>
+      </p:sp>
+      <p:pic>
+        <p:nvPicPr>
+          <p:cNvPr id="8" name="slide5" descr="Year (Through September)">
+            <a:extLst>
+              <a:ext uri="{FF2B5EF4-FFF2-40B4-BE49-F238E27FC236}">
+                <a16:creationId xmlns:a16="http://schemas.microsoft.com/office/drawing/2014/main" id="{6C7D0847-D7E9-8A43-A78E-1A12F26A48B1}"/>
+              </a:ext>
+            </a:extLst>
+          </p:cNvPr>
+          <p:cNvPicPr>
+            <a:picLocks noChangeAspect="1"/>
+          </p:cNvPicPr>
+          <p:nvPr/>
+        </p:nvPicPr>
+        <p:blipFill>
+          <a:blip r:embed="rId2">
+            <a:extLst>
+              <a:ext uri="{28A0092B-C50C-407E-A947-70E740481C1C}">
+                <a14:useLocalDpi xmlns:a14="http://schemas.microsoft.com/office/drawing/2010/main" val="0"/>
+              </a:ext>
+            </a:extLst>
+          </a:blip>
+          <a:stretch>
+            <a:fillRect/>
+          </a:stretch>
+        </p:blipFill>
+        <p:spPr>
+          <a:xfrm>
+            <a:off x="347870" y="1723268"/>
+            <a:ext cx="6490252" cy="4769607"/>
+          </a:xfrm>
+          <a:prstGeom prst="rect">
+            <a:avLst/>
+          </a:prstGeom>
+        </p:spPr>
+      </p:pic>
+      <p:sp>
+        <p:nvSpPr>
+          <p:cNvPr id="5" name="TextBox 4">
+            <a:extLst>
+              <a:ext uri="{FF2B5EF4-FFF2-40B4-BE49-F238E27FC236}">
+                <a16:creationId xmlns:a16="http://schemas.microsoft.com/office/drawing/2014/main" id="{EB9FAA8D-1996-004C-9316-4C9D9842CF22}"/>
+              </a:ext>
+            </a:extLst>
+          </p:cNvPr>
+          <p:cNvSpPr txBox="1"/>
+          <p:nvPr/>
+        </p:nvSpPr>
+        <p:spPr>
+          <a:xfrm>
+            <a:off x="7063409" y="1457739"/>
+            <a:ext cx="4969565" cy="2308324"/>
+          </a:xfrm>
+          <a:prstGeom prst="rect">
+            <a:avLst/>
+          </a:prstGeom>
+          <a:noFill/>
+        </p:spPr>
+        <p:txBody>
+          <a:bodyPr wrap="square" rtlCol="0">
+            <a:spAutoFit/>
+          </a:bodyPr>
+          <a:lstStyle/>
+          <a:p>
+            <a:r>
+              <a:rPr lang="en-US" dirty="0"/>
+              <a:t>Total number of inspections, through September of all years, are down in 2020.</a:t>
+            </a:r>
+          </a:p>
+          <a:p>
+            <a:endParaRPr lang="en-US" dirty="0"/>
+          </a:p>
+          <a:p>
+            <a:r>
+              <a:rPr lang="en-US" dirty="0"/>
+              <a:t>Inspections peaked in 2016.</a:t>
+            </a:r>
+          </a:p>
+          <a:p>
+            <a:endParaRPr lang="en-US" dirty="0"/>
+          </a:p>
+          <a:p>
+            <a:r>
+              <a:rPr lang="en-US" dirty="0"/>
+              <a:t>Significantly more pass with conditions results in 2019</a:t>
+            </a:r>
+          </a:p>
+          <a:p>
+            <a:endParaRPr lang="en-US" dirty="0"/>
+          </a:p>
+        </p:txBody>
+      </p:sp>
+    </p:spTree>
+    <p:extLst>
+      <p:ext uri="{BB962C8B-B14F-4D97-AF65-F5344CB8AC3E}">
+        <p14:creationId xmlns:p14="http://schemas.microsoft.com/office/powerpoint/2010/main" val="704444123"/>
       </p:ext>
     </p:extLst>
   </p:cSld>
@@ -4761,4 +5817,299 @@
     </a:ext>
   </a:extLst>
 </a:theme>
+</file>
+
+<file path=ppt/theme/theme2.xml><?xml version="1.0" encoding="utf-8"?>
+<a:theme xmlns:a="http://schemas.openxmlformats.org/drawingml/2006/main" name="Office Theme">
+  <a:themeElements>
+    <a:clrScheme name="Office">
+      <a:dk1>
+        <a:sysClr val="windowText" lastClr="000000"/>
+      </a:dk1>
+      <a:lt1>
+        <a:sysClr val="window" lastClr="FFFFFF"/>
+      </a:lt1>
+      <a:dk2>
+        <a:srgbClr val="44546A"/>
+      </a:dk2>
+      <a:lt2>
+        <a:srgbClr val="E7E6E6"/>
+      </a:lt2>
+      <a:accent1>
+        <a:srgbClr val="4472C4"/>
+      </a:accent1>
+      <a:accent2>
+        <a:srgbClr val="ED7D31"/>
+      </a:accent2>
+      <a:accent3>
+        <a:srgbClr val="A5A5A5"/>
+      </a:accent3>
+      <a:accent4>
+        <a:srgbClr val="FFC000"/>
+      </a:accent4>
+      <a:accent5>
+        <a:srgbClr val="5B9BD5"/>
+      </a:accent5>
+      <a:accent6>
+        <a:srgbClr val="70AD47"/>
+      </a:accent6>
+      <a:hlink>
+        <a:srgbClr val="0563C1"/>
+      </a:hlink>
+      <a:folHlink>
+        <a:srgbClr val="954F72"/>
+      </a:folHlink>
+    </a:clrScheme>
+    <a:fontScheme name="Office">
+      <a:majorFont>
+        <a:latin typeface="Calibri Light" panose="020F0302020204030204"/>
+        <a:ea typeface=""/>
+        <a:cs typeface=""/>
+        <a:font script="Jpan" typeface="游ゴシック Light"/>
+        <a:font script="Hang" typeface="맑은 고딕"/>
+        <a:font script="Hans" typeface="等线 Light"/>
+        <a:font script="Hant" typeface="新細明體"/>
+        <a:font script="Arab" typeface="Times New Roman"/>
+        <a:font script="Hebr" typeface="Times New Roman"/>
+        <a:font script="Thai" typeface="Angsana New"/>
+        <a:font script="Ethi" typeface="Nyala"/>
+        <a:font script="Beng" typeface="Vrinda"/>
+        <a:font script="Gujr" typeface="Shruti"/>
+        <a:font script="Khmr" typeface="MoolBoran"/>
+        <a:font script="Knda" typeface="Tunga"/>
+        <a:font script="Guru" typeface="Raavi"/>
+        <a:font script="Cans" typeface="Euphemia"/>
+        <a:font script="Cher" typeface="Plantagenet Cherokee"/>
+        <a:font script="Yiii" typeface="Microsoft Yi Baiti"/>
+        <a:font script="Tibt" typeface="Microsoft Himalaya"/>
+        <a:font script="Thaa" typeface="MV Boli"/>
+        <a:font script="Deva" typeface="Mangal"/>
+        <a:font script="Telu" typeface="Gautami"/>
+        <a:font script="Taml" typeface="Latha"/>
+        <a:font script="Syrc" typeface="Estrangelo Edessa"/>
+        <a:font script="Orya" typeface="Kalinga"/>
+        <a:font script="Mlym" typeface="Kartika"/>
+        <a:font script="Laoo" typeface="DokChampa"/>
+        <a:font script="Sinh" typeface="Iskoola Pota"/>
+        <a:font script="Mong" typeface="Mongolian Baiti"/>
+        <a:font script="Viet" typeface="Times New Roman"/>
+        <a:font script="Uigh" typeface="Microsoft Uighur"/>
+        <a:font script="Geor" typeface="Sylfaen"/>
+        <a:font script="Armn" typeface="Arial"/>
+        <a:font script="Bugi" typeface="Leelawadee UI"/>
+        <a:font script="Bopo" typeface="Microsoft JhengHei"/>
+        <a:font script="Java" typeface="Javanese Text"/>
+        <a:font script="Lisu" typeface="Segoe UI"/>
+        <a:font script="Mymr" typeface="Myanmar Text"/>
+        <a:font script="Nkoo" typeface="Ebrima"/>
+        <a:font script="Olck" typeface="Nirmala UI"/>
+        <a:font script="Osma" typeface="Ebrima"/>
+        <a:font script="Phag" typeface="Phagspa"/>
+        <a:font script="Syrn" typeface="Estrangelo Edessa"/>
+        <a:font script="Syrj" typeface="Estrangelo Edessa"/>
+        <a:font script="Syre" typeface="Estrangelo Edessa"/>
+        <a:font script="Sora" typeface="Nirmala UI"/>
+        <a:font script="Tale" typeface="Microsoft Tai Le"/>
+        <a:font script="Talu" typeface="Microsoft New Tai Lue"/>
+        <a:font script="Tfng" typeface="Ebrima"/>
+      </a:majorFont>
+      <a:minorFont>
+        <a:latin typeface="Calibri" panose="020F0502020204030204"/>
+        <a:ea typeface=""/>
+        <a:cs typeface=""/>
+        <a:font script="Jpan" typeface="游ゴシック"/>
+        <a:font script="Hang" typeface="맑은 고딕"/>
+        <a:font script="Hans" typeface="等线"/>
+        <a:font script="Hant" typeface="新細明體"/>
+        <a:font script="Arab" typeface="Arial"/>
+        <a:font script="Hebr" typeface="Arial"/>
+        <a:font script="Thai" typeface="Cordia New"/>
+        <a:font script="Ethi" typeface="Nyala"/>
+        <a:font script="Beng" typeface="Vrinda"/>
+        <a:font script="Gujr" typeface="Shruti"/>
+        <a:font script="Khmr" typeface="DaunPenh"/>
+        <a:font script="Knda" typeface="Tunga"/>
+        <a:font script="Guru" typeface="Raavi"/>
+        <a:font script="Cans" typeface="Euphemia"/>
+        <a:font script="Cher" typeface="Plantagenet Cherokee"/>
+        <a:font script="Yiii" typeface="Microsoft Yi Baiti"/>
+        <a:font script="Tibt" typeface="Microsoft Himalaya"/>
+        <a:font script="Thaa" typeface="MV Boli"/>
+        <a:font script="Deva" typeface="Mangal"/>
+        <a:font script="Telu" typeface="Gautami"/>
+        <a:font script="Taml" typeface="Latha"/>
+        <a:font script="Syrc" typeface="Estrangelo Edessa"/>
+        <a:font script="Orya" typeface="Kalinga"/>
+        <a:font script="Mlym" typeface="Kartika"/>
+        <a:font script="Laoo" typeface="DokChampa"/>
+        <a:font script="Sinh" typeface="Iskoola Pota"/>
+        <a:font script="Mong" typeface="Mongolian Baiti"/>
+        <a:font script="Viet" typeface="Arial"/>
+        <a:font script="Uigh" typeface="Microsoft Uighur"/>
+        <a:font script="Geor" typeface="Sylfaen"/>
+        <a:font script="Armn" typeface="Arial"/>
+        <a:font script="Bugi" typeface="Leelawadee UI"/>
+        <a:font script="Bopo" typeface="Microsoft JhengHei"/>
+        <a:font script="Java" typeface="Javanese Text"/>
+        <a:font script="Lisu" typeface="Segoe UI"/>
+        <a:font script="Mymr" typeface="Myanmar Text"/>
+        <a:font script="Nkoo" typeface="Ebrima"/>
+        <a:font script="Olck" typeface="Nirmala UI"/>
+        <a:font script="Osma" typeface="Ebrima"/>
+        <a:font script="Phag" typeface="Phagspa"/>
+        <a:font script="Syrn" typeface="Estrangelo Edessa"/>
+        <a:font script="Syrj" typeface="Estrangelo Edessa"/>
+        <a:font script="Syre" typeface="Estrangelo Edessa"/>
+        <a:font script="Sora" typeface="Nirmala UI"/>
+        <a:font script="Tale" typeface="Microsoft Tai Le"/>
+        <a:font script="Talu" typeface="Microsoft New Tai Lue"/>
+        <a:font script="Tfng" typeface="Ebrima"/>
+      </a:minorFont>
+    </a:fontScheme>
+    <a:fmtScheme name="Office">
+      <a:fillStyleLst>
+        <a:solidFill>
+          <a:schemeClr val="phClr"/>
+        </a:solidFill>
+        <a:gradFill rotWithShape="1">
+          <a:gsLst>
+            <a:gs pos="0">
+              <a:schemeClr val="phClr">
+                <a:lumMod val="110000"/>
+                <a:satMod val="105000"/>
+                <a:tint val="67000"/>
+              </a:schemeClr>
+            </a:gs>
+            <a:gs pos="50000">
+              <a:schemeClr val="phClr">
+                <a:lumMod val="105000"/>
+                <a:satMod val="103000"/>
+                <a:tint val="73000"/>
+              </a:schemeClr>
+            </a:gs>
+            <a:gs pos="100000">
+              <a:schemeClr val="phClr">
+                <a:lumMod val="105000"/>
+                <a:satMod val="109000"/>
+                <a:tint val="81000"/>
+              </a:schemeClr>
+            </a:gs>
+          </a:gsLst>
+          <a:lin ang="5400000" scaled="0"/>
+        </a:gradFill>
+        <a:gradFill rotWithShape="1">
+          <a:gsLst>
+            <a:gs pos="0">
+              <a:schemeClr val="phClr">
+                <a:satMod val="103000"/>
+                <a:lumMod val="102000"/>
+                <a:tint val="94000"/>
+              </a:schemeClr>
+            </a:gs>
+            <a:gs pos="50000">
+              <a:schemeClr val="phClr">
+                <a:satMod val="110000"/>
+                <a:lumMod val="100000"/>
+                <a:shade val="100000"/>
+              </a:schemeClr>
+            </a:gs>
+            <a:gs pos="100000">
+              <a:schemeClr val="phClr">
+                <a:lumMod val="99000"/>
+                <a:satMod val="120000"/>
+                <a:shade val="78000"/>
+              </a:schemeClr>
+            </a:gs>
+          </a:gsLst>
+          <a:lin ang="5400000" scaled="0"/>
+        </a:gradFill>
+      </a:fillStyleLst>
+      <a:lnStyleLst>
+        <a:ln w="6350" cap="flat" cmpd="sng" algn="ctr">
+          <a:solidFill>
+            <a:schemeClr val="phClr"/>
+          </a:solidFill>
+          <a:prstDash val="solid"/>
+          <a:miter lim="800000"/>
+        </a:ln>
+        <a:ln w="12700" cap="flat" cmpd="sng" algn="ctr">
+          <a:solidFill>
+            <a:schemeClr val="phClr"/>
+          </a:solidFill>
+          <a:prstDash val="solid"/>
+          <a:miter lim="800000"/>
+        </a:ln>
+        <a:ln w="19050" cap="flat" cmpd="sng" algn="ctr">
+          <a:solidFill>
+            <a:schemeClr val="phClr"/>
+          </a:solidFill>
+          <a:prstDash val="solid"/>
+          <a:miter lim="800000"/>
+        </a:ln>
+      </a:lnStyleLst>
+      <a:effectStyleLst>
+        <a:effectStyle>
+          <a:effectLst/>
+        </a:effectStyle>
+        <a:effectStyle>
+          <a:effectLst/>
+        </a:effectStyle>
+        <a:effectStyle>
+          <a:effectLst>
+            <a:outerShdw blurRad="57150" dist="19050" dir="5400000" algn="ctr" rotWithShape="0">
+              <a:srgbClr val="000000">
+                <a:alpha val="63000"/>
+              </a:srgbClr>
+            </a:outerShdw>
+          </a:effectLst>
+        </a:effectStyle>
+      </a:effectStyleLst>
+      <a:bgFillStyleLst>
+        <a:solidFill>
+          <a:schemeClr val="phClr"/>
+        </a:solidFill>
+        <a:solidFill>
+          <a:schemeClr val="phClr">
+            <a:tint val="95000"/>
+            <a:satMod val="170000"/>
+          </a:schemeClr>
+        </a:solidFill>
+        <a:gradFill rotWithShape="1">
+          <a:gsLst>
+            <a:gs pos="0">
+              <a:schemeClr val="phClr">
+                <a:tint val="93000"/>
+                <a:satMod val="150000"/>
+                <a:shade val="98000"/>
+                <a:lumMod val="102000"/>
+              </a:schemeClr>
+            </a:gs>
+            <a:gs pos="50000">
+              <a:schemeClr val="phClr">
+                <a:tint val="98000"/>
+                <a:satMod val="130000"/>
+                <a:shade val="90000"/>
+                <a:lumMod val="103000"/>
+              </a:schemeClr>
+            </a:gs>
+            <a:gs pos="100000">
+              <a:schemeClr val="phClr">
+                <a:shade val="63000"/>
+                <a:satMod val="120000"/>
+              </a:schemeClr>
+            </a:gs>
+          </a:gsLst>
+          <a:lin ang="5400000" scaled="0"/>
+        </a:gradFill>
+      </a:bgFillStyleLst>
+    </a:fmtScheme>
+  </a:themeElements>
+  <a:objectDefaults/>
+  <a:extraClrSchemeLst/>
+  <a:extLst>
+    <a:ext uri="{05A4C25C-085E-4340-85A3-A5531E510DB2}">
+      <thm15:themeFamily xmlns:thm15="http://schemas.microsoft.com/office/thememl/2012/main" name="Office Theme" id="{62F939B6-93AF-4DB8-9C6B-D6C7DFDC589F}" vid="{4A3C46E8-61CC-4603-A589-7422A47A8E4A}"/>
+    </a:ext>
+  </a:extLst>
+</a:theme>
 </file>
--- a/Presentation.pptx
+++ b/Presentation.pptx
@@ -5,19 +5,21 @@
     <p:sldMasterId id="2147483830" r:id="rId1"/>
   </p:sldMasterIdLst>
   <p:notesMasterIdLst>
-    <p:notesMasterId r:id="rId12"/>
+    <p:notesMasterId r:id="rId14"/>
   </p:notesMasterIdLst>
   <p:sldIdLst>
     <p:sldId id="256" r:id="rId2"/>
     <p:sldId id="257" r:id="rId3"/>
     <p:sldId id="261" r:id="rId4"/>
     <p:sldId id="258" r:id="rId5"/>
-    <p:sldId id="262" r:id="rId6"/>
-    <p:sldId id="259" r:id="rId7"/>
-    <p:sldId id="263" r:id="rId8"/>
-    <p:sldId id="260" r:id="rId9"/>
-    <p:sldId id="264" r:id="rId10"/>
-    <p:sldId id="265" r:id="rId11"/>
+    <p:sldId id="264" r:id="rId6"/>
+    <p:sldId id="266" r:id="rId7"/>
+    <p:sldId id="267" r:id="rId8"/>
+    <p:sldId id="262" r:id="rId9"/>
+    <p:sldId id="259" r:id="rId10"/>
+    <p:sldId id="263" r:id="rId11"/>
+    <p:sldId id="260" r:id="rId12"/>
+    <p:sldId id="265" r:id="rId13"/>
   </p:sldIdLst>
   <p:sldSz cx="12192000" cy="6858000"/>
   <p:notesSz cx="6858000" cy="9144000"/>
@@ -517,7 +519,10 @@
           <a:bodyPr/>
           <a:lstStyle/>
           <a:p>
-            <a:endParaRPr lang="en-US" dirty="0"/>
+            <a:r>
+              <a:rPr lang="en-US" dirty="0"/>
+              <a:t>Data includes inspection dates through September of every year</a:t>
+            </a:r>
           </a:p>
         </p:txBody>
       </p:sp>
@@ -538,7 +543,91 @@
           <a:p>
             <a:fld id="{50B3DFB6-DBA1-4248-8AED-AC7105C00173}" type="slidenum">
               <a:rPr lang="en-US" smtClean="0"/>
-              <a:t>5</a:t>
+              <a:t>6</a:t>
+            </a:fld>
+            <a:endParaRPr lang="en-US"/>
+          </a:p>
+        </p:txBody>
+      </p:sp>
+    </p:spTree>
+    <p:extLst>
+      <p:ext uri="{BB962C8B-B14F-4D97-AF65-F5344CB8AC3E}">
+        <p14:creationId xmlns:p14="http://schemas.microsoft.com/office/powerpoint/2010/main" val="3564179261"/>
+      </p:ext>
+    </p:extLst>
+  </p:cSld>
+  <p:clrMapOvr>
+    <a:masterClrMapping/>
+  </p:clrMapOvr>
+</p:notes>
+</file>
+
+<file path=ppt/notesSlides/notesSlide2.xml><?xml version="1.0" encoding="utf-8"?>
+<p:notes xmlns:a="http://schemas.openxmlformats.org/drawingml/2006/main" xmlns:r="http://schemas.openxmlformats.org/officeDocument/2006/relationships" xmlns:p="http://schemas.openxmlformats.org/presentationml/2006/main">
+  <p:cSld>
+    <p:spTree>
+      <p:nvGrpSpPr>
+        <p:cNvPr id="1" name=""/>
+        <p:cNvGrpSpPr/>
+        <p:nvPr/>
+      </p:nvGrpSpPr>
+      <p:grpSpPr>
+        <a:xfrm>
+          <a:off x="0" y="0"/>
+          <a:ext cx="0" cy="0"/>
+          <a:chOff x="0" y="0"/>
+          <a:chExt cx="0" cy="0"/>
+        </a:xfrm>
+      </p:grpSpPr>
+      <p:sp>
+        <p:nvSpPr>
+          <p:cNvPr id="2" name="Slide Image Placeholder 1"/>
+          <p:cNvSpPr>
+            <a:spLocks noGrp="1" noRot="1" noChangeAspect="1"/>
+          </p:cNvSpPr>
+          <p:nvPr>
+            <p:ph type="sldImg"/>
+          </p:nvPr>
+        </p:nvSpPr>
+        <p:spPr/>
+      </p:sp>
+      <p:sp>
+        <p:nvSpPr>
+          <p:cNvPr id="3" name="Notes Placeholder 2"/>
+          <p:cNvSpPr>
+            <a:spLocks noGrp="1"/>
+          </p:cNvSpPr>
+          <p:nvPr>
+            <p:ph type="body" idx="1"/>
+          </p:nvPr>
+        </p:nvSpPr>
+        <p:spPr/>
+        <p:txBody>
+          <a:bodyPr/>
+          <a:lstStyle/>
+          <a:p>
+            <a:endParaRPr lang="en-US" dirty="0"/>
+          </a:p>
+        </p:txBody>
+      </p:sp>
+      <p:sp>
+        <p:nvSpPr>
+          <p:cNvPr id="4" name="Slide Number Placeholder 3"/>
+          <p:cNvSpPr>
+            <a:spLocks noGrp="1"/>
+          </p:cNvSpPr>
+          <p:nvPr>
+            <p:ph type="sldNum" sz="quarter" idx="5"/>
+          </p:nvPr>
+        </p:nvSpPr>
+        <p:spPr/>
+        <p:txBody>
+          <a:bodyPr/>
+          <a:lstStyle/>
+          <a:p>
+            <a:fld id="{50B3DFB6-DBA1-4248-8AED-AC7105C00173}" type="slidenum">
+              <a:rPr lang="en-US" smtClean="0"/>
+              <a:t>8</a:t>
             </a:fld>
             <a:endParaRPr lang="en-US"/>
           </a:p>
@@ -3923,6 +4012,466 @@
           <p:cNvPr id="2" name="Title 1">
             <a:extLst>
               <a:ext uri="{FF2B5EF4-FFF2-40B4-BE49-F238E27FC236}">
+                <a16:creationId xmlns:a16="http://schemas.microsoft.com/office/drawing/2014/main" id="{DCFC2AC7-17D6-E04C-85A8-5E0AE978AB68}"/>
+              </a:ext>
+            </a:extLst>
+          </p:cNvPr>
+          <p:cNvSpPr>
+            <a:spLocks noGrp="1"/>
+          </p:cNvSpPr>
+          <p:nvPr>
+            <p:ph type="title"/>
+          </p:nvPr>
+        </p:nvSpPr>
+        <p:spPr/>
+        <p:txBody>
+          <a:bodyPr/>
+          <a:lstStyle/>
+          <a:p>
+            <a:r>
+              <a:rPr lang="en-US" b="1" dirty="0"/>
+              <a:t>05 </a:t>
+            </a:r>
+            <a:r>
+              <a:rPr lang="en-US" dirty="0"/>
+              <a:t>MODEL COMPARISON [baseline]</a:t>
+            </a:r>
+          </a:p>
+        </p:txBody>
+      </p:sp>
+      <p:sp>
+        <p:nvSpPr>
+          <p:cNvPr id="10" name="TextBox 9">
+            <a:extLst>
+              <a:ext uri="{FF2B5EF4-FFF2-40B4-BE49-F238E27FC236}">
+                <a16:creationId xmlns:a16="http://schemas.microsoft.com/office/drawing/2014/main" id="{581812EE-A15B-0D40-BD24-C1BD3AD9A7CD}"/>
+              </a:ext>
+            </a:extLst>
+          </p:cNvPr>
+          <p:cNvSpPr txBox="1"/>
+          <p:nvPr/>
+        </p:nvSpPr>
+        <p:spPr>
+          <a:xfrm>
+            <a:off x="513441" y="1423161"/>
+            <a:ext cx="3200400" cy="400110"/>
+          </a:xfrm>
+          <a:prstGeom prst="rect">
+            <a:avLst/>
+          </a:prstGeom>
+          <a:solidFill>
+            <a:schemeClr val="bg2">
+              <a:lumMod val="90000"/>
+            </a:schemeClr>
+          </a:solidFill>
+        </p:spPr>
+        <p:txBody>
+          <a:bodyPr wrap="square" rtlCol="0">
+            <a:spAutoFit/>
+          </a:bodyPr>
+          <a:lstStyle/>
+          <a:p>
+            <a:pPr algn="ctr"/>
+            <a:r>
+              <a:rPr lang="en-US" sz="2000" b="1" dirty="0"/>
+              <a:t>Naïve Bayes</a:t>
+            </a:r>
+          </a:p>
+        </p:txBody>
+      </p:sp>
+      <p:sp>
+        <p:nvSpPr>
+          <p:cNvPr id="11" name="TextBox 10">
+            <a:extLst>
+              <a:ext uri="{FF2B5EF4-FFF2-40B4-BE49-F238E27FC236}">
+                <a16:creationId xmlns:a16="http://schemas.microsoft.com/office/drawing/2014/main" id="{D91ACB00-FA4F-7247-8AF6-45CA3A33F527}"/>
+              </a:ext>
+            </a:extLst>
+          </p:cNvPr>
+          <p:cNvSpPr txBox="1"/>
+          <p:nvPr/>
+        </p:nvSpPr>
+        <p:spPr>
+          <a:xfrm>
+            <a:off x="8563509" y="1423161"/>
+            <a:ext cx="3200400" cy="400110"/>
+          </a:xfrm>
+          <a:prstGeom prst="rect">
+            <a:avLst/>
+          </a:prstGeom>
+          <a:solidFill>
+            <a:schemeClr val="bg2">
+              <a:lumMod val="90000"/>
+            </a:schemeClr>
+          </a:solidFill>
+        </p:spPr>
+        <p:txBody>
+          <a:bodyPr wrap="square" rtlCol="0">
+            <a:spAutoFit/>
+          </a:bodyPr>
+          <a:lstStyle/>
+          <a:p>
+            <a:pPr algn="ctr"/>
+            <a:r>
+              <a:rPr lang="en-US" sz="2000" b="1" dirty="0"/>
+              <a:t>Logistic Regression</a:t>
+            </a:r>
+          </a:p>
+        </p:txBody>
+      </p:sp>
+      <p:sp>
+        <p:nvSpPr>
+          <p:cNvPr id="12" name="TextBox 11">
+            <a:extLst>
+              <a:ext uri="{FF2B5EF4-FFF2-40B4-BE49-F238E27FC236}">
+                <a16:creationId xmlns:a16="http://schemas.microsoft.com/office/drawing/2014/main" id="{8CD01200-D758-7F42-8698-85BD5D847EA8}"/>
+              </a:ext>
+            </a:extLst>
+          </p:cNvPr>
+          <p:cNvSpPr txBox="1"/>
+          <p:nvPr/>
+        </p:nvSpPr>
+        <p:spPr>
+          <a:xfrm>
+            <a:off x="4495800" y="1423161"/>
+            <a:ext cx="3200400" cy="402336"/>
+          </a:xfrm>
+          <a:prstGeom prst="rect">
+            <a:avLst/>
+          </a:prstGeom>
+          <a:solidFill>
+            <a:schemeClr val="bg2">
+              <a:lumMod val="90000"/>
+            </a:schemeClr>
+          </a:solidFill>
+        </p:spPr>
+        <p:txBody>
+          <a:bodyPr wrap="square" rtlCol="0">
+            <a:spAutoFit/>
+          </a:bodyPr>
+          <a:lstStyle/>
+          <a:p>
+            <a:pPr algn="ctr"/>
+            <a:r>
+              <a:rPr lang="en-US" sz="2000" b="1" dirty="0"/>
+              <a:t>Support Vector Machines</a:t>
+            </a:r>
+          </a:p>
+        </p:txBody>
+      </p:sp>
+      <p:sp>
+        <p:nvSpPr>
+          <p:cNvPr id="13" name="TextBox 12">
+            <a:extLst>
+              <a:ext uri="{FF2B5EF4-FFF2-40B4-BE49-F238E27FC236}">
+                <a16:creationId xmlns:a16="http://schemas.microsoft.com/office/drawing/2014/main" id="{6A6D7E2E-3819-F742-A043-F81AABC7C3C4}"/>
+              </a:ext>
+            </a:extLst>
+          </p:cNvPr>
+          <p:cNvSpPr txBox="1"/>
+          <p:nvPr/>
+        </p:nvSpPr>
+        <p:spPr>
+          <a:xfrm>
+            <a:off x="449187" y="3771413"/>
+            <a:ext cx="11293625" cy="2308324"/>
+          </a:xfrm>
+          <a:prstGeom prst="rect">
+            <a:avLst/>
+          </a:prstGeom>
+          <a:noFill/>
+        </p:spPr>
+        <p:txBody>
+          <a:bodyPr wrap="square" rtlCol="0">
+            <a:spAutoFit/>
+          </a:bodyPr>
+          <a:lstStyle/>
+          <a:p>
+            <a:endParaRPr lang="en-US" sz="1600" dirty="0"/>
+          </a:p>
+          <a:p>
+            <a:r>
+              <a:rPr lang="en-US" sz="1600" dirty="0"/>
+              <a:t>Best performing model: </a:t>
+            </a:r>
+            <a:r>
+              <a:rPr lang="en-US" sz="1600" b="1" dirty="0"/>
+              <a:t>Logistic Regression</a:t>
+            </a:r>
+          </a:p>
+          <a:p>
+            <a:endParaRPr lang="en-US" sz="1600" b="1" dirty="0"/>
+          </a:p>
+          <a:p>
+            <a:r>
+              <a:rPr lang="en-US" sz="1600" b="1" dirty="0"/>
+              <a:t>Precision</a:t>
+            </a:r>
+            <a:r>
+              <a:rPr lang="en-US" sz="1600" dirty="0"/>
+              <a:t> = 0.92; [i.e. what proportion of predictions for a class are true?]</a:t>
+            </a:r>
+          </a:p>
+          <a:p>
+            <a:r>
+              <a:rPr lang="en-US" sz="1600" b="1" dirty="0"/>
+              <a:t>Recall</a:t>
+            </a:r>
+            <a:r>
+              <a:rPr lang="en-US" sz="1600" dirty="0"/>
+              <a:t> = 0.92; [i.e. what proportion of an actual class are correctly classified?]</a:t>
+            </a:r>
+          </a:p>
+          <a:p>
+            <a:r>
+              <a:rPr lang="en-US" sz="1600" b="1" dirty="0"/>
+              <a:t>Accuracy</a:t>
+            </a:r>
+            <a:r>
+              <a:rPr lang="en-US" sz="1600" dirty="0"/>
+              <a:t> = 0.92; [i.e. what proportion of all classes are correctly classified?]</a:t>
+            </a:r>
+          </a:p>
+          <a:p>
+            <a:endParaRPr lang="en-US" sz="1600" dirty="0"/>
+          </a:p>
+          <a:p>
+            <a:r>
+              <a:rPr lang="en-US" sz="1600" dirty="0"/>
+              <a:t>Some signs of potential overfitting. Training set accuracy of 97%</a:t>
+            </a:r>
+          </a:p>
+          <a:p>
+            <a:endParaRPr lang="en-US" sz="1600" dirty="0"/>
+          </a:p>
+        </p:txBody>
+      </p:sp>
+      <p:pic>
+        <p:nvPicPr>
+          <p:cNvPr id="6" name="Picture 5" descr="Screen of a cell phone&#10;&#10;Description automatically generated">
+            <a:extLst>
+              <a:ext uri="{FF2B5EF4-FFF2-40B4-BE49-F238E27FC236}">
+                <a16:creationId xmlns:a16="http://schemas.microsoft.com/office/drawing/2014/main" id="{1132CFDC-5F3B-9945-806E-CD32CBD64441}"/>
+              </a:ext>
+            </a:extLst>
+          </p:cNvPr>
+          <p:cNvPicPr>
+            <a:picLocks noChangeAspect="1"/>
+          </p:cNvPicPr>
+          <p:nvPr/>
+        </p:nvPicPr>
+        <p:blipFill>
+          <a:blip r:embed="rId2"/>
+          <a:stretch>
+            <a:fillRect/>
+          </a:stretch>
+        </p:blipFill>
+        <p:spPr>
+          <a:xfrm>
+            <a:off x="151366" y="1912725"/>
+            <a:ext cx="3753850" cy="1828800"/>
+          </a:xfrm>
+          <a:prstGeom prst="rect">
+            <a:avLst/>
+          </a:prstGeom>
+          <a:effectLst>
+            <a:glow rad="101600">
+              <a:schemeClr val="accent3">
+                <a:satMod val="175000"/>
+                <a:alpha val="40000"/>
+              </a:schemeClr>
+            </a:glow>
+          </a:effectLst>
+        </p:spPr>
+      </p:pic>
+      <p:pic>
+        <p:nvPicPr>
+          <p:cNvPr id="16" name="Content Placeholder 15" descr="Screen of a cell phone&#10;&#10;Description automatically generated">
+            <a:extLst>
+              <a:ext uri="{FF2B5EF4-FFF2-40B4-BE49-F238E27FC236}">
+                <a16:creationId xmlns:a16="http://schemas.microsoft.com/office/drawing/2014/main" id="{FDD038B5-7E20-0843-BEA8-0FEEE5817594}"/>
+              </a:ext>
+            </a:extLst>
+          </p:cNvPr>
+          <p:cNvPicPr>
+            <a:picLocks noGrp="1" noChangeAspect="1"/>
+          </p:cNvPicPr>
+          <p:nvPr>
+            <p:ph idx="1"/>
+          </p:nvPr>
+        </p:nvPicPr>
+        <p:blipFill>
+          <a:blip r:embed="rId3"/>
+          <a:stretch>
+            <a:fillRect/>
+          </a:stretch>
+        </p:blipFill>
+        <p:spPr>
+          <a:xfrm>
+            <a:off x="4219075" y="1912725"/>
+            <a:ext cx="3753850" cy="1828800"/>
+          </a:xfrm>
+          <a:effectLst>
+            <a:glow rad="101600">
+              <a:schemeClr val="accent3">
+                <a:satMod val="175000"/>
+                <a:alpha val="40000"/>
+              </a:schemeClr>
+            </a:glow>
+          </a:effectLst>
+        </p:spPr>
+      </p:pic>
+      <p:pic>
+        <p:nvPicPr>
+          <p:cNvPr id="18" name="Picture 17" descr="Calendar&#10;&#10;Description automatically generated">
+            <a:extLst>
+              <a:ext uri="{FF2B5EF4-FFF2-40B4-BE49-F238E27FC236}">
+                <a16:creationId xmlns:a16="http://schemas.microsoft.com/office/drawing/2014/main" id="{E1EE538F-5D82-214C-90BD-54A388CFE201}"/>
+              </a:ext>
+            </a:extLst>
+          </p:cNvPr>
+          <p:cNvPicPr>
+            <a:picLocks noChangeAspect="1"/>
+          </p:cNvPicPr>
+          <p:nvPr/>
+        </p:nvPicPr>
+        <p:blipFill>
+          <a:blip r:embed="rId4"/>
+          <a:stretch>
+            <a:fillRect/>
+          </a:stretch>
+        </p:blipFill>
+        <p:spPr>
+          <a:xfrm>
+            <a:off x="8286784" y="1912725"/>
+            <a:ext cx="3753850" cy="1828800"/>
+          </a:xfrm>
+          <a:prstGeom prst="rect">
+            <a:avLst/>
+          </a:prstGeom>
+          <a:effectLst>
+            <a:glow rad="63500">
+              <a:schemeClr val="accent3">
+                <a:satMod val="175000"/>
+                <a:alpha val="40000"/>
+              </a:schemeClr>
+            </a:glow>
+          </a:effectLst>
+        </p:spPr>
+      </p:pic>
+      <p:pic>
+        <p:nvPicPr>
+          <p:cNvPr id="20" name="Picture 19" descr="Screen of a cell phone&#10;&#10;Description automatically generated">
+            <a:extLst>
+              <a:ext uri="{FF2B5EF4-FFF2-40B4-BE49-F238E27FC236}">
+                <a16:creationId xmlns:a16="http://schemas.microsoft.com/office/drawing/2014/main" id="{68412E2B-5F19-FA4B-96DD-B2EA5878667A}"/>
+              </a:ext>
+            </a:extLst>
+          </p:cNvPr>
+          <p:cNvPicPr>
+            <a:picLocks noChangeAspect="1"/>
+          </p:cNvPicPr>
+          <p:nvPr/>
+        </p:nvPicPr>
+        <p:blipFill>
+          <a:blip r:embed="rId5"/>
+          <a:stretch>
+            <a:fillRect/>
+          </a:stretch>
+        </p:blipFill>
+        <p:spPr>
+          <a:xfrm>
+            <a:off x="8286784" y="3993450"/>
+            <a:ext cx="3767328" cy="1828800"/>
+          </a:xfrm>
+          <a:prstGeom prst="rect">
+            <a:avLst/>
+          </a:prstGeom>
+        </p:spPr>
+      </p:pic>
+      <p:sp>
+        <p:nvSpPr>
+          <p:cNvPr id="21" name="Rectangle 20">
+            <a:extLst>
+              <a:ext uri="{FF2B5EF4-FFF2-40B4-BE49-F238E27FC236}">
+                <a16:creationId xmlns:a16="http://schemas.microsoft.com/office/drawing/2014/main" id="{3158C142-D59E-D243-A82A-6C20ED7D397E}"/>
+              </a:ext>
+            </a:extLst>
+          </p:cNvPr>
+          <p:cNvSpPr/>
+          <p:nvPr/>
+        </p:nvSpPr>
+        <p:spPr>
+          <a:xfrm>
+            <a:off x="8136836" y="1298713"/>
+            <a:ext cx="3998924" cy="4638261"/>
+          </a:xfrm>
+          <a:prstGeom prst="rect">
+            <a:avLst/>
+          </a:prstGeom>
+          <a:noFill/>
+          <a:ln w="34925"/>
+        </p:spPr>
+        <p:style>
+          <a:lnRef idx="2">
+            <a:schemeClr val="accent1">
+              <a:shade val="50000"/>
+            </a:schemeClr>
+          </a:lnRef>
+          <a:fillRef idx="1">
+            <a:schemeClr val="accent1"/>
+          </a:fillRef>
+          <a:effectRef idx="0">
+            <a:schemeClr val="accent1"/>
+          </a:effectRef>
+          <a:fontRef idx="minor">
+            <a:schemeClr val="lt1"/>
+          </a:fontRef>
+        </p:style>
+        <p:txBody>
+          <a:bodyPr rtlCol="0" anchor="ctr"/>
+          <a:lstStyle/>
+          <a:p>
+            <a:pPr algn="ctr"/>
+            <a:endParaRPr lang="en-US"/>
+          </a:p>
+        </p:txBody>
+      </p:sp>
+    </p:spTree>
+    <p:extLst>
+      <p:ext uri="{BB962C8B-B14F-4D97-AF65-F5344CB8AC3E}">
+        <p14:creationId xmlns:p14="http://schemas.microsoft.com/office/powerpoint/2010/main" val="1698453878"/>
+      </p:ext>
+    </p:extLst>
+  </p:cSld>
+  <p:clrMapOvr>
+    <a:masterClrMapping/>
+  </p:clrMapOvr>
+</p:sld>
+</file>
+
+<file path=ppt/slides/slide11.xml><?xml version="1.0" encoding="utf-8"?>
+<p:sld xmlns:a="http://schemas.openxmlformats.org/drawingml/2006/main" xmlns:r="http://schemas.openxmlformats.org/officeDocument/2006/relationships" xmlns:p="http://schemas.openxmlformats.org/presentationml/2006/main">
+  <p:cSld>
+    <p:spTree>
+      <p:nvGrpSpPr>
+        <p:cNvPr id="1" name=""/>
+        <p:cNvGrpSpPr/>
+        <p:nvPr/>
+      </p:nvGrpSpPr>
+      <p:grpSpPr>
+        <a:xfrm>
+          <a:off x="0" y="0"/>
+          <a:ext cx="0" cy="0"/>
+          <a:chOff x="0" y="0"/>
+          <a:chExt cx="0" cy="0"/>
+        </a:xfrm>
+      </p:grpSpPr>
+      <p:sp>
+        <p:nvSpPr>
+          <p:cNvPr id="2" name="Title 1">
+            <a:extLst>
+              <a:ext uri="{FF2B5EF4-FFF2-40B4-BE49-F238E27FC236}">
                 <a16:creationId xmlns:a16="http://schemas.microsoft.com/office/drawing/2014/main" id="{D7FC21B0-D9F2-CA48-BE37-B0C7B5AE9F8B}"/>
               </a:ext>
             </a:extLst>
@@ -4055,6 +4604,119 @@
           <a:xfrm>
             <a:off x="7017469" y="4240395"/>
             <a:ext cx="2481607" cy="1825754"/>
+          </a:xfrm>
+          <a:prstGeom prst="rect">
+            <a:avLst/>
+          </a:prstGeom>
+        </p:spPr>
+      </p:pic>
+    </p:spTree>
+    <p:extLst>
+      <p:ext uri="{BB962C8B-B14F-4D97-AF65-F5344CB8AC3E}">
+        <p14:creationId xmlns:p14="http://schemas.microsoft.com/office/powerpoint/2010/main" val="3457639052"/>
+      </p:ext>
+    </p:extLst>
+  </p:cSld>
+  <p:clrMapOvr>
+    <a:masterClrMapping/>
+  </p:clrMapOvr>
+</p:sld>
+</file>
+
+<file path=ppt/slides/slide12.xml><?xml version="1.0" encoding="utf-8"?>
+<p:sld xmlns:a="http://schemas.openxmlformats.org/drawingml/2006/main" xmlns:r="http://schemas.openxmlformats.org/officeDocument/2006/relationships" xmlns:p="http://schemas.openxmlformats.org/presentationml/2006/main">
+  <p:cSld>
+    <p:spTree>
+      <p:nvGrpSpPr>
+        <p:cNvPr id="1" name=""/>
+        <p:cNvGrpSpPr/>
+        <p:nvPr/>
+      </p:nvGrpSpPr>
+      <p:grpSpPr>
+        <a:xfrm>
+          <a:off x="0" y="0"/>
+          <a:ext cx="0" cy="0"/>
+          <a:chOff x="0" y="0"/>
+          <a:chExt cx="0" cy="0"/>
+        </a:xfrm>
+      </p:grpSpPr>
+      <p:sp>
+        <p:nvSpPr>
+          <p:cNvPr id="2" name="Title 1">
+            <a:extLst>
+              <a:ext uri="{FF2B5EF4-FFF2-40B4-BE49-F238E27FC236}">
+                <a16:creationId xmlns:a16="http://schemas.microsoft.com/office/drawing/2014/main" id="{D7FC21B0-D9F2-CA48-BE37-B0C7B5AE9F8B}"/>
+              </a:ext>
+            </a:extLst>
+          </p:cNvPr>
+          <p:cNvSpPr>
+            <a:spLocks noGrp="1"/>
+          </p:cNvSpPr>
+          <p:nvPr>
+            <p:ph type="title"/>
+          </p:nvPr>
+        </p:nvSpPr>
+        <p:spPr/>
+        <p:txBody>
+          <a:bodyPr/>
+          <a:lstStyle/>
+          <a:p>
+            <a:r>
+              <a:rPr lang="en-US" dirty="0"/>
+              <a:t>DATA OBSERVATIONS</a:t>
+            </a:r>
+          </a:p>
+        </p:txBody>
+      </p:sp>
+      <p:sp>
+        <p:nvSpPr>
+          <p:cNvPr id="3" name="Content Placeholder 2">
+            <a:extLst>
+              <a:ext uri="{FF2B5EF4-FFF2-40B4-BE49-F238E27FC236}">
+                <a16:creationId xmlns:a16="http://schemas.microsoft.com/office/drawing/2014/main" id="{A80CE486-67B7-0A4F-B2AC-1AF3D0023685}"/>
+              </a:ext>
+            </a:extLst>
+          </p:cNvPr>
+          <p:cNvSpPr>
+            <a:spLocks noGrp="1"/>
+          </p:cNvSpPr>
+          <p:nvPr>
+            <p:ph idx="1"/>
+          </p:nvPr>
+        </p:nvSpPr>
+        <p:spPr/>
+        <p:txBody>
+          <a:bodyPr/>
+          <a:lstStyle/>
+          <a:p>
+            <a:endParaRPr lang="en-US" dirty="0"/>
+          </a:p>
+        </p:txBody>
+      </p:sp>
+      <p:pic>
+        <p:nvPicPr>
+          <p:cNvPr id="8" name="Picture 7" descr="Graphical user interface, application&#10;&#10;Description automatically generated">
+            <a:extLst>
+              <a:ext uri="{FF2B5EF4-FFF2-40B4-BE49-F238E27FC236}">
+                <a16:creationId xmlns:a16="http://schemas.microsoft.com/office/drawing/2014/main" id="{8206EFB3-68E4-954C-8C96-E5F66154A2DA}"/>
+              </a:ext>
+            </a:extLst>
+          </p:cNvPr>
+          <p:cNvPicPr>
+            <a:picLocks noChangeAspect="1"/>
+          </p:cNvPicPr>
+          <p:nvPr/>
+        </p:nvPicPr>
+        <p:blipFill>
+          <a:blip r:embed="rId2"/>
+          <a:stretch>
+            <a:fillRect/>
+          </a:stretch>
+        </p:blipFill>
+        <p:spPr>
+          <a:xfrm>
+            <a:off x="665408" y="1690688"/>
+            <a:ext cx="5430592" cy="3429000"/>
           </a:xfrm>
           <a:prstGeom prst="rect">
             <a:avLst/>
@@ -4506,7 +5168,25 @@
             <a:pPr marL="0" indent="0">
               <a:buNone/>
             </a:pPr>
+            <a:r>
+              <a:rPr lang="en-US" sz="1500" dirty="0"/>
+              <a:t>Most common fail reasons</a:t>
+            </a:r>
+          </a:p>
+          <a:p>
+            <a:pPr marL="0" indent="0">
+              <a:buNone/>
+            </a:pPr>
             <a:endParaRPr lang="en-US" sz="1500" dirty="0"/>
+          </a:p>
+          <a:p>
+            <a:pPr marL="0" indent="0">
+              <a:buNone/>
+            </a:pPr>
+            <a:r>
+              <a:rPr lang="en-US" sz="1500" dirty="0"/>
+              <a:t>List of codes</a:t>
+            </a:r>
           </a:p>
         </p:txBody>
       </p:sp>
@@ -4545,7 +5225,7 @@
           <p:cNvPr id="2" name="Title 1">
             <a:extLst>
               <a:ext uri="{FF2B5EF4-FFF2-40B4-BE49-F238E27FC236}">
-                <a16:creationId xmlns:a16="http://schemas.microsoft.com/office/drawing/2014/main" id="{E2C4F516-5BF1-E348-8DBC-EE143C099E3E}"/>
+                <a16:creationId xmlns:a16="http://schemas.microsoft.com/office/drawing/2014/main" id="{D7FC21B0-D9F2-CA48-BE37-B0C7B5AE9F8B}"/>
               </a:ext>
             </a:extLst>
           </p:cNvPr>
@@ -4556,24 +5236,29 @@
             <p:ph type="title"/>
           </p:nvPr>
         </p:nvSpPr>
-        <p:spPr/>
+        <p:spPr>
+          <a:xfrm>
+            <a:off x="838200" y="365125"/>
+            <a:ext cx="10515600" cy="1325563"/>
+          </a:xfrm>
+        </p:spPr>
         <p:txBody>
           <a:bodyPr/>
           <a:lstStyle/>
           <a:p>
             <a:r>
               <a:rPr lang="en-US" dirty="0"/>
-              <a:t>03 NATURAL LANGUAGE PROCESSING</a:t>
-            </a:r>
-          </a:p>
-        </p:txBody>
-      </p:sp>
-      <p:sp>
-        <p:nvSpPr>
-          <p:cNvPr id="3" name="Content Placeholder 2">
-            <a:extLst>
-              <a:ext uri="{FF2B5EF4-FFF2-40B4-BE49-F238E27FC236}">
-                <a16:creationId xmlns:a16="http://schemas.microsoft.com/office/drawing/2014/main" id="{729AFA1D-9DCF-BC45-94B8-79AC3F7D7B2C}"/>
+              <a:t>INSPECTIONS DATA [observations]</a:t>
+            </a:r>
+          </a:p>
+        </p:txBody>
+      </p:sp>
+      <p:sp>
+        <p:nvSpPr>
+          <p:cNvPr id="10" name="Content Placeholder 9">
+            <a:extLst>
+              <a:ext uri="{FF2B5EF4-FFF2-40B4-BE49-F238E27FC236}">
+                <a16:creationId xmlns:a16="http://schemas.microsoft.com/office/drawing/2014/main" id="{27BFF577-4595-7542-A1A9-80D811E3F259}"/>
               </a:ext>
             </a:extLst>
           </p:cNvPr>
@@ -4584,46 +5269,104 @@
             <p:ph idx="1"/>
           </p:nvPr>
         </p:nvSpPr>
-        <p:spPr/>
-        <p:txBody>
-          <a:bodyPr/>
-          <a:lstStyle/>
-          <a:p>
-            <a:r>
-              <a:rPr lang="en-US" dirty="0"/>
-              <a:t>Talk about some of the ways the text is processed</a:t>
-            </a:r>
-          </a:p>
-          <a:p>
-            <a:r>
-              <a:rPr lang="en-US" dirty="0"/>
-              <a:t>Regex</a:t>
-            </a:r>
-          </a:p>
-          <a:p>
-            <a:r>
-              <a:rPr lang="en-US" dirty="0"/>
-              <a:t>Lemmatization</a:t>
-            </a:r>
-          </a:p>
-          <a:p>
-            <a:r>
-              <a:rPr lang="en-US" dirty="0"/>
-              <a:t>Tokenization</a:t>
-            </a:r>
-          </a:p>
-          <a:p>
-            <a:endParaRPr lang="en-US" dirty="0"/>
-          </a:p>
-          <a:p>
-            <a:endParaRPr lang="en-US" dirty="0"/>
-          </a:p>
-        </p:txBody>
-      </p:sp>
+        <p:spPr>
+          <a:xfrm>
+            <a:off x="838200" y="1825625"/>
+            <a:ext cx="4807226" cy="4351338"/>
+          </a:xfrm>
+        </p:spPr>
+        <p:txBody>
+          <a:bodyPr>
+            <a:normAutofit/>
+          </a:bodyPr>
+          <a:lstStyle/>
+          <a:p>
+            <a:pPr marL="0" indent="0">
+              <a:buNone/>
+            </a:pPr>
+            <a:r>
+              <a:rPr lang="en-US" sz="2000" dirty="0"/>
+              <a:t>Total number of inspections, through September of all years, are down in 2020.</a:t>
+            </a:r>
+          </a:p>
+          <a:p>
+            <a:pPr marL="0" indent="0">
+              <a:buNone/>
+            </a:pPr>
+            <a:endParaRPr lang="en-US" sz="2000" dirty="0"/>
+          </a:p>
+          <a:p>
+            <a:pPr marL="0" indent="0">
+              <a:buNone/>
+            </a:pPr>
+            <a:r>
+              <a:rPr lang="en-US" sz="2000" dirty="0"/>
+              <a:t>Inspections peaked in 2016.</a:t>
+            </a:r>
+          </a:p>
+          <a:p>
+            <a:pPr marL="0" indent="0">
+              <a:buNone/>
+            </a:pPr>
+            <a:endParaRPr lang="en-US" sz="2000" dirty="0"/>
+          </a:p>
+          <a:p>
+            <a:pPr marL="0" indent="0">
+              <a:buNone/>
+            </a:pPr>
+            <a:r>
+              <a:rPr lang="en-US" sz="2000" dirty="0"/>
+              <a:t>Significantly more ”pass with conditions” results in 2019 than other years</a:t>
+            </a:r>
+          </a:p>
+          <a:p>
+            <a:endParaRPr lang="en-US" sz="2000" dirty="0"/>
+          </a:p>
+          <a:p>
+            <a:endParaRPr lang="en-US" sz="2000" dirty="0"/>
+          </a:p>
+        </p:txBody>
+      </p:sp>
+      <p:pic>
+        <p:nvPicPr>
+          <p:cNvPr id="8" name="slide5" descr="Year (Through September)">
+            <a:extLst>
+              <a:ext uri="{FF2B5EF4-FFF2-40B4-BE49-F238E27FC236}">
+                <a16:creationId xmlns:a16="http://schemas.microsoft.com/office/drawing/2014/main" id="{6C7D0847-D7E9-8A43-A78E-1A12F26A48B1}"/>
+              </a:ext>
+            </a:extLst>
+          </p:cNvPr>
+          <p:cNvPicPr>
+            <a:picLocks noChangeAspect="1"/>
+          </p:cNvPicPr>
+          <p:nvPr/>
+        </p:nvPicPr>
+        <p:blipFill>
+          <a:blip r:embed="rId2">
+            <a:extLst>
+              <a:ext uri="{28A0092B-C50C-407E-A947-70E740481C1C}">
+                <a14:useLocalDpi xmlns:a14="http://schemas.microsoft.com/office/drawing/2010/main" val="0"/>
+              </a:ext>
+            </a:extLst>
+          </a:blip>
+          <a:stretch>
+            <a:fillRect/>
+          </a:stretch>
+        </p:blipFill>
+        <p:spPr>
+          <a:xfrm>
+            <a:off x="6096000" y="1457738"/>
+            <a:ext cx="6013174" cy="4769607"/>
+          </a:xfrm>
+          <a:prstGeom prst="rect">
+            <a:avLst/>
+          </a:prstGeom>
+        </p:spPr>
+      </p:pic>
     </p:spTree>
     <p:extLst>
       <p:ext uri="{BB962C8B-B14F-4D97-AF65-F5344CB8AC3E}">
-        <p14:creationId xmlns:p14="http://schemas.microsoft.com/office/powerpoint/2010/main" val="1828657926"/>
+        <p14:creationId xmlns:p14="http://schemas.microsoft.com/office/powerpoint/2010/main" val="704444123"/>
       </p:ext>
     </p:extLst>
   </p:cSld>
@@ -4655,7 +5398,7 @@
           <p:cNvPr id="2" name="Title 1">
             <a:extLst>
               <a:ext uri="{FF2B5EF4-FFF2-40B4-BE49-F238E27FC236}">
-                <a16:creationId xmlns:a16="http://schemas.microsoft.com/office/drawing/2014/main" id="{B3B1DFEA-7CDA-9C43-8F18-DA6A29B0D8D3}"/>
+                <a16:creationId xmlns:a16="http://schemas.microsoft.com/office/drawing/2014/main" id="{4C5F6680-0E77-DC4C-85D7-7CFBC475872C}"/>
               </a:ext>
             </a:extLst>
           </p:cNvPr>
@@ -4672,22 +5415,139 @@
           <a:lstStyle/>
           <a:p>
             <a:r>
+              <a:rPr lang="en-US" dirty="0"/>
+              <a:t>INSPECTIONS DATA [observations]</a:t>
+            </a:r>
+          </a:p>
+        </p:txBody>
+      </p:sp>
+      <p:sp>
+        <p:nvSpPr>
+          <p:cNvPr id="8" name="TextBox 7">
+            <a:extLst>
+              <a:ext uri="{FF2B5EF4-FFF2-40B4-BE49-F238E27FC236}">
+                <a16:creationId xmlns:a16="http://schemas.microsoft.com/office/drawing/2014/main" id="{64DC0392-2707-3C42-B5B1-E13ADCD7EAC5}"/>
+              </a:ext>
+            </a:extLst>
+          </p:cNvPr>
+          <p:cNvSpPr txBox="1"/>
+          <p:nvPr/>
+        </p:nvSpPr>
+        <p:spPr>
+          <a:xfrm>
+            <a:off x="357809" y="1484243"/>
+            <a:ext cx="2981739" cy="369332"/>
+          </a:xfrm>
+          <a:prstGeom prst="rect">
+            <a:avLst/>
+          </a:prstGeom>
+          <a:noFill/>
+          <a:ln>
+            <a:solidFill>
+              <a:schemeClr val="accent1">
+                <a:shade val="50000"/>
+              </a:schemeClr>
+            </a:solidFill>
+          </a:ln>
+        </p:spPr>
+        <p:txBody>
+          <a:bodyPr wrap="square" rtlCol="0">
+            <a:spAutoFit/>
+          </a:bodyPr>
+          <a:lstStyle/>
+          <a:p>
+            <a:pPr algn="ctr"/>
+            <a:r>
               <a:rPr lang="en-US" b="1" dirty="0"/>
-              <a:t>04</a:t>
-            </a:r>
-            <a:r>
-              <a:rPr lang="en-US" dirty="0"/>
-              <a:t> MODEL OVERVIEW</a:t>
-            </a:r>
-          </a:p>
-        </p:txBody>
-      </p:sp>
-      <p:sp>
-        <p:nvSpPr>
-          <p:cNvPr id="9" name="Content Placeholder 8">
-            <a:extLst>
-              <a:ext uri="{FF2B5EF4-FFF2-40B4-BE49-F238E27FC236}">
-                <a16:creationId xmlns:a16="http://schemas.microsoft.com/office/drawing/2014/main" id="{3019DD5B-2701-3247-8E19-CF12DCDD7AA9}"/>
+              <a:t>ZIP Codes</a:t>
+            </a:r>
+          </a:p>
+        </p:txBody>
+      </p:sp>
+      <p:sp>
+        <p:nvSpPr>
+          <p:cNvPr id="12" name="TextBox 11">
+            <a:extLst>
+              <a:ext uri="{FF2B5EF4-FFF2-40B4-BE49-F238E27FC236}">
+                <a16:creationId xmlns:a16="http://schemas.microsoft.com/office/drawing/2014/main" id="{41AA7CB3-A69D-294B-8749-E58D75ADCA8B}"/>
+              </a:ext>
+            </a:extLst>
+          </p:cNvPr>
+          <p:cNvSpPr txBox="1"/>
+          <p:nvPr/>
+        </p:nvSpPr>
+        <p:spPr>
+          <a:xfrm>
+            <a:off x="6393954" y="1506022"/>
+            <a:ext cx="3640077" cy="369332"/>
+          </a:xfrm>
+          <a:prstGeom prst="rect">
+            <a:avLst/>
+          </a:prstGeom>
+          <a:noFill/>
+          <a:ln>
+            <a:solidFill>
+              <a:schemeClr val="accent1">
+                <a:shade val="50000"/>
+              </a:schemeClr>
+            </a:solidFill>
+          </a:ln>
+        </p:spPr>
+        <p:txBody>
+          <a:bodyPr wrap="square" rtlCol="0">
+            <a:spAutoFit/>
+          </a:bodyPr>
+          <a:lstStyle/>
+          <a:p>
+            <a:pPr algn="ctr"/>
+            <a:r>
+              <a:rPr lang="en-US" b="1" dirty="0"/>
+              <a:t>Low/Medium/High Risk by Year</a:t>
+            </a:r>
+          </a:p>
+        </p:txBody>
+      </p:sp>
+      <p:pic>
+        <p:nvPicPr>
+          <p:cNvPr id="13" name="slide2" descr="Sheet 2">
+            <a:extLst>
+              <a:ext uri="{FF2B5EF4-FFF2-40B4-BE49-F238E27FC236}">
+                <a16:creationId xmlns:a16="http://schemas.microsoft.com/office/drawing/2014/main" id="{07CDED29-CD6A-8B4F-ACB9-42B7490FFB2E}"/>
+              </a:ext>
+            </a:extLst>
+          </p:cNvPr>
+          <p:cNvPicPr>
+            <a:picLocks noChangeAspect="1"/>
+          </p:cNvPicPr>
+          <p:nvPr/>
+        </p:nvPicPr>
+        <p:blipFill rotWithShape="1">
+          <a:blip r:embed="rId3">
+            <a:extLst>
+              <a:ext uri="{28A0092B-C50C-407E-A947-70E740481C1C}">
+                <a14:useLocalDpi xmlns:a14="http://schemas.microsoft.com/office/drawing/2010/main" val="0"/>
+              </a:ext>
+            </a:extLst>
+          </a:blip>
+          <a:srcRect t="4603" b="8427"/>
+          <a:stretch/>
+        </p:blipFill>
+        <p:spPr>
+          <a:xfrm>
+            <a:off x="4023391" y="2133600"/>
+            <a:ext cx="8381205" cy="4544805"/>
+          </a:xfrm>
+          <a:prstGeom prst="rect">
+            <a:avLst/>
+          </a:prstGeom>
+        </p:spPr>
+      </p:pic>
+      <p:sp>
+        <p:nvSpPr>
+          <p:cNvPr id="15" name="Content Placeholder 14">
+            <a:extLst>
+              <a:ext uri="{FF2B5EF4-FFF2-40B4-BE49-F238E27FC236}">
+                <a16:creationId xmlns:a16="http://schemas.microsoft.com/office/drawing/2014/main" id="{22B71E9A-728B-284B-841A-5200DC365665}"/>
               </a:ext>
             </a:extLst>
           </p:cNvPr>
@@ -4703,35 +5563,14 @@
           <a:bodyPr/>
           <a:lstStyle/>
           <a:p>
-            <a:r>
-              <a:rPr lang="en-US" dirty="0"/>
-              <a:t>Naïve Bayes, Logistic Regression, Support Vector Machine</a:t>
-            </a:r>
-          </a:p>
-          <a:p>
-            <a:r>
-              <a:rPr lang="en-US" dirty="0"/>
-              <a:t>Strengths and weaknesses of each?</a:t>
-            </a:r>
-          </a:p>
-          <a:p>
-            <a:r>
-              <a:rPr lang="en-US" dirty="0"/>
-              <a:t>Parameter overview</a:t>
-            </a:r>
-          </a:p>
-          <a:p>
-            <a:r>
-              <a:rPr lang="en-US" dirty="0"/>
-              <a:t>Best Performing Model Logistic Regression</a:t>
-            </a:r>
+            <a:endParaRPr lang="en-US"/>
           </a:p>
         </p:txBody>
       </p:sp>
     </p:spTree>
     <p:extLst>
       <p:ext uri="{BB962C8B-B14F-4D97-AF65-F5344CB8AC3E}">
-        <p14:creationId xmlns:p14="http://schemas.microsoft.com/office/powerpoint/2010/main" val="2606899608"/>
+        <p14:creationId xmlns:p14="http://schemas.microsoft.com/office/powerpoint/2010/main" val="1381573681"/>
       </p:ext>
     </p:extLst>
   </p:cSld>
@@ -4763,7 +5602,7 @@
           <p:cNvPr id="2" name="Title 1">
             <a:extLst>
               <a:ext uri="{FF2B5EF4-FFF2-40B4-BE49-F238E27FC236}">
-                <a16:creationId xmlns:a16="http://schemas.microsoft.com/office/drawing/2014/main" id="{DCFC2AC7-17D6-E04C-85A8-5E0AE978AB68}"/>
+                <a16:creationId xmlns:a16="http://schemas.microsoft.com/office/drawing/2014/main" id="{0943A42F-4F3D-5A47-9333-9521E27EAD40}"/>
               </a:ext>
             </a:extLst>
           </p:cNvPr>
@@ -4780,229 +5619,18 @@
           <a:lstStyle/>
           <a:p>
             <a:r>
-              <a:rPr lang="en-US" b="1" dirty="0"/>
-              <a:t>05 </a:t>
-            </a:r>
-            <a:r>
               <a:rPr lang="en-US" dirty="0"/>
-              <a:t>MODEL COMPARISON [baseline]</a:t>
-            </a:r>
-          </a:p>
-        </p:txBody>
-      </p:sp>
-      <p:sp>
-        <p:nvSpPr>
-          <p:cNvPr id="10" name="TextBox 9">
-            <a:extLst>
-              <a:ext uri="{FF2B5EF4-FFF2-40B4-BE49-F238E27FC236}">
-                <a16:creationId xmlns:a16="http://schemas.microsoft.com/office/drawing/2014/main" id="{581812EE-A15B-0D40-BD24-C1BD3AD9A7CD}"/>
-              </a:ext>
-            </a:extLst>
-          </p:cNvPr>
-          <p:cNvSpPr txBox="1"/>
-          <p:nvPr/>
-        </p:nvSpPr>
-        <p:spPr>
-          <a:xfrm>
-            <a:off x="513441" y="1423161"/>
-            <a:ext cx="3200400" cy="400110"/>
-          </a:xfrm>
-          <a:prstGeom prst="rect">
-            <a:avLst/>
-          </a:prstGeom>
-          <a:solidFill>
-            <a:schemeClr val="bg2">
-              <a:lumMod val="90000"/>
-            </a:schemeClr>
-          </a:solidFill>
-        </p:spPr>
-        <p:txBody>
-          <a:bodyPr wrap="square" rtlCol="0">
-            <a:spAutoFit/>
-          </a:bodyPr>
-          <a:lstStyle/>
-          <a:p>
-            <a:pPr algn="ctr"/>
-            <a:r>
-              <a:rPr lang="en-US" sz="2000" b="1" dirty="0"/>
-              <a:t>Naïve Bayes</a:t>
-            </a:r>
-          </a:p>
-        </p:txBody>
-      </p:sp>
-      <p:sp>
-        <p:nvSpPr>
-          <p:cNvPr id="11" name="TextBox 10">
-            <a:extLst>
-              <a:ext uri="{FF2B5EF4-FFF2-40B4-BE49-F238E27FC236}">
-                <a16:creationId xmlns:a16="http://schemas.microsoft.com/office/drawing/2014/main" id="{D91ACB00-FA4F-7247-8AF6-45CA3A33F527}"/>
-              </a:ext>
-            </a:extLst>
-          </p:cNvPr>
-          <p:cNvSpPr txBox="1"/>
-          <p:nvPr/>
-        </p:nvSpPr>
-        <p:spPr>
-          <a:xfrm>
-            <a:off x="8563509" y="1423161"/>
-            <a:ext cx="3200400" cy="400110"/>
-          </a:xfrm>
-          <a:prstGeom prst="rect">
-            <a:avLst/>
-          </a:prstGeom>
-          <a:solidFill>
-            <a:schemeClr val="bg2">
-              <a:lumMod val="90000"/>
-            </a:schemeClr>
-          </a:solidFill>
-        </p:spPr>
-        <p:txBody>
-          <a:bodyPr wrap="square" rtlCol="0">
-            <a:spAutoFit/>
-          </a:bodyPr>
-          <a:lstStyle/>
-          <a:p>
-            <a:pPr algn="ctr"/>
-            <a:r>
-              <a:rPr lang="en-US" sz="2000" b="1" dirty="0"/>
-              <a:t>Logistic Regression</a:t>
-            </a:r>
-          </a:p>
-        </p:txBody>
-      </p:sp>
-      <p:sp>
-        <p:nvSpPr>
-          <p:cNvPr id="12" name="TextBox 11">
-            <a:extLst>
-              <a:ext uri="{FF2B5EF4-FFF2-40B4-BE49-F238E27FC236}">
-                <a16:creationId xmlns:a16="http://schemas.microsoft.com/office/drawing/2014/main" id="{8CD01200-D758-7F42-8698-85BD5D847EA8}"/>
-              </a:ext>
-            </a:extLst>
-          </p:cNvPr>
-          <p:cNvSpPr txBox="1"/>
-          <p:nvPr/>
-        </p:nvSpPr>
-        <p:spPr>
-          <a:xfrm>
-            <a:off x="4495800" y="1423161"/>
-            <a:ext cx="3200400" cy="402336"/>
-          </a:xfrm>
-          <a:prstGeom prst="rect">
-            <a:avLst/>
-          </a:prstGeom>
-          <a:solidFill>
-            <a:schemeClr val="bg2">
-              <a:lumMod val="90000"/>
-            </a:schemeClr>
-          </a:solidFill>
-        </p:spPr>
-        <p:txBody>
-          <a:bodyPr wrap="square" rtlCol="0">
-            <a:spAutoFit/>
-          </a:bodyPr>
-          <a:lstStyle/>
-          <a:p>
-            <a:pPr algn="ctr"/>
-            <a:r>
-              <a:rPr lang="en-US" sz="2000" b="1" dirty="0"/>
-              <a:t>Support Vector Machines</a:t>
-            </a:r>
-          </a:p>
-        </p:txBody>
-      </p:sp>
-      <p:sp>
-        <p:nvSpPr>
-          <p:cNvPr id="13" name="TextBox 12">
-            <a:extLst>
-              <a:ext uri="{FF2B5EF4-FFF2-40B4-BE49-F238E27FC236}">
-                <a16:creationId xmlns:a16="http://schemas.microsoft.com/office/drawing/2014/main" id="{6A6D7E2E-3819-F742-A043-F81AABC7C3C4}"/>
-              </a:ext>
-            </a:extLst>
-          </p:cNvPr>
-          <p:cNvSpPr txBox="1"/>
-          <p:nvPr/>
-        </p:nvSpPr>
-        <p:spPr>
-          <a:xfrm>
-            <a:off x="449187" y="3771413"/>
-            <a:ext cx="11293625" cy="2308324"/>
-          </a:xfrm>
-          <a:prstGeom prst="rect">
-            <a:avLst/>
-          </a:prstGeom>
-          <a:noFill/>
-        </p:spPr>
-        <p:txBody>
-          <a:bodyPr wrap="square" rtlCol="0">
-            <a:spAutoFit/>
-          </a:bodyPr>
-          <a:lstStyle/>
-          <a:p>
-            <a:endParaRPr lang="en-US" sz="1600" dirty="0"/>
-          </a:p>
-          <a:p>
-            <a:r>
-              <a:rPr lang="en-US" sz="1600" dirty="0"/>
-              <a:t>Best performing model: </a:t>
-            </a:r>
-            <a:r>
-              <a:rPr lang="en-US" sz="1600" b="1" dirty="0"/>
-              <a:t>Logistic Regression</a:t>
-            </a:r>
-          </a:p>
-          <a:p>
-            <a:endParaRPr lang="en-US" sz="1600" b="1" dirty="0"/>
-          </a:p>
-          <a:p>
-            <a:r>
-              <a:rPr lang="en-US" sz="1600" b="1" dirty="0"/>
-              <a:t>Precision</a:t>
-            </a:r>
-            <a:r>
-              <a:rPr lang="en-US" sz="1600" dirty="0"/>
-              <a:t> = 0.92; [i.e. what proportion of predictions for a class are true?]</a:t>
-            </a:r>
-          </a:p>
-          <a:p>
-            <a:r>
-              <a:rPr lang="en-US" sz="1600" b="1" dirty="0"/>
-              <a:t>Recall</a:t>
-            </a:r>
-            <a:r>
-              <a:rPr lang="en-US" sz="1600" dirty="0"/>
-              <a:t> = 0.92; [i.e. what proportion of an actual class are correctly classified?]</a:t>
-            </a:r>
-          </a:p>
-          <a:p>
-            <a:r>
-              <a:rPr lang="en-US" sz="1600" b="1" dirty="0"/>
-              <a:t>Accuracy</a:t>
-            </a:r>
-            <a:r>
-              <a:rPr lang="en-US" sz="1600" dirty="0"/>
-              <a:t> = 0.92; [i.e. what proportion of all classes are correctly classified?]</a:t>
-            </a:r>
-          </a:p>
-          <a:p>
-            <a:endParaRPr lang="en-US" sz="1600" dirty="0"/>
-          </a:p>
-          <a:p>
-            <a:r>
-              <a:rPr lang="en-US" sz="1600" dirty="0"/>
-              <a:t>Some signs of potential overfitting. Training set accuracy of 97%</a:t>
-            </a:r>
-          </a:p>
-          <a:p>
-            <a:endParaRPr lang="en-US" sz="1600" dirty="0"/>
+              <a:t>INSPECTIONS DATA [observations]</a:t>
+            </a:r>
           </a:p>
         </p:txBody>
       </p:sp>
       <p:pic>
         <p:nvPicPr>
-          <p:cNvPr id="6" name="Picture 5" descr="Screen of a cell phone&#10;&#10;Description automatically generated">
-            <a:extLst>
-              <a:ext uri="{FF2B5EF4-FFF2-40B4-BE49-F238E27FC236}">
-                <a16:creationId xmlns:a16="http://schemas.microsoft.com/office/drawing/2014/main" id="{1132CFDC-5F3B-9945-806E-CD32CBD64441}"/>
+          <p:cNvPr id="4" name="slide2" descr="2019 Facility Type">
+            <a:extLst>
+              <a:ext uri="{FF2B5EF4-FFF2-40B4-BE49-F238E27FC236}">
+                <a16:creationId xmlns:a16="http://schemas.microsoft.com/office/drawing/2014/main" id="{603F9F40-3D48-B341-B1C6-1EB7F168BD44}"/>
               </a:ext>
             </a:extLst>
           </p:cNvPr>
@@ -5011,36 +5639,40 @@
           </p:cNvPicPr>
           <p:nvPr/>
         </p:nvPicPr>
-        <p:blipFill>
-          <a:blip r:embed="rId2"/>
-          <a:stretch>
-            <a:fillRect/>
-          </a:stretch>
+        <p:blipFill rotWithShape="1">
+          <a:blip r:embed="rId2">
+            <a:extLst>
+              <a:ext uri="{28A0092B-C50C-407E-A947-70E740481C1C}">
+                <a14:useLocalDpi xmlns:a14="http://schemas.microsoft.com/office/drawing/2010/main" val="0"/>
+              </a:ext>
+            </a:extLst>
+          </a:blip>
+          <a:srcRect t="4835"/>
+          <a:stretch/>
         </p:blipFill>
         <p:spPr>
           <a:xfrm>
-            <a:off x="151366" y="1912725"/>
-            <a:ext cx="3753850" cy="1828800"/>
+            <a:off x="280505" y="1419502"/>
+            <a:ext cx="6133547" cy="5258905"/>
           </a:xfrm>
           <a:prstGeom prst="rect">
             <a:avLst/>
           </a:prstGeom>
           <a:effectLst>
-            <a:glow rad="101600">
-              <a:schemeClr val="accent3">
-                <a:satMod val="175000"/>
+            <a:outerShdw blurRad="63500" sx="102000" sy="102000" algn="ctr" rotWithShape="0">
+              <a:prstClr val="black">
                 <a:alpha val="40000"/>
-              </a:schemeClr>
-            </a:glow>
+              </a:prstClr>
+            </a:outerShdw>
           </a:effectLst>
         </p:spPr>
       </p:pic>
       <p:pic>
         <p:nvPicPr>
-          <p:cNvPr id="16" name="Content Placeholder 15" descr="Screen of a cell phone&#10;&#10;Description automatically generated">
-            <a:extLst>
-              <a:ext uri="{FF2B5EF4-FFF2-40B4-BE49-F238E27FC236}">
-                <a16:creationId xmlns:a16="http://schemas.microsoft.com/office/drawing/2014/main" id="{FDD038B5-7E20-0843-BEA8-0FEEE5817594}"/>
+          <p:cNvPr id="12" name="Content Placeholder 11" descr="Map&#10;&#10;Description automatically generated">
+            <a:extLst>
+              <a:ext uri="{FF2B5EF4-FFF2-40B4-BE49-F238E27FC236}">
+                <a16:creationId xmlns:a16="http://schemas.microsoft.com/office/drawing/2014/main" id="{7AC28E83-BC18-8045-8938-EA0668549232}"/>
               </a:ext>
             </a:extLst>
           </p:cNvPr>
@@ -5059,139 +5691,253 @@
         </p:blipFill>
         <p:spPr>
           <a:xfrm>
-            <a:off x="4219075" y="1912725"/>
-            <a:ext cx="3753850" cy="1828800"/>
+            <a:off x="7409068" y="1880774"/>
+            <a:ext cx="3569237" cy="4836355"/>
           </a:xfrm>
           <a:effectLst>
-            <a:glow rad="101600">
-              <a:schemeClr val="accent3">
-                <a:satMod val="175000"/>
+            <a:outerShdw blurRad="63500" sx="102000" sy="102000" algn="ctr" rotWithShape="0">
+              <a:prstClr val="black">
                 <a:alpha val="40000"/>
-              </a:schemeClr>
-            </a:glow>
+              </a:prstClr>
+            </a:outerShdw>
           </a:effectLst>
         </p:spPr>
       </p:pic>
-      <p:pic>
-        <p:nvPicPr>
-          <p:cNvPr id="18" name="Picture 17" descr="Calendar&#10;&#10;Description automatically generated">
-            <a:extLst>
-              <a:ext uri="{FF2B5EF4-FFF2-40B4-BE49-F238E27FC236}">
-                <a16:creationId xmlns:a16="http://schemas.microsoft.com/office/drawing/2014/main" id="{E1EE538F-5D82-214C-90BD-54A388CFE201}"/>
-              </a:ext>
-            </a:extLst>
-          </p:cNvPr>
-          <p:cNvPicPr>
-            <a:picLocks noChangeAspect="1"/>
-          </p:cNvPicPr>
+      <p:sp>
+        <p:nvSpPr>
+          <p:cNvPr id="13" name="TextBox 12">
+            <a:extLst>
+              <a:ext uri="{FF2B5EF4-FFF2-40B4-BE49-F238E27FC236}">
+                <a16:creationId xmlns:a16="http://schemas.microsoft.com/office/drawing/2014/main" id="{62368794-4825-2843-AA8A-64506428FA9E}"/>
+              </a:ext>
+            </a:extLst>
+          </p:cNvPr>
+          <p:cNvSpPr txBox="1"/>
           <p:nvPr/>
-        </p:nvPicPr>
-        <p:blipFill>
-          <a:blip r:embed="rId4"/>
-          <a:stretch>
-            <a:fillRect/>
-          </a:stretch>
-        </p:blipFill>
+        </p:nvSpPr>
         <p:spPr>
           <a:xfrm>
-            <a:off x="8286784" y="1912725"/>
-            <a:ext cx="3753850" cy="1828800"/>
-          </a:xfrm>
-          <a:prstGeom prst="rect">
-            <a:avLst/>
-          </a:prstGeom>
-          <a:effectLst>
-            <a:glow rad="63500">
-              <a:schemeClr val="accent3">
-                <a:satMod val="175000"/>
-                <a:alpha val="40000"/>
-              </a:schemeClr>
-            </a:glow>
-          </a:effectLst>
-        </p:spPr>
-      </p:pic>
-      <p:pic>
-        <p:nvPicPr>
-          <p:cNvPr id="20" name="Picture 19" descr="Screen of a cell phone&#10;&#10;Description automatically generated">
-            <a:extLst>
-              <a:ext uri="{FF2B5EF4-FFF2-40B4-BE49-F238E27FC236}">
-                <a16:creationId xmlns:a16="http://schemas.microsoft.com/office/drawing/2014/main" id="{68412E2B-5F19-FA4B-96DD-B2EA5878667A}"/>
-              </a:ext>
-            </a:extLst>
-          </p:cNvPr>
-          <p:cNvPicPr>
-            <a:picLocks noChangeAspect="1"/>
-          </p:cNvPicPr>
-          <p:nvPr/>
-        </p:nvPicPr>
-        <p:blipFill>
-          <a:blip r:embed="rId5"/>
-          <a:stretch>
-            <a:fillRect/>
-          </a:stretch>
-        </p:blipFill>
-        <p:spPr>
-          <a:xfrm>
-            <a:off x="8286784" y="3993450"/>
-            <a:ext cx="3767328" cy="1828800"/>
-          </a:xfrm>
-          <a:prstGeom prst="rect">
-            <a:avLst/>
-          </a:prstGeom>
-        </p:spPr>
-      </p:pic>
-      <p:sp>
-        <p:nvSpPr>
-          <p:cNvPr id="21" name="Rectangle 20">
-            <a:extLst>
-              <a:ext uri="{FF2B5EF4-FFF2-40B4-BE49-F238E27FC236}">
-                <a16:creationId xmlns:a16="http://schemas.microsoft.com/office/drawing/2014/main" id="{3158C142-D59E-D243-A82A-6C20ED7D397E}"/>
-              </a:ext>
-            </a:extLst>
-          </p:cNvPr>
-          <p:cNvSpPr/>
-          <p:nvPr/>
-        </p:nvSpPr>
-        <p:spPr>
-          <a:xfrm>
-            <a:off x="8136836" y="1298713"/>
-            <a:ext cx="3998924" cy="4638261"/>
+            <a:off x="2411892" y="2828835"/>
+            <a:ext cx="2769707" cy="1200329"/>
           </a:xfrm>
           <a:prstGeom prst="rect">
             <a:avLst/>
           </a:prstGeom>
           <a:noFill/>
-          <a:ln w="34925"/>
+          <a:ln>
+            <a:solidFill>
+              <a:schemeClr val="tx1"/>
+            </a:solidFill>
+          </a:ln>
+        </p:spPr>
+        <p:txBody>
+          <a:bodyPr wrap="square" rtlCol="0">
+            <a:spAutoFit/>
+          </a:bodyPr>
+          <a:lstStyle/>
+          <a:p>
+            <a:pPr algn="ctr"/>
+            <a:r>
+              <a:rPr lang="en-US" sz="2400" dirty="0"/>
+              <a:t>Five most prevalent</a:t>
+            </a:r>
+          </a:p>
+          <a:p>
+            <a:pPr algn="ctr"/>
+            <a:r>
+              <a:rPr lang="en-US" sz="2400" dirty="0"/>
+              <a:t>types of facilities</a:t>
+            </a:r>
+          </a:p>
+          <a:p>
+            <a:pPr algn="ctr"/>
+            <a:r>
+              <a:rPr lang="en-US" sz="2400" dirty="0"/>
+              <a:t>in 2019</a:t>
+            </a:r>
+          </a:p>
+        </p:txBody>
+      </p:sp>
+      <p:sp>
+        <p:nvSpPr>
+          <p:cNvPr id="14" name="TextBox 13">
+            <a:extLst>
+              <a:ext uri="{FF2B5EF4-FFF2-40B4-BE49-F238E27FC236}">
+                <a16:creationId xmlns:a16="http://schemas.microsoft.com/office/drawing/2014/main" id="{D1E1CE6D-7F81-1948-BF29-9A5D44BB1FCB}"/>
+              </a:ext>
+            </a:extLst>
+          </p:cNvPr>
+          <p:cNvSpPr txBox="1"/>
+          <p:nvPr/>
+        </p:nvSpPr>
+        <p:spPr>
+          <a:xfrm>
+            <a:off x="10810459" y="4751012"/>
+            <a:ext cx="940905" cy="646331"/>
+          </a:xfrm>
+          <a:prstGeom prst="rect">
+            <a:avLst/>
+          </a:prstGeom>
+          <a:solidFill>
+            <a:schemeClr val="bg1"/>
+          </a:solidFill>
+          <a:ln>
+            <a:solidFill>
+              <a:schemeClr val="tx1"/>
+            </a:solidFill>
+          </a:ln>
+        </p:spPr>
+        <p:txBody>
+          <a:bodyPr wrap="square" rtlCol="0">
+            <a:spAutoFit/>
+          </a:bodyPr>
+          <a:lstStyle/>
+          <a:p>
+            <a:r>
+              <a:rPr lang="en-US" sz="1200" dirty="0"/>
+              <a:t>60647</a:t>
+            </a:r>
+          </a:p>
+          <a:p>
+            <a:r>
+              <a:rPr lang="en-US" sz="1200" dirty="0"/>
+              <a:t>678 distinct addresses</a:t>
+            </a:r>
+          </a:p>
+        </p:txBody>
+      </p:sp>
+      <p:cxnSp>
+        <p:nvCxnSpPr>
+          <p:cNvPr id="16" name="Straight Connector 15">
+            <a:extLst>
+              <a:ext uri="{FF2B5EF4-FFF2-40B4-BE49-F238E27FC236}">
+                <a16:creationId xmlns:a16="http://schemas.microsoft.com/office/drawing/2014/main" id="{84D88DF5-2C57-C641-B11A-20C723806C40}"/>
+              </a:ext>
+            </a:extLst>
+          </p:cNvPr>
+          <p:cNvCxnSpPr>
+            <a:cxnSpLocks/>
+            <a:endCxn id="14" idx="1"/>
+          </p:cNvCxnSpPr>
+          <p:nvPr/>
+        </p:nvCxnSpPr>
+        <p:spPr>
+          <a:xfrm>
+            <a:off x="10045147" y="4572000"/>
+            <a:ext cx="765312" cy="502178"/>
+          </a:xfrm>
+          <a:prstGeom prst="line">
+            <a:avLst/>
+          </a:prstGeom>
+          <a:ln>
+            <a:solidFill>
+              <a:schemeClr val="tx1"/>
+            </a:solidFill>
+          </a:ln>
         </p:spPr>
         <p:style>
-          <a:lnRef idx="2">
-            <a:schemeClr val="accent1">
-              <a:shade val="50000"/>
-            </a:schemeClr>
+          <a:lnRef idx="1">
+            <a:schemeClr val="accent1"/>
           </a:lnRef>
-          <a:fillRef idx="1">
+          <a:fillRef idx="0">
             <a:schemeClr val="accent1"/>
           </a:fillRef>
           <a:effectRef idx="0">
             <a:schemeClr val="accent1"/>
           </a:effectRef>
           <a:fontRef idx="minor">
-            <a:schemeClr val="lt1"/>
+            <a:schemeClr val="tx1"/>
           </a:fontRef>
         </p:style>
-        <p:txBody>
-          <a:bodyPr rtlCol="0" anchor="ctr"/>
+      </p:cxnSp>
+      <p:sp>
+        <p:nvSpPr>
+          <p:cNvPr id="21" name="TextBox 20">
+            <a:extLst>
+              <a:ext uri="{FF2B5EF4-FFF2-40B4-BE49-F238E27FC236}">
+                <a16:creationId xmlns:a16="http://schemas.microsoft.com/office/drawing/2014/main" id="{8F494CBB-73D4-2149-A3A3-440B3E91F0B8}"/>
+              </a:ext>
+            </a:extLst>
+          </p:cNvPr>
+          <p:cNvSpPr txBox="1"/>
+          <p:nvPr/>
+        </p:nvSpPr>
+        <p:spPr>
+          <a:xfrm>
+            <a:off x="7409068" y="1322158"/>
+            <a:ext cx="4173331" cy="430887"/>
+          </a:xfrm>
+          <a:prstGeom prst="rect">
+            <a:avLst/>
+          </a:prstGeom>
+          <a:noFill/>
+          <a:ln>
+            <a:solidFill>
+              <a:schemeClr val="tx1"/>
+            </a:solidFill>
+          </a:ln>
+        </p:spPr>
+        <p:txBody>
+          <a:bodyPr wrap="square" rtlCol="0">
+            <a:spAutoFit/>
+          </a:bodyPr>
           <a:lstStyle/>
           <a:p>
             <a:pPr algn="ctr"/>
-            <a:endParaRPr lang="en-US"/>
+            <a:r>
+              <a:rPr lang="en-US" sz="2200" dirty="0"/>
+              <a:t>2019 Most Popular Zip Codes</a:t>
+            </a:r>
+          </a:p>
+        </p:txBody>
+      </p:sp>
+      <p:sp>
+        <p:nvSpPr>
+          <p:cNvPr id="24" name="TextBox 23">
+            <a:extLst>
+              <a:ext uri="{FF2B5EF4-FFF2-40B4-BE49-F238E27FC236}">
+                <a16:creationId xmlns:a16="http://schemas.microsoft.com/office/drawing/2014/main" id="{99D2BFCA-7FBA-BE40-BEBE-28531C76B074}"/>
+              </a:ext>
+            </a:extLst>
+          </p:cNvPr>
+          <p:cNvSpPr txBox="1"/>
+          <p:nvPr/>
+        </p:nvSpPr>
+        <p:spPr>
+          <a:xfrm>
+            <a:off x="10260478" y="2865655"/>
+            <a:ext cx="1490886" cy="282786"/>
+          </a:xfrm>
+          <a:prstGeom prst="rect">
+            <a:avLst/>
+          </a:prstGeom>
+          <a:solidFill>
+            <a:schemeClr val="bg1"/>
+          </a:solidFill>
+          <a:ln>
+            <a:solidFill>
+              <a:schemeClr val="tx1"/>
+            </a:solidFill>
+          </a:ln>
+        </p:spPr>
+        <p:txBody>
+          <a:bodyPr wrap="square" rtlCol="0">
+            <a:spAutoFit/>
+          </a:bodyPr>
+          <a:lstStyle/>
+          <a:p>
+            <a:pPr algn="ctr"/>
+            <a:r>
+              <a:rPr lang="en-US" sz="1200" dirty="0"/>
+              <a:t>78 Unique Zip Codes</a:t>
+            </a:r>
           </a:p>
         </p:txBody>
       </p:sp>
     </p:spTree>
     <p:extLst>
       <p:ext uri="{BB962C8B-B14F-4D97-AF65-F5344CB8AC3E}">
-        <p14:creationId xmlns:p14="http://schemas.microsoft.com/office/powerpoint/2010/main" val="1698453878"/>
+        <p14:creationId xmlns:p14="http://schemas.microsoft.com/office/powerpoint/2010/main" val="3651927537"/>
       </p:ext>
     </p:extLst>
   </p:cSld>
@@ -5223,7 +5969,7 @@
           <p:cNvPr id="2" name="Title 1">
             <a:extLst>
               <a:ext uri="{FF2B5EF4-FFF2-40B4-BE49-F238E27FC236}">
-                <a16:creationId xmlns:a16="http://schemas.microsoft.com/office/drawing/2014/main" id="{D7FC21B0-D9F2-CA48-BE37-B0C7B5AE9F8B}"/>
+                <a16:creationId xmlns:a16="http://schemas.microsoft.com/office/drawing/2014/main" id="{E2C4F516-5BF1-E348-8DBC-EE143C099E3E}"/>
               </a:ext>
             </a:extLst>
           </p:cNvPr>
@@ -5241,7 +5987,7 @@
           <a:p>
             <a:r>
               <a:rPr lang="en-US" dirty="0"/>
-              <a:t>DATA OBSERVATIONS</a:t>
+              <a:t>03 NATURAL LANGUAGE PROCESSING</a:t>
             </a:r>
           </a:p>
         </p:txBody>
@@ -5251,7 +5997,7 @@
           <p:cNvPr id="3" name="Content Placeholder 2">
             <a:extLst>
               <a:ext uri="{FF2B5EF4-FFF2-40B4-BE49-F238E27FC236}">
-                <a16:creationId xmlns:a16="http://schemas.microsoft.com/office/drawing/2014/main" id="{A80CE486-67B7-0A4F-B2AC-1AF3D0023685}"/>
+                <a16:creationId xmlns:a16="http://schemas.microsoft.com/office/drawing/2014/main" id="{729AFA1D-9DCF-BC45-94B8-79AC3F7D7B2C}"/>
               </a:ext>
             </a:extLst>
           </p:cNvPr>
@@ -5267,104 +6013,41 @@
           <a:bodyPr/>
           <a:lstStyle/>
           <a:p>
+            <a:r>
+              <a:rPr lang="en-US" dirty="0"/>
+              <a:t>Talk about some of the ways the text is processed</a:t>
+            </a:r>
+          </a:p>
+          <a:p>
+            <a:r>
+              <a:rPr lang="en-US" dirty="0"/>
+              <a:t>Regex</a:t>
+            </a:r>
+          </a:p>
+          <a:p>
+            <a:r>
+              <a:rPr lang="en-US" dirty="0"/>
+              <a:t>Lemmatization</a:t>
+            </a:r>
+          </a:p>
+          <a:p>
+            <a:r>
+              <a:rPr lang="en-US" dirty="0"/>
+              <a:t>Tokenization</a:t>
+            </a:r>
+          </a:p>
+          <a:p>
             <a:endParaRPr lang="en-US" dirty="0"/>
           </a:p>
-        </p:txBody>
-      </p:sp>
-      <p:pic>
-        <p:nvPicPr>
-          <p:cNvPr id="4" name="Picture 3">
-            <a:extLst>
-              <a:ext uri="{FF2B5EF4-FFF2-40B4-BE49-F238E27FC236}">
-                <a16:creationId xmlns:a16="http://schemas.microsoft.com/office/drawing/2014/main" id="{8E2C2CC3-87DB-C943-994B-940A23AE07AB}"/>
-              </a:ext>
-            </a:extLst>
-          </p:cNvPr>
-          <p:cNvPicPr>
-            <a:picLocks noChangeAspect="1"/>
-          </p:cNvPicPr>
-          <p:nvPr/>
-        </p:nvPicPr>
-        <p:blipFill>
-          <a:blip r:embed="rId2"/>
-          <a:stretch>
-            <a:fillRect/>
-          </a:stretch>
-        </p:blipFill>
-        <p:spPr>
-          <a:xfrm>
-            <a:off x="943139" y="2535809"/>
-            <a:ext cx="2899775" cy="1986315"/>
-          </a:xfrm>
-          <a:prstGeom prst="rect">
-            <a:avLst/>
-          </a:prstGeom>
-        </p:spPr>
-      </p:pic>
-      <p:pic>
-        <p:nvPicPr>
-          <p:cNvPr id="6" name="Picture 5">
-            <a:extLst>
-              <a:ext uri="{FF2B5EF4-FFF2-40B4-BE49-F238E27FC236}">
-                <a16:creationId xmlns:a16="http://schemas.microsoft.com/office/drawing/2014/main" id="{CB36270F-5593-1047-9A3F-4160E4BF50DE}"/>
-              </a:ext>
-            </a:extLst>
-          </p:cNvPr>
-          <p:cNvPicPr>
-            <a:picLocks noChangeAspect="1"/>
-          </p:cNvPicPr>
-          <p:nvPr/>
-        </p:nvPicPr>
-        <p:blipFill>
-          <a:blip r:embed="rId3"/>
-          <a:stretch>
-            <a:fillRect/>
-          </a:stretch>
-        </p:blipFill>
-        <p:spPr>
-          <a:xfrm>
-            <a:off x="6793976" y="1901858"/>
-            <a:ext cx="2705100" cy="1962150"/>
-          </a:xfrm>
-          <a:prstGeom prst="rect">
-            <a:avLst/>
-          </a:prstGeom>
-        </p:spPr>
-      </p:pic>
-      <p:pic>
-        <p:nvPicPr>
-          <p:cNvPr id="7" name="Picture 6">
-            <a:extLst>
-              <a:ext uri="{FF2B5EF4-FFF2-40B4-BE49-F238E27FC236}">
-                <a16:creationId xmlns:a16="http://schemas.microsoft.com/office/drawing/2014/main" id="{7FCF21DD-DDE5-2C45-B4A9-FB617C391C2C}"/>
-              </a:ext>
-            </a:extLst>
-          </p:cNvPr>
-          <p:cNvPicPr>
-            <a:picLocks noChangeAspect="1"/>
-          </p:cNvPicPr>
-          <p:nvPr/>
-        </p:nvPicPr>
-        <p:blipFill>
-          <a:blip r:embed="rId4"/>
-          <a:stretch>
-            <a:fillRect/>
-          </a:stretch>
-        </p:blipFill>
-        <p:spPr>
-          <a:xfrm>
-            <a:off x="7017469" y="4240395"/>
-            <a:ext cx="2481607" cy="1825754"/>
-          </a:xfrm>
-          <a:prstGeom prst="rect">
-            <a:avLst/>
-          </a:prstGeom>
-        </p:spPr>
-      </p:pic>
+          <a:p>
+            <a:endParaRPr lang="en-US" dirty="0"/>
+          </a:p>
+        </p:txBody>
+      </p:sp>
     </p:spTree>
     <p:extLst>
       <p:ext uri="{BB962C8B-B14F-4D97-AF65-F5344CB8AC3E}">
-        <p14:creationId xmlns:p14="http://schemas.microsoft.com/office/powerpoint/2010/main" val="3457639052"/>
+        <p14:creationId xmlns:p14="http://schemas.microsoft.com/office/powerpoint/2010/main" val="1828657926"/>
       </p:ext>
     </p:extLst>
   </p:cSld>
@@ -5396,7 +6079,7 @@
           <p:cNvPr id="2" name="Title 1">
             <a:extLst>
               <a:ext uri="{FF2B5EF4-FFF2-40B4-BE49-F238E27FC236}">
-                <a16:creationId xmlns:a16="http://schemas.microsoft.com/office/drawing/2014/main" id="{D7FC21B0-D9F2-CA48-BE37-B0C7B5AE9F8B}"/>
+                <a16:creationId xmlns:a16="http://schemas.microsoft.com/office/drawing/2014/main" id="{B3B1DFEA-7CDA-9C43-8F18-DA6A29B0D8D3}"/>
               </a:ext>
             </a:extLst>
           </p:cNvPr>
@@ -5413,108 +6096,66 @@
           <a:lstStyle/>
           <a:p>
             <a:r>
+              <a:rPr lang="en-US" b="1" dirty="0"/>
+              <a:t>04</a:t>
+            </a:r>
+            <a:r>
               <a:rPr lang="en-US" dirty="0"/>
-              <a:t>INSPECTIONS DATA [observations]</a:t>
-            </a:r>
-          </a:p>
-        </p:txBody>
-      </p:sp>
-      <p:pic>
-        <p:nvPicPr>
-          <p:cNvPr id="8" name="slide5" descr="Year (Through September)">
-            <a:extLst>
-              <a:ext uri="{FF2B5EF4-FFF2-40B4-BE49-F238E27FC236}">
-                <a16:creationId xmlns:a16="http://schemas.microsoft.com/office/drawing/2014/main" id="{6C7D0847-D7E9-8A43-A78E-1A12F26A48B1}"/>
-              </a:ext>
-            </a:extLst>
-          </p:cNvPr>
-          <p:cNvPicPr>
-            <a:picLocks noChangeAspect="1"/>
-          </p:cNvPicPr>
-          <p:nvPr/>
-        </p:nvPicPr>
-        <p:blipFill>
-          <a:blip r:embed="rId2">
-            <a:extLst>
-              <a:ext uri="{28A0092B-C50C-407E-A947-70E740481C1C}">
-                <a14:useLocalDpi xmlns:a14="http://schemas.microsoft.com/office/drawing/2010/main" val="0"/>
-              </a:ext>
-            </a:extLst>
-          </a:blip>
-          <a:stretch>
-            <a:fillRect/>
-          </a:stretch>
-        </p:blipFill>
-        <p:spPr>
-          <a:xfrm>
-            <a:off x="347870" y="1723268"/>
-            <a:ext cx="6490252" cy="4769607"/>
-          </a:xfrm>
-          <a:prstGeom prst="rect">
-            <a:avLst/>
-          </a:prstGeom>
-        </p:spPr>
-      </p:pic>
-      <p:sp>
-        <p:nvSpPr>
-          <p:cNvPr id="5" name="TextBox 4">
-            <a:extLst>
-              <a:ext uri="{FF2B5EF4-FFF2-40B4-BE49-F238E27FC236}">
-                <a16:creationId xmlns:a16="http://schemas.microsoft.com/office/drawing/2014/main" id="{EB9FAA8D-1996-004C-9316-4C9D9842CF22}"/>
-              </a:ext>
-            </a:extLst>
-          </p:cNvPr>
-          <p:cNvSpPr txBox="1"/>
-          <p:nvPr/>
-        </p:nvSpPr>
-        <p:spPr>
-          <a:xfrm>
-            <a:off x="7063409" y="1457739"/>
-            <a:ext cx="4969565" cy="2308324"/>
-          </a:xfrm>
-          <a:prstGeom prst="rect">
-            <a:avLst/>
-          </a:prstGeom>
-          <a:noFill/>
-        </p:spPr>
-        <p:txBody>
-          <a:bodyPr wrap="square" rtlCol="0">
-            <a:spAutoFit/>
-          </a:bodyPr>
+              <a:t> MODEL OVERVIEW</a:t>
+            </a:r>
+          </a:p>
+        </p:txBody>
+      </p:sp>
+      <p:sp>
+        <p:nvSpPr>
+          <p:cNvPr id="9" name="Content Placeholder 8">
+            <a:extLst>
+              <a:ext uri="{FF2B5EF4-FFF2-40B4-BE49-F238E27FC236}">
+                <a16:creationId xmlns:a16="http://schemas.microsoft.com/office/drawing/2014/main" id="{3019DD5B-2701-3247-8E19-CF12DCDD7AA9}"/>
+              </a:ext>
+            </a:extLst>
+          </p:cNvPr>
+          <p:cNvSpPr>
+            <a:spLocks noGrp="1"/>
+          </p:cNvSpPr>
+          <p:nvPr>
+            <p:ph idx="1"/>
+          </p:nvPr>
+        </p:nvSpPr>
+        <p:spPr/>
+        <p:txBody>
+          <a:bodyPr/>
           <a:lstStyle/>
           <a:p>
             <a:r>
               <a:rPr lang="en-US" dirty="0"/>
-              <a:t>Total number of inspections, through September of all years, are down in 2020.</a:t>
-            </a:r>
-          </a:p>
-          <a:p>
-            <a:endParaRPr lang="en-US" dirty="0"/>
+              <a:t>Naïve Bayes, Logistic Regression, Support Vector Machine</a:t>
+            </a:r>
           </a:p>
           <a:p>
             <a:r>
               <a:rPr lang="en-US" dirty="0"/>
-              <a:t>Inspections peaked in 2016.</a:t>
-            </a:r>
-          </a:p>
-          <a:p>
-            <a:endParaRPr lang="en-US" dirty="0"/>
+              <a:t>Strengths and weaknesses of each?</a:t>
+            </a:r>
           </a:p>
           <a:p>
             <a:r>
               <a:rPr lang="en-US" dirty="0"/>
-              <a:t>Significantly more pass with conditions results in 2019</a:t>
-            </a:r>
-          </a:p>
-          <a:p>
-            <a:endParaRPr lang="en-US" dirty="0"/>
+              <a:t>Parameter overview</a:t>
+            </a:r>
+          </a:p>
+          <a:p>
+            <a:r>
+              <a:rPr lang="en-US" dirty="0"/>
+              <a:t>Best Performing Model Logistic Regression</a:t>
+            </a:r>
           </a:p>
         </p:txBody>
       </p:sp>
     </p:spTree>
     <p:extLst>
       <p:ext uri="{BB962C8B-B14F-4D97-AF65-F5344CB8AC3E}">
-        <p14:creationId xmlns:p14="http://schemas.microsoft.com/office/powerpoint/2010/main" val="704444123"/>
+        <p14:creationId xmlns:p14="http://schemas.microsoft.com/office/powerpoint/2010/main" val="2606899608"/>
       </p:ext>
     </p:extLst>
   </p:cSld>

--- a/Presentation.pptx
+++ b/Presentation.pptx
@@ -6012,18 +6012,6 @@
         <p:txBody>
           <a:bodyPr/>
           <a:lstStyle/>
-          <a:p>
-            <a:r>
-              <a:rPr lang="en-US" dirty="0"/>
-              <a:t>Talk about some of the ways the text is processed</a:t>
-            </a:r>
-          </a:p>
-          <a:p>
-            <a:r>
-              <a:rPr lang="en-US" dirty="0"/>
-              <a:t>Regex</a:t>
-            </a:r>
-          </a:p>
           <a:p>
             <a:r>
               <a:rPr lang="en-US" dirty="0"/>

--- a/Presentation.pptx
+++ b/Presentation.pptx
@@ -5,7 +5,7 @@
     <p:sldMasterId id="2147483830" r:id="rId1"/>
   </p:sldMasterIdLst>
   <p:notesMasterIdLst>
-    <p:notesMasterId r:id="rId14"/>
+    <p:notesMasterId r:id="rId15"/>
   </p:notesMasterIdLst>
   <p:sldIdLst>
     <p:sldId id="256" r:id="rId2"/>
@@ -18,8 +18,9 @@
     <p:sldId id="262" r:id="rId9"/>
     <p:sldId id="259" r:id="rId10"/>
     <p:sldId id="263" r:id="rId11"/>
-    <p:sldId id="260" r:id="rId12"/>
-    <p:sldId id="265" r:id="rId13"/>
+    <p:sldId id="268" r:id="rId12"/>
+    <p:sldId id="260" r:id="rId13"/>
+    <p:sldId id="265" r:id="rId14"/>
   </p:sldIdLst>
   <p:sldSz cx="12192000" cy="6858000"/>
   <p:notesSz cx="6858000" cy="9144000"/>
@@ -519,6 +520,90 @@
           <a:bodyPr/>
           <a:lstStyle/>
           <a:p>
+            <a:endParaRPr lang="en-US"/>
+          </a:p>
+        </p:txBody>
+      </p:sp>
+      <p:sp>
+        <p:nvSpPr>
+          <p:cNvPr id="4" name="Slide Number Placeholder 3"/>
+          <p:cNvSpPr>
+            <a:spLocks noGrp="1"/>
+          </p:cNvSpPr>
+          <p:nvPr>
+            <p:ph type="sldNum" sz="quarter" idx="5"/>
+          </p:nvPr>
+        </p:nvSpPr>
+        <p:spPr/>
+        <p:txBody>
+          <a:bodyPr/>
+          <a:lstStyle/>
+          <a:p>
+            <a:fld id="{50B3DFB6-DBA1-4248-8AED-AC7105C00173}" type="slidenum">
+              <a:rPr lang="en-US" smtClean="0"/>
+              <a:t>5</a:t>
+            </a:fld>
+            <a:endParaRPr lang="en-US"/>
+          </a:p>
+        </p:txBody>
+      </p:sp>
+    </p:spTree>
+    <p:extLst>
+      <p:ext uri="{BB962C8B-B14F-4D97-AF65-F5344CB8AC3E}">
+        <p14:creationId xmlns:p14="http://schemas.microsoft.com/office/powerpoint/2010/main" val="2864896094"/>
+      </p:ext>
+    </p:extLst>
+  </p:cSld>
+  <p:clrMapOvr>
+    <a:masterClrMapping/>
+  </p:clrMapOvr>
+</p:notes>
+</file>
+
+<file path=ppt/notesSlides/notesSlide2.xml><?xml version="1.0" encoding="utf-8"?>
+<p:notes xmlns:a="http://schemas.openxmlformats.org/drawingml/2006/main" xmlns:r="http://schemas.openxmlformats.org/officeDocument/2006/relationships" xmlns:p="http://schemas.openxmlformats.org/presentationml/2006/main">
+  <p:cSld>
+    <p:spTree>
+      <p:nvGrpSpPr>
+        <p:cNvPr id="1" name=""/>
+        <p:cNvGrpSpPr/>
+        <p:nvPr/>
+      </p:nvGrpSpPr>
+      <p:grpSpPr>
+        <a:xfrm>
+          <a:off x="0" y="0"/>
+          <a:ext cx="0" cy="0"/>
+          <a:chOff x="0" y="0"/>
+          <a:chExt cx="0" cy="0"/>
+        </a:xfrm>
+      </p:grpSpPr>
+      <p:sp>
+        <p:nvSpPr>
+          <p:cNvPr id="2" name="Slide Image Placeholder 1"/>
+          <p:cNvSpPr>
+            <a:spLocks noGrp="1" noRot="1" noChangeAspect="1"/>
+          </p:cNvSpPr>
+          <p:nvPr>
+            <p:ph type="sldImg"/>
+          </p:nvPr>
+        </p:nvSpPr>
+        <p:spPr/>
+      </p:sp>
+      <p:sp>
+        <p:nvSpPr>
+          <p:cNvPr id="3" name="Notes Placeholder 2"/>
+          <p:cNvSpPr>
+            <a:spLocks noGrp="1"/>
+          </p:cNvSpPr>
+          <p:nvPr>
+            <p:ph type="body" idx="1"/>
+          </p:nvPr>
+        </p:nvSpPr>
+        <p:spPr/>
+        <p:txBody>
+          <a:bodyPr/>
+          <a:lstStyle/>
+          <a:p>
             <a:r>
               <a:rPr lang="en-US" dirty="0"/>
               <a:t>Data includes inspection dates through September of every year</a:t>
@@ -562,7 +647,7 @@
 </p:notes>
 </file>
 
-<file path=ppt/notesSlides/notesSlide2.xml><?xml version="1.0" encoding="utf-8"?>
+<file path=ppt/notesSlides/notesSlide3.xml><?xml version="1.0" encoding="utf-8"?>
 <p:notes xmlns:a="http://schemas.openxmlformats.org/drawingml/2006/main" xmlns:r="http://schemas.openxmlformats.org/officeDocument/2006/relationships" xmlns:p="http://schemas.openxmlformats.org/presentationml/2006/main">
   <p:cSld>
     <p:spTree>
@@ -4174,7 +4259,7 @@
         <p:spPr>
           <a:xfrm>
             <a:off x="449187" y="3771413"/>
-            <a:ext cx="11293625" cy="2308324"/>
+            <a:ext cx="11293625" cy="1815882"/>
           </a:xfrm>
           <a:prstGeom prst="rect">
             <a:avLst/>
@@ -4230,15 +4315,6 @@
             <a:r>
               <a:rPr lang="en-US" sz="1600" dirty="0"/>
               <a:t> = 0.92; [i.e. what proportion of all classes are correctly classified?]</a:t>
-            </a:r>
-          </a:p>
-          <a:p>
-            <a:endParaRPr lang="en-US" sz="1600" dirty="0"/>
-          </a:p>
-          <a:p>
-            <a:r>
-              <a:rPr lang="en-US" sz="1600" dirty="0"/>
-              <a:t>Some signs of potential overfitting. Training set accuracy of 97%</a:t>
             </a:r>
           </a:p>
           <a:p>
@@ -4451,6 +4527,166 @@
 </file>
 
 <file path=ppt/slides/slide11.xml><?xml version="1.0" encoding="utf-8"?>
+<p:sld xmlns:a="http://schemas.openxmlformats.org/drawingml/2006/main" xmlns:r="http://schemas.openxmlformats.org/officeDocument/2006/relationships" xmlns:p="http://schemas.openxmlformats.org/presentationml/2006/main">
+  <p:cSld>
+    <p:spTree>
+      <p:nvGrpSpPr>
+        <p:cNvPr id="1" name=""/>
+        <p:cNvGrpSpPr/>
+        <p:nvPr/>
+      </p:nvGrpSpPr>
+      <p:grpSpPr>
+        <a:xfrm>
+          <a:off x="0" y="0"/>
+          <a:ext cx="0" cy="0"/>
+          <a:chOff x="0" y="0"/>
+          <a:chExt cx="0" cy="0"/>
+        </a:xfrm>
+      </p:grpSpPr>
+      <p:sp>
+        <p:nvSpPr>
+          <p:cNvPr id="2" name="Title 1">
+            <a:extLst>
+              <a:ext uri="{FF2B5EF4-FFF2-40B4-BE49-F238E27FC236}">
+                <a16:creationId xmlns:a16="http://schemas.microsoft.com/office/drawing/2014/main" id="{A54FF4C8-7C16-3849-86E8-8607E495F631}"/>
+              </a:ext>
+            </a:extLst>
+          </p:cNvPr>
+          <p:cNvSpPr>
+            <a:spLocks noGrp="1"/>
+          </p:cNvSpPr>
+          <p:nvPr>
+            <p:ph type="title"/>
+          </p:nvPr>
+        </p:nvSpPr>
+        <p:spPr/>
+        <p:txBody>
+          <a:bodyPr/>
+          <a:lstStyle/>
+          <a:p>
+            <a:r>
+              <a:rPr lang="en-US" b="1" dirty="0"/>
+              <a:t>05 </a:t>
+            </a:r>
+            <a:r>
+              <a:rPr lang="en-US" dirty="0"/>
+              <a:t>MODEL COMPARISON [cross validation]</a:t>
+            </a:r>
+          </a:p>
+        </p:txBody>
+      </p:sp>
+      <p:sp>
+        <p:nvSpPr>
+          <p:cNvPr id="3" name="Content Placeholder 2">
+            <a:extLst>
+              <a:ext uri="{FF2B5EF4-FFF2-40B4-BE49-F238E27FC236}">
+                <a16:creationId xmlns:a16="http://schemas.microsoft.com/office/drawing/2014/main" id="{7088380F-0C5E-C14E-82E9-EAA8F4243A26}"/>
+              </a:ext>
+            </a:extLst>
+          </p:cNvPr>
+          <p:cNvSpPr>
+            <a:spLocks noGrp="1"/>
+          </p:cNvSpPr>
+          <p:nvPr>
+            <p:ph idx="1"/>
+          </p:nvPr>
+        </p:nvSpPr>
+        <p:spPr>
+          <a:xfrm>
+            <a:off x="838200" y="1825625"/>
+            <a:ext cx="5443330" cy="4351338"/>
+          </a:xfrm>
+        </p:spPr>
+        <p:txBody>
+          <a:bodyPr>
+            <a:normAutofit/>
+          </a:bodyPr>
+          <a:lstStyle/>
+          <a:p>
+            <a:pPr marL="0" indent="0">
+              <a:buNone/>
+            </a:pPr>
+            <a:r>
+              <a:rPr lang="en-US" sz="2000" dirty="0"/>
+              <a:t>STRATIFIED K-FOLD CROSS VALIDATION</a:t>
+            </a:r>
+          </a:p>
+        </p:txBody>
+      </p:sp>
+      <p:pic>
+        <p:nvPicPr>
+          <p:cNvPr id="4" name="Picture 3">
+            <a:extLst>
+              <a:ext uri="{FF2B5EF4-FFF2-40B4-BE49-F238E27FC236}">
+                <a16:creationId xmlns:a16="http://schemas.microsoft.com/office/drawing/2014/main" id="{91EDB955-58AB-4D4B-9D16-AADCEED63C45}"/>
+              </a:ext>
+            </a:extLst>
+          </p:cNvPr>
+          <p:cNvPicPr>
+            <a:picLocks noChangeAspect="1"/>
+          </p:cNvPicPr>
+          <p:nvPr/>
+        </p:nvPicPr>
+        <p:blipFill>
+          <a:blip r:embed="rId2"/>
+          <a:stretch>
+            <a:fillRect/>
+          </a:stretch>
+        </p:blipFill>
+        <p:spPr>
+          <a:xfrm>
+            <a:off x="6488596" y="1327150"/>
+            <a:ext cx="5257800" cy="4203700"/>
+          </a:xfrm>
+          <a:prstGeom prst="rect">
+            <a:avLst/>
+          </a:prstGeom>
+        </p:spPr>
+      </p:pic>
+      <p:pic>
+        <p:nvPicPr>
+          <p:cNvPr id="5" name="Picture 4" descr="Graphical user interface, application&#10;&#10;Description automatically generated">
+            <a:extLst>
+              <a:ext uri="{FF2B5EF4-FFF2-40B4-BE49-F238E27FC236}">
+                <a16:creationId xmlns:a16="http://schemas.microsoft.com/office/drawing/2014/main" id="{BB3380E1-EA6D-1840-8DAA-830D2410A43D}"/>
+              </a:ext>
+            </a:extLst>
+          </p:cNvPr>
+          <p:cNvPicPr>
+            <a:picLocks noChangeAspect="1"/>
+          </p:cNvPicPr>
+          <p:nvPr/>
+        </p:nvPicPr>
+        <p:blipFill>
+          <a:blip r:embed="rId3"/>
+          <a:stretch>
+            <a:fillRect/>
+          </a:stretch>
+        </p:blipFill>
+        <p:spPr>
+          <a:xfrm>
+            <a:off x="838200" y="2506008"/>
+            <a:ext cx="3162300" cy="1270000"/>
+          </a:xfrm>
+          <a:prstGeom prst="rect">
+            <a:avLst/>
+          </a:prstGeom>
+        </p:spPr>
+      </p:pic>
+    </p:spTree>
+    <p:extLst>
+      <p:ext uri="{BB962C8B-B14F-4D97-AF65-F5344CB8AC3E}">
+        <p14:creationId xmlns:p14="http://schemas.microsoft.com/office/powerpoint/2010/main" val="3441744484"/>
+      </p:ext>
+    </p:extLst>
+  </p:cSld>
+  <p:clrMapOvr>
+    <a:masterClrMapping/>
+  </p:clrMapOvr>
+</p:sld>
+</file>
+
+<file path=ppt/slides/slide12.xml><?xml version="1.0" encoding="utf-8"?>
 <p:sld xmlns:a="http://schemas.openxmlformats.org/drawingml/2006/main" xmlns:r="http://schemas.openxmlformats.org/officeDocument/2006/relationships" xmlns:p="http://schemas.openxmlformats.org/presentationml/2006/main">
   <p:cSld>
     <p:spTree>
@@ -4623,7 +4859,7 @@
 </p:sld>
 </file>
 
-<file path=ppt/slides/slide12.xml><?xml version="1.0" encoding="utf-8"?>
+<file path=ppt/slides/slide13.xml><?xml version="1.0" encoding="utf-8"?>
 <p:sld xmlns:a="http://schemas.openxmlformats.org/drawingml/2006/main" xmlns:r="http://schemas.openxmlformats.org/officeDocument/2006/relationships" xmlns:p="http://schemas.openxmlformats.org/presentationml/2006/main">
   <p:cSld>
     <p:spTree>
@@ -5329,10 +5565,10 @@
       </p:sp>
       <p:pic>
         <p:nvPicPr>
-          <p:cNvPr id="8" name="slide5" descr="Year (Through September)">
-            <a:extLst>
-              <a:ext uri="{FF2B5EF4-FFF2-40B4-BE49-F238E27FC236}">
-                <a16:creationId xmlns:a16="http://schemas.microsoft.com/office/drawing/2014/main" id="{6C7D0847-D7E9-8A43-A78E-1A12F26A48B1}"/>
+          <p:cNvPr id="4" name="Picture 3" descr="A picture containing pencil&#10;&#10;Description automatically generated">
+            <a:extLst>
+              <a:ext uri="{FF2B5EF4-FFF2-40B4-BE49-F238E27FC236}">
+                <a16:creationId xmlns:a16="http://schemas.microsoft.com/office/drawing/2014/main" id="{BD5C8AC2-26A1-1A45-B115-8E54F2BBBFC6}"/>
               </a:ext>
             </a:extLst>
           </p:cNvPr>
@@ -5342,21 +5578,15 @@
           <p:nvPr/>
         </p:nvPicPr>
         <p:blipFill>
-          <a:blip r:embed="rId2">
-            <a:extLst>
-              <a:ext uri="{28A0092B-C50C-407E-A947-70E740481C1C}">
-                <a14:useLocalDpi xmlns:a14="http://schemas.microsoft.com/office/drawing/2010/main" val="0"/>
-              </a:ext>
-            </a:extLst>
-          </a:blip>
+          <a:blip r:embed="rId3"/>
           <a:stretch>
             <a:fillRect/>
           </a:stretch>
         </p:blipFill>
         <p:spPr>
           <a:xfrm>
-            <a:off x="6096000" y="1457738"/>
-            <a:ext cx="6013174" cy="4769607"/>
+            <a:off x="5412340" y="2146852"/>
+            <a:ext cx="6671420" cy="4616173"/>
           </a:xfrm>
           <a:prstGeom prst="rect">
             <a:avLst/>

--- a/Presentation.pptx
+++ b/Presentation.pptx
@@ -5,22 +5,21 @@
     <p:sldMasterId id="2147483830" r:id="rId1"/>
   </p:sldMasterIdLst>
   <p:notesMasterIdLst>
-    <p:notesMasterId r:id="rId15"/>
+    <p:notesMasterId r:id="rId14"/>
   </p:notesMasterIdLst>
   <p:sldIdLst>
     <p:sldId id="256" r:id="rId2"/>
     <p:sldId id="257" r:id="rId3"/>
     <p:sldId id="261" r:id="rId4"/>
-    <p:sldId id="258" r:id="rId5"/>
-    <p:sldId id="264" r:id="rId6"/>
-    <p:sldId id="266" r:id="rId7"/>
+    <p:sldId id="269" r:id="rId5"/>
+    <p:sldId id="258" r:id="rId6"/>
+    <p:sldId id="264" r:id="rId7"/>
     <p:sldId id="267" r:id="rId8"/>
-    <p:sldId id="262" r:id="rId9"/>
-    <p:sldId id="259" r:id="rId10"/>
-    <p:sldId id="263" r:id="rId11"/>
-    <p:sldId id="268" r:id="rId12"/>
-    <p:sldId id="260" r:id="rId13"/>
-    <p:sldId id="265" r:id="rId14"/>
+    <p:sldId id="270" r:id="rId9"/>
+    <p:sldId id="262" r:id="rId10"/>
+    <p:sldId id="259" r:id="rId11"/>
+    <p:sldId id="263" r:id="rId12"/>
+    <p:sldId id="268" r:id="rId13"/>
   </p:sldIdLst>
   <p:sldSz cx="12192000" cy="6858000"/>
   <p:notesSz cx="6858000" cy="9144000"/>
@@ -520,7 +519,7 @@
           <a:bodyPr/>
           <a:lstStyle/>
           <a:p>
-            <a:endParaRPr lang="en-US"/>
+            <a:endParaRPr lang="en-US" dirty="0"/>
           </a:p>
         </p:txBody>
       </p:sp>
@@ -550,7 +549,7 @@
     </p:spTree>
     <p:extLst>
       <p:ext uri="{BB962C8B-B14F-4D97-AF65-F5344CB8AC3E}">
-        <p14:creationId xmlns:p14="http://schemas.microsoft.com/office/powerpoint/2010/main" val="2864896094"/>
+        <p14:creationId xmlns:p14="http://schemas.microsoft.com/office/powerpoint/2010/main" val="1274836413"/>
       </p:ext>
     </p:extLst>
   </p:cSld>
@@ -604,10 +603,7 @@
           <a:bodyPr/>
           <a:lstStyle/>
           <a:p>
-            <a:r>
-              <a:rPr lang="en-US" dirty="0"/>
-              <a:t>Data includes inspection dates through September of every year</a:t>
-            </a:r>
+            <a:endParaRPr lang="en-US"/>
           </a:p>
         </p:txBody>
       </p:sp>
@@ -637,7 +633,7 @@
     </p:spTree>
     <p:extLst>
       <p:ext uri="{BB962C8B-B14F-4D97-AF65-F5344CB8AC3E}">
-        <p14:creationId xmlns:p14="http://schemas.microsoft.com/office/powerpoint/2010/main" val="3564179261"/>
+        <p14:creationId xmlns:p14="http://schemas.microsoft.com/office/powerpoint/2010/main" val="2864896094"/>
       </p:ext>
     </p:extLst>
   </p:cSld>
@@ -712,7 +708,7 @@
           <a:p>
             <a:fld id="{50B3DFB6-DBA1-4248-8AED-AC7105C00173}" type="slidenum">
               <a:rPr lang="en-US" smtClean="0"/>
-              <a:t>8</a:t>
+              <a:t>9</a:t>
             </a:fld>
             <a:endParaRPr lang="en-US"/>
           </a:p>
@@ -4097,6 +4093,114 @@
           <p:cNvPr id="2" name="Title 1">
             <a:extLst>
               <a:ext uri="{FF2B5EF4-FFF2-40B4-BE49-F238E27FC236}">
+                <a16:creationId xmlns:a16="http://schemas.microsoft.com/office/drawing/2014/main" id="{B3B1DFEA-7CDA-9C43-8F18-DA6A29B0D8D3}"/>
+              </a:ext>
+            </a:extLst>
+          </p:cNvPr>
+          <p:cNvSpPr>
+            <a:spLocks noGrp="1"/>
+          </p:cNvSpPr>
+          <p:nvPr>
+            <p:ph type="title"/>
+          </p:nvPr>
+        </p:nvSpPr>
+        <p:spPr/>
+        <p:txBody>
+          <a:bodyPr/>
+          <a:lstStyle/>
+          <a:p>
+            <a:r>
+              <a:rPr lang="en-US" b="1" dirty="0"/>
+              <a:t>04</a:t>
+            </a:r>
+            <a:r>
+              <a:rPr lang="en-US" dirty="0"/>
+              <a:t> MODEL OVERVIEW</a:t>
+            </a:r>
+          </a:p>
+        </p:txBody>
+      </p:sp>
+      <p:sp>
+        <p:nvSpPr>
+          <p:cNvPr id="9" name="Content Placeholder 8">
+            <a:extLst>
+              <a:ext uri="{FF2B5EF4-FFF2-40B4-BE49-F238E27FC236}">
+                <a16:creationId xmlns:a16="http://schemas.microsoft.com/office/drawing/2014/main" id="{3019DD5B-2701-3247-8E19-CF12DCDD7AA9}"/>
+              </a:ext>
+            </a:extLst>
+          </p:cNvPr>
+          <p:cNvSpPr>
+            <a:spLocks noGrp="1"/>
+          </p:cNvSpPr>
+          <p:nvPr>
+            <p:ph idx="1"/>
+          </p:nvPr>
+        </p:nvSpPr>
+        <p:spPr/>
+        <p:txBody>
+          <a:bodyPr/>
+          <a:lstStyle/>
+          <a:p>
+            <a:r>
+              <a:rPr lang="en-US" dirty="0"/>
+              <a:t>Naïve Bayes, Logistic Regression, Support Vector Machine</a:t>
+            </a:r>
+          </a:p>
+          <a:p>
+            <a:r>
+              <a:rPr lang="en-US" dirty="0"/>
+              <a:t>Strengths and weaknesses of each?</a:t>
+            </a:r>
+          </a:p>
+          <a:p>
+            <a:r>
+              <a:rPr lang="en-US" dirty="0"/>
+              <a:t>Parameter overview</a:t>
+            </a:r>
+          </a:p>
+          <a:p>
+            <a:r>
+              <a:rPr lang="en-US" dirty="0"/>
+              <a:t>Best Performing Model Logistic Regression</a:t>
+            </a:r>
+          </a:p>
+        </p:txBody>
+      </p:sp>
+    </p:spTree>
+    <p:extLst>
+      <p:ext uri="{BB962C8B-B14F-4D97-AF65-F5344CB8AC3E}">
+        <p14:creationId xmlns:p14="http://schemas.microsoft.com/office/powerpoint/2010/main" val="2606899608"/>
+      </p:ext>
+    </p:extLst>
+  </p:cSld>
+  <p:clrMapOvr>
+    <a:masterClrMapping/>
+  </p:clrMapOvr>
+</p:sld>
+</file>
+
+<file path=ppt/slides/slide11.xml><?xml version="1.0" encoding="utf-8"?>
+<p:sld xmlns:a="http://schemas.openxmlformats.org/drawingml/2006/main" xmlns:r="http://schemas.openxmlformats.org/officeDocument/2006/relationships" xmlns:p="http://schemas.openxmlformats.org/presentationml/2006/main">
+  <p:cSld>
+    <p:spTree>
+      <p:nvGrpSpPr>
+        <p:cNvPr id="1" name=""/>
+        <p:cNvGrpSpPr/>
+        <p:nvPr/>
+      </p:nvGrpSpPr>
+      <p:grpSpPr>
+        <a:xfrm>
+          <a:off x="0" y="0"/>
+          <a:ext cx="0" cy="0"/>
+          <a:chOff x="0" y="0"/>
+          <a:chExt cx="0" cy="0"/>
+        </a:xfrm>
+      </p:grpSpPr>
+      <p:sp>
+        <p:nvSpPr>
+          <p:cNvPr id="2" name="Title 1">
+            <a:extLst>
+              <a:ext uri="{FF2B5EF4-FFF2-40B4-BE49-F238E27FC236}">
                 <a16:creationId xmlns:a16="http://schemas.microsoft.com/office/drawing/2014/main" id="{DCFC2AC7-17D6-E04C-85A8-5E0AE978AB68}"/>
               </a:ext>
             </a:extLst>
@@ -4526,7 +4630,7 @@
 </p:sld>
 </file>
 
-<file path=ppt/slides/slide11.xml><?xml version="1.0" encoding="utf-8"?>
+<file path=ppt/slides/slide12.xml><?xml version="1.0" encoding="utf-8"?>
 <p:sld xmlns:a="http://schemas.openxmlformats.org/drawingml/2006/main" xmlns:r="http://schemas.openxmlformats.org/officeDocument/2006/relationships" xmlns:p="http://schemas.openxmlformats.org/presentationml/2006/main">
   <p:cSld>
     <p:spTree>
@@ -4606,10 +4710,25 @@
             <a:pPr marL="0" indent="0">
               <a:buNone/>
             </a:pPr>
-            <a:r>
-              <a:rPr lang="en-US" sz="2000" dirty="0"/>
-              <a:t>STRATIFIED K-FOLD CROSS VALIDATION</a:t>
-            </a:r>
+            <a:endParaRPr lang="en-US" sz="2000" dirty="0"/>
+          </a:p>
+          <a:p>
+            <a:pPr marL="0" indent="0">
+              <a:buNone/>
+            </a:pPr>
+            <a:endParaRPr lang="en-US" sz="2000" dirty="0"/>
+          </a:p>
+          <a:p>
+            <a:pPr marL="0" indent="0">
+              <a:buNone/>
+            </a:pPr>
+            <a:endParaRPr lang="en-US" sz="2000" dirty="0"/>
+          </a:p>
+          <a:p>
+            <a:pPr marL="0" indent="0">
+              <a:buNone/>
+            </a:pPr>
+            <a:endParaRPr lang="en-US" sz="2000" dirty="0"/>
           </a:p>
         </p:txBody>
       </p:sp>
@@ -4665,304 +4784,192 @@
         </p:blipFill>
         <p:spPr>
           <a:xfrm>
-            <a:off x="838200" y="2506008"/>
+            <a:off x="1394791" y="2117621"/>
             <a:ext cx="3162300" cy="1270000"/>
+          </a:xfrm>
+          <a:prstGeom prst="rect">
+            <a:avLst/>
+          </a:prstGeom>
+          <a:effectLst>
+            <a:glow rad="101600">
+              <a:schemeClr val="accent3">
+                <a:satMod val="175000"/>
+                <a:alpha val="40000"/>
+              </a:schemeClr>
+            </a:glow>
+          </a:effectLst>
+        </p:spPr>
+      </p:pic>
+      <p:pic>
+        <p:nvPicPr>
+          <p:cNvPr id="6" name="Picture 5">
+            <a:extLst>
+              <a:ext uri="{FF2B5EF4-FFF2-40B4-BE49-F238E27FC236}">
+                <a16:creationId xmlns:a16="http://schemas.microsoft.com/office/drawing/2014/main" id="{9F453356-DC1D-E24E-AD2C-E7093075F933}"/>
+              </a:ext>
+            </a:extLst>
+          </p:cNvPr>
+          <p:cNvPicPr>
+            <a:picLocks noChangeAspect="1"/>
+          </p:cNvPicPr>
+          <p:nvPr/>
+        </p:nvPicPr>
+        <p:blipFill rotWithShape="1">
+          <a:blip r:embed="rId4"/>
+          <a:srcRect r="55621"/>
+          <a:stretch/>
+        </p:blipFill>
+        <p:spPr>
+          <a:xfrm>
+            <a:off x="103753" y="3817997"/>
+            <a:ext cx="2125859" cy="2874110"/>
           </a:xfrm>
           <a:prstGeom prst="rect">
             <a:avLst/>
           </a:prstGeom>
         </p:spPr>
       </p:pic>
+      <p:sp>
+        <p:nvSpPr>
+          <p:cNvPr id="7" name="TextBox 6">
+            <a:extLst>
+              <a:ext uri="{FF2B5EF4-FFF2-40B4-BE49-F238E27FC236}">
+                <a16:creationId xmlns:a16="http://schemas.microsoft.com/office/drawing/2014/main" id="{8FEDB0F4-C51A-0D4A-A291-A0BEA9ECDA27}"/>
+              </a:ext>
+            </a:extLst>
+          </p:cNvPr>
+          <p:cNvSpPr txBox="1"/>
+          <p:nvPr/>
+        </p:nvSpPr>
+        <p:spPr>
+          <a:xfrm>
+            <a:off x="2555185" y="4413072"/>
+            <a:ext cx="3726345" cy="2031325"/>
+          </a:xfrm>
+          <a:prstGeom prst="rect">
+            <a:avLst/>
+          </a:prstGeom>
+          <a:noFill/>
+        </p:spPr>
+        <p:txBody>
+          <a:bodyPr wrap="square" rtlCol="0">
+            <a:spAutoFit/>
+          </a:bodyPr>
+          <a:lstStyle/>
+          <a:p>
+            <a:r>
+              <a:rPr lang="en-US" dirty="0"/>
+              <a:t>Dataset imbalance</a:t>
+            </a:r>
+          </a:p>
+          <a:p>
+            <a:endParaRPr lang="en-US" dirty="0"/>
+          </a:p>
+          <a:p>
+            <a:r>
+              <a:rPr lang="en-US" dirty="0"/>
+              <a:t>Stratified 10-Fold Cross Validation</a:t>
+            </a:r>
+          </a:p>
+          <a:p>
+            <a:endParaRPr lang="en-US" dirty="0"/>
+          </a:p>
+          <a:p>
+            <a:r>
+              <a:rPr lang="en-US" dirty="0"/>
+              <a:t>K-Fold variation used with imbalanced datasets</a:t>
+            </a:r>
+            <a:endParaRPr lang="en-US" b="1" dirty="0"/>
+          </a:p>
+          <a:p>
+            <a:endParaRPr lang="en-US" dirty="0"/>
+          </a:p>
+        </p:txBody>
+      </p:sp>
+      <p:cxnSp>
+        <p:nvCxnSpPr>
+          <p:cNvPr id="9" name="Straight Connector 8">
+            <a:extLst>
+              <a:ext uri="{FF2B5EF4-FFF2-40B4-BE49-F238E27FC236}">
+                <a16:creationId xmlns:a16="http://schemas.microsoft.com/office/drawing/2014/main" id="{22DFDB0A-452B-8248-855C-B50AF55ECC76}"/>
+              </a:ext>
+            </a:extLst>
+          </p:cNvPr>
+          <p:cNvCxnSpPr/>
+          <p:nvPr/>
+        </p:nvCxnSpPr>
+        <p:spPr>
+          <a:xfrm>
+            <a:off x="6281530" y="1690688"/>
+            <a:ext cx="0" cy="5001419"/>
+          </a:xfrm>
+          <a:prstGeom prst="line">
+            <a:avLst/>
+          </a:prstGeom>
+        </p:spPr>
+        <p:style>
+          <a:lnRef idx="1">
+            <a:schemeClr val="accent1"/>
+          </a:lnRef>
+          <a:fillRef idx="0">
+            <a:schemeClr val="accent1"/>
+          </a:fillRef>
+          <a:effectRef idx="0">
+            <a:schemeClr val="accent1"/>
+          </a:effectRef>
+          <a:fontRef idx="minor">
+            <a:schemeClr val="tx1"/>
+          </a:fontRef>
+        </p:style>
+      </p:cxnSp>
+      <p:sp>
+        <p:nvSpPr>
+          <p:cNvPr id="10" name="TextBox 9">
+            <a:extLst>
+              <a:ext uri="{FF2B5EF4-FFF2-40B4-BE49-F238E27FC236}">
+                <a16:creationId xmlns:a16="http://schemas.microsoft.com/office/drawing/2014/main" id="{2D781B41-6EB0-6549-B49B-12C655399445}"/>
+              </a:ext>
+            </a:extLst>
+          </p:cNvPr>
+          <p:cNvSpPr txBox="1"/>
+          <p:nvPr/>
+        </p:nvSpPr>
+        <p:spPr>
+          <a:xfrm>
+            <a:off x="6488596" y="5459932"/>
+            <a:ext cx="5599647" cy="923330"/>
+          </a:xfrm>
+          <a:prstGeom prst="rect">
+            <a:avLst/>
+          </a:prstGeom>
+          <a:noFill/>
+        </p:spPr>
+        <p:txBody>
+          <a:bodyPr wrap="square" rtlCol="0">
+            <a:spAutoFit/>
+          </a:bodyPr>
+          <a:lstStyle/>
+          <a:p>
+            <a:r>
+              <a:rPr lang="en-US" dirty="0"/>
+              <a:t>10-fold stratified shuffle cross validation results boxplot</a:t>
+            </a:r>
+          </a:p>
+          <a:p>
+            <a:endParaRPr lang="en-US" dirty="0"/>
+          </a:p>
+          <a:p>
+            <a:r>
+              <a:rPr lang="en-US" dirty="0"/>
+              <a:t>In terms of accuracy, Logistic regression performs the best</a:t>
+            </a:r>
+          </a:p>
+        </p:txBody>
+      </p:sp>
     </p:spTree>
     <p:extLst>
       <p:ext uri="{BB962C8B-B14F-4D97-AF65-F5344CB8AC3E}">
         <p14:creationId xmlns:p14="http://schemas.microsoft.com/office/powerpoint/2010/main" val="3441744484"/>
-      </p:ext>
-    </p:extLst>
-  </p:cSld>
-  <p:clrMapOvr>
-    <a:masterClrMapping/>
-  </p:clrMapOvr>
-</p:sld>
-</file>
-
-<file path=ppt/slides/slide12.xml><?xml version="1.0" encoding="utf-8"?>
-<p:sld xmlns:a="http://schemas.openxmlformats.org/drawingml/2006/main" xmlns:r="http://schemas.openxmlformats.org/officeDocument/2006/relationships" xmlns:p="http://schemas.openxmlformats.org/presentationml/2006/main">
-  <p:cSld>
-    <p:spTree>
-      <p:nvGrpSpPr>
-        <p:cNvPr id="1" name=""/>
-        <p:cNvGrpSpPr/>
-        <p:nvPr/>
-      </p:nvGrpSpPr>
-      <p:grpSpPr>
-        <a:xfrm>
-          <a:off x="0" y="0"/>
-          <a:ext cx="0" cy="0"/>
-          <a:chOff x="0" y="0"/>
-          <a:chExt cx="0" cy="0"/>
-        </a:xfrm>
-      </p:grpSpPr>
-      <p:sp>
-        <p:nvSpPr>
-          <p:cNvPr id="2" name="Title 1">
-            <a:extLst>
-              <a:ext uri="{FF2B5EF4-FFF2-40B4-BE49-F238E27FC236}">
-                <a16:creationId xmlns:a16="http://schemas.microsoft.com/office/drawing/2014/main" id="{D7FC21B0-D9F2-CA48-BE37-B0C7B5AE9F8B}"/>
-              </a:ext>
-            </a:extLst>
-          </p:cNvPr>
-          <p:cNvSpPr>
-            <a:spLocks noGrp="1"/>
-          </p:cNvSpPr>
-          <p:nvPr>
-            <p:ph type="title"/>
-          </p:nvPr>
-        </p:nvSpPr>
-        <p:spPr/>
-        <p:txBody>
-          <a:bodyPr/>
-          <a:lstStyle/>
-          <a:p>
-            <a:r>
-              <a:rPr lang="en-US" dirty="0"/>
-              <a:t>DATA OBSERVATIONS</a:t>
-            </a:r>
-          </a:p>
-        </p:txBody>
-      </p:sp>
-      <p:sp>
-        <p:nvSpPr>
-          <p:cNvPr id="3" name="Content Placeholder 2">
-            <a:extLst>
-              <a:ext uri="{FF2B5EF4-FFF2-40B4-BE49-F238E27FC236}">
-                <a16:creationId xmlns:a16="http://schemas.microsoft.com/office/drawing/2014/main" id="{A80CE486-67B7-0A4F-B2AC-1AF3D0023685}"/>
-              </a:ext>
-            </a:extLst>
-          </p:cNvPr>
-          <p:cNvSpPr>
-            <a:spLocks noGrp="1"/>
-          </p:cNvSpPr>
-          <p:nvPr>
-            <p:ph idx="1"/>
-          </p:nvPr>
-        </p:nvSpPr>
-        <p:spPr/>
-        <p:txBody>
-          <a:bodyPr/>
-          <a:lstStyle/>
-          <a:p>
-            <a:endParaRPr lang="en-US" dirty="0"/>
-          </a:p>
-        </p:txBody>
-      </p:sp>
-      <p:pic>
-        <p:nvPicPr>
-          <p:cNvPr id="4" name="Picture 3">
-            <a:extLst>
-              <a:ext uri="{FF2B5EF4-FFF2-40B4-BE49-F238E27FC236}">
-                <a16:creationId xmlns:a16="http://schemas.microsoft.com/office/drawing/2014/main" id="{8E2C2CC3-87DB-C943-994B-940A23AE07AB}"/>
-              </a:ext>
-            </a:extLst>
-          </p:cNvPr>
-          <p:cNvPicPr>
-            <a:picLocks noChangeAspect="1"/>
-          </p:cNvPicPr>
-          <p:nvPr/>
-        </p:nvPicPr>
-        <p:blipFill>
-          <a:blip r:embed="rId2"/>
-          <a:stretch>
-            <a:fillRect/>
-          </a:stretch>
-        </p:blipFill>
-        <p:spPr>
-          <a:xfrm>
-            <a:off x="943139" y="2535809"/>
-            <a:ext cx="2899775" cy="1986315"/>
-          </a:xfrm>
-          <a:prstGeom prst="rect">
-            <a:avLst/>
-          </a:prstGeom>
-        </p:spPr>
-      </p:pic>
-      <p:pic>
-        <p:nvPicPr>
-          <p:cNvPr id="6" name="Picture 5">
-            <a:extLst>
-              <a:ext uri="{FF2B5EF4-FFF2-40B4-BE49-F238E27FC236}">
-                <a16:creationId xmlns:a16="http://schemas.microsoft.com/office/drawing/2014/main" id="{CB36270F-5593-1047-9A3F-4160E4BF50DE}"/>
-              </a:ext>
-            </a:extLst>
-          </p:cNvPr>
-          <p:cNvPicPr>
-            <a:picLocks noChangeAspect="1"/>
-          </p:cNvPicPr>
-          <p:nvPr/>
-        </p:nvPicPr>
-        <p:blipFill>
-          <a:blip r:embed="rId3"/>
-          <a:stretch>
-            <a:fillRect/>
-          </a:stretch>
-        </p:blipFill>
-        <p:spPr>
-          <a:xfrm>
-            <a:off x="6793976" y="1901858"/>
-            <a:ext cx="2705100" cy="1962150"/>
-          </a:xfrm>
-          <a:prstGeom prst="rect">
-            <a:avLst/>
-          </a:prstGeom>
-        </p:spPr>
-      </p:pic>
-      <p:pic>
-        <p:nvPicPr>
-          <p:cNvPr id="7" name="Picture 6">
-            <a:extLst>
-              <a:ext uri="{FF2B5EF4-FFF2-40B4-BE49-F238E27FC236}">
-                <a16:creationId xmlns:a16="http://schemas.microsoft.com/office/drawing/2014/main" id="{7FCF21DD-DDE5-2C45-B4A9-FB617C391C2C}"/>
-              </a:ext>
-            </a:extLst>
-          </p:cNvPr>
-          <p:cNvPicPr>
-            <a:picLocks noChangeAspect="1"/>
-          </p:cNvPicPr>
-          <p:nvPr/>
-        </p:nvPicPr>
-        <p:blipFill>
-          <a:blip r:embed="rId4"/>
-          <a:stretch>
-            <a:fillRect/>
-          </a:stretch>
-        </p:blipFill>
-        <p:spPr>
-          <a:xfrm>
-            <a:off x="7017469" y="4240395"/>
-            <a:ext cx="2481607" cy="1825754"/>
-          </a:xfrm>
-          <a:prstGeom prst="rect">
-            <a:avLst/>
-          </a:prstGeom>
-        </p:spPr>
-      </p:pic>
-    </p:spTree>
-    <p:extLst>
-      <p:ext uri="{BB962C8B-B14F-4D97-AF65-F5344CB8AC3E}">
-        <p14:creationId xmlns:p14="http://schemas.microsoft.com/office/powerpoint/2010/main" val="3457639052"/>
-      </p:ext>
-    </p:extLst>
-  </p:cSld>
-  <p:clrMapOvr>
-    <a:masterClrMapping/>
-  </p:clrMapOvr>
-</p:sld>
-</file>
-
-<file path=ppt/slides/slide13.xml><?xml version="1.0" encoding="utf-8"?>
-<p:sld xmlns:a="http://schemas.openxmlformats.org/drawingml/2006/main" xmlns:r="http://schemas.openxmlformats.org/officeDocument/2006/relationships" xmlns:p="http://schemas.openxmlformats.org/presentationml/2006/main">
-  <p:cSld>
-    <p:spTree>
-      <p:nvGrpSpPr>
-        <p:cNvPr id="1" name=""/>
-        <p:cNvGrpSpPr/>
-        <p:nvPr/>
-      </p:nvGrpSpPr>
-      <p:grpSpPr>
-        <a:xfrm>
-          <a:off x="0" y="0"/>
-          <a:ext cx="0" cy="0"/>
-          <a:chOff x="0" y="0"/>
-          <a:chExt cx="0" cy="0"/>
-        </a:xfrm>
-      </p:grpSpPr>
-      <p:sp>
-        <p:nvSpPr>
-          <p:cNvPr id="2" name="Title 1">
-            <a:extLst>
-              <a:ext uri="{FF2B5EF4-FFF2-40B4-BE49-F238E27FC236}">
-                <a16:creationId xmlns:a16="http://schemas.microsoft.com/office/drawing/2014/main" id="{D7FC21B0-D9F2-CA48-BE37-B0C7B5AE9F8B}"/>
-              </a:ext>
-            </a:extLst>
-          </p:cNvPr>
-          <p:cNvSpPr>
-            <a:spLocks noGrp="1"/>
-          </p:cNvSpPr>
-          <p:nvPr>
-            <p:ph type="title"/>
-          </p:nvPr>
-        </p:nvSpPr>
-        <p:spPr/>
-        <p:txBody>
-          <a:bodyPr/>
-          <a:lstStyle/>
-          <a:p>
-            <a:r>
-              <a:rPr lang="en-US" dirty="0"/>
-              <a:t>DATA OBSERVATIONS</a:t>
-            </a:r>
-          </a:p>
-        </p:txBody>
-      </p:sp>
-      <p:sp>
-        <p:nvSpPr>
-          <p:cNvPr id="3" name="Content Placeholder 2">
-            <a:extLst>
-              <a:ext uri="{FF2B5EF4-FFF2-40B4-BE49-F238E27FC236}">
-                <a16:creationId xmlns:a16="http://schemas.microsoft.com/office/drawing/2014/main" id="{A80CE486-67B7-0A4F-B2AC-1AF3D0023685}"/>
-              </a:ext>
-            </a:extLst>
-          </p:cNvPr>
-          <p:cNvSpPr>
-            <a:spLocks noGrp="1"/>
-          </p:cNvSpPr>
-          <p:nvPr>
-            <p:ph idx="1"/>
-          </p:nvPr>
-        </p:nvSpPr>
-        <p:spPr/>
-        <p:txBody>
-          <a:bodyPr/>
-          <a:lstStyle/>
-          <a:p>
-            <a:endParaRPr lang="en-US" dirty="0"/>
-          </a:p>
-        </p:txBody>
-      </p:sp>
-      <p:pic>
-        <p:nvPicPr>
-          <p:cNvPr id="8" name="Picture 7" descr="Graphical user interface, application&#10;&#10;Description automatically generated">
-            <a:extLst>
-              <a:ext uri="{FF2B5EF4-FFF2-40B4-BE49-F238E27FC236}">
-                <a16:creationId xmlns:a16="http://schemas.microsoft.com/office/drawing/2014/main" id="{8206EFB3-68E4-954C-8C96-E5F66154A2DA}"/>
-              </a:ext>
-            </a:extLst>
-          </p:cNvPr>
-          <p:cNvPicPr>
-            <a:picLocks noChangeAspect="1"/>
-          </p:cNvPicPr>
-          <p:nvPr/>
-        </p:nvPicPr>
-        <p:blipFill>
-          <a:blip r:embed="rId2"/>
-          <a:stretch>
-            <a:fillRect/>
-          </a:stretch>
-        </p:blipFill>
-        <p:spPr>
-          <a:xfrm>
-            <a:off x="665408" y="1690688"/>
-            <a:ext cx="5430592" cy="3429000"/>
-          </a:xfrm>
-          <a:prstGeom prst="rect">
-            <a:avLst/>
-          </a:prstGeom>
-        </p:spPr>
-      </p:pic>
-    </p:spTree>
-    <p:extLst>
-      <p:ext uri="{BB962C8B-B14F-4D97-AF65-F5344CB8AC3E}">
-        <p14:creationId xmlns:p14="http://schemas.microsoft.com/office/powerpoint/2010/main" val="1438239426"/>
       </p:ext>
     </p:extLst>
   </p:cSld>
@@ -5036,7 +5043,7 @@
         <p:spPr/>
         <p:txBody>
           <a:bodyPr>
-            <a:normAutofit/>
+            <a:normAutofit fontScale="85000" lnSpcReduction="20000"/>
           </a:bodyPr>
           <a:lstStyle/>
           <a:p>
@@ -5069,6 +5076,33 @@
             <a:r>
               <a:rPr lang="en-US" dirty="0"/>
               <a:t>DATA</a:t>
+            </a:r>
+          </a:p>
+          <a:p>
+            <a:pPr marL="0" indent="0">
+              <a:buNone/>
+            </a:pPr>
+            <a:r>
+              <a:rPr lang="en-US" dirty="0"/>
+              <a:t>   02.1 OVERVIEW</a:t>
+            </a:r>
+          </a:p>
+          <a:p>
+            <a:pPr marL="0" indent="0">
+              <a:buNone/>
+            </a:pPr>
+            <a:r>
+              <a:rPr lang="en-US" dirty="0"/>
+              <a:t>   02.2 SAMPLE</a:t>
+            </a:r>
+          </a:p>
+          <a:p>
+            <a:pPr marL="0" indent="0">
+              <a:buNone/>
+            </a:pPr>
+            <a:r>
+              <a:rPr lang="en-US" dirty="0"/>
+              <a:t>   02.3 OBSERVATIONS</a:t>
             </a:r>
           </a:p>
           <a:p>
@@ -5247,7 +5281,7 @@
             </a:r>
             <a:r>
               <a:rPr lang="en-US" sz="2400" dirty="0"/>
-              <a:t>. This model will predict the results of a food inspection based on the inspector’s comments. </a:t>
+              <a:t>. This model will predict the results of a food inspection (e.g. ‘pass’, ‘pass w/ comments’, or ‘fail’) based on the inspector’s comments. </a:t>
             </a:r>
           </a:p>
           <a:p>
@@ -5270,7 +5304,7 @@
             </a:r>
             <a:r>
               <a:rPr lang="en-US" sz="2400" dirty="0"/>
-              <a:t> and are only be included for </a:t>
+              <a:t> and are only included for </a:t>
             </a:r>
             <a:r>
               <a:rPr lang="en-US" sz="2400" b="1" dirty="0"/>
@@ -5293,7 +5327,23 @@
             </a:pPr>
             <a:r>
               <a:rPr lang="en-US" sz="2400" dirty="0"/>
-              <a:t>Data is provided by the City of Chicago Health and Human Services and is updated via an API every time the model is run. Most recent run date is October 2020.</a:t>
+              <a:t>Data is provided by the City of Chicago Health and Human Services and is updated via an API every time the model is run. Most recent run date is </a:t>
+            </a:r>
+            <a:r>
+              <a:rPr lang="en-US" sz="2400" b="1" dirty="0"/>
+              <a:t>October 25</a:t>
+            </a:r>
+            <a:r>
+              <a:rPr lang="en-US" sz="2400" b="1" baseline="30000" dirty="0"/>
+              <a:t>th</a:t>
+            </a:r>
+            <a:r>
+              <a:rPr lang="en-US" sz="2400" b="1" dirty="0"/>
+              <a:t> 2020</a:t>
+            </a:r>
+            <a:r>
+              <a:rPr lang="en-US" sz="2400" dirty="0"/>
+              <a:t>.</a:t>
             </a:r>
           </a:p>
           <a:p>
@@ -5351,7 +5401,7 @@
           <p:cNvPr id="2" name="Title 1">
             <a:extLst>
               <a:ext uri="{FF2B5EF4-FFF2-40B4-BE49-F238E27FC236}">
-                <a16:creationId xmlns:a16="http://schemas.microsoft.com/office/drawing/2014/main" id="{F12B0F1A-B09E-4D4D-A2B3-344630841D9D}"/>
+                <a16:creationId xmlns:a16="http://schemas.microsoft.com/office/drawing/2014/main" id="{F1A686C9-E2C0-AB40-9C3E-16FDC47D1635}"/>
               </a:ext>
             </a:extLst>
           </p:cNvPr>
@@ -5373,7 +5423,7 @@
             </a:r>
             <a:r>
               <a:rPr lang="en-US" dirty="0"/>
-              <a:t>DATA OVERVIEW</a:t>
+              <a:t>DATA [overview]</a:t>
             </a:r>
           </a:p>
         </p:txBody>
@@ -5383,7 +5433,7 @@
           <p:cNvPr id="3" name="Content Placeholder 2">
             <a:extLst>
               <a:ext uri="{FF2B5EF4-FFF2-40B4-BE49-F238E27FC236}">
-                <a16:creationId xmlns:a16="http://schemas.microsoft.com/office/drawing/2014/main" id="{15C79D84-5CFC-6F45-BA69-E1CFCE67DA6D}"/>
+                <a16:creationId xmlns:a16="http://schemas.microsoft.com/office/drawing/2014/main" id="{ED6ACE41-8669-3247-8457-A67EE6C87980}"/>
               </a:ext>
             </a:extLst>
           </p:cNvPr>
@@ -5396,32 +5446,68 @@
         </p:nvSpPr>
         <p:spPr/>
         <p:txBody>
-          <a:bodyPr>
-            <a:normAutofit/>
-          </a:bodyPr>
+          <a:bodyPr/>
           <a:lstStyle/>
           <a:p>
             <a:pPr marL="0" indent="0">
               <a:buNone/>
             </a:pPr>
             <a:r>
-              <a:rPr lang="en-US" sz="1500" dirty="0"/>
-              <a:t>Most common fail reasons</a:t>
+              <a:rPr lang="en-US" dirty="0"/>
+              <a:t>Dataset was last updated October 28</a:t>
+            </a:r>
+            <a:r>
+              <a:rPr lang="en-US" baseline="30000" dirty="0"/>
+              <a:t>th</a:t>
+            </a:r>
+            <a:r>
+              <a:rPr lang="en-US" dirty="0"/>
+              <a:t> 2020</a:t>
             </a:r>
           </a:p>
           <a:p>
             <a:pPr marL="0" indent="0">
               <a:buNone/>
             </a:pPr>
-            <a:endParaRPr lang="en-US" sz="1500" dirty="0"/>
+            <a:endParaRPr lang="en-US" dirty="0"/>
           </a:p>
           <a:p>
             <a:pPr marL="0" indent="0">
               <a:buNone/>
             </a:pPr>
             <a:r>
-              <a:rPr lang="en-US" sz="1500" dirty="0"/>
-              <a:t>List of codes</a:t>
+              <a:rPr lang="en-US" dirty="0"/>
+              <a:t>Contains 155,000+ inspections and over 16,000 unique addresses, an average 9 inspections per address</a:t>
+            </a:r>
+          </a:p>
+          <a:p>
+            <a:pPr marL="0" indent="0">
+              <a:buNone/>
+            </a:pPr>
+            <a:endParaRPr lang="en-US" dirty="0"/>
+          </a:p>
+          <a:p>
+            <a:pPr marL="0" indent="0">
+              <a:buNone/>
+            </a:pPr>
+            <a:r>
+              <a:rPr lang="en-US" dirty="0"/>
+              <a:t>18 features (detail on next slide)</a:t>
+            </a:r>
+          </a:p>
+          <a:p>
+            <a:pPr marL="0" indent="0">
+              <a:buNone/>
+            </a:pPr>
+            <a:endParaRPr lang="en-US" dirty="0"/>
+          </a:p>
+          <a:p>
+            <a:pPr marL="0" indent="0">
+              <a:buNone/>
+            </a:pPr>
+            <a:r>
+              <a:rPr lang="en-US" dirty="0"/>
+              <a:t>Over 10 years of data from 1/4/2010 – 10/26/2020</a:t>
             </a:r>
           </a:p>
         </p:txBody>
@@ -5429,7 +5515,7 @@
     </p:spTree>
     <p:extLst>
       <p:ext uri="{BB962C8B-B14F-4D97-AF65-F5344CB8AC3E}">
-        <p14:creationId xmlns:p14="http://schemas.microsoft.com/office/powerpoint/2010/main" val="272077139"/>
+        <p14:creationId xmlns:p14="http://schemas.microsoft.com/office/powerpoint/2010/main" val="4045797651"/>
       </p:ext>
     </p:extLst>
   </p:cSld>
@@ -5461,7 +5547,7 @@
           <p:cNvPr id="2" name="Title 1">
             <a:extLst>
               <a:ext uri="{FF2B5EF4-FFF2-40B4-BE49-F238E27FC236}">
-                <a16:creationId xmlns:a16="http://schemas.microsoft.com/office/drawing/2014/main" id="{D7FC21B0-D9F2-CA48-BE37-B0C7B5AE9F8B}"/>
+                <a16:creationId xmlns:a16="http://schemas.microsoft.com/office/drawing/2014/main" id="{F12B0F1A-B09E-4D4D-A2B3-344630841D9D}"/>
               </a:ext>
             </a:extLst>
           </p:cNvPr>
@@ -5471,132 +5557,1171 @@
           <p:nvPr>
             <p:ph type="title"/>
           </p:nvPr>
+        </p:nvSpPr>
+        <p:spPr/>
+        <p:txBody>
+          <a:bodyPr/>
+          <a:lstStyle/>
+          <a:p>
+            <a:r>
+              <a:rPr lang="en-US" b="1" dirty="0"/>
+              <a:t>02 </a:t>
+            </a:r>
+            <a:r>
+              <a:rPr lang="en-US" dirty="0"/>
+              <a:t>DATA [sample]</a:t>
+            </a:r>
+          </a:p>
+        </p:txBody>
+      </p:sp>
+      <p:graphicFrame>
+        <p:nvGraphicFramePr>
+          <p:cNvPr id="4" name="Table 4">
+            <a:extLst>
+              <a:ext uri="{FF2B5EF4-FFF2-40B4-BE49-F238E27FC236}">
+                <a16:creationId xmlns:a16="http://schemas.microsoft.com/office/drawing/2014/main" id="{C1FF2F41-8153-A34E-BFFB-5D5C9CA9E4AA}"/>
+              </a:ext>
+            </a:extLst>
+          </p:cNvPr>
+          <p:cNvGraphicFramePr>
+            <a:graphicFrameLocks noGrp="1"/>
+          </p:cNvGraphicFramePr>
+          <p:nvPr>
+            <p:ph idx="1"/>
+            <p:extLst>
+              <p:ext uri="{D42A27DB-BD31-4B8C-83A1-F6EECF244321}">
+                <p14:modId xmlns:p14="http://schemas.microsoft.com/office/powerpoint/2010/main" val="3309962182"/>
+              </p:ext>
+            </p:extLst>
+          </p:nvPr>
+        </p:nvGraphicFramePr>
+        <p:xfrm>
+          <a:off x="145773" y="1364974"/>
+          <a:ext cx="3326296" cy="5257494"/>
+        </p:xfrm>
+        <a:graphic>
+          <a:graphicData uri="http://schemas.openxmlformats.org/drawingml/2006/table">
+            <a:tbl>
+              <a:tblPr firstRow="1" bandRow="1">
+                <a:tableStyleId>{5C22544A-7EE6-4342-B048-85BDC9FD1C3A}</a:tableStyleId>
+              </a:tblPr>
+              <a:tblGrid>
+                <a:gridCol w="1404287">
+                  <a:extLst>
+                    <a:ext uri="{9D8B030D-6E8A-4147-A177-3AD203B41FA5}">
+                      <a16:colId xmlns:a16="http://schemas.microsoft.com/office/drawing/2014/main" val="3439976426"/>
+                    </a:ext>
+                  </a:extLst>
+                </a:gridCol>
+                <a:gridCol w="1922009">
+                  <a:extLst>
+                    <a:ext uri="{9D8B030D-6E8A-4147-A177-3AD203B41FA5}">
+                      <a16:colId xmlns:a16="http://schemas.microsoft.com/office/drawing/2014/main" val="2884413318"/>
+                    </a:ext>
+                  </a:extLst>
+                </a:gridCol>
+              </a:tblGrid>
+              <a:tr h="293328">
+                <a:tc>
+                  <a:txBody>
+                    <a:bodyPr/>
+                    <a:lstStyle/>
+                    <a:p>
+                      <a:pPr algn="l" fontAlgn="b"/>
+                      <a:r>
+                        <a:rPr lang="en-US" sz="1400" b="1" i="0" u="none" strike="noStrike" dirty="0">
+                          <a:solidFill>
+                            <a:srgbClr val="000000"/>
+                          </a:solidFill>
+                          <a:effectLst/>
+                          <a:latin typeface="Arial" panose="020B0604020202020204" pitchFamily="34" charset="0"/>
+                          <a:cs typeface="Arial" panose="020B0604020202020204" pitchFamily="34" charset="0"/>
+                        </a:rPr>
+                        <a:t>Row</a:t>
+                      </a:r>
+                    </a:p>
+                  </a:txBody>
+                  <a:tcPr marL="9525" marR="9525" marT="9525" marB="0" anchor="b"/>
+                </a:tc>
+                <a:tc>
+                  <a:txBody>
+                    <a:bodyPr/>
+                    <a:lstStyle/>
+                    <a:p>
+                      <a:pPr algn="l" fontAlgn="b"/>
+                      <a:r>
+                        <a:rPr lang="en-US" sz="1400" b="1" i="0" u="none" strike="noStrike" dirty="0">
+                          <a:solidFill>
+                            <a:srgbClr val="000000"/>
+                          </a:solidFill>
+                          <a:effectLst/>
+                          <a:latin typeface="Arial" panose="020B0604020202020204" pitchFamily="34" charset="0"/>
+                          <a:cs typeface="Arial" panose="020B0604020202020204" pitchFamily="34" charset="0"/>
+                        </a:rPr>
+                        <a:t>Data</a:t>
+                      </a:r>
+                    </a:p>
+                  </a:txBody>
+                  <a:tcPr marL="9525" marR="9525" marT="9525" marB="0" anchor="b"/>
+                </a:tc>
+                <a:extLst>
+                  <a:ext uri="{0D108BD9-81ED-4DB2-BD59-A6C34878D82A}">
+                    <a16:rowId xmlns:a16="http://schemas.microsoft.com/office/drawing/2014/main" val="4141380612"/>
+                  </a:ext>
+                </a:extLst>
+              </a:tr>
+              <a:tr h="238329">
+                <a:tc>
+                  <a:txBody>
+                    <a:bodyPr/>
+                    <a:lstStyle/>
+                    <a:p>
+                      <a:pPr algn="l" fontAlgn="b"/>
+                      <a:r>
+                        <a:rPr lang="en-US" sz="1400" b="0" i="0" u="none" strike="noStrike" dirty="0" err="1">
+                          <a:solidFill>
+                            <a:srgbClr val="000000"/>
+                          </a:solidFill>
+                          <a:effectLst/>
+                          <a:latin typeface="Arial" panose="020B0604020202020204" pitchFamily="34" charset="0"/>
+                          <a:cs typeface="Arial" panose="020B0604020202020204" pitchFamily="34" charset="0"/>
+                        </a:rPr>
+                        <a:t>inspection_id</a:t>
+                      </a:r>
+                      <a:endParaRPr lang="en-US" sz="1400" b="0" i="0" u="none" strike="noStrike" dirty="0">
+                        <a:solidFill>
+                          <a:srgbClr val="000000"/>
+                        </a:solidFill>
+                        <a:effectLst/>
+                        <a:latin typeface="Arial" panose="020B0604020202020204" pitchFamily="34" charset="0"/>
+                        <a:cs typeface="Arial" panose="020B0604020202020204" pitchFamily="34" charset="0"/>
+                      </a:endParaRPr>
+                    </a:p>
+                  </a:txBody>
+                  <a:tcPr marL="9525" marR="9525" marT="9525" marB="0" anchor="b"/>
+                </a:tc>
+                <a:tc>
+                  <a:txBody>
+                    <a:bodyPr/>
+                    <a:lstStyle/>
+                    <a:p>
+                      <a:pPr algn="l" fontAlgn="b"/>
+                      <a:r>
+                        <a:rPr lang="en-US" sz="1400" b="0" i="0" u="none" strike="noStrike" dirty="0">
+                          <a:solidFill>
+                            <a:srgbClr val="000000"/>
+                          </a:solidFill>
+                          <a:effectLst/>
+                          <a:latin typeface="Arial" panose="020B0604020202020204" pitchFamily="34" charset="0"/>
+                          <a:cs typeface="Arial" panose="020B0604020202020204" pitchFamily="34" charset="0"/>
+                        </a:rPr>
+                        <a:t>2303761</a:t>
+                      </a:r>
+                    </a:p>
+                  </a:txBody>
+                  <a:tcPr marL="9525" marR="9525" marT="9525" marB="0" anchor="b"/>
+                </a:tc>
+                <a:extLst>
+                  <a:ext uri="{0D108BD9-81ED-4DB2-BD59-A6C34878D82A}">
+                    <a16:rowId xmlns:a16="http://schemas.microsoft.com/office/drawing/2014/main" val="3388988916"/>
+                  </a:ext>
+                </a:extLst>
+              </a:tr>
+              <a:tr h="694616">
+                <a:tc>
+                  <a:txBody>
+                    <a:bodyPr/>
+                    <a:lstStyle/>
+                    <a:p>
+                      <a:pPr algn="l" fontAlgn="b"/>
+                      <a:r>
+                        <a:rPr lang="en-US" sz="1400" b="0" i="0" u="none" strike="noStrike">
+                          <a:solidFill>
+                            <a:srgbClr val="000000"/>
+                          </a:solidFill>
+                          <a:effectLst/>
+                          <a:latin typeface="Arial" panose="020B0604020202020204" pitchFamily="34" charset="0"/>
+                          <a:cs typeface="Arial" panose="020B0604020202020204" pitchFamily="34" charset="0"/>
+                        </a:rPr>
+                        <a:t>dba_name</a:t>
+                      </a:r>
+                    </a:p>
+                  </a:txBody>
+                  <a:tcPr marL="9525" marR="9525" marT="9525" marB="0" anchor="b"/>
+                </a:tc>
+                <a:tc>
+                  <a:txBody>
+                    <a:bodyPr/>
+                    <a:lstStyle/>
+                    <a:p>
+                      <a:pPr algn="l" fontAlgn="b"/>
+                      <a:r>
+                        <a:rPr lang="en-US" sz="1400" b="0" i="0" u="none" strike="noStrike">
+                          <a:solidFill>
+                            <a:srgbClr val="000000"/>
+                          </a:solidFill>
+                          <a:effectLst/>
+                          <a:latin typeface="Arial" panose="020B0604020202020204" pitchFamily="34" charset="0"/>
+                          <a:cs typeface="Arial" panose="020B0604020202020204" pitchFamily="34" charset="0"/>
+                        </a:rPr>
+                        <a:t>TRUMP INTERNATIONAL HOTEL</a:t>
+                      </a:r>
+                    </a:p>
+                  </a:txBody>
+                  <a:tcPr marL="9525" marR="9525" marT="9525" marB="0" anchor="b"/>
+                </a:tc>
+                <a:extLst>
+                  <a:ext uri="{0D108BD9-81ED-4DB2-BD59-A6C34878D82A}">
+                    <a16:rowId xmlns:a16="http://schemas.microsoft.com/office/drawing/2014/main" val="2894299578"/>
+                  </a:ext>
+                </a:extLst>
+              </a:tr>
+              <a:tr h="238329">
+                <a:tc>
+                  <a:txBody>
+                    <a:bodyPr/>
+                    <a:lstStyle/>
+                    <a:p>
+                      <a:pPr algn="l" fontAlgn="b"/>
+                      <a:r>
+                        <a:rPr lang="en-US" sz="1400" b="0" i="0" u="none" strike="noStrike">
+                          <a:solidFill>
+                            <a:srgbClr val="000000"/>
+                          </a:solidFill>
+                          <a:effectLst/>
+                          <a:latin typeface="Arial" panose="020B0604020202020204" pitchFamily="34" charset="0"/>
+                          <a:cs typeface="Arial" panose="020B0604020202020204" pitchFamily="34" charset="0"/>
+                        </a:rPr>
+                        <a:t>aka_name</a:t>
+                      </a:r>
+                    </a:p>
+                  </a:txBody>
+                  <a:tcPr marL="9525" marR="9525" marT="9525" marB="0" anchor="b"/>
+                </a:tc>
+                <a:tc>
+                  <a:txBody>
+                    <a:bodyPr/>
+                    <a:lstStyle/>
+                    <a:p>
+                      <a:pPr algn="l" fontAlgn="b"/>
+                      <a:r>
+                        <a:rPr lang="en-US" sz="1400" b="0" i="0" u="none" strike="noStrike">
+                          <a:solidFill>
+                            <a:srgbClr val="000000"/>
+                          </a:solidFill>
+                          <a:effectLst/>
+                          <a:latin typeface="Arial" panose="020B0604020202020204" pitchFamily="34" charset="0"/>
+                          <a:cs typeface="Arial" panose="020B0604020202020204" pitchFamily="34" charset="0"/>
+                        </a:rPr>
+                        <a:t>SIXTEEN</a:t>
+                      </a:r>
+                    </a:p>
+                  </a:txBody>
+                  <a:tcPr marL="9525" marR="9525" marT="9525" marB="0" anchor="b"/>
+                </a:tc>
+                <a:extLst>
+                  <a:ext uri="{0D108BD9-81ED-4DB2-BD59-A6C34878D82A}">
+                    <a16:rowId xmlns:a16="http://schemas.microsoft.com/office/drawing/2014/main" val="3938528512"/>
+                  </a:ext>
+                </a:extLst>
+              </a:tr>
+              <a:tr h="238329">
+                <a:tc>
+                  <a:txBody>
+                    <a:bodyPr/>
+                    <a:lstStyle/>
+                    <a:p>
+                      <a:pPr algn="l" fontAlgn="b"/>
+                      <a:r>
+                        <a:rPr lang="en-US" sz="1400" b="0" i="0" u="none" strike="noStrike">
+                          <a:solidFill>
+                            <a:srgbClr val="000000"/>
+                          </a:solidFill>
+                          <a:effectLst/>
+                          <a:latin typeface="Arial" panose="020B0604020202020204" pitchFamily="34" charset="0"/>
+                          <a:cs typeface="Arial" panose="020B0604020202020204" pitchFamily="34" charset="0"/>
+                        </a:rPr>
+                        <a:t>license_</a:t>
+                      </a:r>
+                    </a:p>
+                  </a:txBody>
+                  <a:tcPr marL="9525" marR="9525" marT="9525" marB="0" anchor="b"/>
+                </a:tc>
+                <a:tc>
+                  <a:txBody>
+                    <a:bodyPr/>
+                    <a:lstStyle/>
+                    <a:p>
+                      <a:pPr algn="l" fontAlgn="b"/>
+                      <a:r>
+                        <a:rPr lang="en-US" sz="1400" b="0" i="0" u="none" strike="noStrike" dirty="0">
+                          <a:solidFill>
+                            <a:srgbClr val="000000"/>
+                          </a:solidFill>
+                          <a:effectLst/>
+                          <a:latin typeface="Arial" panose="020B0604020202020204" pitchFamily="34" charset="0"/>
+                          <a:cs typeface="Arial" panose="020B0604020202020204" pitchFamily="34" charset="0"/>
+                        </a:rPr>
+                        <a:t>2048785</a:t>
+                      </a:r>
+                    </a:p>
+                  </a:txBody>
+                  <a:tcPr marL="9525" marR="9525" marT="9525" marB="0" anchor="b"/>
+                </a:tc>
+                <a:extLst>
+                  <a:ext uri="{0D108BD9-81ED-4DB2-BD59-A6C34878D82A}">
+                    <a16:rowId xmlns:a16="http://schemas.microsoft.com/office/drawing/2014/main" val="3787551465"/>
+                  </a:ext>
+                </a:extLst>
+              </a:tr>
+              <a:tr h="238329">
+                <a:tc>
+                  <a:txBody>
+                    <a:bodyPr/>
+                    <a:lstStyle/>
+                    <a:p>
+                      <a:pPr algn="l" fontAlgn="b"/>
+                      <a:r>
+                        <a:rPr lang="en-US" sz="1400" b="0" i="0" u="none" strike="noStrike">
+                          <a:solidFill>
+                            <a:srgbClr val="000000"/>
+                          </a:solidFill>
+                          <a:effectLst/>
+                          <a:latin typeface="Arial" panose="020B0604020202020204" pitchFamily="34" charset="0"/>
+                          <a:cs typeface="Arial" panose="020B0604020202020204" pitchFamily="34" charset="0"/>
+                        </a:rPr>
+                        <a:t>facility_type</a:t>
+                      </a:r>
+                    </a:p>
+                  </a:txBody>
+                  <a:tcPr marL="9525" marR="9525" marT="9525" marB="0" anchor="b"/>
+                </a:tc>
+                <a:tc>
+                  <a:txBody>
+                    <a:bodyPr/>
+                    <a:lstStyle/>
+                    <a:p>
+                      <a:pPr algn="l" fontAlgn="b"/>
+                      <a:r>
+                        <a:rPr lang="en-US" sz="1400" b="0" i="0" u="none" strike="noStrike">
+                          <a:solidFill>
+                            <a:srgbClr val="000000"/>
+                          </a:solidFill>
+                          <a:effectLst/>
+                          <a:latin typeface="Arial" panose="020B0604020202020204" pitchFamily="34" charset="0"/>
+                          <a:cs typeface="Arial" panose="020B0604020202020204" pitchFamily="34" charset="0"/>
+                        </a:rPr>
+                        <a:t>Restaurant</a:t>
+                      </a:r>
+                    </a:p>
+                  </a:txBody>
+                  <a:tcPr marL="9525" marR="9525" marT="9525" marB="0" anchor="b"/>
+                </a:tc>
+                <a:extLst>
+                  <a:ext uri="{0D108BD9-81ED-4DB2-BD59-A6C34878D82A}">
+                    <a16:rowId xmlns:a16="http://schemas.microsoft.com/office/drawing/2014/main" val="2810890745"/>
+                  </a:ext>
+                </a:extLst>
+              </a:tr>
+              <a:tr h="238329">
+                <a:tc>
+                  <a:txBody>
+                    <a:bodyPr/>
+                    <a:lstStyle/>
+                    <a:p>
+                      <a:pPr algn="l" fontAlgn="b"/>
+                      <a:r>
+                        <a:rPr lang="en-US" sz="1400" b="0" i="0" u="none" strike="noStrike" dirty="0">
+                          <a:solidFill>
+                            <a:srgbClr val="000000"/>
+                          </a:solidFill>
+                          <a:effectLst/>
+                          <a:latin typeface="Arial" panose="020B0604020202020204" pitchFamily="34" charset="0"/>
+                          <a:cs typeface="Arial" panose="020B0604020202020204" pitchFamily="34" charset="0"/>
+                        </a:rPr>
+                        <a:t>risk</a:t>
+                      </a:r>
+                    </a:p>
+                  </a:txBody>
+                  <a:tcPr marL="9525" marR="9525" marT="9525" marB="0" anchor="b"/>
+                </a:tc>
+                <a:tc>
+                  <a:txBody>
+                    <a:bodyPr/>
+                    <a:lstStyle/>
+                    <a:p>
+                      <a:pPr algn="l" fontAlgn="b"/>
+                      <a:r>
+                        <a:rPr lang="en-US" sz="1400" b="0" i="0" u="none" strike="noStrike" dirty="0">
+                          <a:solidFill>
+                            <a:srgbClr val="000000"/>
+                          </a:solidFill>
+                          <a:effectLst/>
+                          <a:latin typeface="Arial" panose="020B0604020202020204" pitchFamily="34" charset="0"/>
+                          <a:cs typeface="Arial" panose="020B0604020202020204" pitchFamily="34" charset="0"/>
+                        </a:rPr>
+                        <a:t>Risk 1 (High)</a:t>
+                      </a:r>
+                    </a:p>
+                  </a:txBody>
+                  <a:tcPr marL="9525" marR="9525" marT="9525" marB="0" anchor="b"/>
+                </a:tc>
+                <a:extLst>
+                  <a:ext uri="{0D108BD9-81ED-4DB2-BD59-A6C34878D82A}">
+                    <a16:rowId xmlns:a16="http://schemas.microsoft.com/office/drawing/2014/main" val="2170859683"/>
+                  </a:ext>
+                </a:extLst>
+              </a:tr>
+              <a:tr h="238329">
+                <a:tc>
+                  <a:txBody>
+                    <a:bodyPr/>
+                    <a:lstStyle/>
+                    <a:p>
+                      <a:pPr algn="l" fontAlgn="b"/>
+                      <a:r>
+                        <a:rPr lang="en-US" sz="1400" b="0" i="0" u="none" strike="noStrike">
+                          <a:solidFill>
+                            <a:srgbClr val="000000"/>
+                          </a:solidFill>
+                          <a:effectLst/>
+                          <a:latin typeface="Arial" panose="020B0604020202020204" pitchFamily="34" charset="0"/>
+                          <a:cs typeface="Arial" panose="020B0604020202020204" pitchFamily="34" charset="0"/>
+                        </a:rPr>
+                        <a:t>address</a:t>
+                      </a:r>
+                    </a:p>
+                  </a:txBody>
+                  <a:tcPr marL="9525" marR="9525" marT="9525" marB="0" anchor="b"/>
+                </a:tc>
+                <a:tc>
+                  <a:txBody>
+                    <a:bodyPr/>
+                    <a:lstStyle/>
+                    <a:p>
+                      <a:pPr algn="l" fontAlgn="b"/>
+                      <a:r>
+                        <a:rPr lang="en-US" sz="1400" b="0" i="0" u="none" strike="noStrike" dirty="0">
+                          <a:solidFill>
+                            <a:srgbClr val="000000"/>
+                          </a:solidFill>
+                          <a:effectLst/>
+                          <a:latin typeface="Arial" panose="020B0604020202020204" pitchFamily="34" charset="0"/>
+                          <a:cs typeface="Arial" panose="020B0604020202020204" pitchFamily="34" charset="0"/>
+                        </a:rPr>
+                        <a:t>401 N WABASH AVE</a:t>
+                      </a:r>
+                    </a:p>
+                  </a:txBody>
+                  <a:tcPr marL="9525" marR="9525" marT="9525" marB="0" anchor="b"/>
+                </a:tc>
+                <a:extLst>
+                  <a:ext uri="{0D108BD9-81ED-4DB2-BD59-A6C34878D82A}">
+                    <a16:rowId xmlns:a16="http://schemas.microsoft.com/office/drawing/2014/main" val="240814676"/>
+                  </a:ext>
+                </a:extLst>
+              </a:tr>
+              <a:tr h="238329">
+                <a:tc>
+                  <a:txBody>
+                    <a:bodyPr/>
+                    <a:lstStyle/>
+                    <a:p>
+                      <a:pPr algn="l" fontAlgn="b"/>
+                      <a:r>
+                        <a:rPr lang="en-US" sz="1400" b="0" i="0" u="none" strike="noStrike">
+                          <a:solidFill>
+                            <a:srgbClr val="000000"/>
+                          </a:solidFill>
+                          <a:effectLst/>
+                          <a:latin typeface="Arial" panose="020B0604020202020204" pitchFamily="34" charset="0"/>
+                          <a:cs typeface="Arial" panose="020B0604020202020204" pitchFamily="34" charset="0"/>
+                        </a:rPr>
+                        <a:t>city</a:t>
+                      </a:r>
+                    </a:p>
+                  </a:txBody>
+                  <a:tcPr marL="9525" marR="9525" marT="9525" marB="0" anchor="b"/>
+                </a:tc>
+                <a:tc>
+                  <a:txBody>
+                    <a:bodyPr/>
+                    <a:lstStyle/>
+                    <a:p>
+                      <a:pPr algn="l" fontAlgn="b"/>
+                      <a:r>
+                        <a:rPr lang="en-US" sz="1400" b="0" i="0" u="none" strike="noStrike" dirty="0">
+                          <a:solidFill>
+                            <a:srgbClr val="000000"/>
+                          </a:solidFill>
+                          <a:effectLst/>
+                          <a:latin typeface="Arial" panose="020B0604020202020204" pitchFamily="34" charset="0"/>
+                          <a:cs typeface="Arial" panose="020B0604020202020204" pitchFamily="34" charset="0"/>
+                        </a:rPr>
+                        <a:t>CHICAGO</a:t>
+                      </a:r>
+                    </a:p>
+                  </a:txBody>
+                  <a:tcPr marL="9525" marR="9525" marT="9525" marB="0" anchor="b"/>
+                </a:tc>
+                <a:extLst>
+                  <a:ext uri="{0D108BD9-81ED-4DB2-BD59-A6C34878D82A}">
+                    <a16:rowId xmlns:a16="http://schemas.microsoft.com/office/drawing/2014/main" val="1350819647"/>
+                  </a:ext>
+                </a:extLst>
+              </a:tr>
+              <a:tr h="238329">
+                <a:tc>
+                  <a:txBody>
+                    <a:bodyPr/>
+                    <a:lstStyle/>
+                    <a:p>
+                      <a:pPr algn="l" fontAlgn="b"/>
+                      <a:r>
+                        <a:rPr lang="en-US" sz="1400" b="0" i="0" u="none" strike="noStrike">
+                          <a:solidFill>
+                            <a:srgbClr val="000000"/>
+                          </a:solidFill>
+                          <a:effectLst/>
+                          <a:latin typeface="Arial" panose="020B0604020202020204" pitchFamily="34" charset="0"/>
+                          <a:cs typeface="Arial" panose="020B0604020202020204" pitchFamily="34" charset="0"/>
+                        </a:rPr>
+                        <a:t>state</a:t>
+                      </a:r>
+                    </a:p>
+                  </a:txBody>
+                  <a:tcPr marL="9525" marR="9525" marT="9525" marB="0" anchor="b"/>
+                </a:tc>
+                <a:tc>
+                  <a:txBody>
+                    <a:bodyPr/>
+                    <a:lstStyle/>
+                    <a:p>
+                      <a:pPr algn="l" fontAlgn="b"/>
+                      <a:r>
+                        <a:rPr lang="en-US" sz="1400" b="0" i="0" u="none" strike="noStrike">
+                          <a:solidFill>
+                            <a:srgbClr val="000000"/>
+                          </a:solidFill>
+                          <a:effectLst/>
+                          <a:latin typeface="Arial" panose="020B0604020202020204" pitchFamily="34" charset="0"/>
+                          <a:cs typeface="Arial" panose="020B0604020202020204" pitchFamily="34" charset="0"/>
+                        </a:rPr>
+                        <a:t>IL</a:t>
+                      </a:r>
+                    </a:p>
+                  </a:txBody>
+                  <a:tcPr marL="9525" marR="9525" marT="9525" marB="0" anchor="b"/>
+                </a:tc>
+                <a:extLst>
+                  <a:ext uri="{0D108BD9-81ED-4DB2-BD59-A6C34878D82A}">
+                    <a16:rowId xmlns:a16="http://schemas.microsoft.com/office/drawing/2014/main" val="817242244"/>
+                  </a:ext>
+                </a:extLst>
+              </a:tr>
+              <a:tr h="238329">
+                <a:tc>
+                  <a:txBody>
+                    <a:bodyPr/>
+                    <a:lstStyle/>
+                    <a:p>
+                      <a:pPr algn="l" fontAlgn="b"/>
+                      <a:r>
+                        <a:rPr lang="en-US" sz="1400" b="0" i="0" u="none" strike="noStrike">
+                          <a:solidFill>
+                            <a:srgbClr val="000000"/>
+                          </a:solidFill>
+                          <a:effectLst/>
+                          <a:latin typeface="Arial" panose="020B0604020202020204" pitchFamily="34" charset="0"/>
+                          <a:cs typeface="Arial" panose="020B0604020202020204" pitchFamily="34" charset="0"/>
+                        </a:rPr>
+                        <a:t>zip</a:t>
+                      </a:r>
+                    </a:p>
+                  </a:txBody>
+                  <a:tcPr marL="9525" marR="9525" marT="9525" marB="0" anchor="b"/>
+                </a:tc>
+                <a:tc>
+                  <a:txBody>
+                    <a:bodyPr/>
+                    <a:lstStyle/>
+                    <a:p>
+                      <a:pPr algn="l" fontAlgn="b"/>
+                      <a:r>
+                        <a:rPr lang="en-US" sz="1400" b="0" i="0" u="none" strike="noStrike">
+                          <a:solidFill>
+                            <a:srgbClr val="000000"/>
+                          </a:solidFill>
+                          <a:effectLst/>
+                          <a:latin typeface="Arial" panose="020B0604020202020204" pitchFamily="34" charset="0"/>
+                          <a:cs typeface="Arial" panose="020B0604020202020204" pitchFamily="34" charset="0"/>
+                        </a:rPr>
+                        <a:t>60611</a:t>
+                      </a:r>
+                    </a:p>
+                  </a:txBody>
+                  <a:tcPr marL="9525" marR="9525" marT="9525" marB="0" anchor="b"/>
+                </a:tc>
+                <a:extLst>
+                  <a:ext uri="{0D108BD9-81ED-4DB2-BD59-A6C34878D82A}">
+                    <a16:rowId xmlns:a16="http://schemas.microsoft.com/office/drawing/2014/main" val="556862327"/>
+                  </a:ext>
+                </a:extLst>
+              </a:tr>
+              <a:tr h="466472">
+                <a:tc>
+                  <a:txBody>
+                    <a:bodyPr/>
+                    <a:lstStyle/>
+                    <a:p>
+                      <a:pPr algn="l" fontAlgn="b"/>
+                      <a:r>
+                        <a:rPr lang="en-US" sz="1400" b="0" i="0" u="none" strike="noStrike">
+                          <a:solidFill>
+                            <a:srgbClr val="000000"/>
+                          </a:solidFill>
+                          <a:effectLst/>
+                          <a:latin typeface="Arial" panose="020B0604020202020204" pitchFamily="34" charset="0"/>
+                          <a:cs typeface="Arial" panose="020B0604020202020204" pitchFamily="34" charset="0"/>
+                        </a:rPr>
+                        <a:t>inspection_date</a:t>
+                      </a:r>
+                    </a:p>
+                  </a:txBody>
+                  <a:tcPr marL="9525" marR="9525" marT="9525" marB="0" anchor="b"/>
+                </a:tc>
+                <a:tc>
+                  <a:txBody>
+                    <a:bodyPr/>
+                    <a:lstStyle/>
+                    <a:p>
+                      <a:pPr algn="l" fontAlgn="b"/>
+                      <a:r>
+                        <a:rPr lang="en-US" sz="1400" b="0" i="0" u="none" strike="noStrike">
+                          <a:solidFill>
+                            <a:srgbClr val="000000"/>
+                          </a:solidFill>
+                          <a:effectLst/>
+                          <a:latin typeface="Arial" panose="020B0604020202020204" pitchFamily="34" charset="0"/>
+                          <a:cs typeface="Arial" panose="020B0604020202020204" pitchFamily="34" charset="0"/>
+                        </a:rPr>
+                        <a:t>2019-07-26T00:00:00.000</a:t>
+                      </a:r>
+                    </a:p>
+                  </a:txBody>
+                  <a:tcPr marL="9525" marR="9525" marT="9525" marB="0" anchor="b"/>
+                </a:tc>
+                <a:extLst>
+                  <a:ext uri="{0D108BD9-81ED-4DB2-BD59-A6C34878D82A}">
+                    <a16:rowId xmlns:a16="http://schemas.microsoft.com/office/drawing/2014/main" val="1949238709"/>
+                  </a:ext>
+                </a:extLst>
+              </a:tr>
+              <a:tr h="466472">
+                <a:tc>
+                  <a:txBody>
+                    <a:bodyPr/>
+                    <a:lstStyle/>
+                    <a:p>
+                      <a:pPr algn="l" fontAlgn="b"/>
+                      <a:r>
+                        <a:rPr lang="en-US" sz="1400" b="0" i="0" u="none" strike="noStrike">
+                          <a:solidFill>
+                            <a:srgbClr val="000000"/>
+                          </a:solidFill>
+                          <a:effectLst/>
+                          <a:latin typeface="Arial" panose="020B0604020202020204" pitchFamily="34" charset="0"/>
+                          <a:cs typeface="Arial" panose="020B0604020202020204" pitchFamily="34" charset="0"/>
+                        </a:rPr>
+                        <a:t>inspection_type</a:t>
+                      </a:r>
+                    </a:p>
+                  </a:txBody>
+                  <a:tcPr marL="9525" marR="9525" marT="9525" marB="0" anchor="b"/>
+                </a:tc>
+                <a:tc>
+                  <a:txBody>
+                    <a:bodyPr/>
+                    <a:lstStyle/>
+                    <a:p>
+                      <a:pPr algn="l" fontAlgn="b"/>
+                      <a:r>
+                        <a:rPr lang="en-US" sz="1400" b="0" i="0" u="none" strike="noStrike">
+                          <a:solidFill>
+                            <a:srgbClr val="000000"/>
+                          </a:solidFill>
+                          <a:effectLst/>
+                          <a:latin typeface="Arial" panose="020B0604020202020204" pitchFamily="34" charset="0"/>
+                          <a:cs typeface="Arial" panose="020B0604020202020204" pitchFamily="34" charset="0"/>
+                        </a:rPr>
+                        <a:t>Suspected Food Poisoning</a:t>
+                      </a:r>
+                    </a:p>
+                  </a:txBody>
+                  <a:tcPr marL="9525" marR="9525" marT="9525" marB="0" anchor="b"/>
+                </a:tc>
+                <a:extLst>
+                  <a:ext uri="{0D108BD9-81ED-4DB2-BD59-A6C34878D82A}">
+                    <a16:rowId xmlns:a16="http://schemas.microsoft.com/office/drawing/2014/main" val="1782092784"/>
+                  </a:ext>
+                </a:extLst>
+              </a:tr>
+              <a:tr h="238329">
+                <a:tc>
+                  <a:txBody>
+                    <a:bodyPr/>
+                    <a:lstStyle/>
+                    <a:p>
+                      <a:pPr algn="l" fontAlgn="b"/>
+                      <a:r>
+                        <a:rPr lang="en-US" sz="1400" b="0" i="0" u="none" strike="noStrike" dirty="0">
+                          <a:solidFill>
+                            <a:srgbClr val="000000"/>
+                          </a:solidFill>
+                          <a:effectLst/>
+                          <a:latin typeface="Arial" panose="020B0604020202020204" pitchFamily="34" charset="0"/>
+                          <a:cs typeface="Arial" panose="020B0604020202020204" pitchFamily="34" charset="0"/>
+                        </a:rPr>
+                        <a:t>results</a:t>
+                      </a:r>
+                    </a:p>
+                  </a:txBody>
+                  <a:tcPr marL="9525" marR="9525" marT="9525" marB="0" anchor="b"/>
+                </a:tc>
+                <a:tc>
+                  <a:txBody>
+                    <a:bodyPr/>
+                    <a:lstStyle/>
+                    <a:p>
+                      <a:pPr algn="l" fontAlgn="b"/>
+                      <a:r>
+                        <a:rPr lang="en-US" sz="1400" b="0" i="0" u="none" strike="noStrike">
+                          <a:solidFill>
+                            <a:srgbClr val="000000"/>
+                          </a:solidFill>
+                          <a:effectLst/>
+                          <a:latin typeface="Arial" panose="020B0604020202020204" pitchFamily="34" charset="0"/>
+                          <a:cs typeface="Arial" panose="020B0604020202020204" pitchFamily="34" charset="0"/>
+                        </a:rPr>
+                        <a:t>Fail</a:t>
+                      </a:r>
+                    </a:p>
+                  </a:txBody>
+                  <a:tcPr marL="9525" marR="9525" marT="9525" marB="0" anchor="b"/>
+                </a:tc>
+                <a:extLst>
+                  <a:ext uri="{0D108BD9-81ED-4DB2-BD59-A6C34878D82A}">
+                    <a16:rowId xmlns:a16="http://schemas.microsoft.com/office/drawing/2014/main" val="1826872423"/>
+                  </a:ext>
+                </a:extLst>
+              </a:tr>
+              <a:tr h="238329">
+                <a:tc>
+                  <a:txBody>
+                    <a:bodyPr/>
+                    <a:lstStyle/>
+                    <a:p>
+                      <a:pPr algn="l" fontAlgn="b"/>
+                      <a:r>
+                        <a:rPr lang="en-US" sz="1400" b="0" i="0" u="none" strike="noStrike" dirty="0">
+                          <a:solidFill>
+                            <a:srgbClr val="000000"/>
+                          </a:solidFill>
+                          <a:effectLst/>
+                          <a:latin typeface="Arial" panose="020B0604020202020204" pitchFamily="34" charset="0"/>
+                          <a:cs typeface="Arial" panose="020B0604020202020204" pitchFamily="34" charset="0"/>
+                        </a:rPr>
+                        <a:t>violations</a:t>
+                      </a:r>
+                    </a:p>
+                  </a:txBody>
+                  <a:tcPr marL="9525" marR="9525" marT="9525" marB="0" anchor="b"/>
+                </a:tc>
+                <a:tc>
+                  <a:txBody>
+                    <a:bodyPr/>
+                    <a:lstStyle/>
+                    <a:p>
+                      <a:pPr algn="l" fontAlgn="b"/>
+                      <a:r>
+                        <a:rPr lang="en-US" sz="1400" b="0" i="0" u="none" strike="noStrike" dirty="0">
+                          <a:solidFill>
+                            <a:srgbClr val="000000"/>
+                          </a:solidFill>
+                          <a:effectLst/>
+                          <a:latin typeface="Arial" panose="020B0604020202020204" pitchFamily="34" charset="0"/>
+                          <a:cs typeface="Arial" panose="020B0604020202020204" pitchFamily="34" charset="0"/>
+                        </a:rPr>
+                        <a:t>(see detail on right)</a:t>
+                      </a:r>
+                    </a:p>
+                  </a:txBody>
+                  <a:tcPr marL="9525" marR="9525" marT="9525" marB="0" anchor="b"/>
+                </a:tc>
+                <a:extLst>
+                  <a:ext uri="{0D108BD9-81ED-4DB2-BD59-A6C34878D82A}">
+                    <a16:rowId xmlns:a16="http://schemas.microsoft.com/office/drawing/2014/main" val="2420946916"/>
+                  </a:ext>
+                </a:extLst>
+              </a:tr>
+              <a:tr h="238329">
+                <a:tc>
+                  <a:txBody>
+                    <a:bodyPr/>
+                    <a:lstStyle/>
+                    <a:p>
+                      <a:pPr algn="l" fontAlgn="b"/>
+                      <a:r>
+                        <a:rPr lang="en-US" sz="1400" b="0" i="0" u="none" strike="noStrike" dirty="0">
+                          <a:solidFill>
+                            <a:srgbClr val="000000"/>
+                          </a:solidFill>
+                          <a:effectLst/>
+                          <a:latin typeface="Arial" panose="020B0604020202020204" pitchFamily="34" charset="0"/>
+                          <a:cs typeface="Arial" panose="020B0604020202020204" pitchFamily="34" charset="0"/>
+                        </a:rPr>
+                        <a:t>latitude</a:t>
+                      </a:r>
+                    </a:p>
+                  </a:txBody>
+                  <a:tcPr marL="9525" marR="9525" marT="9525" marB="0" anchor="b"/>
+                </a:tc>
+                <a:tc>
+                  <a:txBody>
+                    <a:bodyPr/>
+                    <a:lstStyle/>
+                    <a:p>
+                      <a:pPr algn="l" fontAlgn="b"/>
+                      <a:r>
+                        <a:rPr lang="en-US" sz="1400" b="0" i="0" u="none" strike="noStrike" dirty="0">
+                          <a:solidFill>
+                            <a:srgbClr val="000000"/>
+                          </a:solidFill>
+                          <a:effectLst/>
+                          <a:latin typeface="Arial" panose="020B0604020202020204" pitchFamily="34" charset="0"/>
+                          <a:cs typeface="Arial" panose="020B0604020202020204" pitchFamily="34" charset="0"/>
+                        </a:rPr>
+                        <a:t>Not Disclosed</a:t>
+                      </a:r>
+                    </a:p>
+                  </a:txBody>
+                  <a:tcPr marL="9525" marR="9525" marT="9525" marB="0" anchor="b"/>
+                </a:tc>
+                <a:extLst>
+                  <a:ext uri="{0D108BD9-81ED-4DB2-BD59-A6C34878D82A}">
+                    <a16:rowId xmlns:a16="http://schemas.microsoft.com/office/drawing/2014/main" val="1919249369"/>
+                  </a:ext>
+                </a:extLst>
+              </a:tr>
+              <a:tr h="238329">
+                <a:tc>
+                  <a:txBody>
+                    <a:bodyPr/>
+                    <a:lstStyle/>
+                    <a:p>
+                      <a:pPr algn="l" fontAlgn="b"/>
+                      <a:r>
+                        <a:rPr lang="en-US" sz="1400" b="0" i="0" u="none" strike="noStrike">
+                          <a:solidFill>
+                            <a:srgbClr val="000000"/>
+                          </a:solidFill>
+                          <a:effectLst/>
+                          <a:latin typeface="Arial" panose="020B0604020202020204" pitchFamily="34" charset="0"/>
+                          <a:cs typeface="Arial" panose="020B0604020202020204" pitchFamily="34" charset="0"/>
+                        </a:rPr>
+                        <a:t>longitude</a:t>
+                      </a:r>
+                    </a:p>
+                  </a:txBody>
+                  <a:tcPr marL="9525" marR="9525" marT="9525" marB="0" anchor="b"/>
+                </a:tc>
+                <a:tc>
+                  <a:txBody>
+                    <a:bodyPr/>
+                    <a:lstStyle/>
+                    <a:p>
+                      <a:pPr algn="l" fontAlgn="b"/>
+                      <a:r>
+                        <a:rPr lang="en-US" sz="1400" b="0" i="0" u="none" strike="noStrike" dirty="0">
+                          <a:solidFill>
+                            <a:srgbClr val="000000"/>
+                          </a:solidFill>
+                          <a:effectLst/>
+                          <a:latin typeface="Arial" panose="020B0604020202020204" pitchFamily="34" charset="0"/>
+                          <a:cs typeface="Arial" panose="020B0604020202020204" pitchFamily="34" charset="0"/>
+                        </a:rPr>
+                        <a:t>Not Disclosed</a:t>
+                      </a:r>
+                    </a:p>
+                  </a:txBody>
+                  <a:tcPr marL="9525" marR="9525" marT="9525" marB="0" anchor="b"/>
+                </a:tc>
+                <a:extLst>
+                  <a:ext uri="{0D108BD9-81ED-4DB2-BD59-A6C34878D82A}">
+                    <a16:rowId xmlns:a16="http://schemas.microsoft.com/office/drawing/2014/main" val="3464451154"/>
+                  </a:ext>
+                </a:extLst>
+              </a:tr>
+              <a:tr h="238329">
+                <a:tc>
+                  <a:txBody>
+                    <a:bodyPr/>
+                    <a:lstStyle/>
+                    <a:p>
+                      <a:pPr algn="l" fontAlgn="b"/>
+                      <a:r>
+                        <a:rPr lang="en-US" sz="1400" b="0" i="0" u="none" strike="noStrike" dirty="0">
+                          <a:solidFill>
+                            <a:srgbClr val="000000"/>
+                          </a:solidFill>
+                          <a:effectLst/>
+                          <a:latin typeface="Arial" panose="020B0604020202020204" pitchFamily="34" charset="0"/>
+                          <a:cs typeface="Arial" panose="020B0604020202020204" pitchFamily="34" charset="0"/>
+                        </a:rPr>
+                        <a:t>location</a:t>
+                      </a:r>
+                    </a:p>
+                  </a:txBody>
+                  <a:tcPr marL="9525" marR="9525" marT="9525" marB="0" anchor="b"/>
+                </a:tc>
+                <a:tc>
+                  <a:txBody>
+                    <a:bodyPr/>
+                    <a:lstStyle/>
+                    <a:p>
+                      <a:pPr algn="l" fontAlgn="b"/>
+                      <a:r>
+                        <a:rPr lang="en-US" sz="1400" b="0" i="0" u="none" strike="noStrike" dirty="0">
+                          <a:solidFill>
+                            <a:srgbClr val="000000"/>
+                          </a:solidFill>
+                          <a:effectLst/>
+                          <a:latin typeface="Arial" panose="020B0604020202020204" pitchFamily="34" charset="0"/>
+                          <a:cs typeface="Arial" panose="020B0604020202020204" pitchFamily="34" charset="0"/>
+                        </a:rPr>
+                        <a:t>Not Disclosed</a:t>
+                      </a:r>
+                    </a:p>
+                  </a:txBody>
+                  <a:tcPr marL="9525" marR="9525" marT="9525" marB="0" anchor="b"/>
+                </a:tc>
+                <a:extLst>
+                  <a:ext uri="{0D108BD9-81ED-4DB2-BD59-A6C34878D82A}">
+                    <a16:rowId xmlns:a16="http://schemas.microsoft.com/office/drawing/2014/main" val="4002930349"/>
+                  </a:ext>
+                </a:extLst>
+              </a:tr>
+            </a:tbl>
+          </a:graphicData>
+        </a:graphic>
+      </p:graphicFrame>
+      <p:sp>
+        <p:nvSpPr>
+          <p:cNvPr id="5" name="TextBox 4">
+            <a:extLst>
+              <a:ext uri="{FF2B5EF4-FFF2-40B4-BE49-F238E27FC236}">
+                <a16:creationId xmlns:a16="http://schemas.microsoft.com/office/drawing/2014/main" id="{ED969F44-F8B3-AC4D-A653-0A803B7B8A28}"/>
+              </a:ext>
+            </a:extLst>
+          </p:cNvPr>
+          <p:cNvSpPr txBox="1"/>
+          <p:nvPr/>
         </p:nvSpPr>
         <p:spPr>
           <a:xfrm>
-            <a:off x="838200" y="365125"/>
-            <a:ext cx="10515600" cy="1325563"/>
-          </a:xfrm>
-        </p:spPr>
-        <p:txBody>
-          <a:bodyPr/>
-          <a:lstStyle/>
-          <a:p>
-            <a:r>
-              <a:rPr lang="en-US" dirty="0"/>
-              <a:t>INSPECTIONS DATA [observations]</a:t>
-            </a:r>
-          </a:p>
-        </p:txBody>
-      </p:sp>
-      <p:sp>
-        <p:nvSpPr>
-          <p:cNvPr id="10" name="Content Placeholder 9">
-            <a:extLst>
-              <a:ext uri="{FF2B5EF4-FFF2-40B4-BE49-F238E27FC236}">
-                <a16:creationId xmlns:a16="http://schemas.microsoft.com/office/drawing/2014/main" id="{27BFF577-4595-7542-A1A9-80D811E3F259}"/>
-              </a:ext>
-            </a:extLst>
-          </p:cNvPr>
-          <p:cNvSpPr>
-            <a:spLocks noGrp="1"/>
-          </p:cNvSpPr>
-          <p:nvPr>
-            <p:ph idx="1"/>
-          </p:nvPr>
-        </p:nvSpPr>
-        <p:spPr>
-          <a:xfrm>
-            <a:off x="838200" y="1825625"/>
-            <a:ext cx="4807226" cy="4351338"/>
-          </a:xfrm>
-        </p:spPr>
-        <p:txBody>
-          <a:bodyPr>
-            <a:normAutofit/>
-          </a:bodyPr>
-          <a:lstStyle/>
-          <a:p>
-            <a:pPr marL="0" indent="0">
-              <a:buNone/>
-            </a:pPr>
-            <a:r>
-              <a:rPr lang="en-US" sz="2000" dirty="0"/>
-              <a:t>Total number of inspections, through September of all years, are down in 2020.</a:t>
-            </a:r>
-          </a:p>
-          <a:p>
-            <a:pPr marL="0" indent="0">
-              <a:buNone/>
-            </a:pPr>
-            <a:endParaRPr lang="en-US" sz="2000" dirty="0"/>
-          </a:p>
-          <a:p>
-            <a:pPr marL="0" indent="0">
-              <a:buNone/>
-            </a:pPr>
-            <a:r>
-              <a:rPr lang="en-US" sz="2000" dirty="0"/>
-              <a:t>Inspections peaked in 2016.</a:t>
-            </a:r>
-          </a:p>
-          <a:p>
-            <a:pPr marL="0" indent="0">
-              <a:buNone/>
-            </a:pPr>
-            <a:endParaRPr lang="en-US" sz="2000" dirty="0"/>
-          </a:p>
-          <a:p>
-            <a:pPr marL="0" indent="0">
-              <a:buNone/>
-            </a:pPr>
-            <a:r>
-              <a:rPr lang="en-US" sz="2000" dirty="0"/>
-              <a:t>Significantly more ”pass with conditions” results in 2019 than other years</a:t>
-            </a:r>
-          </a:p>
-          <a:p>
-            <a:endParaRPr lang="en-US" sz="2000" dirty="0"/>
-          </a:p>
-          <a:p>
-            <a:endParaRPr lang="en-US" sz="2000" dirty="0"/>
-          </a:p>
-        </p:txBody>
-      </p:sp>
-      <p:pic>
-        <p:nvPicPr>
-          <p:cNvPr id="4" name="Picture 3" descr="A picture containing pencil&#10;&#10;Description automatically generated">
-            <a:extLst>
-              <a:ext uri="{FF2B5EF4-FFF2-40B4-BE49-F238E27FC236}">
-                <a16:creationId xmlns:a16="http://schemas.microsoft.com/office/drawing/2014/main" id="{BD5C8AC2-26A1-1A45-B115-8E54F2BBBFC6}"/>
-              </a:ext>
-            </a:extLst>
-          </p:cNvPr>
-          <p:cNvPicPr>
-            <a:picLocks noChangeAspect="1"/>
-          </p:cNvPicPr>
-          <p:nvPr/>
-        </p:nvPicPr>
-        <p:blipFill>
-          <a:blip r:embed="rId3"/>
-          <a:stretch>
-            <a:fillRect/>
-          </a:stretch>
-        </p:blipFill>
-        <p:spPr>
-          <a:xfrm>
-            <a:off x="5412340" y="2146852"/>
-            <a:ext cx="6671420" cy="4616173"/>
+            <a:off x="3650976" y="1842052"/>
+            <a:ext cx="8395251" cy="4870564"/>
           </a:xfrm>
           <a:prstGeom prst="rect">
             <a:avLst/>
           </a:prstGeom>
+          <a:noFill/>
+          <a:ln>
+            <a:solidFill>
+              <a:schemeClr val="accent1"/>
+            </a:solidFill>
+          </a:ln>
         </p:spPr>
-      </p:pic>
+        <p:txBody>
+          <a:bodyPr wrap="square" rtlCol="0">
+            <a:spAutoFit/>
+          </a:bodyPr>
+          <a:lstStyle/>
+          <a:p>
+            <a:r>
+              <a:rPr lang="en-US" sz="1150" dirty="0">
+                <a:solidFill>
+                  <a:srgbClr val="000000"/>
+                </a:solidFill>
+                <a:highlight>
+                  <a:srgbClr val="C0C0C0"/>
+                </a:highlight>
+                <a:latin typeface="Arial" panose="020B0604020202020204" pitchFamily="34" charset="0"/>
+                <a:cs typeface="Arial" panose="020B0604020202020204" pitchFamily="34" charset="0"/>
+              </a:rPr>
+              <a:t>"10. ADEQUATE HANDWASHING SINKS PROPERLY SUPPLIED AND ACCESSIBLE - Comments: - MUST PROVIDE HANDWASH SIGNAGE AT ALL OF THE BARS' HANDWASH SINKS.  -  | 10. ADEQUATE HANDWASHING SINKS PROPERLY SUPPLIED AND ACCESSIBLE - Comments: - OBSERVED NO HANDWASH SINK IN THE OUTDOOR PATIO BAR AND IN THE OUTDOOR PATIO'S DISHWASH ROOM.  MUST INSTALL A HANDWASH SINK IN BOTH AREAS. ALL HANDWASH SINKS SHALL BE EQUIPPED TO PROVIDE AN ADEQUATE SUPPLY OF WATER AT A TEMPERATURE OF AT LEAST 100F TO MEET FACILITY'S PEAK HOT WATER DEMANDS.   PRIORITY FOUNDATION VIOLATION#:7-38-030(c). CITATION ISSUED.  - </a:t>
+            </a:r>
+            <a:r>
+              <a:rPr lang="en-US" sz="1150" dirty="0">
+                <a:solidFill>
+                  <a:srgbClr val="000000"/>
+                </a:solidFill>
+                <a:latin typeface="Arial" panose="020B0604020202020204" pitchFamily="34" charset="0"/>
+                <a:cs typeface="Arial" panose="020B0604020202020204" pitchFamily="34" charset="0"/>
+              </a:rPr>
+              <a:t>| 16. FOOD-CONTACT SURFACES: CLEANED &amp; SANITIZED - Comments: - OBSERVED A SLIGHT DEBRIS BUILDUP ON THE INTERIOR OF THE LEFT SIDE ICE MACHINE IN THE 16TH FL KITCHEN.  MUST REMOVE DEBRIS, DETAIL CLEAN, SANITIZE, AND MAINTAIN.  - | </a:t>
+            </a:r>
+            <a:r>
+              <a:rPr lang="en-US" sz="1150" dirty="0">
+                <a:solidFill>
+                  <a:srgbClr val="000000"/>
+                </a:solidFill>
+                <a:highlight>
+                  <a:srgbClr val="C0C0C0"/>
+                </a:highlight>
+                <a:latin typeface="Arial" panose="020B0604020202020204" pitchFamily="34" charset="0"/>
+                <a:cs typeface="Arial" panose="020B0604020202020204" pitchFamily="34" charset="0"/>
+              </a:rPr>
+              <a:t>39. CONTAMINATION PREVENTED DURING FOOD PREPARATION, STORAGE &amp; DISPLAY - Comments: - OBSERVED THE ICE BINS IN THE OUTDOOR PATIO BAR DO NOT HAVE ANY LIDS.   MUST PROVIDE THE ICE BINS TO BE EQUIPPED WITH TIGHT FITTING LIDS, AND MAINTAIN THE LIDS TO BE CLOSED AT ALL TIMES IN BETWEEN USAGE.  -  </a:t>
+            </a:r>
+            <a:r>
+              <a:rPr lang="en-US" sz="1150" dirty="0">
+                <a:solidFill>
+                  <a:srgbClr val="000000"/>
+                </a:solidFill>
+                <a:latin typeface="Arial" panose="020B0604020202020204" pitchFamily="34" charset="0"/>
+                <a:cs typeface="Arial" panose="020B0604020202020204" pitchFamily="34" charset="0"/>
+              </a:rPr>
+              <a:t>| 43. IN-USE UTENSILS: PROPERLY STORED - Comments: - OBSERVED THE ICE SCOOP IN THE OUTDOOR PATIO ICE BIN STORED WITH THE HANDLE DIRECTLY ON THE ICE. MUST REMOVE AND STORE THE ICE SCOOP OFF OF THE ICE AND AWAY FROM POTENTIAL SOURCES OF CONTAMINATION.  -   | </a:t>
+            </a:r>
+            <a:r>
+              <a:rPr lang="en-US" sz="1150" dirty="0">
+                <a:solidFill>
+                  <a:srgbClr val="000000"/>
+                </a:solidFill>
+                <a:highlight>
+                  <a:srgbClr val="C0C0C0"/>
+                </a:highlight>
+                <a:latin typeface="Arial" panose="020B0604020202020204" pitchFamily="34" charset="0"/>
+                <a:cs typeface="Arial" panose="020B0604020202020204" pitchFamily="34" charset="0"/>
+              </a:rPr>
+              <a:t>44. UTENSILS, EQUIPMENT &amp; LINENS: PROPERLY STORED, DRIED, &amp; HANDLED - Comments: - MUST STORE THE CLEAN DISHES/UNTENSILS ON THE DISH RACKS AND ON THE SHELVES INVERTED TO PREVENT POTENTIAL SOURCES OF CONTAMINATION.  -  | 47. FOOD &amp; NON-FOOD CONTACT SURFACES CLEANABLE, PROPERLY DESIGNED, CONSTRUCTED &amp; USED - Comments: - OBSERVED IN THE OUTDOOR PATIO'S DISHROOM A SHELVING/TABLE UNIT THAT IS RAW WOOD AND MATTE PAINTED.   MUST RE-FINISH THE UNIT WITH A SEALANT THAT PROVIDES A NON-ABSORBENT, SMOOTH, EASILY CLEANABLE SURFACE.  -  </a:t>
+            </a:r>
+            <a:r>
+              <a:rPr lang="en-US" sz="1150" dirty="0">
+                <a:solidFill>
+                  <a:srgbClr val="000000"/>
+                </a:solidFill>
+                <a:latin typeface="Arial" panose="020B0604020202020204" pitchFamily="34" charset="0"/>
+                <a:cs typeface="Arial" panose="020B0604020202020204" pitchFamily="34" charset="0"/>
+              </a:rPr>
+              <a:t>| 55. PHYSICAL FACILITIES INSTALLED, MAINTAINED &amp; CLEAN - Comments: - OBSERVED THE WALLS OF THE OUTDOOR PATIO'S DISHROOM TO BE CEMENT THAT IS PAINTED WITH A MATTE FINISH.   MUST PAINT WALLS WITH A SEALANT THAT PROVIDES THE WALLS TO BE NON-ABSORBENT, SMOOTH, AND EASILY CLEANABLE.  -  | </a:t>
+            </a:r>
+            <a:r>
+              <a:rPr lang="en-US" sz="1150" dirty="0">
+                <a:solidFill>
+                  <a:srgbClr val="000000"/>
+                </a:solidFill>
+                <a:highlight>
+                  <a:srgbClr val="C0C0C0"/>
+                </a:highlight>
+                <a:latin typeface="Arial" panose="020B0604020202020204" pitchFamily="34" charset="0"/>
+                <a:cs typeface="Arial" panose="020B0604020202020204" pitchFamily="34" charset="0"/>
+              </a:rPr>
+              <a:t>55. PHYSICAL FACILITIES INSTALLED, MAINTAINED &amp; CLEAN - Comments: - OBSERVED NO OVERHEAD PROTECTION PROVIDED AT THE OUTDOOR PATIO BAR.   MUST INSTALL OVERHEAD PROTECTION FOR THE BAR.  Overhead protection shall be provided that fully extends over all  beverages, utensil holding facilities and equipment associated with the outdoor beverage bar.   The overhead protection shall be of solid construction and horizontally beyond all  equipment, work, and storage areas. -"</a:t>
+            </a:r>
+            <a:endParaRPr lang="en-US" sz="1150" dirty="0">
+              <a:latin typeface="Arial" panose="020B0604020202020204" pitchFamily="34" charset="0"/>
+              <a:cs typeface="Arial" panose="020B0604020202020204" pitchFamily="34" charset="0"/>
+            </a:endParaRPr>
+          </a:p>
+        </p:txBody>
+      </p:sp>
+      <p:sp>
+        <p:nvSpPr>
+          <p:cNvPr id="7" name="TextBox 6">
+            <a:extLst>
+              <a:ext uri="{FF2B5EF4-FFF2-40B4-BE49-F238E27FC236}">
+                <a16:creationId xmlns:a16="http://schemas.microsoft.com/office/drawing/2014/main" id="{FBD567CA-E5F1-644B-8CF0-F3DA63A152D3}"/>
+              </a:ext>
+            </a:extLst>
+          </p:cNvPr>
+          <p:cNvSpPr txBox="1"/>
+          <p:nvPr/>
+        </p:nvSpPr>
+        <p:spPr>
+          <a:xfrm>
+            <a:off x="3650976" y="1364974"/>
+            <a:ext cx="5294242" cy="369332"/>
+          </a:xfrm>
+          <a:prstGeom prst="rect">
+            <a:avLst/>
+          </a:prstGeom>
+          <a:noFill/>
+          <a:ln>
+            <a:solidFill>
+              <a:schemeClr val="accent1"/>
+            </a:solidFill>
+          </a:ln>
+        </p:spPr>
+        <p:txBody>
+          <a:bodyPr wrap="square" rtlCol="0">
+            <a:spAutoFit/>
+          </a:bodyPr>
+          <a:lstStyle/>
+          <a:p>
+            <a:r>
+              <a:rPr lang="en-US" b="1" dirty="0"/>
+              <a:t>Violations detail/format: seven code violations</a:t>
+            </a:r>
+          </a:p>
+        </p:txBody>
+      </p:sp>
+      <p:cxnSp>
+        <p:nvCxnSpPr>
+          <p:cNvPr id="9" name="Straight Arrow Connector 8">
+            <a:extLst>
+              <a:ext uri="{FF2B5EF4-FFF2-40B4-BE49-F238E27FC236}">
+                <a16:creationId xmlns:a16="http://schemas.microsoft.com/office/drawing/2014/main" id="{448B4F2B-877C-FE4C-87C2-F5AD21ACCC9C}"/>
+              </a:ext>
+            </a:extLst>
+          </p:cNvPr>
+          <p:cNvCxnSpPr>
+            <a:cxnSpLocks/>
+          </p:cNvCxnSpPr>
+          <p:nvPr/>
+        </p:nvCxnSpPr>
+        <p:spPr>
+          <a:xfrm flipV="1">
+            <a:off x="2796209" y="1690688"/>
+            <a:ext cx="854767" cy="4074009"/>
+          </a:xfrm>
+          <a:prstGeom prst="straightConnector1">
+            <a:avLst/>
+          </a:prstGeom>
+          <a:ln w="25400">
+            <a:tailEnd type="triangle" w="lg" len="med"/>
+          </a:ln>
+        </p:spPr>
+        <p:style>
+          <a:lnRef idx="1">
+            <a:schemeClr val="accent1"/>
+          </a:lnRef>
+          <a:fillRef idx="0">
+            <a:schemeClr val="accent1"/>
+          </a:fillRef>
+          <a:effectRef idx="0">
+            <a:schemeClr val="accent1"/>
+          </a:effectRef>
+          <a:fontRef idx="minor">
+            <a:schemeClr val="tx1"/>
+          </a:fontRef>
+        </p:style>
+      </p:cxnSp>
     </p:spTree>
     <p:extLst>
       <p:ext uri="{BB962C8B-B14F-4D97-AF65-F5344CB8AC3E}">
-        <p14:creationId xmlns:p14="http://schemas.microsoft.com/office/powerpoint/2010/main" val="704444123"/>
+        <p14:creationId xmlns:p14="http://schemas.microsoft.com/office/powerpoint/2010/main" val="272077139"/>
       </p:ext>
     </p:extLst>
   </p:cSld>
@@ -5628,7 +6753,7 @@
           <p:cNvPr id="2" name="Title 1">
             <a:extLst>
               <a:ext uri="{FF2B5EF4-FFF2-40B4-BE49-F238E27FC236}">
-                <a16:creationId xmlns:a16="http://schemas.microsoft.com/office/drawing/2014/main" id="{4C5F6680-0E77-DC4C-85D7-7CFBC475872C}"/>
+                <a16:creationId xmlns:a16="http://schemas.microsoft.com/office/drawing/2014/main" id="{D7FC21B0-D9F2-CA48-BE37-B0C7B5AE9F8B}"/>
               </a:ext>
             </a:extLst>
           </p:cNvPr>
@@ -5639,24 +6764,113 @@
             <p:ph type="title"/>
           </p:nvPr>
         </p:nvSpPr>
-        <p:spPr/>
+        <p:spPr>
+          <a:xfrm>
+            <a:off x="838200" y="365125"/>
+            <a:ext cx="10515600" cy="1325563"/>
+          </a:xfrm>
+        </p:spPr>
         <p:txBody>
           <a:bodyPr/>
           <a:lstStyle/>
           <a:p>
             <a:r>
+              <a:rPr lang="en-US" b="1" dirty="0"/>
+              <a:t>02 </a:t>
+            </a:r>
+            <a:r>
               <a:rPr lang="en-US" dirty="0"/>
-              <a:t>INSPECTIONS DATA [observations]</a:t>
-            </a:r>
-          </a:p>
-        </p:txBody>
-      </p:sp>
-      <p:sp>
-        <p:nvSpPr>
-          <p:cNvPr id="8" name="TextBox 7">
-            <a:extLst>
-              <a:ext uri="{FF2B5EF4-FFF2-40B4-BE49-F238E27FC236}">
-                <a16:creationId xmlns:a16="http://schemas.microsoft.com/office/drawing/2014/main" id="{64DC0392-2707-3C42-B5B1-E13ADCD7EAC5}"/>
+              <a:t>DATA [observations]</a:t>
+            </a:r>
+          </a:p>
+        </p:txBody>
+      </p:sp>
+      <p:sp>
+        <p:nvSpPr>
+          <p:cNvPr id="10" name="Content Placeholder 9">
+            <a:extLst>
+              <a:ext uri="{FF2B5EF4-FFF2-40B4-BE49-F238E27FC236}">
+                <a16:creationId xmlns:a16="http://schemas.microsoft.com/office/drawing/2014/main" id="{27BFF577-4595-7542-A1A9-80D811E3F259}"/>
+              </a:ext>
+            </a:extLst>
+          </p:cNvPr>
+          <p:cNvSpPr>
+            <a:spLocks noGrp="1"/>
+          </p:cNvSpPr>
+          <p:nvPr>
+            <p:ph idx="1"/>
+          </p:nvPr>
+        </p:nvSpPr>
+        <p:spPr>
+          <a:xfrm>
+            <a:off x="838200" y="1825625"/>
+            <a:ext cx="3667539" cy="4351338"/>
+          </a:xfrm>
+        </p:spPr>
+        <p:txBody>
+          <a:bodyPr>
+            <a:normAutofit/>
+          </a:bodyPr>
+          <a:lstStyle/>
+          <a:p>
+            <a:pPr marL="0" indent="0">
+              <a:buNone/>
+            </a:pPr>
+            <a:r>
+              <a:rPr lang="en-US" sz="2200" dirty="0"/>
+              <a:t>Total number of inspections (normalized, as of September in all years) are down in 2020.</a:t>
+            </a:r>
+          </a:p>
+          <a:p>
+            <a:pPr marL="0" indent="0">
+              <a:buNone/>
+            </a:pPr>
+            <a:endParaRPr lang="en-US" sz="2000" dirty="0"/>
+          </a:p>
+          <a:p>
+            <a:endParaRPr lang="en-US" sz="2000" dirty="0"/>
+          </a:p>
+          <a:p>
+            <a:endParaRPr lang="en-US" sz="2000" dirty="0"/>
+          </a:p>
+        </p:txBody>
+      </p:sp>
+      <p:pic>
+        <p:nvPicPr>
+          <p:cNvPr id="15" name="Picture 14" descr="A picture containing chart&#10;&#10;Description automatically generated">
+            <a:extLst>
+              <a:ext uri="{FF2B5EF4-FFF2-40B4-BE49-F238E27FC236}">
+                <a16:creationId xmlns:a16="http://schemas.microsoft.com/office/drawing/2014/main" id="{37DF5825-9CA3-D446-86D6-24172E7014B6}"/>
+              </a:ext>
+            </a:extLst>
+          </p:cNvPr>
+          <p:cNvPicPr>
+            <a:picLocks noChangeAspect="1"/>
+          </p:cNvPicPr>
+          <p:nvPr/>
+        </p:nvPicPr>
+        <p:blipFill>
+          <a:blip r:embed="rId3"/>
+          <a:stretch>
+            <a:fillRect/>
+          </a:stretch>
+        </p:blipFill>
+        <p:spPr>
+          <a:xfrm>
+            <a:off x="4784035" y="1689943"/>
+            <a:ext cx="7276087" cy="4966432"/>
+          </a:xfrm>
+          <a:prstGeom prst="rect">
+            <a:avLst/>
+          </a:prstGeom>
+        </p:spPr>
+      </p:pic>
+      <p:sp>
+        <p:nvSpPr>
+          <p:cNvPr id="16" name="TextBox 15">
+            <a:extLst>
+              <a:ext uri="{FF2B5EF4-FFF2-40B4-BE49-F238E27FC236}">
+                <a16:creationId xmlns:a16="http://schemas.microsoft.com/office/drawing/2014/main" id="{2CC9A00B-825E-DE4A-B7C0-9E407441632E}"/>
               </a:ext>
             </a:extLst>
           </p:cNvPr>
@@ -5665,8 +6879,8 @@
         </p:nvSpPr>
         <p:spPr>
           <a:xfrm>
-            <a:off x="357809" y="1484243"/>
-            <a:ext cx="2981739" cy="369332"/>
+            <a:off x="9090989" y="704369"/>
+            <a:ext cx="1232453" cy="646331"/>
           </a:xfrm>
           <a:prstGeom prst="rect">
             <a:avLst/>
@@ -5674,9 +6888,7 @@
           <a:noFill/>
           <a:ln>
             <a:solidFill>
-              <a:schemeClr val="accent1">
-                <a:shade val="50000"/>
-              </a:schemeClr>
+              <a:schemeClr val="tx1"/>
             </a:solidFill>
           </a:ln>
         </p:spPr>
@@ -5688,18 +6900,62 @@
           <a:p>
             <a:pPr algn="ctr"/>
             <a:r>
-              <a:rPr lang="en-US" b="1" dirty="0"/>
-              <a:t>ZIP Codes</a:t>
-            </a:r>
-          </a:p>
-        </p:txBody>
-      </p:sp>
-      <p:sp>
-        <p:nvSpPr>
-          <p:cNvPr id="12" name="TextBox 11">
-            <a:extLst>
-              <a:ext uri="{FF2B5EF4-FFF2-40B4-BE49-F238E27FC236}">
-                <a16:creationId xmlns:a16="http://schemas.microsoft.com/office/drawing/2014/main" id="{41AA7CB3-A69D-294B-8749-E58D75ADCA8B}"/>
+              <a:rPr lang="en-US" sz="1200" dirty="0"/>
+              <a:t>13,352, peak number of total inspections</a:t>
+            </a:r>
+          </a:p>
+        </p:txBody>
+      </p:sp>
+      <p:cxnSp>
+        <p:nvCxnSpPr>
+          <p:cNvPr id="18" name="Straight Connector 17">
+            <a:extLst>
+              <a:ext uri="{FF2B5EF4-FFF2-40B4-BE49-F238E27FC236}">
+                <a16:creationId xmlns:a16="http://schemas.microsoft.com/office/drawing/2014/main" id="{92C893F2-8893-A84C-9E45-3BB5D79CE4DA}"/>
+              </a:ext>
+            </a:extLst>
+          </p:cNvPr>
+          <p:cNvCxnSpPr>
+            <a:cxnSpLocks/>
+            <a:stCxn id="16" idx="2"/>
+          </p:cNvCxnSpPr>
+          <p:nvPr/>
+        </p:nvCxnSpPr>
+        <p:spPr>
+          <a:xfrm flipH="1">
+            <a:off x="9303026" y="1350700"/>
+            <a:ext cx="404190" cy="782900"/>
+          </a:xfrm>
+          <a:prstGeom prst="line">
+            <a:avLst/>
+          </a:prstGeom>
+          <a:ln>
+            <a:solidFill>
+              <a:schemeClr val="tx1"/>
+            </a:solidFill>
+          </a:ln>
+        </p:spPr>
+        <p:style>
+          <a:lnRef idx="1">
+            <a:schemeClr val="accent1"/>
+          </a:lnRef>
+          <a:fillRef idx="0">
+            <a:schemeClr val="accent1"/>
+          </a:fillRef>
+          <a:effectRef idx="0">
+            <a:schemeClr val="accent1"/>
+          </a:effectRef>
+          <a:fontRef idx="minor">
+            <a:schemeClr val="tx1"/>
+          </a:fontRef>
+        </p:style>
+      </p:cxnSp>
+      <p:sp>
+        <p:nvSpPr>
+          <p:cNvPr id="20" name="TextBox 19">
+            <a:extLst>
+              <a:ext uri="{FF2B5EF4-FFF2-40B4-BE49-F238E27FC236}">
+                <a16:creationId xmlns:a16="http://schemas.microsoft.com/office/drawing/2014/main" id="{017214C7-8762-054C-A78C-63832AC7BE27}"/>
               </a:ext>
             </a:extLst>
           </p:cNvPr>
@@ -5708,8 +6964,8 @@
         </p:nvSpPr>
         <p:spPr>
           <a:xfrm>
-            <a:off x="6393954" y="1506022"/>
-            <a:ext cx="3640077" cy="369332"/>
+            <a:off x="10827669" y="1027534"/>
+            <a:ext cx="1232453" cy="646331"/>
           </a:xfrm>
           <a:prstGeom prst="rect">
             <a:avLst/>
@@ -5717,9 +6973,7 @@
           <a:noFill/>
           <a:ln>
             <a:solidFill>
-              <a:schemeClr val="accent1">
-                <a:shade val="50000"/>
-              </a:schemeClr>
+              <a:schemeClr val="tx1"/>
             </a:solidFill>
           </a:ln>
         </p:spPr>
@@ -5731,76 +6985,60 @@
           <a:p>
             <a:pPr algn="ctr"/>
             <a:r>
-              <a:rPr lang="en-US" b="1" dirty="0"/>
-              <a:t>Low/Medium/High Risk by Year</a:t>
-            </a:r>
-          </a:p>
-        </p:txBody>
-      </p:sp>
-      <p:pic>
-        <p:nvPicPr>
-          <p:cNvPr id="13" name="slide2" descr="Sheet 2">
-            <a:extLst>
-              <a:ext uri="{FF2B5EF4-FFF2-40B4-BE49-F238E27FC236}">
-                <a16:creationId xmlns:a16="http://schemas.microsoft.com/office/drawing/2014/main" id="{07CDED29-CD6A-8B4F-ACB9-42B7490FFB2E}"/>
-              </a:ext>
-            </a:extLst>
-          </p:cNvPr>
-          <p:cNvPicPr>
-            <a:picLocks noChangeAspect="1"/>
-          </p:cNvPicPr>
+              <a:rPr lang="en-US" sz="1200" dirty="0"/>
+              <a:t>6,443, peak number of ”pass w/ comments”</a:t>
+            </a:r>
+          </a:p>
+        </p:txBody>
+      </p:sp>
+      <p:cxnSp>
+        <p:nvCxnSpPr>
+          <p:cNvPr id="21" name="Straight Connector 20">
+            <a:extLst>
+              <a:ext uri="{FF2B5EF4-FFF2-40B4-BE49-F238E27FC236}">
+                <a16:creationId xmlns:a16="http://schemas.microsoft.com/office/drawing/2014/main" id="{CF003489-ABF0-C942-827C-7A7E11F78395}"/>
+              </a:ext>
+            </a:extLst>
+          </p:cNvPr>
+          <p:cNvCxnSpPr>
+            <a:cxnSpLocks/>
+            <a:stCxn id="20" idx="2"/>
+          </p:cNvCxnSpPr>
           <p:nvPr/>
-        </p:nvPicPr>
-        <p:blipFill rotWithShape="1">
-          <a:blip r:embed="rId3">
-            <a:extLst>
-              <a:ext uri="{28A0092B-C50C-407E-A947-70E740481C1C}">
-                <a14:useLocalDpi xmlns:a14="http://schemas.microsoft.com/office/drawing/2010/main" val="0"/>
-              </a:ext>
-            </a:extLst>
-          </a:blip>
-          <a:srcRect t="4603" b="8427"/>
-          <a:stretch/>
-        </p:blipFill>
+        </p:nvCxnSpPr>
         <p:spPr>
-          <a:xfrm>
-            <a:off x="4023391" y="2133600"/>
-            <a:ext cx="8381205" cy="4544805"/>
+          <a:xfrm flipH="1">
+            <a:off x="11118574" y="1673865"/>
+            <a:ext cx="325322" cy="2752361"/>
           </a:xfrm>
-          <a:prstGeom prst="rect">
+          <a:prstGeom prst="line">
             <a:avLst/>
           </a:prstGeom>
+          <a:ln>
+            <a:solidFill>
+              <a:schemeClr val="tx1"/>
+            </a:solidFill>
+          </a:ln>
         </p:spPr>
-      </p:pic>
-      <p:sp>
-        <p:nvSpPr>
-          <p:cNvPr id="15" name="Content Placeholder 14">
-            <a:extLst>
-              <a:ext uri="{FF2B5EF4-FFF2-40B4-BE49-F238E27FC236}">
-                <a16:creationId xmlns:a16="http://schemas.microsoft.com/office/drawing/2014/main" id="{22B71E9A-728B-284B-841A-5200DC365665}"/>
-              </a:ext>
-            </a:extLst>
-          </p:cNvPr>
-          <p:cNvSpPr>
-            <a:spLocks noGrp="1"/>
-          </p:cNvSpPr>
-          <p:nvPr>
-            <p:ph idx="1"/>
-          </p:nvPr>
-        </p:nvSpPr>
-        <p:spPr/>
-        <p:txBody>
-          <a:bodyPr/>
-          <a:lstStyle/>
-          <a:p>
-            <a:endParaRPr lang="en-US"/>
-          </a:p>
-        </p:txBody>
-      </p:sp>
+        <p:style>
+          <a:lnRef idx="1">
+            <a:schemeClr val="accent1"/>
+          </a:lnRef>
+          <a:fillRef idx="0">
+            <a:schemeClr val="accent1"/>
+          </a:fillRef>
+          <a:effectRef idx="0">
+            <a:schemeClr val="accent1"/>
+          </a:effectRef>
+          <a:fontRef idx="minor">
+            <a:schemeClr val="tx1"/>
+          </a:fontRef>
+        </p:style>
+      </p:cxnSp>
     </p:spTree>
     <p:extLst>
       <p:ext uri="{BB962C8B-B14F-4D97-AF65-F5344CB8AC3E}">
-        <p14:creationId xmlns:p14="http://schemas.microsoft.com/office/powerpoint/2010/main" val="1381573681"/>
+        <p14:creationId xmlns:p14="http://schemas.microsoft.com/office/powerpoint/2010/main" val="704444123"/>
       </p:ext>
     </p:extLst>
   </p:cSld>
@@ -5849,8 +7087,12 @@
           <a:lstStyle/>
           <a:p>
             <a:r>
+              <a:rPr lang="en-US" b="1" dirty="0"/>
+              <a:t>02 </a:t>
+            </a:r>
+            <a:r>
               <a:rPr lang="en-US" dirty="0"/>
-              <a:t>INSPECTIONS DATA [observations]</a:t>
+              <a:t>DATA [observations]</a:t>
             </a:r>
           </a:p>
         </p:txBody>
@@ -5947,8 +7189,8 @@
         </p:nvSpPr>
         <p:spPr>
           <a:xfrm>
-            <a:off x="2411892" y="2828835"/>
-            <a:ext cx="2769707" cy="1200329"/>
+            <a:off x="2756452" y="1690688"/>
+            <a:ext cx="3074504" cy="830997"/>
           </a:xfrm>
           <a:prstGeom prst="rect">
             <a:avLst/>
@@ -5969,21 +7211,14 @@
             <a:pPr algn="ctr"/>
             <a:r>
               <a:rPr lang="en-US" sz="2400" dirty="0"/>
-              <a:t>Five most prevalent</a:t>
+              <a:t>Five most-prevalent</a:t>
             </a:r>
           </a:p>
           <a:p>
             <a:pPr algn="ctr"/>
             <a:r>
               <a:rPr lang="en-US" sz="2400" dirty="0"/>
-              <a:t>types of facilities</a:t>
-            </a:r>
-          </a:p>
-          <a:p>
-            <a:pPr algn="ctr"/>
-            <a:r>
-              <a:rPr lang="en-US" sz="2400" dirty="0"/>
-              <a:t>in 2019</a:t>
+              <a:t>facility types in 2019</a:t>
             </a:r>
           </a:p>
         </p:txBody>
@@ -6135,8 +7370,8 @@
         </p:nvSpPr>
         <p:spPr>
           <a:xfrm>
-            <a:off x="10260478" y="2865655"/>
-            <a:ext cx="1490886" cy="282786"/>
+            <a:off x="10045147" y="2370452"/>
+            <a:ext cx="1490886" cy="461665"/>
           </a:xfrm>
           <a:prstGeom prst="rect">
             <a:avLst/>
@@ -6160,6 +7395,13 @@
             <a:r>
               <a:rPr lang="en-US" sz="1200" dirty="0"/>
               <a:t>78 Unique Zip Codes</a:t>
+            </a:r>
+          </a:p>
+          <a:p>
+            <a:pPr algn="ctr"/>
+            <a:r>
+              <a:rPr lang="en-US" sz="1200" dirty="0"/>
+              <a:t>across Chicago</a:t>
             </a:r>
           </a:p>
         </p:txBody>
@@ -6199,7 +7441,7 @@
           <p:cNvPr id="2" name="Title 1">
             <a:extLst>
               <a:ext uri="{FF2B5EF4-FFF2-40B4-BE49-F238E27FC236}">
-                <a16:creationId xmlns:a16="http://schemas.microsoft.com/office/drawing/2014/main" id="{E2C4F516-5BF1-E348-8DBC-EE143C099E3E}"/>
+                <a16:creationId xmlns:a16="http://schemas.microsoft.com/office/drawing/2014/main" id="{BB266A79-CBFB-124C-AB3D-2649905586A9}"/>
               </a:ext>
             </a:extLst>
           </p:cNvPr>
@@ -6216,56 +7458,49 @@
           <a:lstStyle/>
           <a:p>
             <a:r>
+              <a:rPr lang="en-US" b="1" dirty="0"/>
+              <a:t>02 </a:t>
+            </a:r>
+            <a:r>
               <a:rPr lang="en-US" dirty="0"/>
-              <a:t>03 NATURAL LANGUAGE PROCESSING</a:t>
-            </a:r>
-          </a:p>
-        </p:txBody>
-      </p:sp>
-      <p:sp>
-        <p:nvSpPr>
-          <p:cNvPr id="3" name="Content Placeholder 2">
-            <a:extLst>
-              <a:ext uri="{FF2B5EF4-FFF2-40B4-BE49-F238E27FC236}">
-                <a16:creationId xmlns:a16="http://schemas.microsoft.com/office/drawing/2014/main" id="{729AFA1D-9DCF-BC45-94B8-79AC3F7D7B2C}"/>
-              </a:ext>
-            </a:extLst>
-          </p:cNvPr>
-          <p:cNvSpPr>
-            <a:spLocks noGrp="1"/>
-          </p:cNvSpPr>
+              <a:t>DATA [observations]</a:t>
+            </a:r>
+          </a:p>
+        </p:txBody>
+      </p:sp>
+      <p:pic>
+        <p:nvPicPr>
+          <p:cNvPr id="5" name="Content Placeholder 4" descr="Chart, bar chart&#10;&#10;Description automatically generated">
+            <a:extLst>
+              <a:ext uri="{FF2B5EF4-FFF2-40B4-BE49-F238E27FC236}">
+                <a16:creationId xmlns:a16="http://schemas.microsoft.com/office/drawing/2014/main" id="{2B74C036-14F1-ED4D-98DA-F73A748081D1}"/>
+              </a:ext>
+            </a:extLst>
+          </p:cNvPr>
+          <p:cNvPicPr>
+            <a:picLocks noGrp="1" noChangeAspect="1"/>
+          </p:cNvPicPr>
           <p:nvPr>
             <p:ph idx="1"/>
           </p:nvPr>
-        </p:nvSpPr>
-        <p:spPr/>
-        <p:txBody>
-          <a:bodyPr/>
-          <a:lstStyle/>
-          <a:p>
-            <a:r>
-              <a:rPr lang="en-US" dirty="0"/>
-              <a:t>Lemmatization</a:t>
-            </a:r>
-          </a:p>
-          <a:p>
-            <a:r>
-              <a:rPr lang="en-US" dirty="0"/>
-              <a:t>Tokenization</a:t>
-            </a:r>
-          </a:p>
-          <a:p>
-            <a:endParaRPr lang="en-US" dirty="0"/>
-          </a:p>
-          <a:p>
-            <a:endParaRPr lang="en-US" dirty="0"/>
-          </a:p>
-        </p:txBody>
-      </p:sp>
+        </p:nvPicPr>
+        <p:blipFill>
+          <a:blip r:embed="rId2"/>
+          <a:stretch>
+            <a:fillRect/>
+          </a:stretch>
+        </p:blipFill>
+        <p:spPr>
+          <a:xfrm>
+            <a:off x="331305" y="1475619"/>
+            <a:ext cx="3557478" cy="5131960"/>
+          </a:xfrm>
+        </p:spPr>
+      </p:pic>
     </p:spTree>
     <p:extLst>
       <p:ext uri="{BB962C8B-B14F-4D97-AF65-F5344CB8AC3E}">
-        <p14:creationId xmlns:p14="http://schemas.microsoft.com/office/powerpoint/2010/main" val="1828657926"/>
+        <p14:creationId xmlns:p14="http://schemas.microsoft.com/office/powerpoint/2010/main" val="2532781876"/>
       </p:ext>
     </p:extLst>
   </p:cSld>
@@ -6297,7 +7532,7 @@
           <p:cNvPr id="2" name="Title 1">
             <a:extLst>
               <a:ext uri="{FF2B5EF4-FFF2-40B4-BE49-F238E27FC236}">
-                <a16:creationId xmlns:a16="http://schemas.microsoft.com/office/drawing/2014/main" id="{B3B1DFEA-7CDA-9C43-8F18-DA6A29B0D8D3}"/>
+                <a16:creationId xmlns:a16="http://schemas.microsoft.com/office/drawing/2014/main" id="{E2C4F516-5BF1-E348-8DBC-EE143C099E3E}"/>
               </a:ext>
             </a:extLst>
           </p:cNvPr>
@@ -6314,22 +7549,18 @@
           <a:lstStyle/>
           <a:p>
             <a:r>
-              <a:rPr lang="en-US" b="1" dirty="0"/>
-              <a:t>04</a:t>
-            </a:r>
-            <a:r>
               <a:rPr lang="en-US" dirty="0"/>
-              <a:t> MODEL OVERVIEW</a:t>
-            </a:r>
-          </a:p>
-        </p:txBody>
-      </p:sp>
-      <p:sp>
-        <p:nvSpPr>
-          <p:cNvPr id="9" name="Content Placeholder 8">
-            <a:extLst>
-              <a:ext uri="{FF2B5EF4-FFF2-40B4-BE49-F238E27FC236}">
-                <a16:creationId xmlns:a16="http://schemas.microsoft.com/office/drawing/2014/main" id="{3019DD5B-2701-3247-8E19-CF12DCDD7AA9}"/>
+              <a:t>03 NATURAL LANGUAGE PROCESSING</a:t>
+            </a:r>
+          </a:p>
+        </p:txBody>
+      </p:sp>
+      <p:sp>
+        <p:nvSpPr>
+          <p:cNvPr id="3" name="Content Placeholder 2">
+            <a:extLst>
+              <a:ext uri="{FF2B5EF4-FFF2-40B4-BE49-F238E27FC236}">
+                <a16:creationId xmlns:a16="http://schemas.microsoft.com/office/drawing/2014/main" id="{729AFA1D-9DCF-BC45-94B8-79AC3F7D7B2C}"/>
               </a:ext>
             </a:extLst>
           </p:cNvPr>
@@ -6347,33 +7578,27 @@
           <a:p>
             <a:r>
               <a:rPr lang="en-US" dirty="0"/>
-              <a:t>Naïve Bayes, Logistic Regression, Support Vector Machine</a:t>
+              <a:t>Lemmatization</a:t>
             </a:r>
           </a:p>
           <a:p>
             <a:r>
               <a:rPr lang="en-US" dirty="0"/>
-              <a:t>Strengths and weaknesses of each?</a:t>
-            </a:r>
-          </a:p>
-          <a:p>
-            <a:r>
-              <a:rPr lang="en-US" dirty="0"/>
-              <a:t>Parameter overview</a:t>
-            </a:r>
-          </a:p>
-          <a:p>
-            <a:r>
-              <a:rPr lang="en-US" dirty="0"/>
-              <a:t>Best Performing Model Logistic Regression</a:t>
-            </a:r>
+              <a:t>Tokenization</a:t>
+            </a:r>
+          </a:p>
+          <a:p>
+            <a:endParaRPr lang="en-US" dirty="0"/>
+          </a:p>
+          <a:p>
+            <a:endParaRPr lang="en-US" dirty="0"/>
           </a:p>
         </p:txBody>
       </p:sp>
     </p:spTree>
     <p:extLst>
       <p:ext uri="{BB962C8B-B14F-4D97-AF65-F5344CB8AC3E}">
-        <p14:creationId xmlns:p14="http://schemas.microsoft.com/office/powerpoint/2010/main" val="2606899608"/>
+        <p14:creationId xmlns:p14="http://schemas.microsoft.com/office/powerpoint/2010/main" val="1828657926"/>
       </p:ext>
     </p:extLst>
   </p:cSld>
